--- a/Présentation Finale – P3.pptx
+++ b/Présentation Finale – P3.pptx
@@ -2,7 +2,7 @@
 <file path=ppt/presentation.xml><?xml version="1.0" encoding="utf-8"?>
 <p:presentation xmlns:a="http://schemas.openxmlformats.org/drawingml/2006/main" xmlns:r="http://schemas.openxmlformats.org/officeDocument/2006/relationships" xmlns:p="http://schemas.openxmlformats.org/presentationml/2006/main" saveSubsetFonts="1">
   <p:sldMasterIdLst>
-    <p:sldMasterId id="2147483696" r:id="rId1"/>
+    <p:sldMasterId id="2147483803" r:id="rId1"/>
   </p:sldMasterIdLst>
   <p:sldIdLst>
     <p:sldId id="256" r:id="rId2"/>
@@ -10,7 +10,9 @@
     <p:sldId id="258" r:id="rId4"/>
     <p:sldId id="259" r:id="rId5"/>
     <p:sldId id="260" r:id="rId6"/>
-    <p:sldId id="261" r:id="rId7"/>
+    <p:sldId id="263" r:id="rId7"/>
+    <p:sldId id="264" r:id="rId8"/>
+    <p:sldId id="261" r:id="rId9"/>
   </p:sldIdLst>
   <p:sldSz cx="12192000" cy="6858000"/>
   <p:notesSz cx="6858000" cy="9144000"/>
@@ -120,11 +122,6 @@
 <file path=ppt/slideLayouts/slideLayout1.xml><?xml version="1.0" encoding="utf-8"?>
 <p:sldLayout xmlns:a="http://schemas.openxmlformats.org/drawingml/2006/main" xmlns:r="http://schemas.openxmlformats.org/officeDocument/2006/relationships" xmlns:p="http://schemas.openxmlformats.org/presentationml/2006/main" type="title" preserve="1">
   <p:cSld name="Title Slide">
-    <p:bg>
-      <p:bgRef idx="1003">
-        <a:schemeClr val="bg2"/>
-      </p:bgRef>
-    </p:bg>
     <p:spTree>
       <p:nvGrpSpPr>
         <p:cNvPr id="1" name=""/>
@@ -139,50 +136,20 @@
           <a:chExt cx="0" cy="0"/>
         </a:xfrm>
       </p:grpSpPr>
-      <p:pic>
-        <p:nvPicPr>
-          <p:cNvPr id="7" name="Picture 6" descr="Celestia-R1---OverlayTitleHD.png"/>
-          <p:cNvPicPr>
-            <a:picLocks noChangeAspect="1"/>
-          </p:cNvPicPr>
-          <p:nvPr/>
-        </p:nvPicPr>
-        <p:blipFill>
-          <a:blip r:embed="rId2">
-            <a:extLst>
-              <a:ext uri="{28A0092B-C50C-407E-A947-70E740481C1C}">
-                <a14:useLocalDpi xmlns:a14="http://schemas.microsoft.com/office/drawing/2010/main" val="0"/>
-              </a:ext>
-            </a:extLst>
-          </a:blip>
-          <a:stretch>
-            <a:fillRect/>
-          </a:stretch>
-        </p:blipFill>
+      <p:sp>
+        <p:nvSpPr>
+          <p:cNvPr id="2" name="Title 1"/>
+          <p:cNvSpPr>
+            <a:spLocks noGrp="1"/>
+          </p:cNvSpPr>
+          <p:nvPr>
+            <p:ph type="ctrTitle"/>
+          </p:nvPr>
+        </p:nvSpPr>
         <p:spPr>
           <a:xfrm>
-            <a:off x="0" y="0"/>
-            <a:ext cx="12188825" cy="6856214"/>
-          </a:xfrm>
-          <a:prstGeom prst="rect">
-            <a:avLst/>
-          </a:prstGeom>
-        </p:spPr>
-      </p:pic>
-      <p:sp>
-        <p:nvSpPr>
-          <p:cNvPr id="2" name="Title 1"/>
-          <p:cNvSpPr>
-            <a:spLocks noGrp="1"/>
-          </p:cNvSpPr>
-          <p:nvPr>
-            <p:ph type="ctrTitle"/>
-          </p:nvPr>
-        </p:nvSpPr>
-        <p:spPr>
-          <a:xfrm>
-            <a:off x="3962399" y="1964267"/>
-            <a:ext cx="7197726" cy="2421464"/>
+            <a:off x="2589213" y="2514600"/>
+            <a:ext cx="8915399" cy="2262781"/>
           </a:xfrm>
         </p:spPr>
         <p:txBody>
@@ -190,10 +157,8 @@
             <a:normAutofit/>
           </a:bodyPr>
           <a:lstStyle>
-            <a:lvl1pPr algn="r">
-              <a:defRPr sz="4800">
-                <a:effectLst/>
-              </a:defRPr>
+            <a:lvl1pPr>
+              <a:defRPr sz="5400"/>
             </a:lvl1pPr>
           </a:lstStyle>
           <a:p>
@@ -217,20 +182,21 @@
         </p:nvSpPr>
         <p:spPr>
           <a:xfrm>
-            <a:off x="3962399" y="4385732"/>
-            <a:ext cx="7197726" cy="1405467"/>
+            <a:off x="2589213" y="4777379"/>
+            <a:ext cx="8915399" cy="1126283"/>
           </a:xfrm>
         </p:spPr>
         <p:txBody>
-          <a:bodyPr anchor="t">
-            <a:normAutofit/>
-          </a:bodyPr>
+          <a:bodyPr anchor="t"/>
           <a:lstStyle>
-            <a:lvl1pPr marL="0" indent="0" algn="r">
-              <a:buNone/>
-              <a:defRPr sz="1800" cap="all">
+            <a:lvl1pPr marL="0" indent="0" algn="l">
+              <a:buNone/>
+              <a:defRPr>
                 <a:solidFill>
-                  <a:schemeClr val="tx1"/>
+                  <a:schemeClr val="tx1">
+                    <a:lumMod val="65000"/>
+                    <a:lumOff val="35000"/>
+                  </a:schemeClr>
                 </a:solidFill>
               </a:defRPr>
             </a:lvl1pPr>
@@ -334,62 +300,134 @@
             <p:ph type="dt" sz="half" idx="10"/>
           </p:nvPr>
         </p:nvSpPr>
+        <p:spPr/>
+        <p:txBody>
+          <a:bodyPr/>
+          <a:lstStyle/>
+          <a:p>
+            <a:fld id="{EAE94B64-FE95-4932-92D6-ED0579209990}" type="datetimeFigureOut">
+              <a:rPr lang="en-CA" smtClean="0"/>
+              <a:t>2018-12-02</a:t>
+            </a:fld>
+            <a:endParaRPr lang="en-CA"/>
+          </a:p>
+        </p:txBody>
+      </p:sp>
+      <p:sp>
+        <p:nvSpPr>
+          <p:cNvPr id="5" name="Footer Placeholder 4"/>
+          <p:cNvSpPr>
+            <a:spLocks noGrp="1"/>
+          </p:cNvSpPr>
+          <p:nvPr>
+            <p:ph type="ftr" sz="quarter" idx="11"/>
+          </p:nvPr>
+        </p:nvSpPr>
+        <p:spPr/>
+        <p:txBody>
+          <a:bodyPr/>
+          <a:lstStyle/>
+          <a:p>
+            <a:endParaRPr lang="en-CA"/>
+          </a:p>
+        </p:txBody>
+      </p:sp>
+      <p:sp>
+        <p:nvSpPr>
+          <p:cNvPr id="7" name="Freeform 6"/>
+          <p:cNvSpPr/>
+          <p:nvPr/>
+        </p:nvSpPr>
+        <p:spPr bwMode="auto">
+          <a:xfrm>
+            <a:off x="0" y="4323810"/>
+            <a:ext cx="1744652" cy="778589"/>
+          </a:xfrm>
+          <a:custGeom>
+            <a:avLst/>
+            <a:gdLst/>
+            <a:ahLst/>
+            <a:cxnLst/>
+            <a:rect l="0" t="0" r="r" b="b"/>
+            <a:pathLst>
+              <a:path w="372" h="166">
+                <a:moveTo>
+                  <a:pt x="287" y="166"/>
+                </a:moveTo>
+                <a:cubicBezTo>
+                  <a:pt x="290" y="166"/>
+                  <a:pt x="292" y="165"/>
+                  <a:pt x="293" y="164"/>
+                </a:cubicBezTo>
+                <a:cubicBezTo>
+                  <a:pt x="293" y="163"/>
+                  <a:pt x="294" y="163"/>
+                  <a:pt x="294" y="163"/>
+                </a:cubicBezTo>
+                <a:cubicBezTo>
+                  <a:pt x="370" y="87"/>
+                  <a:pt x="370" y="87"/>
+                  <a:pt x="370" y="87"/>
+                </a:cubicBezTo>
+                <a:cubicBezTo>
+                  <a:pt x="372" y="85"/>
+                  <a:pt x="372" y="81"/>
+                  <a:pt x="370" y="78"/>
+                </a:cubicBezTo>
+                <a:cubicBezTo>
+                  <a:pt x="294" y="3"/>
+                  <a:pt x="294" y="3"/>
+                  <a:pt x="294" y="3"/>
+                </a:cubicBezTo>
+                <a:cubicBezTo>
+                  <a:pt x="294" y="2"/>
+                  <a:pt x="293" y="2"/>
+                  <a:pt x="293" y="2"/>
+                </a:cubicBezTo>
+                <a:cubicBezTo>
+                  <a:pt x="292" y="1"/>
+                  <a:pt x="290" y="0"/>
+                  <a:pt x="287" y="0"/>
+                </a:cubicBezTo>
+                <a:cubicBezTo>
+                  <a:pt x="0" y="0"/>
+                  <a:pt x="0" y="0"/>
+                  <a:pt x="0" y="0"/>
+                </a:cubicBezTo>
+                <a:cubicBezTo>
+                  <a:pt x="0" y="166"/>
+                  <a:pt x="0" y="166"/>
+                  <a:pt x="0" y="166"/>
+                </a:cubicBezTo>
+                <a:lnTo>
+                  <a:pt x="287" y="166"/>
+                </a:lnTo>
+                <a:close/>
+              </a:path>
+            </a:pathLst>
+          </a:custGeom>
+          <a:solidFill>
+            <a:schemeClr val="accent1"/>
+          </a:solidFill>
+          <a:ln>
+            <a:noFill/>
+          </a:ln>
+        </p:spPr>
+      </p:sp>
+      <p:sp>
+        <p:nvSpPr>
+          <p:cNvPr id="6" name="Slide Number Placeholder 5"/>
+          <p:cNvSpPr>
+            <a:spLocks noGrp="1"/>
+          </p:cNvSpPr>
+          <p:nvPr>
+            <p:ph type="sldNum" sz="quarter" idx="12"/>
+          </p:nvPr>
+        </p:nvSpPr>
         <p:spPr>
           <a:xfrm>
-            <a:off x="8932558" y="5870575"/>
-            <a:ext cx="1600200" cy="377825"/>
-          </a:xfrm>
-        </p:spPr>
-        <p:txBody>
-          <a:bodyPr/>
-          <a:lstStyle/>
-          <a:p>
-            <a:fld id="{EAE94B64-FE95-4932-92D6-ED0579209990}" type="datetimeFigureOut">
-              <a:rPr lang="en-CA" smtClean="0"/>
-              <a:t>2018-12-01</a:t>
-            </a:fld>
-            <a:endParaRPr lang="en-CA"/>
-          </a:p>
-        </p:txBody>
-      </p:sp>
-      <p:sp>
-        <p:nvSpPr>
-          <p:cNvPr id="5" name="Footer Placeholder 4"/>
-          <p:cNvSpPr>
-            <a:spLocks noGrp="1"/>
-          </p:cNvSpPr>
-          <p:nvPr>
-            <p:ph type="ftr" sz="quarter" idx="11"/>
-          </p:nvPr>
-        </p:nvSpPr>
-        <p:spPr>
-          <a:xfrm>
-            <a:off x="3962399" y="5870575"/>
-            <a:ext cx="4893958" cy="377825"/>
-          </a:xfrm>
-        </p:spPr>
-        <p:txBody>
-          <a:bodyPr/>
-          <a:lstStyle/>
-          <a:p>
-            <a:endParaRPr lang="en-CA"/>
-          </a:p>
-        </p:txBody>
-      </p:sp>
-      <p:sp>
-        <p:nvSpPr>
-          <p:cNvPr id="6" name="Slide Number Placeholder 5"/>
-          <p:cNvSpPr>
-            <a:spLocks noGrp="1"/>
-          </p:cNvSpPr>
-          <p:nvPr>
-            <p:ph type="sldNum" sz="quarter" idx="12"/>
-          </p:nvPr>
-        </p:nvSpPr>
-        <p:spPr>
-          <a:xfrm>
-            <a:off x="10608958" y="5870575"/>
-            <a:ext cx="551167" cy="377825"/>
+            <a:off x="531812" y="4529540"/>
+            <a:ext cx="779767" cy="365125"/>
           </a:xfrm>
         </p:spPr>
         <p:txBody>
@@ -407,331 +445,7 @@
     </p:spTree>
     <p:extLst>
       <p:ext uri="{BB962C8B-B14F-4D97-AF65-F5344CB8AC3E}">
-        <p14:creationId xmlns:p14="http://schemas.microsoft.com/office/powerpoint/2010/main" val="1861298273"/>
-      </p:ext>
-    </p:extLst>
-  </p:cSld>
-  <p:clrMapOvr>
-    <a:overrideClrMapping bg1="dk1" tx1="lt1" bg2="dk2" tx2="lt2" accent1="accent1" accent2="accent2" accent3="accent3" accent4="accent4" accent5="accent5" accent6="accent6" hlink="hlink" folHlink="folHlink"/>
-  </p:clrMapOvr>
-</p:sldLayout>
-</file>
-
-<file path=ppt/slideLayouts/slideLayout10.xml><?xml version="1.0" encoding="utf-8"?>
-<p:sldLayout xmlns:a="http://schemas.openxmlformats.org/drawingml/2006/main" xmlns:r="http://schemas.openxmlformats.org/officeDocument/2006/relationships" xmlns:p="http://schemas.openxmlformats.org/presentationml/2006/main" preserve="1">
-  <p:cSld name="Panoramic Picture with Caption">
-    <p:spTree>
-      <p:nvGrpSpPr>
-        <p:cNvPr id="1" name=""/>
-        <p:cNvGrpSpPr/>
-        <p:nvPr/>
-      </p:nvGrpSpPr>
-      <p:grpSpPr>
-        <a:xfrm>
-          <a:off x="0" y="0"/>
-          <a:ext cx="0" cy="0"/>
-          <a:chOff x="0" y="0"/>
-          <a:chExt cx="0" cy="0"/>
-        </a:xfrm>
-      </p:grpSpPr>
-      <p:pic>
-        <p:nvPicPr>
-          <p:cNvPr id="8" name="Picture 7" descr="Celestia-R1---OverlayContentHD.png"/>
-          <p:cNvPicPr>
-            <a:picLocks noChangeAspect="1"/>
-          </p:cNvPicPr>
-          <p:nvPr/>
-        </p:nvPicPr>
-        <p:blipFill>
-          <a:blip r:embed="rId2">
-            <a:extLst>
-              <a:ext uri="{28A0092B-C50C-407E-A947-70E740481C1C}">
-                <a14:useLocalDpi xmlns:a14="http://schemas.microsoft.com/office/drawing/2010/main" val="0"/>
-              </a:ext>
-            </a:extLst>
-          </a:blip>
-          <a:stretch>
-            <a:fillRect/>
-          </a:stretch>
-        </p:blipFill>
-        <p:spPr>
-          <a:xfrm>
-            <a:off x="0" y="0"/>
-            <a:ext cx="12188825" cy="6856214"/>
-          </a:xfrm>
-          <a:prstGeom prst="rect">
-            <a:avLst/>
-          </a:prstGeom>
-        </p:spPr>
-      </p:pic>
-      <p:sp>
-        <p:nvSpPr>
-          <p:cNvPr id="2" name="Title 1"/>
-          <p:cNvSpPr>
-            <a:spLocks noGrp="1"/>
-          </p:cNvSpPr>
-          <p:nvPr>
-            <p:ph type="title"/>
-          </p:nvPr>
-        </p:nvSpPr>
-        <p:spPr>
-          <a:xfrm>
-            <a:off x="685800" y="4732865"/>
-            <a:ext cx="10131427" cy="566738"/>
-          </a:xfrm>
-        </p:spPr>
-        <p:txBody>
-          <a:bodyPr anchor="b">
-            <a:normAutofit/>
-          </a:bodyPr>
-          <a:lstStyle>
-            <a:lvl1pPr algn="l">
-              <a:defRPr sz="2400" b="0"/>
-            </a:lvl1pPr>
-          </a:lstStyle>
-          <a:p>
-            <a:r>
-              <a:rPr lang="en-US"/>
-              <a:t>Click to edit Master title style</a:t>
-            </a:r>
-            <a:endParaRPr lang="en-US" dirty="0"/>
-          </a:p>
-        </p:txBody>
-      </p:sp>
-      <p:sp>
-        <p:nvSpPr>
-          <p:cNvPr id="3" name="Picture Placeholder 2"/>
-          <p:cNvSpPr>
-            <a:spLocks noGrp="1" noChangeAspect="1"/>
-          </p:cNvSpPr>
-          <p:nvPr>
-            <p:ph type="pic" idx="1"/>
-          </p:nvPr>
-        </p:nvSpPr>
-        <p:spPr>
-          <a:xfrm>
-            <a:off x="1371600" y="932112"/>
-            <a:ext cx="8759827" cy="3164976"/>
-          </a:xfrm>
-          <a:prstGeom prst="roundRect">
-            <a:avLst>
-              <a:gd name="adj" fmla="val 4380"/>
-            </a:avLst>
-          </a:prstGeom>
-          <a:ln w="50800" cap="sq" cmpd="dbl">
-            <a:gradFill flip="none" rotWithShape="1">
-              <a:gsLst>
-                <a:gs pos="0">
-                  <a:srgbClr val="FFFFFF"/>
-                </a:gs>
-                <a:gs pos="100000">
-                  <a:schemeClr val="tx1">
-                    <a:alpha val="0"/>
-                  </a:schemeClr>
-                </a:gs>
-              </a:gsLst>
-              <a:path path="circle">
-                <a:fillToRect l="50000" t="50000" r="50000" b="50000"/>
-              </a:path>
-              <a:tileRect/>
-            </a:gradFill>
-            <a:miter lim="800000"/>
-          </a:ln>
-          <a:effectLst>
-            <a:outerShdw blurRad="254000" algn="tl" rotWithShape="0">
-              <a:srgbClr val="000000">
-                <a:alpha val="43000"/>
-              </a:srgbClr>
-            </a:outerShdw>
-          </a:effectLst>
-        </p:spPr>
-        <p:txBody>
-          <a:bodyPr anchor="t">
-            <a:normAutofit/>
-          </a:bodyPr>
-          <a:lstStyle>
-            <a:lvl1pPr marL="0" indent="0" algn="ctr">
-              <a:buNone/>
-              <a:defRPr sz="1600"/>
-            </a:lvl1pPr>
-            <a:lvl2pPr marL="457200" indent="0">
-              <a:buNone/>
-              <a:defRPr sz="1600"/>
-            </a:lvl2pPr>
-            <a:lvl3pPr marL="914400" indent="0">
-              <a:buNone/>
-              <a:defRPr sz="1600"/>
-            </a:lvl3pPr>
-            <a:lvl4pPr marL="1371600" indent="0">
-              <a:buNone/>
-              <a:defRPr sz="1600"/>
-            </a:lvl4pPr>
-            <a:lvl5pPr marL="1828800" indent="0">
-              <a:buNone/>
-              <a:defRPr sz="1600"/>
-            </a:lvl5pPr>
-            <a:lvl6pPr marL="2286000" indent="0">
-              <a:buNone/>
-              <a:defRPr sz="1600"/>
-            </a:lvl6pPr>
-            <a:lvl7pPr marL="2743200" indent="0">
-              <a:buNone/>
-              <a:defRPr sz="1600"/>
-            </a:lvl7pPr>
-            <a:lvl8pPr marL="3200400" indent="0">
-              <a:buNone/>
-              <a:defRPr sz="1600"/>
-            </a:lvl8pPr>
-            <a:lvl9pPr marL="3657600" indent="0">
-              <a:buNone/>
-              <a:defRPr sz="1600"/>
-            </a:lvl9pPr>
-          </a:lstStyle>
-          <a:p>
-            <a:r>
-              <a:rPr lang="en-US"/>
-              <a:t>Click icon to add picture</a:t>
-            </a:r>
-            <a:endParaRPr lang="en-US" dirty="0"/>
-          </a:p>
-        </p:txBody>
-      </p:sp>
-      <p:sp>
-        <p:nvSpPr>
-          <p:cNvPr id="4" name="Text Placeholder 3"/>
-          <p:cNvSpPr>
-            <a:spLocks noGrp="1"/>
-          </p:cNvSpPr>
-          <p:nvPr>
-            <p:ph type="body" sz="half" idx="2"/>
-          </p:nvPr>
-        </p:nvSpPr>
-        <p:spPr>
-          <a:xfrm>
-            <a:off x="685800" y="5299603"/>
-            <a:ext cx="10131427" cy="493712"/>
-          </a:xfrm>
-        </p:spPr>
-        <p:txBody>
-          <a:bodyPr anchor="t">
-            <a:normAutofit/>
-          </a:bodyPr>
-          <a:lstStyle>
-            <a:lvl1pPr marL="0" indent="0">
-              <a:buNone/>
-              <a:defRPr sz="1400"/>
-            </a:lvl1pPr>
-            <a:lvl2pPr marL="457200" indent="0">
-              <a:buNone/>
-              <a:defRPr sz="1200"/>
-            </a:lvl2pPr>
-            <a:lvl3pPr marL="914400" indent="0">
-              <a:buNone/>
-              <a:defRPr sz="1000"/>
-            </a:lvl3pPr>
-            <a:lvl4pPr marL="1371600" indent="0">
-              <a:buNone/>
-              <a:defRPr sz="900"/>
-            </a:lvl4pPr>
-            <a:lvl5pPr marL="1828800" indent="0">
-              <a:buNone/>
-              <a:defRPr sz="900"/>
-            </a:lvl5pPr>
-            <a:lvl6pPr marL="2286000" indent="0">
-              <a:buNone/>
-              <a:defRPr sz="900"/>
-            </a:lvl6pPr>
-            <a:lvl7pPr marL="2743200" indent="0">
-              <a:buNone/>
-              <a:defRPr sz="900"/>
-            </a:lvl7pPr>
-            <a:lvl8pPr marL="3200400" indent="0">
-              <a:buNone/>
-              <a:defRPr sz="900"/>
-            </a:lvl8pPr>
-            <a:lvl9pPr marL="3657600" indent="0">
-              <a:buNone/>
-              <a:defRPr sz="900"/>
-            </a:lvl9pPr>
-          </a:lstStyle>
-          <a:p>
-            <a:pPr lvl="0"/>
-            <a:r>
-              <a:rPr lang="en-US"/>
-              <a:t>Edit Master text styles</a:t>
-            </a:r>
-          </a:p>
-        </p:txBody>
-      </p:sp>
-      <p:sp>
-        <p:nvSpPr>
-          <p:cNvPr id="5" name="Date Placeholder 4"/>
-          <p:cNvSpPr>
-            <a:spLocks noGrp="1"/>
-          </p:cNvSpPr>
-          <p:nvPr>
-            <p:ph type="dt" sz="half" idx="10"/>
-          </p:nvPr>
-        </p:nvSpPr>
-        <p:spPr/>
-        <p:txBody>
-          <a:bodyPr/>
-          <a:lstStyle/>
-          <a:p>
-            <a:fld id="{EAE94B64-FE95-4932-92D6-ED0579209990}" type="datetimeFigureOut">
-              <a:rPr lang="en-CA" smtClean="0"/>
-              <a:t>2018-12-01</a:t>
-            </a:fld>
-            <a:endParaRPr lang="en-CA"/>
-          </a:p>
-        </p:txBody>
-      </p:sp>
-      <p:sp>
-        <p:nvSpPr>
-          <p:cNvPr id="6" name="Footer Placeholder 5"/>
-          <p:cNvSpPr>
-            <a:spLocks noGrp="1"/>
-          </p:cNvSpPr>
-          <p:nvPr>
-            <p:ph type="ftr" sz="quarter" idx="11"/>
-          </p:nvPr>
-        </p:nvSpPr>
-        <p:spPr/>
-        <p:txBody>
-          <a:bodyPr/>
-          <a:lstStyle/>
-          <a:p>
-            <a:endParaRPr lang="en-CA"/>
-          </a:p>
-        </p:txBody>
-      </p:sp>
-      <p:sp>
-        <p:nvSpPr>
-          <p:cNvPr id="7" name="Slide Number Placeholder 6"/>
-          <p:cNvSpPr>
-            <a:spLocks noGrp="1"/>
-          </p:cNvSpPr>
-          <p:nvPr>
-            <p:ph type="sldNum" sz="quarter" idx="12"/>
-          </p:nvPr>
-        </p:nvSpPr>
-        <p:spPr/>
-        <p:txBody>
-          <a:bodyPr/>
-          <a:lstStyle/>
-          <a:p>
-            <a:fld id="{2849D840-EB1A-4BD0-9BBF-65787F9A4F51}" type="slidenum">
-              <a:rPr lang="en-CA" smtClean="0"/>
-              <a:t>‹#›</a:t>
-            </a:fld>
-            <a:endParaRPr lang="en-CA"/>
-          </a:p>
-        </p:txBody>
-      </p:sp>
-    </p:spTree>
-    <p:extLst>
-      <p:ext uri="{BB962C8B-B14F-4D97-AF65-F5344CB8AC3E}">
-        <p14:creationId xmlns:p14="http://schemas.microsoft.com/office/powerpoint/2010/main" val="629745905"/>
+        <p14:creationId xmlns:p14="http://schemas.microsoft.com/office/powerpoint/2010/main" val="2836299038"/>
       </p:ext>
     </p:extLst>
   </p:cSld>
@@ -741,7 +455,7 @@
 </p:sldLayout>
 </file>
 
-<file path=ppt/slideLayouts/slideLayout11.xml><?xml version="1.0" encoding="utf-8"?>
+<file path=ppt/slideLayouts/slideLayout10.xml><?xml version="1.0" encoding="utf-8"?>
 <p:sldLayout xmlns:a="http://schemas.openxmlformats.org/drawingml/2006/main" xmlns:r="http://schemas.openxmlformats.org/officeDocument/2006/relationships" xmlns:p="http://schemas.openxmlformats.org/presentationml/2006/main" preserve="1">
   <p:cSld name="Title and Caption">
     <p:spTree>
@@ -758,50 +472,20 @@
           <a:chExt cx="0" cy="0"/>
         </a:xfrm>
       </p:grpSpPr>
-      <p:pic>
-        <p:nvPicPr>
-          <p:cNvPr id="7" name="Picture 6" descr="Celestia-R1---OverlayContentHD.png"/>
-          <p:cNvPicPr>
-            <a:picLocks noChangeAspect="1"/>
-          </p:cNvPicPr>
-          <p:nvPr/>
-        </p:nvPicPr>
-        <p:blipFill>
-          <a:blip r:embed="rId2">
-            <a:extLst>
-              <a:ext uri="{28A0092B-C50C-407E-A947-70E740481C1C}">
-                <a14:useLocalDpi xmlns:a14="http://schemas.microsoft.com/office/drawing/2010/main" val="0"/>
-              </a:ext>
-            </a:extLst>
-          </a:blip>
-          <a:stretch>
-            <a:fillRect/>
-          </a:stretch>
-        </p:blipFill>
+      <p:sp>
+        <p:nvSpPr>
+          <p:cNvPr id="2" name="Title 1"/>
+          <p:cNvSpPr>
+            <a:spLocks noGrp="1"/>
+          </p:cNvSpPr>
+          <p:nvPr>
+            <p:ph type="title"/>
+          </p:nvPr>
+        </p:nvSpPr>
         <p:spPr>
           <a:xfrm>
-            <a:off x="0" y="0"/>
-            <a:ext cx="12188825" cy="6856214"/>
-          </a:xfrm>
-          <a:prstGeom prst="rect">
-            <a:avLst/>
-          </a:prstGeom>
-        </p:spPr>
-      </p:pic>
-      <p:sp>
-        <p:nvSpPr>
-          <p:cNvPr id="2" name="Title 1"/>
-          <p:cNvSpPr>
-            <a:spLocks noGrp="1"/>
-          </p:cNvSpPr>
-          <p:nvPr>
-            <p:ph type="title"/>
-          </p:nvPr>
-        </p:nvSpPr>
-        <p:spPr>
-          <a:xfrm>
-            <a:off x="685801" y="609601"/>
-            <a:ext cx="10131427" cy="3124199"/>
+            <a:off x="2589212" y="609600"/>
+            <a:ext cx="8915399" cy="3117040"/>
           </a:xfrm>
         </p:spPr>
         <p:txBody>
@@ -810,7 +494,7 @@
           </a:bodyPr>
           <a:lstStyle>
             <a:lvl1pPr algn="l">
-              <a:defRPr sz="3200" b="0" cap="none"/>
+              <a:defRPr sz="4800" b="0" cap="none"/>
             </a:lvl1pPr>
           </a:lstStyle>
           <a:p>
@@ -834,8 +518,8 @@
         </p:nvSpPr>
         <p:spPr>
           <a:xfrm>
-            <a:off x="685800" y="4343400"/>
-            <a:ext cx="10131428" cy="1447800"/>
+            <a:off x="2589212" y="4354046"/>
+            <a:ext cx="8915399" cy="1555864"/>
           </a:xfrm>
         </p:spPr>
         <p:txBody>
@@ -845,9 +529,12 @@
           <a:lstStyle>
             <a:lvl1pPr marL="0" indent="0" algn="l">
               <a:buNone/>
-              <a:defRPr sz="2000">
+              <a:defRPr sz="1800">
                 <a:solidFill>
-                  <a:schemeClr val="tx1"/>
+                  <a:schemeClr val="tx1">
+                    <a:lumMod val="65000"/>
+                    <a:lumOff val="35000"/>
+                  </a:schemeClr>
                 </a:solidFill>
               </a:defRPr>
             </a:lvl1pPr>
@@ -958,7 +645,7 @@
           <a:p>
             <a:fld id="{EAE94B64-FE95-4932-92D6-ED0579209990}" type="datetimeFigureOut">
               <a:rPr lang="en-CA" smtClean="0"/>
-              <a:t>2018-12-01</a:t>
+              <a:t>2018-12-02</a:t>
             </a:fld>
             <a:endParaRPr lang="en-CA"/>
           </a:p>
@@ -985,6 +672,88 @@
       </p:sp>
       <p:sp>
         <p:nvSpPr>
+          <p:cNvPr id="9" name="Freeform 11"/>
+          <p:cNvSpPr/>
+          <p:nvPr/>
+        </p:nvSpPr>
+        <p:spPr bwMode="auto">
+          <a:xfrm flipV="1">
+            <a:off x="-4189" y="3178175"/>
+            <a:ext cx="1588527" cy="507297"/>
+          </a:xfrm>
+          <a:custGeom>
+            <a:avLst/>
+            <a:gdLst/>
+            <a:ahLst/>
+            <a:cxnLst/>
+            <a:rect l="l" t="t" r="r" b="b"/>
+            <a:pathLst>
+              <a:path w="9248" h="10000">
+                <a:moveTo>
+                  <a:pt x="9248" y="4701"/>
+                </a:moveTo>
+                <a:lnTo>
+                  <a:pt x="7915" y="188"/>
+                </a:lnTo>
+                <a:cubicBezTo>
+                  <a:pt x="7906" y="156"/>
+                  <a:pt x="7895" y="126"/>
+                  <a:pt x="7886" y="94"/>
+                </a:cubicBezTo>
+                <a:cubicBezTo>
+                  <a:pt x="7859" y="0"/>
+                  <a:pt x="7831" y="0"/>
+                  <a:pt x="7803" y="0"/>
+                </a:cubicBezTo>
+                <a:lnTo>
+                  <a:pt x="7275" y="0"/>
+                </a:lnTo>
+                <a:lnTo>
+                  <a:pt x="0" y="70"/>
+                </a:lnTo>
+                <a:cubicBezTo>
+                  <a:pt x="8" y="3380"/>
+                  <a:pt x="17" y="6690"/>
+                  <a:pt x="25" y="10000"/>
+                </a:cubicBezTo>
+                <a:lnTo>
+                  <a:pt x="7275" y="9966"/>
+                </a:lnTo>
+                <a:lnTo>
+                  <a:pt x="7803" y="9966"/>
+                </a:lnTo>
+                <a:cubicBezTo>
+                  <a:pt x="7831" y="9966"/>
+                  <a:pt x="7859" y="9872"/>
+                  <a:pt x="7886" y="9872"/>
+                </a:cubicBezTo>
+                <a:cubicBezTo>
+                  <a:pt x="7886" y="9778"/>
+                  <a:pt x="7915" y="9778"/>
+                  <a:pt x="7915" y="9778"/>
+                </a:cubicBezTo>
+                <a:lnTo>
+                  <a:pt x="9248" y="5265"/>
+                </a:lnTo>
+                <a:cubicBezTo>
+                  <a:pt x="9303" y="5077"/>
+                  <a:pt x="9303" y="4889"/>
+                  <a:pt x="9248" y="4701"/>
+                </a:cubicBezTo>
+                <a:close/>
+              </a:path>
+            </a:pathLst>
+          </a:custGeom>
+          <a:solidFill>
+            <a:schemeClr val="accent1"/>
+          </a:solidFill>
+          <a:ln>
+            <a:noFill/>
+          </a:ln>
+        </p:spPr>
+      </p:sp>
+      <p:sp>
+        <p:nvSpPr>
           <p:cNvPr id="6" name="Slide Number Placeholder 5"/>
           <p:cNvSpPr>
             <a:spLocks noGrp="1"/>
@@ -993,7 +762,12 @@
             <p:ph type="sldNum" sz="quarter" idx="12"/>
           </p:nvPr>
         </p:nvSpPr>
-        <p:spPr/>
+        <p:spPr>
+          <a:xfrm>
+            <a:off x="531812" y="3244139"/>
+            <a:ext cx="779767" cy="365125"/>
+          </a:xfrm>
+        </p:spPr>
         <p:txBody>
           <a:bodyPr/>
           <a:lstStyle/>
@@ -1009,7 +783,7 @@
     </p:spTree>
     <p:extLst>
       <p:ext uri="{BB962C8B-B14F-4D97-AF65-F5344CB8AC3E}">
-        <p14:creationId xmlns:p14="http://schemas.microsoft.com/office/powerpoint/2010/main" val="3706206026"/>
+        <p14:creationId xmlns:p14="http://schemas.microsoft.com/office/powerpoint/2010/main" val="2230101979"/>
       </p:ext>
     </p:extLst>
   </p:cSld>
@@ -1019,7 +793,7 @@
 </p:sldLayout>
 </file>
 
-<file path=ppt/slideLayouts/slideLayout12.xml><?xml version="1.0" encoding="utf-8"?>
+<file path=ppt/slideLayouts/slideLayout11.xml><?xml version="1.0" encoding="utf-8"?>
 <p:sldLayout xmlns:a="http://schemas.openxmlformats.org/drawingml/2006/main" xmlns:r="http://schemas.openxmlformats.org/officeDocument/2006/relationships" xmlns:p="http://schemas.openxmlformats.org/presentationml/2006/main" preserve="1">
   <p:cSld name="Quote with Caption">
     <p:spTree>
@@ -1036,282 +810,20 @@
           <a:chExt cx="0" cy="0"/>
         </a:xfrm>
       </p:grpSpPr>
-      <p:pic>
-        <p:nvPicPr>
-          <p:cNvPr id="11" name="Picture 10" descr="Celestia-R1---OverlayContentHD.png"/>
-          <p:cNvPicPr>
-            <a:picLocks noChangeAspect="1"/>
-          </p:cNvPicPr>
-          <p:nvPr/>
-        </p:nvPicPr>
-        <p:blipFill>
-          <a:blip r:embed="rId2">
-            <a:extLst>
-              <a:ext uri="{28A0092B-C50C-407E-A947-70E740481C1C}">
-                <a14:useLocalDpi xmlns:a14="http://schemas.microsoft.com/office/drawing/2010/main" val="0"/>
-              </a:ext>
-            </a:extLst>
-          </a:blip>
-          <a:stretch>
-            <a:fillRect/>
-          </a:stretch>
-        </p:blipFill>
+      <p:sp>
+        <p:nvSpPr>
+          <p:cNvPr id="2" name="Title 1"/>
+          <p:cNvSpPr>
+            <a:spLocks noGrp="1"/>
+          </p:cNvSpPr>
+          <p:nvPr>
+            <p:ph type="title"/>
+          </p:nvPr>
+        </p:nvSpPr>
         <p:spPr>
           <a:xfrm>
-            <a:off x="0" y="0"/>
-            <a:ext cx="12188825" cy="6856214"/>
-          </a:xfrm>
-          <a:prstGeom prst="rect">
-            <a:avLst/>
-          </a:prstGeom>
-        </p:spPr>
-      </p:pic>
-      <p:sp>
-        <p:nvSpPr>
-          <p:cNvPr id="13" name="TextBox 12"/>
-          <p:cNvSpPr txBox="1"/>
-          <p:nvPr/>
-        </p:nvSpPr>
-        <p:spPr>
-          <a:xfrm>
-            <a:off x="10237867" y="2743200"/>
-            <a:ext cx="609600" cy="584776"/>
-          </a:xfrm>
-          <a:prstGeom prst="rect">
-            <a:avLst/>
-          </a:prstGeom>
-        </p:spPr>
-        <p:txBody>
-          <a:bodyPr vert="horz" lIns="91440" tIns="45720" rIns="91440" bIns="45720" rtlCol="0" anchor="ctr">
-            <a:noAutofit/>
-          </a:bodyPr>
-          <a:lstStyle>
-            <a:lvl1pPr>
-              <a:spcBef>
-                <a:spcPct val="0"/>
-              </a:spcBef>
-              <a:buNone/>
-              <a:defRPr sz="3200" b="0" cap="all">
-                <a:ln w="3175" cmpd="sng">
-                  <a:noFill/>
-                </a:ln>
-                <a:effectLst>
-                  <a:glow rad="38100">
-                    <a:schemeClr val="bg1">
-                      <a:lumMod val="65000"/>
-                      <a:lumOff val="35000"/>
-                      <a:alpha val="40000"/>
-                    </a:schemeClr>
-                  </a:glow>
-                  <a:outerShdw blurRad="28575" dist="38100" dir="14040000" algn="tl" rotWithShape="0">
-                    <a:srgbClr val="000000">
-                      <a:alpha val="25000"/>
-                    </a:srgbClr>
-                  </a:outerShdw>
-                </a:effectLst>
-              </a:defRPr>
-            </a:lvl1pPr>
-            <a:lvl2pPr>
-              <a:defRPr>
-                <a:solidFill>
-                  <a:schemeClr val="tx2"/>
-                </a:solidFill>
-              </a:defRPr>
-            </a:lvl2pPr>
-            <a:lvl3pPr>
-              <a:defRPr>
-                <a:solidFill>
-                  <a:schemeClr val="tx2"/>
-                </a:solidFill>
-              </a:defRPr>
-            </a:lvl3pPr>
-            <a:lvl4pPr>
-              <a:defRPr>
-                <a:solidFill>
-                  <a:schemeClr val="tx2"/>
-                </a:solidFill>
-              </a:defRPr>
-            </a:lvl4pPr>
-            <a:lvl5pPr>
-              <a:defRPr>
-                <a:solidFill>
-                  <a:schemeClr val="tx2"/>
-                </a:solidFill>
-              </a:defRPr>
-            </a:lvl5pPr>
-            <a:lvl6pPr>
-              <a:defRPr>
-                <a:solidFill>
-                  <a:schemeClr val="tx2"/>
-                </a:solidFill>
-              </a:defRPr>
-            </a:lvl6pPr>
-            <a:lvl7pPr>
-              <a:defRPr>
-                <a:solidFill>
-                  <a:schemeClr val="tx2"/>
-                </a:solidFill>
-              </a:defRPr>
-            </a:lvl7pPr>
-            <a:lvl8pPr>
-              <a:defRPr>
-                <a:solidFill>
-                  <a:schemeClr val="tx2"/>
-                </a:solidFill>
-              </a:defRPr>
-            </a:lvl8pPr>
-            <a:lvl9pPr>
-              <a:defRPr>
-                <a:solidFill>
-                  <a:schemeClr val="tx2"/>
-                </a:solidFill>
-              </a:defRPr>
-            </a:lvl9pPr>
-          </a:lstStyle>
-          <a:p>
-            <a:pPr lvl="0" algn="r"/>
-            <a:r>
-              <a:rPr lang="en-US" sz="8000" dirty="0">
-                <a:solidFill>
-                  <a:schemeClr val="tx1"/>
-                </a:solidFill>
-                <a:effectLst/>
-              </a:rPr>
-              <a:t>”</a:t>
-            </a:r>
-          </a:p>
-        </p:txBody>
-      </p:sp>
-      <p:sp>
-        <p:nvSpPr>
-          <p:cNvPr id="14" name="TextBox 13"/>
-          <p:cNvSpPr txBox="1"/>
-          <p:nvPr/>
-        </p:nvSpPr>
-        <p:spPr>
-          <a:xfrm>
-            <a:off x="488275" y="823337"/>
-            <a:ext cx="609600" cy="584776"/>
-          </a:xfrm>
-          <a:prstGeom prst="rect">
-            <a:avLst/>
-          </a:prstGeom>
-        </p:spPr>
-        <p:txBody>
-          <a:bodyPr vert="horz" lIns="91440" tIns="45720" rIns="91440" bIns="45720" rtlCol="0" anchor="ctr">
-            <a:noAutofit/>
-          </a:bodyPr>
-          <a:lstStyle>
-            <a:lvl1pPr>
-              <a:spcBef>
-                <a:spcPct val="0"/>
-              </a:spcBef>
-              <a:buNone/>
-              <a:defRPr sz="3200" b="0" cap="all">
-                <a:ln w="3175" cmpd="sng">
-                  <a:noFill/>
-                </a:ln>
-                <a:effectLst>
-                  <a:glow rad="38100">
-                    <a:schemeClr val="bg1">
-                      <a:lumMod val="65000"/>
-                      <a:lumOff val="35000"/>
-                      <a:alpha val="40000"/>
-                    </a:schemeClr>
-                  </a:glow>
-                  <a:outerShdw blurRad="28575" dist="38100" dir="14040000" algn="tl" rotWithShape="0">
-                    <a:srgbClr val="000000">
-                      <a:alpha val="25000"/>
-                    </a:srgbClr>
-                  </a:outerShdw>
-                </a:effectLst>
-              </a:defRPr>
-            </a:lvl1pPr>
-            <a:lvl2pPr>
-              <a:defRPr>
-                <a:solidFill>
-                  <a:schemeClr val="tx2"/>
-                </a:solidFill>
-              </a:defRPr>
-            </a:lvl2pPr>
-            <a:lvl3pPr>
-              <a:defRPr>
-                <a:solidFill>
-                  <a:schemeClr val="tx2"/>
-                </a:solidFill>
-              </a:defRPr>
-            </a:lvl3pPr>
-            <a:lvl4pPr>
-              <a:defRPr>
-                <a:solidFill>
-                  <a:schemeClr val="tx2"/>
-                </a:solidFill>
-              </a:defRPr>
-            </a:lvl4pPr>
-            <a:lvl5pPr>
-              <a:defRPr>
-                <a:solidFill>
-                  <a:schemeClr val="tx2"/>
-                </a:solidFill>
-              </a:defRPr>
-            </a:lvl5pPr>
-            <a:lvl6pPr>
-              <a:defRPr>
-                <a:solidFill>
-                  <a:schemeClr val="tx2"/>
-                </a:solidFill>
-              </a:defRPr>
-            </a:lvl6pPr>
-            <a:lvl7pPr>
-              <a:defRPr>
-                <a:solidFill>
-                  <a:schemeClr val="tx2"/>
-                </a:solidFill>
-              </a:defRPr>
-            </a:lvl7pPr>
-            <a:lvl8pPr>
-              <a:defRPr>
-                <a:solidFill>
-                  <a:schemeClr val="tx2"/>
-                </a:solidFill>
-              </a:defRPr>
-            </a:lvl8pPr>
-            <a:lvl9pPr>
-              <a:defRPr>
-                <a:solidFill>
-                  <a:schemeClr val="tx2"/>
-                </a:solidFill>
-              </a:defRPr>
-            </a:lvl9pPr>
-          </a:lstStyle>
-          <a:p>
-            <a:pPr lvl="0" algn="r"/>
-            <a:r>
-              <a:rPr lang="en-US" sz="8000" dirty="0">
-                <a:solidFill>
-                  <a:schemeClr val="tx1"/>
-                </a:solidFill>
-                <a:effectLst/>
-              </a:rPr>
-              <a:t>“</a:t>
-            </a:r>
-          </a:p>
-        </p:txBody>
-      </p:sp>
-      <p:sp>
-        <p:nvSpPr>
-          <p:cNvPr id="16" name="Title 1"/>
-          <p:cNvSpPr>
-            <a:spLocks noGrp="1"/>
-          </p:cNvSpPr>
-          <p:nvPr>
-            <p:ph type="title"/>
-          </p:nvPr>
-        </p:nvSpPr>
-        <p:spPr>
-          <a:xfrm>
-            <a:off x="992267" y="609601"/>
-            <a:ext cx="9550399" cy="2743199"/>
+            <a:off x="2849949" y="609600"/>
+            <a:ext cx="8393926" cy="2895600"/>
           </a:xfrm>
         </p:spPr>
         <p:txBody>
@@ -1320,11 +832,7 @@
           </a:bodyPr>
           <a:lstStyle>
             <a:lvl1pPr algn="l">
-              <a:defRPr sz="3200" b="0" cap="none">
-                <a:solidFill>
-                  <a:schemeClr val="tx1"/>
-                </a:solidFill>
-              </a:defRPr>
+              <a:defRPr sz="4800" b="0" cap="none"/>
             </a:lvl1pPr>
           </a:lstStyle>
           <a:p>
@@ -1338,7 +846,7 @@
       </p:sp>
       <p:sp>
         <p:nvSpPr>
-          <p:cNvPr id="10" name="Text Placeholder 9"/>
+          <p:cNvPr id="13" name="Text Placeholder 9"/>
           <p:cNvSpPr>
             <a:spLocks noGrp="1"/>
           </p:cNvSpPr>
@@ -1348,17 +856,26 @@
         </p:nvSpPr>
         <p:spPr>
           <a:xfrm>
-            <a:off x="1097875" y="3352800"/>
-            <a:ext cx="9339184" cy="381000"/>
+            <a:off x="3275012" y="3505200"/>
+            <a:ext cx="7536554" cy="381000"/>
           </a:xfrm>
         </p:spPr>
         <p:txBody>
-          <a:bodyPr anchor="ctr"/>
+          <a:bodyPr anchor="ctr">
+            <a:noAutofit/>
+          </a:bodyPr>
           <a:lstStyle>
             <a:lvl1pPr marL="0" indent="0">
               <a:buFontTx/>
               <a:buNone/>
-              <a:defRPr/>
+              <a:defRPr sz="1600">
+                <a:solidFill>
+                  <a:schemeClr val="tx1">
+                    <a:lumMod val="50000"/>
+                    <a:lumOff val="50000"/>
+                  </a:schemeClr>
+                </a:solidFill>
+              </a:defRPr>
             </a:lvl1pPr>
             <a:lvl2pPr marL="457200" indent="0">
               <a:buFontTx/>
@@ -1402,8 +919,8 @@
         </p:nvSpPr>
         <p:spPr>
           <a:xfrm>
-            <a:off x="687465" y="4343400"/>
-            <a:ext cx="10152367" cy="1447800"/>
+            <a:off x="2589212" y="4354046"/>
+            <a:ext cx="8915399" cy="1555864"/>
           </a:xfrm>
         </p:spPr>
         <p:txBody>
@@ -1413,9 +930,12 @@
           <a:lstStyle>
             <a:lvl1pPr marL="0" indent="0" algn="l">
               <a:buNone/>
-              <a:defRPr sz="2000">
+              <a:defRPr sz="1800">
                 <a:solidFill>
-                  <a:schemeClr val="tx1"/>
+                  <a:schemeClr val="tx1">
+                    <a:lumMod val="65000"/>
+                    <a:lumOff val="35000"/>
+                  </a:schemeClr>
                 </a:solidFill>
               </a:defRPr>
             </a:lvl1pPr>
@@ -1526,7 +1046,7 @@
           <a:p>
             <a:fld id="{EAE94B64-FE95-4932-92D6-ED0579209990}" type="datetimeFigureOut">
               <a:rPr lang="en-CA" smtClean="0"/>
-              <a:t>2018-12-01</a:t>
+              <a:t>2018-12-02</a:t>
             </a:fld>
             <a:endParaRPr lang="en-CA"/>
           </a:p>
@@ -1553,6 +1073,88 @@
       </p:sp>
       <p:sp>
         <p:nvSpPr>
+          <p:cNvPr id="11" name="Freeform 11"/>
+          <p:cNvSpPr/>
+          <p:nvPr/>
+        </p:nvSpPr>
+        <p:spPr bwMode="auto">
+          <a:xfrm flipV="1">
+            <a:off x="-4189" y="3178175"/>
+            <a:ext cx="1588527" cy="507297"/>
+          </a:xfrm>
+          <a:custGeom>
+            <a:avLst/>
+            <a:gdLst/>
+            <a:ahLst/>
+            <a:cxnLst/>
+            <a:rect l="l" t="t" r="r" b="b"/>
+            <a:pathLst>
+              <a:path w="9248" h="10000">
+                <a:moveTo>
+                  <a:pt x="9248" y="4701"/>
+                </a:moveTo>
+                <a:lnTo>
+                  <a:pt x="7915" y="188"/>
+                </a:lnTo>
+                <a:cubicBezTo>
+                  <a:pt x="7906" y="156"/>
+                  <a:pt x="7895" y="126"/>
+                  <a:pt x="7886" y="94"/>
+                </a:cubicBezTo>
+                <a:cubicBezTo>
+                  <a:pt x="7859" y="0"/>
+                  <a:pt x="7831" y="0"/>
+                  <a:pt x="7803" y="0"/>
+                </a:cubicBezTo>
+                <a:lnTo>
+                  <a:pt x="7275" y="0"/>
+                </a:lnTo>
+                <a:lnTo>
+                  <a:pt x="0" y="70"/>
+                </a:lnTo>
+                <a:cubicBezTo>
+                  <a:pt x="8" y="3380"/>
+                  <a:pt x="17" y="6690"/>
+                  <a:pt x="25" y="10000"/>
+                </a:cubicBezTo>
+                <a:lnTo>
+                  <a:pt x="7275" y="9966"/>
+                </a:lnTo>
+                <a:lnTo>
+                  <a:pt x="7803" y="9966"/>
+                </a:lnTo>
+                <a:cubicBezTo>
+                  <a:pt x="7831" y="9966"/>
+                  <a:pt x="7859" y="9872"/>
+                  <a:pt x="7886" y="9872"/>
+                </a:cubicBezTo>
+                <a:cubicBezTo>
+                  <a:pt x="7886" y="9778"/>
+                  <a:pt x="7915" y="9778"/>
+                  <a:pt x="7915" y="9778"/>
+                </a:cubicBezTo>
+                <a:lnTo>
+                  <a:pt x="9248" y="5265"/>
+                </a:lnTo>
+                <a:cubicBezTo>
+                  <a:pt x="9303" y="5077"/>
+                  <a:pt x="9303" y="4889"/>
+                  <a:pt x="9248" y="4701"/>
+                </a:cubicBezTo>
+                <a:close/>
+              </a:path>
+            </a:pathLst>
+          </a:custGeom>
+          <a:solidFill>
+            <a:schemeClr val="accent1"/>
+          </a:solidFill>
+          <a:ln>
+            <a:noFill/>
+          </a:ln>
+        </p:spPr>
+      </p:sp>
+      <p:sp>
+        <p:nvSpPr>
           <p:cNvPr id="6" name="Slide Number Placeholder 5"/>
           <p:cNvSpPr>
             <a:spLocks noGrp="1"/>
@@ -1561,7 +1163,12 @@
             <p:ph type="sldNum" sz="quarter" idx="12"/>
           </p:nvPr>
         </p:nvSpPr>
-        <p:spPr/>
+        <p:spPr>
+          <a:xfrm>
+            <a:off x="531812" y="3244139"/>
+            <a:ext cx="779767" cy="365125"/>
+          </a:xfrm>
+        </p:spPr>
         <p:txBody>
           <a:bodyPr/>
           <a:lstStyle/>
@@ -1574,10 +1181,86 @@
           </a:p>
         </p:txBody>
       </p:sp>
+      <p:sp>
+        <p:nvSpPr>
+          <p:cNvPr id="14" name="TextBox 13"/>
+          <p:cNvSpPr txBox="1"/>
+          <p:nvPr/>
+        </p:nvSpPr>
+        <p:spPr>
+          <a:xfrm>
+            <a:off x="2467652" y="648005"/>
+            <a:ext cx="609600" cy="584776"/>
+          </a:xfrm>
+          <a:prstGeom prst="rect">
+            <a:avLst/>
+          </a:prstGeom>
+        </p:spPr>
+        <p:txBody>
+          <a:bodyPr vert="horz" lIns="91440" tIns="45720" rIns="91440" bIns="45720" rtlCol="0" anchor="ctr">
+            <a:noAutofit/>
+          </a:bodyPr>
+          <a:lstStyle/>
+          <a:p>
+            <a:pPr lvl="0"/>
+            <a:r>
+              <a:rPr lang="en-US" sz="8000" baseline="0" dirty="0">
+                <a:ln w="3175" cmpd="sng">
+                  <a:noFill/>
+                </a:ln>
+                <a:solidFill>
+                  <a:schemeClr val="accent1"/>
+                </a:solidFill>
+                <a:effectLst/>
+                <a:latin typeface="Arial"/>
+              </a:rPr>
+              <a:t>“</a:t>
+            </a:r>
+          </a:p>
+        </p:txBody>
+      </p:sp>
+      <p:sp>
+        <p:nvSpPr>
+          <p:cNvPr id="15" name="TextBox 14"/>
+          <p:cNvSpPr txBox="1"/>
+          <p:nvPr/>
+        </p:nvSpPr>
+        <p:spPr>
+          <a:xfrm>
+            <a:off x="11114852" y="2905306"/>
+            <a:ext cx="609600" cy="584776"/>
+          </a:xfrm>
+          <a:prstGeom prst="rect">
+            <a:avLst/>
+          </a:prstGeom>
+        </p:spPr>
+        <p:txBody>
+          <a:bodyPr vert="horz" lIns="91440" tIns="45720" rIns="91440" bIns="45720" rtlCol="0" anchor="ctr">
+            <a:noAutofit/>
+          </a:bodyPr>
+          <a:lstStyle/>
+          <a:p>
+            <a:pPr lvl="0"/>
+            <a:r>
+              <a:rPr lang="en-US" sz="8000" baseline="0" dirty="0">
+                <a:ln w="3175" cmpd="sng">
+                  <a:noFill/>
+                </a:ln>
+                <a:solidFill>
+                  <a:schemeClr val="accent1"/>
+                </a:solidFill>
+                <a:effectLst/>
+                <a:latin typeface="Arial"/>
+              </a:rPr>
+              <a:t>”</a:t>
+            </a:r>
+          </a:p>
+        </p:txBody>
+      </p:sp>
     </p:spTree>
     <p:extLst>
       <p:ext uri="{BB962C8B-B14F-4D97-AF65-F5344CB8AC3E}">
-        <p14:creationId xmlns:p14="http://schemas.microsoft.com/office/powerpoint/2010/main" val="3568106427"/>
+        <p14:creationId xmlns:p14="http://schemas.microsoft.com/office/powerpoint/2010/main" val="3064362061"/>
       </p:ext>
     </p:extLst>
   </p:cSld>
@@ -1587,7 +1270,7 @@
 </p:sldLayout>
 </file>
 
-<file path=ppt/slideLayouts/slideLayout13.xml><?xml version="1.0" encoding="utf-8"?>
+<file path=ppt/slideLayouts/slideLayout12.xml><?xml version="1.0" encoding="utf-8"?>
 <p:sldLayout xmlns:a="http://schemas.openxmlformats.org/drawingml/2006/main" xmlns:r="http://schemas.openxmlformats.org/officeDocument/2006/relationships" xmlns:p="http://schemas.openxmlformats.org/presentationml/2006/main" preserve="1">
   <p:cSld name="Name Card">
     <p:spTree>
@@ -1604,50 +1287,20 @@
           <a:chExt cx="0" cy="0"/>
         </a:xfrm>
       </p:grpSpPr>
-      <p:pic>
-        <p:nvPicPr>
-          <p:cNvPr id="7" name="Picture 6" descr="Celestia-R1---OverlayContentHD.png"/>
-          <p:cNvPicPr>
-            <a:picLocks noChangeAspect="1"/>
-          </p:cNvPicPr>
-          <p:nvPr/>
-        </p:nvPicPr>
-        <p:blipFill>
-          <a:blip r:embed="rId2">
-            <a:extLst>
-              <a:ext uri="{28A0092B-C50C-407E-A947-70E740481C1C}">
-                <a14:useLocalDpi xmlns:a14="http://schemas.microsoft.com/office/drawing/2010/main" val="0"/>
-              </a:ext>
-            </a:extLst>
-          </a:blip>
-          <a:stretch>
-            <a:fillRect/>
-          </a:stretch>
-        </p:blipFill>
+      <p:sp>
+        <p:nvSpPr>
+          <p:cNvPr id="2" name="Title 1"/>
+          <p:cNvSpPr>
+            <a:spLocks noGrp="1"/>
+          </p:cNvSpPr>
+          <p:nvPr>
+            <p:ph type="title"/>
+          </p:nvPr>
+        </p:nvSpPr>
         <p:spPr>
           <a:xfrm>
-            <a:off x="0" y="0"/>
-            <a:ext cx="12188825" cy="6856214"/>
-          </a:xfrm>
-          <a:prstGeom prst="rect">
-            <a:avLst/>
-          </a:prstGeom>
-        </p:spPr>
-      </p:pic>
-      <p:sp>
-        <p:nvSpPr>
-          <p:cNvPr id="2" name="Title 1"/>
-          <p:cNvSpPr>
-            <a:spLocks noGrp="1"/>
-          </p:cNvSpPr>
-          <p:nvPr>
-            <p:ph type="title"/>
-          </p:nvPr>
-        </p:nvSpPr>
-        <p:spPr>
-          <a:xfrm>
-            <a:off x="685802" y="3308581"/>
-            <a:ext cx="10131425" cy="1468800"/>
+            <a:off x="2589213" y="2438400"/>
+            <a:ext cx="8915400" cy="2724845"/>
           </a:xfrm>
         </p:spPr>
         <p:txBody>
@@ -1656,7 +1309,7 @@
           </a:bodyPr>
           <a:lstStyle>
             <a:lvl1pPr algn="l">
-              <a:defRPr sz="3200" b="0" cap="none"/>
+              <a:defRPr sz="4800" b="0"/>
             </a:lvl1pPr>
           </a:lstStyle>
           <a:p>
@@ -1670,116 +1323,41 @@
       </p:sp>
       <p:sp>
         <p:nvSpPr>
-          <p:cNvPr id="3" name="Text Placeholder 2"/>
-          <p:cNvSpPr>
-            <a:spLocks noGrp="1"/>
-          </p:cNvSpPr>
-          <p:nvPr>
-            <p:ph type="body" idx="1"/>
+          <p:cNvPr id="4" name="Text Placeholder 3"/>
+          <p:cNvSpPr>
+            <a:spLocks noGrp="1"/>
+          </p:cNvSpPr>
+          <p:nvPr>
+            <p:ph type="body" sz="half" idx="2"/>
           </p:nvPr>
         </p:nvSpPr>
         <p:spPr>
           <a:xfrm>
-            <a:off x="685801" y="4777381"/>
-            <a:ext cx="10131426" cy="860400"/>
+            <a:off x="2589213" y="5181600"/>
+            <a:ext cx="8915400" cy="729622"/>
           </a:xfrm>
         </p:spPr>
         <p:txBody>
-          <a:bodyPr anchor="t">
+          <a:bodyPr vert="horz" lIns="91440" tIns="45720" rIns="91440" bIns="45720" rtlCol="0" anchor="t">
             <a:normAutofit/>
           </a:bodyPr>
           <a:lstStyle>
-            <a:lvl1pPr marL="0" indent="0" algn="l">
-              <a:buNone/>
-              <a:defRPr sz="2000">
+            <a:lvl1pPr>
+              <a:buNone/>
+              <a:defRPr lang="en-US">
                 <a:solidFill>
-                  <a:schemeClr val="tx1"/>
+                  <a:schemeClr val="tx1">
+                    <a:lumMod val="65000"/>
+                    <a:lumOff val="35000"/>
+                  </a:schemeClr>
                 </a:solidFill>
               </a:defRPr>
             </a:lvl1pPr>
-            <a:lvl2pPr marL="457200" indent="0">
-              <a:buNone/>
-              <a:defRPr sz="1800">
-                <a:solidFill>
-                  <a:schemeClr val="tx1">
-                    <a:tint val="75000"/>
-                  </a:schemeClr>
-                </a:solidFill>
-              </a:defRPr>
-            </a:lvl2pPr>
-            <a:lvl3pPr marL="914400" indent="0">
-              <a:buNone/>
-              <a:defRPr sz="1600">
-                <a:solidFill>
-                  <a:schemeClr val="tx1">
-                    <a:tint val="75000"/>
-                  </a:schemeClr>
-                </a:solidFill>
-              </a:defRPr>
-            </a:lvl3pPr>
-            <a:lvl4pPr marL="1371600" indent="0">
-              <a:buNone/>
-              <a:defRPr sz="1400">
-                <a:solidFill>
-                  <a:schemeClr val="tx1">
-                    <a:tint val="75000"/>
-                  </a:schemeClr>
-                </a:solidFill>
-              </a:defRPr>
-            </a:lvl4pPr>
-            <a:lvl5pPr marL="1828800" indent="0">
-              <a:buNone/>
-              <a:defRPr sz="1400">
-                <a:solidFill>
-                  <a:schemeClr val="tx1">
-                    <a:tint val="75000"/>
-                  </a:schemeClr>
-                </a:solidFill>
-              </a:defRPr>
-            </a:lvl5pPr>
-            <a:lvl6pPr marL="2286000" indent="0">
-              <a:buNone/>
-              <a:defRPr sz="1400">
-                <a:solidFill>
-                  <a:schemeClr val="tx1">
-                    <a:tint val="75000"/>
-                  </a:schemeClr>
-                </a:solidFill>
-              </a:defRPr>
-            </a:lvl6pPr>
-            <a:lvl7pPr marL="2743200" indent="0">
-              <a:buNone/>
-              <a:defRPr sz="1400">
-                <a:solidFill>
-                  <a:schemeClr val="tx1">
-                    <a:tint val="75000"/>
-                  </a:schemeClr>
-                </a:solidFill>
-              </a:defRPr>
-            </a:lvl7pPr>
-            <a:lvl8pPr marL="3200400" indent="0">
-              <a:buNone/>
-              <a:defRPr sz="1400">
-                <a:solidFill>
-                  <a:schemeClr val="tx1">
-                    <a:tint val="75000"/>
-                  </a:schemeClr>
-                </a:solidFill>
-              </a:defRPr>
-            </a:lvl8pPr>
-            <a:lvl9pPr marL="3657600" indent="0">
-              <a:buNone/>
-              <a:defRPr sz="1400">
-                <a:solidFill>
-                  <a:schemeClr val="tx1">
-                    <a:tint val="75000"/>
-                  </a:schemeClr>
-                </a:solidFill>
-              </a:defRPr>
-            </a:lvl9pPr>
           </a:lstStyle>
           <a:p>
-            <a:pPr lvl="0"/>
+            <a:pPr marL="0" lvl="0" indent="0">
+              <a:buNone/>
+            </a:pPr>
             <a:r>
               <a:rPr lang="en-US"/>
               <a:t>Edit Master text styles</a:t>
@@ -1789,7 +1367,7 @@
       </p:sp>
       <p:sp>
         <p:nvSpPr>
-          <p:cNvPr id="4" name="Date Placeholder 3"/>
+          <p:cNvPr id="5" name="Date Placeholder 4"/>
           <p:cNvSpPr>
             <a:spLocks noGrp="1"/>
           </p:cNvSpPr>
@@ -1804,7 +1382,7 @@
           <a:p>
             <a:fld id="{EAE94B64-FE95-4932-92D6-ED0579209990}" type="datetimeFigureOut">
               <a:rPr lang="en-CA" smtClean="0"/>
-              <a:t>2018-12-01</a:t>
+              <a:t>2018-12-02</a:t>
             </a:fld>
             <a:endParaRPr lang="en-CA"/>
           </a:p>
@@ -1812,7 +1390,7 @@
       </p:sp>
       <p:sp>
         <p:nvSpPr>
-          <p:cNvPr id="5" name="Footer Placeholder 4"/>
+          <p:cNvPr id="6" name="Footer Placeholder 5"/>
           <p:cNvSpPr>
             <a:spLocks noGrp="1"/>
           </p:cNvSpPr>
@@ -1831,7 +1409,89 @@
       </p:sp>
       <p:sp>
         <p:nvSpPr>
-          <p:cNvPr id="6" name="Slide Number Placeholder 5"/>
+          <p:cNvPr id="9" name="Freeform 11"/>
+          <p:cNvSpPr/>
+          <p:nvPr/>
+        </p:nvSpPr>
+        <p:spPr bwMode="auto">
+          <a:xfrm flipV="1">
+            <a:off x="-4189" y="4911725"/>
+            <a:ext cx="1588527" cy="507297"/>
+          </a:xfrm>
+          <a:custGeom>
+            <a:avLst/>
+            <a:gdLst/>
+            <a:ahLst/>
+            <a:cxnLst/>
+            <a:rect l="l" t="t" r="r" b="b"/>
+            <a:pathLst>
+              <a:path w="9248" h="10000">
+                <a:moveTo>
+                  <a:pt x="9248" y="4701"/>
+                </a:moveTo>
+                <a:lnTo>
+                  <a:pt x="7915" y="188"/>
+                </a:lnTo>
+                <a:cubicBezTo>
+                  <a:pt x="7906" y="156"/>
+                  <a:pt x="7895" y="126"/>
+                  <a:pt x="7886" y="94"/>
+                </a:cubicBezTo>
+                <a:cubicBezTo>
+                  <a:pt x="7859" y="0"/>
+                  <a:pt x="7831" y="0"/>
+                  <a:pt x="7803" y="0"/>
+                </a:cubicBezTo>
+                <a:lnTo>
+                  <a:pt x="7275" y="0"/>
+                </a:lnTo>
+                <a:lnTo>
+                  <a:pt x="0" y="70"/>
+                </a:lnTo>
+                <a:cubicBezTo>
+                  <a:pt x="8" y="3380"/>
+                  <a:pt x="17" y="6690"/>
+                  <a:pt x="25" y="10000"/>
+                </a:cubicBezTo>
+                <a:lnTo>
+                  <a:pt x="7275" y="9966"/>
+                </a:lnTo>
+                <a:lnTo>
+                  <a:pt x="7803" y="9966"/>
+                </a:lnTo>
+                <a:cubicBezTo>
+                  <a:pt x="7831" y="9966"/>
+                  <a:pt x="7859" y="9872"/>
+                  <a:pt x="7886" y="9872"/>
+                </a:cubicBezTo>
+                <a:cubicBezTo>
+                  <a:pt x="7886" y="9778"/>
+                  <a:pt x="7915" y="9778"/>
+                  <a:pt x="7915" y="9778"/>
+                </a:cubicBezTo>
+                <a:lnTo>
+                  <a:pt x="9248" y="5265"/>
+                </a:lnTo>
+                <a:cubicBezTo>
+                  <a:pt x="9303" y="5077"/>
+                  <a:pt x="9303" y="4889"/>
+                  <a:pt x="9248" y="4701"/>
+                </a:cubicBezTo>
+                <a:close/>
+              </a:path>
+            </a:pathLst>
+          </a:custGeom>
+          <a:solidFill>
+            <a:schemeClr val="accent1"/>
+          </a:solidFill>
+          <a:ln>
+            <a:noFill/>
+          </a:ln>
+        </p:spPr>
+      </p:sp>
+      <p:sp>
+        <p:nvSpPr>
+          <p:cNvPr id="7" name="Slide Number Placeholder 6"/>
           <p:cNvSpPr>
             <a:spLocks noGrp="1"/>
           </p:cNvSpPr>
@@ -1839,7 +1499,12 @@
             <p:ph type="sldNum" sz="quarter" idx="12"/>
           </p:nvPr>
         </p:nvSpPr>
-        <p:spPr/>
+        <p:spPr>
+          <a:xfrm>
+            <a:off x="531812" y="4983087"/>
+            <a:ext cx="779767" cy="365125"/>
+          </a:xfrm>
+        </p:spPr>
         <p:txBody>
           <a:bodyPr/>
           <a:lstStyle/>
@@ -1855,7 +1520,7 @@
     </p:spTree>
     <p:extLst>
       <p:ext uri="{BB962C8B-B14F-4D97-AF65-F5344CB8AC3E}">
-        <p14:creationId xmlns:p14="http://schemas.microsoft.com/office/powerpoint/2010/main" val="3320125762"/>
+        <p14:creationId xmlns:p14="http://schemas.microsoft.com/office/powerpoint/2010/main" val="476963509"/>
       </p:ext>
     </p:extLst>
   </p:cSld>
@@ -1865,7 +1530,7 @@
 </p:sldLayout>
 </file>
 
-<file path=ppt/slideLayouts/slideLayout14.xml><?xml version="1.0" encoding="utf-8"?>
+<file path=ppt/slideLayouts/slideLayout13.xml><?xml version="1.0" encoding="utf-8"?>
 <p:sldLayout xmlns:a="http://schemas.openxmlformats.org/drawingml/2006/main" xmlns:r="http://schemas.openxmlformats.org/officeDocument/2006/relationships" xmlns:p="http://schemas.openxmlformats.org/presentationml/2006/main" preserve="1">
   <p:cSld name="Quote Name Card">
     <p:spTree>
@@ -1882,45 +1547,305 @@
           <a:chExt cx="0" cy="0"/>
         </a:xfrm>
       </p:grpSpPr>
-      <p:pic>
-        <p:nvPicPr>
-          <p:cNvPr id="11" name="Picture 10" descr="Celestia-R1---OverlayContentHD.png"/>
-          <p:cNvPicPr>
-            <a:picLocks noChangeAspect="1"/>
-          </p:cNvPicPr>
-          <p:nvPr/>
-        </p:nvPicPr>
-        <p:blipFill>
-          <a:blip r:embed="rId2">
-            <a:extLst>
-              <a:ext uri="{28A0092B-C50C-407E-A947-70E740481C1C}">
-                <a14:useLocalDpi xmlns:a14="http://schemas.microsoft.com/office/drawing/2010/main" val="0"/>
-              </a:ext>
-            </a:extLst>
-          </a:blip>
-          <a:stretch>
-            <a:fillRect/>
-          </a:stretch>
-        </p:blipFill>
+      <p:sp>
+        <p:nvSpPr>
+          <p:cNvPr id="12" name="Title 1"/>
+          <p:cNvSpPr>
+            <a:spLocks noGrp="1"/>
+          </p:cNvSpPr>
+          <p:nvPr>
+            <p:ph type="title"/>
+          </p:nvPr>
+        </p:nvSpPr>
         <p:spPr>
           <a:xfrm>
-            <a:off x="0" y="0"/>
-            <a:ext cx="12188825" cy="6856214"/>
+            <a:off x="2849949" y="609600"/>
+            <a:ext cx="8393926" cy="2895600"/>
           </a:xfrm>
-          <a:prstGeom prst="rect">
+        </p:spPr>
+        <p:txBody>
+          <a:bodyPr anchor="ctr">
+            <a:normAutofit/>
+          </a:bodyPr>
+          <a:lstStyle>
+            <a:lvl1pPr algn="l">
+              <a:defRPr sz="4800" b="0" cap="none"/>
+            </a:lvl1pPr>
+          </a:lstStyle>
+          <a:p>
+            <a:r>
+              <a:rPr lang="en-US"/>
+              <a:t>Click to edit Master title style</a:t>
+            </a:r>
+            <a:endParaRPr lang="en-US" dirty="0"/>
+          </a:p>
+        </p:txBody>
+      </p:sp>
+      <p:sp>
+        <p:nvSpPr>
+          <p:cNvPr id="21" name="Text Placeholder 9"/>
+          <p:cNvSpPr>
+            <a:spLocks noGrp="1"/>
+          </p:cNvSpPr>
+          <p:nvPr>
+            <p:ph type="body" sz="quarter" idx="13"/>
+          </p:nvPr>
+        </p:nvSpPr>
+        <p:spPr>
+          <a:xfrm>
+            <a:off x="2589212" y="4343400"/>
+            <a:ext cx="8915400" cy="838200"/>
+          </a:xfrm>
+        </p:spPr>
+        <p:txBody>
+          <a:bodyPr anchor="b">
+            <a:noAutofit/>
+          </a:bodyPr>
+          <a:lstStyle>
+            <a:lvl1pPr marL="0" indent="0">
+              <a:buFontTx/>
+              <a:buNone/>
+              <a:defRPr sz="2400">
+                <a:solidFill>
+                  <a:schemeClr val="accent1"/>
+                </a:solidFill>
+              </a:defRPr>
+            </a:lvl1pPr>
+            <a:lvl2pPr marL="457200" indent="0">
+              <a:buFontTx/>
+              <a:buNone/>
+              <a:defRPr/>
+            </a:lvl2pPr>
+            <a:lvl3pPr marL="914400" indent="0">
+              <a:buFontTx/>
+              <a:buNone/>
+              <a:defRPr/>
+            </a:lvl3pPr>
+            <a:lvl4pPr marL="1371600" indent="0">
+              <a:buFontTx/>
+              <a:buNone/>
+              <a:defRPr/>
+            </a:lvl4pPr>
+            <a:lvl5pPr marL="1828800" indent="0">
+              <a:buFontTx/>
+              <a:buNone/>
+              <a:defRPr/>
+            </a:lvl5pPr>
+          </a:lstStyle>
+          <a:p>
+            <a:pPr lvl="0"/>
+            <a:r>
+              <a:rPr lang="en-US"/>
+              <a:t>Edit Master text styles</a:t>
+            </a:r>
+          </a:p>
+        </p:txBody>
+      </p:sp>
+      <p:sp>
+        <p:nvSpPr>
+          <p:cNvPr id="4" name="Text Placeholder 3"/>
+          <p:cNvSpPr>
+            <a:spLocks noGrp="1"/>
+          </p:cNvSpPr>
+          <p:nvPr>
+            <p:ph type="body" sz="half" idx="2"/>
+          </p:nvPr>
+        </p:nvSpPr>
+        <p:spPr>
+          <a:xfrm>
+            <a:off x="2589213" y="5181600"/>
+            <a:ext cx="8915400" cy="729622"/>
+          </a:xfrm>
+        </p:spPr>
+        <p:txBody>
+          <a:bodyPr vert="horz" lIns="91440" tIns="45720" rIns="91440" bIns="45720" rtlCol="0" anchor="t">
+            <a:normAutofit/>
+          </a:bodyPr>
+          <a:lstStyle>
+            <a:lvl1pPr>
+              <a:buNone/>
+              <a:defRPr lang="en-US">
+                <a:solidFill>
+                  <a:schemeClr val="tx1">
+                    <a:lumMod val="65000"/>
+                    <a:lumOff val="35000"/>
+                  </a:schemeClr>
+                </a:solidFill>
+              </a:defRPr>
+            </a:lvl1pPr>
+          </a:lstStyle>
+          <a:p>
+            <a:pPr marL="0" lvl="0" indent="0">
+              <a:buNone/>
+            </a:pPr>
+            <a:r>
+              <a:rPr lang="en-US"/>
+              <a:t>Edit Master text styles</a:t>
+            </a:r>
+          </a:p>
+        </p:txBody>
+      </p:sp>
+      <p:sp>
+        <p:nvSpPr>
+          <p:cNvPr id="5" name="Date Placeholder 4"/>
+          <p:cNvSpPr>
+            <a:spLocks noGrp="1"/>
+          </p:cNvSpPr>
+          <p:nvPr>
+            <p:ph type="dt" sz="half" idx="10"/>
+          </p:nvPr>
+        </p:nvSpPr>
+        <p:spPr/>
+        <p:txBody>
+          <a:bodyPr/>
+          <a:lstStyle/>
+          <a:p>
+            <a:fld id="{EAE94B64-FE95-4932-92D6-ED0579209990}" type="datetimeFigureOut">
+              <a:rPr lang="en-CA" smtClean="0"/>
+              <a:t>2018-12-02</a:t>
+            </a:fld>
+            <a:endParaRPr lang="en-CA"/>
+          </a:p>
+        </p:txBody>
+      </p:sp>
+      <p:sp>
+        <p:nvSpPr>
+          <p:cNvPr id="6" name="Footer Placeholder 5"/>
+          <p:cNvSpPr>
+            <a:spLocks noGrp="1"/>
+          </p:cNvSpPr>
+          <p:nvPr>
+            <p:ph type="ftr" sz="quarter" idx="11"/>
+          </p:nvPr>
+        </p:nvSpPr>
+        <p:spPr/>
+        <p:txBody>
+          <a:bodyPr/>
+          <a:lstStyle/>
+          <a:p>
+            <a:endParaRPr lang="en-CA"/>
+          </a:p>
+        </p:txBody>
+      </p:sp>
+      <p:sp>
+        <p:nvSpPr>
+          <p:cNvPr id="11" name="Freeform 11"/>
+          <p:cNvSpPr/>
+          <p:nvPr/>
+        </p:nvSpPr>
+        <p:spPr bwMode="auto">
+          <a:xfrm flipV="1">
+            <a:off x="-4189" y="4911725"/>
+            <a:ext cx="1588527" cy="507297"/>
+          </a:xfrm>
+          <a:custGeom>
             <a:avLst/>
-          </a:prstGeom>
+            <a:gdLst/>
+            <a:ahLst/>
+            <a:cxnLst/>
+            <a:rect l="l" t="t" r="r" b="b"/>
+            <a:pathLst>
+              <a:path w="9248" h="10000">
+                <a:moveTo>
+                  <a:pt x="9248" y="4701"/>
+                </a:moveTo>
+                <a:lnTo>
+                  <a:pt x="7915" y="188"/>
+                </a:lnTo>
+                <a:cubicBezTo>
+                  <a:pt x="7906" y="156"/>
+                  <a:pt x="7895" y="126"/>
+                  <a:pt x="7886" y="94"/>
+                </a:cubicBezTo>
+                <a:cubicBezTo>
+                  <a:pt x="7859" y="0"/>
+                  <a:pt x="7831" y="0"/>
+                  <a:pt x="7803" y="0"/>
+                </a:cubicBezTo>
+                <a:lnTo>
+                  <a:pt x="7275" y="0"/>
+                </a:lnTo>
+                <a:lnTo>
+                  <a:pt x="0" y="70"/>
+                </a:lnTo>
+                <a:cubicBezTo>
+                  <a:pt x="8" y="3380"/>
+                  <a:pt x="17" y="6690"/>
+                  <a:pt x="25" y="10000"/>
+                </a:cubicBezTo>
+                <a:lnTo>
+                  <a:pt x="7275" y="9966"/>
+                </a:lnTo>
+                <a:lnTo>
+                  <a:pt x="7803" y="9966"/>
+                </a:lnTo>
+                <a:cubicBezTo>
+                  <a:pt x="7831" y="9966"/>
+                  <a:pt x="7859" y="9872"/>
+                  <a:pt x="7886" y="9872"/>
+                </a:cubicBezTo>
+                <a:cubicBezTo>
+                  <a:pt x="7886" y="9778"/>
+                  <a:pt x="7915" y="9778"/>
+                  <a:pt x="7915" y="9778"/>
+                </a:cubicBezTo>
+                <a:lnTo>
+                  <a:pt x="9248" y="5265"/>
+                </a:lnTo>
+                <a:cubicBezTo>
+                  <a:pt x="9303" y="5077"/>
+                  <a:pt x="9303" y="4889"/>
+                  <a:pt x="9248" y="4701"/>
+                </a:cubicBezTo>
+                <a:close/>
+              </a:path>
+            </a:pathLst>
+          </a:custGeom>
+          <a:solidFill>
+            <a:schemeClr val="accent1"/>
+          </a:solidFill>
+          <a:ln>
+            <a:noFill/>
+          </a:ln>
         </p:spPr>
-      </p:pic>
-      <p:sp>
-        <p:nvSpPr>
-          <p:cNvPr id="13" name="TextBox 12"/>
+      </p:sp>
+      <p:sp>
+        <p:nvSpPr>
+          <p:cNvPr id="7" name="Slide Number Placeholder 6"/>
+          <p:cNvSpPr>
+            <a:spLocks noGrp="1"/>
+          </p:cNvSpPr>
+          <p:nvPr>
+            <p:ph type="sldNum" sz="quarter" idx="12"/>
+          </p:nvPr>
+        </p:nvSpPr>
+        <p:spPr>
+          <a:xfrm>
+            <a:off x="531812" y="4983087"/>
+            <a:ext cx="779767" cy="365125"/>
+          </a:xfrm>
+        </p:spPr>
+        <p:txBody>
+          <a:bodyPr/>
+          <a:lstStyle/>
+          <a:p>
+            <a:fld id="{2849D840-EB1A-4BD0-9BBF-65787F9A4F51}" type="slidenum">
+              <a:rPr lang="en-CA" smtClean="0"/>
+              <a:t>‹#›</a:t>
+            </a:fld>
+            <a:endParaRPr lang="en-CA"/>
+          </a:p>
+        </p:txBody>
+      </p:sp>
+      <p:sp>
+        <p:nvSpPr>
+          <p:cNvPr id="17" name="TextBox 16"/>
           <p:cNvSpPr txBox="1"/>
           <p:nvPr/>
         </p:nvSpPr>
         <p:spPr>
           <a:xfrm>
-            <a:off x="10237867" y="2743200"/>
+            <a:off x="2467652" y="648005"/>
             <a:ext cx="609600" cy="584776"/>
           </a:xfrm>
           <a:prstGeom prst="rect">
@@ -1931,112 +1856,34 @@
           <a:bodyPr vert="horz" lIns="91440" tIns="45720" rIns="91440" bIns="45720" rtlCol="0" anchor="ctr">
             <a:noAutofit/>
           </a:bodyPr>
-          <a:lstStyle>
-            <a:lvl1pPr>
-              <a:spcBef>
-                <a:spcPct val="0"/>
-              </a:spcBef>
-              <a:buNone/>
-              <a:defRPr sz="3200" b="0" cap="all">
+          <a:lstStyle/>
+          <a:p>
+            <a:pPr lvl="0"/>
+            <a:r>
+              <a:rPr lang="en-US" sz="8000" baseline="0" dirty="0">
                 <a:ln w="3175" cmpd="sng">
                   <a:noFill/>
                 </a:ln>
-                <a:effectLst>
-                  <a:glow rad="38100">
-                    <a:schemeClr val="bg1">
-                      <a:lumMod val="65000"/>
-                      <a:lumOff val="35000"/>
-                      <a:alpha val="40000"/>
-                    </a:schemeClr>
-                  </a:glow>
-                  <a:outerShdw blurRad="28575" dist="38100" dir="14040000" algn="tl" rotWithShape="0">
-                    <a:srgbClr val="000000">
-                      <a:alpha val="25000"/>
-                    </a:srgbClr>
-                  </a:outerShdw>
-                </a:effectLst>
-              </a:defRPr>
-            </a:lvl1pPr>
-            <a:lvl2pPr>
-              <a:defRPr>
                 <a:solidFill>
-                  <a:schemeClr val="tx2"/>
-                </a:solidFill>
-              </a:defRPr>
-            </a:lvl2pPr>
-            <a:lvl3pPr>
-              <a:defRPr>
-                <a:solidFill>
-                  <a:schemeClr val="tx2"/>
-                </a:solidFill>
-              </a:defRPr>
-            </a:lvl3pPr>
-            <a:lvl4pPr>
-              <a:defRPr>
-                <a:solidFill>
-                  <a:schemeClr val="tx2"/>
-                </a:solidFill>
-              </a:defRPr>
-            </a:lvl4pPr>
-            <a:lvl5pPr>
-              <a:defRPr>
-                <a:solidFill>
-                  <a:schemeClr val="tx2"/>
-                </a:solidFill>
-              </a:defRPr>
-            </a:lvl5pPr>
-            <a:lvl6pPr>
-              <a:defRPr>
-                <a:solidFill>
-                  <a:schemeClr val="tx2"/>
-                </a:solidFill>
-              </a:defRPr>
-            </a:lvl6pPr>
-            <a:lvl7pPr>
-              <a:defRPr>
-                <a:solidFill>
-                  <a:schemeClr val="tx2"/>
-                </a:solidFill>
-              </a:defRPr>
-            </a:lvl7pPr>
-            <a:lvl8pPr>
-              <a:defRPr>
-                <a:solidFill>
-                  <a:schemeClr val="tx2"/>
-                </a:solidFill>
-              </a:defRPr>
-            </a:lvl8pPr>
-            <a:lvl9pPr>
-              <a:defRPr>
-                <a:solidFill>
-                  <a:schemeClr val="tx2"/>
-                </a:solidFill>
-              </a:defRPr>
-            </a:lvl9pPr>
-          </a:lstStyle>
-          <a:p>
-            <a:pPr lvl="0" algn="r"/>
-            <a:r>
-              <a:rPr lang="en-US" sz="8000" dirty="0">
-                <a:solidFill>
-                  <a:schemeClr val="tx1"/>
+                  <a:schemeClr val="accent1"/>
                 </a:solidFill>
                 <a:effectLst/>
+                <a:latin typeface="Arial"/>
               </a:rPr>
-              <a:t>”</a:t>
-            </a:r>
-          </a:p>
-        </p:txBody>
-      </p:sp>
-      <p:sp>
-        <p:nvSpPr>
-          <p:cNvPr id="14" name="TextBox 13"/>
+              <a:t>“</a:t>
+            </a:r>
+          </a:p>
+        </p:txBody>
+      </p:sp>
+      <p:sp>
+        <p:nvSpPr>
+          <p:cNvPr id="18" name="TextBox 17"/>
           <p:cNvSpPr txBox="1"/>
           <p:nvPr/>
         </p:nvSpPr>
         <p:spPr>
           <a:xfrm>
-            <a:off x="488275" y="823337"/>
+            <a:off x="11114852" y="2905306"/>
             <a:ext cx="609600" cy="584776"/>
           </a:xfrm>
           <a:prstGeom prst="rect">
@@ -2047,377 +1894,29 @@
           <a:bodyPr vert="horz" lIns="91440" tIns="45720" rIns="91440" bIns="45720" rtlCol="0" anchor="ctr">
             <a:noAutofit/>
           </a:bodyPr>
-          <a:lstStyle>
-            <a:lvl1pPr>
-              <a:spcBef>
-                <a:spcPct val="0"/>
-              </a:spcBef>
-              <a:buNone/>
-              <a:defRPr sz="3200" b="0" cap="all">
-                <a:ln w="3175" cmpd="sng">
-                  <a:noFill/>
-                </a:ln>
-                <a:effectLst>
-                  <a:glow rad="38100">
-                    <a:schemeClr val="bg1">
-                      <a:lumMod val="65000"/>
-                      <a:lumOff val="35000"/>
-                      <a:alpha val="40000"/>
-                    </a:schemeClr>
-                  </a:glow>
-                  <a:outerShdw blurRad="28575" dist="38100" dir="14040000" algn="tl" rotWithShape="0">
-                    <a:srgbClr val="000000">
-                      <a:alpha val="25000"/>
-                    </a:srgbClr>
-                  </a:outerShdw>
-                </a:effectLst>
-              </a:defRPr>
-            </a:lvl1pPr>
-            <a:lvl2pPr>
-              <a:defRPr>
-                <a:solidFill>
-                  <a:schemeClr val="tx2"/>
-                </a:solidFill>
-              </a:defRPr>
-            </a:lvl2pPr>
-            <a:lvl3pPr>
-              <a:defRPr>
-                <a:solidFill>
-                  <a:schemeClr val="tx2"/>
-                </a:solidFill>
-              </a:defRPr>
-            </a:lvl3pPr>
-            <a:lvl4pPr>
-              <a:defRPr>
-                <a:solidFill>
-                  <a:schemeClr val="tx2"/>
-                </a:solidFill>
-              </a:defRPr>
-            </a:lvl4pPr>
-            <a:lvl5pPr>
-              <a:defRPr>
-                <a:solidFill>
-                  <a:schemeClr val="tx2"/>
-                </a:solidFill>
-              </a:defRPr>
-            </a:lvl5pPr>
-            <a:lvl6pPr>
-              <a:defRPr>
-                <a:solidFill>
-                  <a:schemeClr val="tx2"/>
-                </a:solidFill>
-              </a:defRPr>
-            </a:lvl6pPr>
-            <a:lvl7pPr>
-              <a:defRPr>
-                <a:solidFill>
-                  <a:schemeClr val="tx2"/>
-                </a:solidFill>
-              </a:defRPr>
-            </a:lvl7pPr>
-            <a:lvl8pPr>
-              <a:defRPr>
-                <a:solidFill>
-                  <a:schemeClr val="tx2"/>
-                </a:solidFill>
-              </a:defRPr>
-            </a:lvl8pPr>
-            <a:lvl9pPr>
-              <a:defRPr>
-                <a:solidFill>
-                  <a:schemeClr val="tx2"/>
-                </a:solidFill>
-              </a:defRPr>
-            </a:lvl9pPr>
-          </a:lstStyle>
-          <a:p>
-            <a:pPr lvl="0" algn="r"/>
-            <a:r>
-              <a:rPr lang="en-US" sz="8000" dirty="0">
-                <a:solidFill>
-                  <a:schemeClr val="tx1"/>
-                </a:solidFill>
-                <a:effectLst/>
-              </a:rPr>
-              <a:t>“</a:t>
-            </a:r>
-          </a:p>
-        </p:txBody>
-      </p:sp>
-      <p:sp>
-        <p:nvSpPr>
-          <p:cNvPr id="16" name="Title 1"/>
-          <p:cNvSpPr>
-            <a:spLocks noGrp="1"/>
-          </p:cNvSpPr>
-          <p:nvPr>
-            <p:ph type="title"/>
-          </p:nvPr>
-        </p:nvSpPr>
-        <p:spPr>
-          <a:xfrm>
-            <a:off x="992267" y="609601"/>
-            <a:ext cx="9550399" cy="2743199"/>
-          </a:xfrm>
-        </p:spPr>
-        <p:txBody>
-          <a:bodyPr anchor="ctr">
-            <a:normAutofit/>
-          </a:bodyPr>
-          <a:lstStyle>
-            <a:lvl1pPr algn="l">
-              <a:defRPr sz="3200" b="0" cap="none">
-                <a:solidFill>
-                  <a:schemeClr val="tx1"/>
-                </a:solidFill>
-              </a:defRPr>
-            </a:lvl1pPr>
-          </a:lstStyle>
-          <a:p>
-            <a:r>
-              <a:rPr lang="en-US"/>
-              <a:t>Click to edit Master title style</a:t>
-            </a:r>
-            <a:endParaRPr lang="en-US" dirty="0"/>
-          </a:p>
-        </p:txBody>
-      </p:sp>
-      <p:sp>
-        <p:nvSpPr>
-          <p:cNvPr id="10" name="Text Placeholder 9"/>
-          <p:cNvSpPr>
-            <a:spLocks noGrp="1"/>
-          </p:cNvSpPr>
-          <p:nvPr>
-            <p:ph type="body" sz="quarter" idx="13"/>
-          </p:nvPr>
-        </p:nvSpPr>
-        <p:spPr>
-          <a:xfrm>
-            <a:off x="685800" y="3886200"/>
-            <a:ext cx="10135436" cy="889000"/>
-          </a:xfrm>
-        </p:spPr>
-        <p:txBody>
-          <a:bodyPr vert="horz" lIns="91440" tIns="45720" rIns="91440" bIns="45720" rtlCol="0" anchor="b">
-            <a:normAutofit/>
-          </a:bodyPr>
-          <a:lstStyle>
-            <a:lvl1pPr>
-              <a:buNone/>
-              <a:defRPr lang="en-US" sz="2400" b="0" cap="none" dirty="0">
+          <a:lstStyle/>
+          <a:p>
+            <a:pPr lvl="0"/>
+            <a:r>
+              <a:rPr lang="en-US" sz="8000" baseline="0" dirty="0">
                 <a:ln w="3175" cmpd="sng">
                   <a:noFill/>
                 </a:ln>
                 <a:solidFill>
-                  <a:schemeClr val="tx1"/>
+                  <a:schemeClr val="accent1"/>
                 </a:solidFill>
                 <a:effectLst/>
-              </a:defRPr>
-            </a:lvl1pPr>
-          </a:lstStyle>
-          <a:p>
-            <a:pPr marL="0" lvl="0">
-              <a:spcBef>
-                <a:spcPct val="0"/>
-              </a:spcBef>
-              <a:buNone/>
-            </a:pPr>
-            <a:r>
-              <a:rPr lang="en-US"/>
-              <a:t>Edit Master text styles</a:t>
-            </a:r>
-          </a:p>
-        </p:txBody>
-      </p:sp>
-      <p:sp>
-        <p:nvSpPr>
-          <p:cNvPr id="3" name="Text Placeholder 2"/>
-          <p:cNvSpPr>
-            <a:spLocks noGrp="1"/>
-          </p:cNvSpPr>
-          <p:nvPr>
-            <p:ph type="body" idx="1"/>
-          </p:nvPr>
-        </p:nvSpPr>
-        <p:spPr>
-          <a:xfrm>
-            <a:off x="685799" y="4775200"/>
-            <a:ext cx="10135436" cy="1016000"/>
-          </a:xfrm>
-        </p:spPr>
-        <p:txBody>
-          <a:bodyPr anchor="t">
-            <a:normAutofit/>
-          </a:bodyPr>
-          <a:lstStyle>
-            <a:lvl1pPr marL="0" indent="0" algn="l">
-              <a:buNone/>
-              <a:defRPr sz="1800">
-                <a:solidFill>
-                  <a:schemeClr val="tx1"/>
-                </a:solidFill>
-              </a:defRPr>
-            </a:lvl1pPr>
-            <a:lvl2pPr marL="457200" indent="0">
-              <a:buNone/>
-              <a:defRPr sz="1800">
-                <a:solidFill>
-                  <a:schemeClr val="tx1">
-                    <a:tint val="75000"/>
-                  </a:schemeClr>
-                </a:solidFill>
-              </a:defRPr>
-            </a:lvl2pPr>
-            <a:lvl3pPr marL="914400" indent="0">
-              <a:buNone/>
-              <a:defRPr sz="1600">
-                <a:solidFill>
-                  <a:schemeClr val="tx1">
-                    <a:tint val="75000"/>
-                  </a:schemeClr>
-                </a:solidFill>
-              </a:defRPr>
-            </a:lvl3pPr>
-            <a:lvl4pPr marL="1371600" indent="0">
-              <a:buNone/>
-              <a:defRPr sz="1400">
-                <a:solidFill>
-                  <a:schemeClr val="tx1">
-                    <a:tint val="75000"/>
-                  </a:schemeClr>
-                </a:solidFill>
-              </a:defRPr>
-            </a:lvl4pPr>
-            <a:lvl5pPr marL="1828800" indent="0">
-              <a:buNone/>
-              <a:defRPr sz="1400">
-                <a:solidFill>
-                  <a:schemeClr val="tx1">
-                    <a:tint val="75000"/>
-                  </a:schemeClr>
-                </a:solidFill>
-              </a:defRPr>
-            </a:lvl5pPr>
-            <a:lvl6pPr marL="2286000" indent="0">
-              <a:buNone/>
-              <a:defRPr sz="1400">
-                <a:solidFill>
-                  <a:schemeClr val="tx1">
-                    <a:tint val="75000"/>
-                  </a:schemeClr>
-                </a:solidFill>
-              </a:defRPr>
-            </a:lvl6pPr>
-            <a:lvl7pPr marL="2743200" indent="0">
-              <a:buNone/>
-              <a:defRPr sz="1400">
-                <a:solidFill>
-                  <a:schemeClr val="tx1">
-                    <a:tint val="75000"/>
-                  </a:schemeClr>
-                </a:solidFill>
-              </a:defRPr>
-            </a:lvl7pPr>
-            <a:lvl8pPr marL="3200400" indent="0">
-              <a:buNone/>
-              <a:defRPr sz="1400">
-                <a:solidFill>
-                  <a:schemeClr val="tx1">
-                    <a:tint val="75000"/>
-                  </a:schemeClr>
-                </a:solidFill>
-              </a:defRPr>
-            </a:lvl8pPr>
-            <a:lvl9pPr marL="3657600" indent="0">
-              <a:buNone/>
-              <a:defRPr sz="1400">
-                <a:solidFill>
-                  <a:schemeClr val="tx1">
-                    <a:tint val="75000"/>
-                  </a:schemeClr>
-                </a:solidFill>
-              </a:defRPr>
-            </a:lvl9pPr>
-          </a:lstStyle>
-          <a:p>
-            <a:pPr lvl="0"/>
-            <a:r>
-              <a:rPr lang="en-US"/>
-              <a:t>Edit Master text styles</a:t>
-            </a:r>
-          </a:p>
-        </p:txBody>
-      </p:sp>
-      <p:sp>
-        <p:nvSpPr>
-          <p:cNvPr id="4" name="Date Placeholder 3"/>
-          <p:cNvSpPr>
-            <a:spLocks noGrp="1"/>
-          </p:cNvSpPr>
-          <p:nvPr>
-            <p:ph type="dt" sz="half" idx="10"/>
-          </p:nvPr>
-        </p:nvSpPr>
-        <p:spPr/>
-        <p:txBody>
-          <a:bodyPr/>
-          <a:lstStyle/>
-          <a:p>
-            <a:fld id="{EAE94B64-FE95-4932-92D6-ED0579209990}" type="datetimeFigureOut">
-              <a:rPr lang="en-CA" smtClean="0"/>
-              <a:t>2018-12-01</a:t>
-            </a:fld>
-            <a:endParaRPr lang="en-CA"/>
-          </a:p>
-        </p:txBody>
-      </p:sp>
-      <p:sp>
-        <p:nvSpPr>
-          <p:cNvPr id="5" name="Footer Placeholder 4"/>
-          <p:cNvSpPr>
-            <a:spLocks noGrp="1"/>
-          </p:cNvSpPr>
-          <p:nvPr>
-            <p:ph type="ftr" sz="quarter" idx="11"/>
-          </p:nvPr>
-        </p:nvSpPr>
-        <p:spPr/>
-        <p:txBody>
-          <a:bodyPr/>
-          <a:lstStyle/>
-          <a:p>
-            <a:endParaRPr lang="en-CA"/>
-          </a:p>
-        </p:txBody>
-      </p:sp>
-      <p:sp>
-        <p:nvSpPr>
-          <p:cNvPr id="6" name="Slide Number Placeholder 5"/>
-          <p:cNvSpPr>
-            <a:spLocks noGrp="1"/>
-          </p:cNvSpPr>
-          <p:nvPr>
-            <p:ph type="sldNum" sz="quarter" idx="12"/>
-          </p:nvPr>
-        </p:nvSpPr>
-        <p:spPr/>
-        <p:txBody>
-          <a:bodyPr/>
-          <a:lstStyle/>
-          <a:p>
-            <a:fld id="{2849D840-EB1A-4BD0-9BBF-65787F9A4F51}" type="slidenum">
-              <a:rPr lang="en-CA" smtClean="0"/>
-              <a:t>‹#›</a:t>
-            </a:fld>
-            <a:endParaRPr lang="en-CA"/>
+                <a:latin typeface="Arial"/>
+              </a:rPr>
+              <a:t>”</a:t>
+            </a:r>
           </a:p>
         </p:txBody>
       </p:sp>
     </p:spTree>
     <p:extLst>
       <p:ext uri="{BB962C8B-B14F-4D97-AF65-F5344CB8AC3E}">
-        <p14:creationId xmlns:p14="http://schemas.microsoft.com/office/powerpoint/2010/main" val="351520012"/>
+        <p14:creationId xmlns:p14="http://schemas.microsoft.com/office/powerpoint/2010/main" val="1763503201"/>
       </p:ext>
     </p:extLst>
   </p:cSld>
@@ -2427,7 +1926,7 @@
 </p:sldLayout>
 </file>
 
-<file path=ppt/slideLayouts/slideLayout15.xml><?xml version="1.0" encoding="utf-8"?>
+<file path=ppt/slideLayouts/slideLayout14.xml><?xml version="1.0" encoding="utf-8"?>
 <p:sldLayout xmlns:a="http://schemas.openxmlformats.org/drawingml/2006/main" xmlns:r="http://schemas.openxmlformats.org/officeDocument/2006/relationships" xmlns:p="http://schemas.openxmlformats.org/presentationml/2006/main" preserve="1">
   <p:cSld name="True or False">
     <p:spTree>
@@ -2444,110 +1943,135 @@
           <a:chExt cx="0" cy="0"/>
         </a:xfrm>
       </p:grpSpPr>
-      <p:pic>
-        <p:nvPicPr>
-          <p:cNvPr id="8" name="Picture 7" descr="Celestia-R1---OverlayContentHD.png"/>
-          <p:cNvPicPr>
-            <a:picLocks noChangeAspect="1"/>
-          </p:cNvPicPr>
-          <p:nvPr/>
-        </p:nvPicPr>
-        <p:blipFill>
-          <a:blip r:embed="rId2">
-            <a:extLst>
-              <a:ext uri="{28A0092B-C50C-407E-A947-70E740481C1C}">
-                <a14:useLocalDpi xmlns:a14="http://schemas.microsoft.com/office/drawing/2010/main" val="0"/>
-              </a:ext>
-            </a:extLst>
-          </a:blip>
-          <a:stretch>
-            <a:fillRect/>
-          </a:stretch>
-        </p:blipFill>
+      <p:sp>
+        <p:nvSpPr>
+          <p:cNvPr id="2" name="Title 1"/>
+          <p:cNvSpPr>
+            <a:spLocks noGrp="1"/>
+          </p:cNvSpPr>
+          <p:nvPr>
+            <p:ph type="title"/>
+          </p:nvPr>
+        </p:nvSpPr>
         <p:spPr>
           <a:xfrm>
-            <a:off x="0" y="0"/>
-            <a:ext cx="12188825" cy="6856214"/>
+            <a:off x="2589212" y="627407"/>
+            <a:ext cx="8915399" cy="2880020"/>
           </a:xfrm>
-          <a:prstGeom prst="rect">
-            <a:avLst/>
-          </a:prstGeom>
         </p:spPr>
-      </p:pic>
-      <p:sp>
-        <p:nvSpPr>
-          <p:cNvPr id="2" name="Title 1"/>
-          <p:cNvSpPr>
-            <a:spLocks noGrp="1"/>
-          </p:cNvSpPr>
-          <p:nvPr>
-            <p:ph type="title"/>
+        <p:txBody>
+          <a:bodyPr anchor="ctr">
+            <a:normAutofit/>
+          </a:bodyPr>
+          <a:lstStyle>
+            <a:lvl1pPr algn="l">
+              <a:defRPr sz="4800" b="0"/>
+            </a:lvl1pPr>
+          </a:lstStyle>
+          <a:p>
+            <a:r>
+              <a:rPr lang="en-US"/>
+              <a:t>Click to edit Master title style</a:t>
+            </a:r>
+            <a:endParaRPr lang="en-US" dirty="0"/>
+          </a:p>
+        </p:txBody>
+      </p:sp>
+      <p:sp>
+        <p:nvSpPr>
+          <p:cNvPr id="21" name="Text Placeholder 9"/>
+          <p:cNvSpPr>
+            <a:spLocks noGrp="1"/>
+          </p:cNvSpPr>
+          <p:nvPr>
+            <p:ph type="body" sz="quarter" idx="13"/>
           </p:nvPr>
         </p:nvSpPr>
         <p:spPr>
           <a:xfrm>
-            <a:off x="685801" y="609601"/>
-            <a:ext cx="10131427" cy="2743199"/>
+            <a:off x="2589212" y="4343400"/>
+            <a:ext cx="8915400" cy="838200"/>
           </a:xfrm>
         </p:spPr>
         <p:txBody>
-          <a:bodyPr vert="horz" lIns="91440" tIns="45720" rIns="91440" bIns="45720" rtlCol="0" anchor="ctr">
+          <a:bodyPr anchor="b">
+            <a:noAutofit/>
+          </a:bodyPr>
+          <a:lstStyle>
+            <a:lvl1pPr marL="0" indent="0">
+              <a:buFontTx/>
+              <a:buNone/>
+              <a:defRPr sz="2400">
+                <a:solidFill>
+                  <a:schemeClr val="accent1"/>
+                </a:solidFill>
+              </a:defRPr>
+            </a:lvl1pPr>
+            <a:lvl2pPr marL="457200" indent="0">
+              <a:buFontTx/>
+              <a:buNone/>
+              <a:defRPr/>
+            </a:lvl2pPr>
+            <a:lvl3pPr marL="914400" indent="0">
+              <a:buFontTx/>
+              <a:buNone/>
+              <a:defRPr/>
+            </a:lvl3pPr>
+            <a:lvl4pPr marL="1371600" indent="0">
+              <a:buFontTx/>
+              <a:buNone/>
+              <a:defRPr/>
+            </a:lvl4pPr>
+            <a:lvl5pPr marL="1828800" indent="0">
+              <a:buFontTx/>
+              <a:buNone/>
+              <a:defRPr/>
+            </a:lvl5pPr>
+          </a:lstStyle>
+          <a:p>
+            <a:pPr lvl="0"/>
+            <a:r>
+              <a:rPr lang="en-US"/>
+              <a:t>Edit Master text styles</a:t>
+            </a:r>
+          </a:p>
+        </p:txBody>
+      </p:sp>
+      <p:sp>
+        <p:nvSpPr>
+          <p:cNvPr id="4" name="Text Placeholder 3"/>
+          <p:cNvSpPr>
+            <a:spLocks noGrp="1"/>
+          </p:cNvSpPr>
+          <p:nvPr>
+            <p:ph type="body" sz="half" idx="2"/>
+          </p:nvPr>
+        </p:nvSpPr>
+        <p:spPr>
+          <a:xfrm>
+            <a:off x="2589213" y="5181600"/>
+            <a:ext cx="8915400" cy="729622"/>
+          </a:xfrm>
+        </p:spPr>
+        <p:txBody>
+          <a:bodyPr vert="horz" lIns="91440" tIns="45720" rIns="91440" bIns="45720" rtlCol="0" anchor="t">
             <a:normAutofit/>
           </a:bodyPr>
           <a:lstStyle>
             <a:lvl1pPr>
-              <a:defRPr lang="en-US" b="0" dirty="0"/>
-            </a:lvl1pPr>
-          </a:lstStyle>
-          <a:p>
-            <a:pPr marL="0" lvl="0"/>
-            <a:r>
-              <a:rPr lang="en-US"/>
-              <a:t>Click to edit Master title style</a:t>
-            </a:r>
-            <a:endParaRPr lang="en-US" dirty="0"/>
-          </a:p>
-        </p:txBody>
-      </p:sp>
-      <p:sp>
-        <p:nvSpPr>
-          <p:cNvPr id="10" name="Text Placeholder 9"/>
-          <p:cNvSpPr>
-            <a:spLocks noGrp="1"/>
-          </p:cNvSpPr>
-          <p:nvPr>
-            <p:ph type="body" sz="quarter" idx="13"/>
-          </p:nvPr>
-        </p:nvSpPr>
-        <p:spPr>
-          <a:xfrm>
-            <a:off x="685801" y="3505200"/>
-            <a:ext cx="10131428" cy="838200"/>
-          </a:xfrm>
-        </p:spPr>
-        <p:txBody>
-          <a:bodyPr vert="horz" lIns="91440" tIns="45720" rIns="91440" bIns="45720" rtlCol="0" anchor="b">
-            <a:normAutofit/>
-          </a:bodyPr>
-          <a:lstStyle>
-            <a:lvl1pPr>
-              <a:buNone/>
-              <a:defRPr lang="en-US" sz="2800" b="0" cap="none" dirty="0">
-                <a:ln w="3175" cmpd="sng">
-                  <a:noFill/>
-                </a:ln>
+              <a:buNone/>
+              <a:defRPr lang="en-US">
                 <a:solidFill>
-                  <a:schemeClr val="tx1"/>
+                  <a:schemeClr val="tx1">
+                    <a:lumMod val="65000"/>
+                    <a:lumOff val="35000"/>
+                  </a:schemeClr>
                 </a:solidFill>
-                <a:effectLst/>
               </a:defRPr>
             </a:lvl1pPr>
           </a:lstStyle>
           <a:p>
-            <a:pPr marL="0" lvl="0">
-              <a:spcBef>
-                <a:spcPct val="0"/>
-              </a:spcBef>
+            <a:pPr marL="0" lvl="0" indent="0">
               <a:buNone/>
             </a:pPr>
             <a:r>
@@ -2559,176 +2083,144 @@
       </p:sp>
       <p:sp>
         <p:nvSpPr>
-          <p:cNvPr id="3" name="Text Placeholder 2"/>
-          <p:cNvSpPr>
-            <a:spLocks noGrp="1"/>
-          </p:cNvSpPr>
-          <p:nvPr>
-            <p:ph type="body" idx="1"/>
+          <p:cNvPr id="5" name="Date Placeholder 4"/>
+          <p:cNvSpPr>
+            <a:spLocks noGrp="1"/>
+          </p:cNvSpPr>
+          <p:nvPr>
+            <p:ph type="dt" sz="half" idx="10"/>
+          </p:nvPr>
+        </p:nvSpPr>
+        <p:spPr/>
+        <p:txBody>
+          <a:bodyPr/>
+          <a:lstStyle/>
+          <a:p>
+            <a:fld id="{EAE94B64-FE95-4932-92D6-ED0579209990}" type="datetimeFigureOut">
+              <a:rPr lang="en-CA" smtClean="0"/>
+              <a:t>2018-12-02</a:t>
+            </a:fld>
+            <a:endParaRPr lang="en-CA"/>
+          </a:p>
+        </p:txBody>
+      </p:sp>
+      <p:sp>
+        <p:nvSpPr>
+          <p:cNvPr id="6" name="Footer Placeholder 5"/>
+          <p:cNvSpPr>
+            <a:spLocks noGrp="1"/>
+          </p:cNvSpPr>
+          <p:nvPr>
+            <p:ph type="ftr" sz="quarter" idx="11"/>
+          </p:nvPr>
+        </p:nvSpPr>
+        <p:spPr/>
+        <p:txBody>
+          <a:bodyPr/>
+          <a:lstStyle/>
+          <a:p>
+            <a:endParaRPr lang="en-CA"/>
+          </a:p>
+        </p:txBody>
+      </p:sp>
+      <p:sp>
+        <p:nvSpPr>
+          <p:cNvPr id="9" name="Freeform 11"/>
+          <p:cNvSpPr/>
+          <p:nvPr/>
+        </p:nvSpPr>
+        <p:spPr bwMode="auto">
+          <a:xfrm flipV="1">
+            <a:off x="-4189" y="4911725"/>
+            <a:ext cx="1588527" cy="507297"/>
+          </a:xfrm>
+          <a:custGeom>
+            <a:avLst/>
+            <a:gdLst/>
+            <a:ahLst/>
+            <a:cxnLst/>
+            <a:rect l="l" t="t" r="r" b="b"/>
+            <a:pathLst>
+              <a:path w="9248" h="10000">
+                <a:moveTo>
+                  <a:pt x="9248" y="4701"/>
+                </a:moveTo>
+                <a:lnTo>
+                  <a:pt x="7915" y="188"/>
+                </a:lnTo>
+                <a:cubicBezTo>
+                  <a:pt x="7906" y="156"/>
+                  <a:pt x="7895" y="126"/>
+                  <a:pt x="7886" y="94"/>
+                </a:cubicBezTo>
+                <a:cubicBezTo>
+                  <a:pt x="7859" y="0"/>
+                  <a:pt x="7831" y="0"/>
+                  <a:pt x="7803" y="0"/>
+                </a:cubicBezTo>
+                <a:lnTo>
+                  <a:pt x="7275" y="0"/>
+                </a:lnTo>
+                <a:lnTo>
+                  <a:pt x="0" y="70"/>
+                </a:lnTo>
+                <a:cubicBezTo>
+                  <a:pt x="8" y="3380"/>
+                  <a:pt x="17" y="6690"/>
+                  <a:pt x="25" y="10000"/>
+                </a:cubicBezTo>
+                <a:lnTo>
+                  <a:pt x="7275" y="9966"/>
+                </a:lnTo>
+                <a:lnTo>
+                  <a:pt x="7803" y="9966"/>
+                </a:lnTo>
+                <a:cubicBezTo>
+                  <a:pt x="7831" y="9966"/>
+                  <a:pt x="7859" y="9872"/>
+                  <a:pt x="7886" y="9872"/>
+                </a:cubicBezTo>
+                <a:cubicBezTo>
+                  <a:pt x="7886" y="9778"/>
+                  <a:pt x="7915" y="9778"/>
+                  <a:pt x="7915" y="9778"/>
+                </a:cubicBezTo>
+                <a:lnTo>
+                  <a:pt x="9248" y="5265"/>
+                </a:lnTo>
+                <a:cubicBezTo>
+                  <a:pt x="9303" y="5077"/>
+                  <a:pt x="9303" y="4889"/>
+                  <a:pt x="9248" y="4701"/>
+                </a:cubicBezTo>
+                <a:close/>
+              </a:path>
+            </a:pathLst>
+          </a:custGeom>
+          <a:solidFill>
+            <a:schemeClr val="accent1"/>
+          </a:solidFill>
+          <a:ln>
+            <a:noFill/>
+          </a:ln>
+        </p:spPr>
+      </p:sp>
+      <p:sp>
+        <p:nvSpPr>
+          <p:cNvPr id="7" name="Slide Number Placeholder 6"/>
+          <p:cNvSpPr>
+            <a:spLocks noGrp="1"/>
+          </p:cNvSpPr>
+          <p:nvPr>
+            <p:ph type="sldNum" sz="quarter" idx="12"/>
           </p:nvPr>
         </p:nvSpPr>
         <p:spPr>
           <a:xfrm>
-            <a:off x="685800" y="4343400"/>
-            <a:ext cx="10131428" cy="1447800"/>
+            <a:off x="531812" y="4983087"/>
+            <a:ext cx="779767" cy="365125"/>
           </a:xfrm>
         </p:spPr>
-        <p:txBody>
-          <a:bodyPr anchor="t">
-            <a:normAutofit/>
-          </a:bodyPr>
-          <a:lstStyle>
-            <a:lvl1pPr marL="0" indent="0" algn="l">
-              <a:buNone/>
-              <a:defRPr sz="1800">
-                <a:solidFill>
-                  <a:schemeClr val="tx1"/>
-                </a:solidFill>
-              </a:defRPr>
-            </a:lvl1pPr>
-            <a:lvl2pPr marL="457200" indent="0">
-              <a:buNone/>
-              <a:defRPr sz="1800">
-                <a:solidFill>
-                  <a:schemeClr val="tx1">
-                    <a:tint val="75000"/>
-                  </a:schemeClr>
-                </a:solidFill>
-              </a:defRPr>
-            </a:lvl2pPr>
-            <a:lvl3pPr marL="914400" indent="0">
-              <a:buNone/>
-              <a:defRPr sz="1600">
-                <a:solidFill>
-                  <a:schemeClr val="tx1">
-                    <a:tint val="75000"/>
-                  </a:schemeClr>
-                </a:solidFill>
-              </a:defRPr>
-            </a:lvl3pPr>
-            <a:lvl4pPr marL="1371600" indent="0">
-              <a:buNone/>
-              <a:defRPr sz="1400">
-                <a:solidFill>
-                  <a:schemeClr val="tx1">
-                    <a:tint val="75000"/>
-                  </a:schemeClr>
-                </a:solidFill>
-              </a:defRPr>
-            </a:lvl4pPr>
-            <a:lvl5pPr marL="1828800" indent="0">
-              <a:buNone/>
-              <a:defRPr sz="1400">
-                <a:solidFill>
-                  <a:schemeClr val="tx1">
-                    <a:tint val="75000"/>
-                  </a:schemeClr>
-                </a:solidFill>
-              </a:defRPr>
-            </a:lvl5pPr>
-            <a:lvl6pPr marL="2286000" indent="0">
-              <a:buNone/>
-              <a:defRPr sz="1400">
-                <a:solidFill>
-                  <a:schemeClr val="tx1">
-                    <a:tint val="75000"/>
-                  </a:schemeClr>
-                </a:solidFill>
-              </a:defRPr>
-            </a:lvl6pPr>
-            <a:lvl7pPr marL="2743200" indent="0">
-              <a:buNone/>
-              <a:defRPr sz="1400">
-                <a:solidFill>
-                  <a:schemeClr val="tx1">
-                    <a:tint val="75000"/>
-                  </a:schemeClr>
-                </a:solidFill>
-              </a:defRPr>
-            </a:lvl7pPr>
-            <a:lvl8pPr marL="3200400" indent="0">
-              <a:buNone/>
-              <a:defRPr sz="1400">
-                <a:solidFill>
-                  <a:schemeClr val="tx1">
-                    <a:tint val="75000"/>
-                  </a:schemeClr>
-                </a:solidFill>
-              </a:defRPr>
-            </a:lvl8pPr>
-            <a:lvl9pPr marL="3657600" indent="0">
-              <a:buNone/>
-              <a:defRPr sz="1400">
-                <a:solidFill>
-                  <a:schemeClr val="tx1">
-                    <a:tint val="75000"/>
-                  </a:schemeClr>
-                </a:solidFill>
-              </a:defRPr>
-            </a:lvl9pPr>
-          </a:lstStyle>
-          <a:p>
-            <a:pPr lvl="0"/>
-            <a:r>
-              <a:rPr lang="en-US"/>
-              <a:t>Edit Master text styles</a:t>
-            </a:r>
-          </a:p>
-        </p:txBody>
-      </p:sp>
-      <p:sp>
-        <p:nvSpPr>
-          <p:cNvPr id="4" name="Date Placeholder 3"/>
-          <p:cNvSpPr>
-            <a:spLocks noGrp="1"/>
-          </p:cNvSpPr>
-          <p:nvPr>
-            <p:ph type="dt" sz="half" idx="10"/>
-          </p:nvPr>
-        </p:nvSpPr>
-        <p:spPr/>
-        <p:txBody>
-          <a:bodyPr/>
-          <a:lstStyle/>
-          <a:p>
-            <a:fld id="{EAE94B64-FE95-4932-92D6-ED0579209990}" type="datetimeFigureOut">
-              <a:rPr lang="en-CA" smtClean="0"/>
-              <a:t>2018-12-01</a:t>
-            </a:fld>
-            <a:endParaRPr lang="en-CA"/>
-          </a:p>
-        </p:txBody>
-      </p:sp>
-      <p:sp>
-        <p:nvSpPr>
-          <p:cNvPr id="5" name="Footer Placeholder 4"/>
-          <p:cNvSpPr>
-            <a:spLocks noGrp="1"/>
-          </p:cNvSpPr>
-          <p:nvPr>
-            <p:ph type="ftr" sz="quarter" idx="11"/>
-          </p:nvPr>
-        </p:nvSpPr>
-        <p:spPr/>
-        <p:txBody>
-          <a:bodyPr/>
-          <a:lstStyle/>
-          <a:p>
-            <a:endParaRPr lang="en-CA"/>
-          </a:p>
-        </p:txBody>
-      </p:sp>
-      <p:sp>
-        <p:nvSpPr>
-          <p:cNvPr id="6" name="Slide Number Placeholder 5"/>
-          <p:cNvSpPr>
-            <a:spLocks noGrp="1"/>
-          </p:cNvSpPr>
-          <p:nvPr>
-            <p:ph type="sldNum" sz="quarter" idx="12"/>
-          </p:nvPr>
-        </p:nvSpPr>
-        <p:spPr/>
         <p:txBody>
           <a:bodyPr/>
           <a:lstStyle/>
@@ -2744,7 +2236,7 @@
     </p:spTree>
     <p:extLst>
       <p:ext uri="{BB962C8B-B14F-4D97-AF65-F5344CB8AC3E}">
-        <p14:creationId xmlns:p14="http://schemas.microsoft.com/office/powerpoint/2010/main" val="3864217966"/>
+        <p14:creationId xmlns:p14="http://schemas.microsoft.com/office/powerpoint/2010/main" val="3720101789"/>
       </p:ext>
     </p:extLst>
   </p:cSld>
@@ -2754,7 +2246,7 @@
 </p:sldLayout>
 </file>
 
-<file path=ppt/slideLayouts/slideLayout16.xml><?xml version="1.0" encoding="utf-8"?>
+<file path=ppt/slideLayouts/slideLayout15.xml><?xml version="1.0" encoding="utf-8"?>
 <p:sldLayout xmlns:a="http://schemas.openxmlformats.org/drawingml/2006/main" xmlns:r="http://schemas.openxmlformats.org/officeDocument/2006/relationships" xmlns:p="http://schemas.openxmlformats.org/presentationml/2006/main" type="vertTx" preserve="1">
   <p:cSld name="Title and Vertical Text">
     <p:spTree>
@@ -2771,39 +2263,9 @@
           <a:chExt cx="0" cy="0"/>
         </a:xfrm>
       </p:grpSpPr>
-      <p:pic>
-        <p:nvPicPr>
-          <p:cNvPr id="7" name="Picture 6" descr="Celestia-R1---OverlayContentHD.png"/>
-          <p:cNvPicPr>
-            <a:picLocks noChangeAspect="1"/>
-          </p:cNvPicPr>
-          <p:nvPr/>
-        </p:nvPicPr>
-        <p:blipFill>
-          <a:blip r:embed="rId2">
-            <a:extLst>
-              <a:ext uri="{28A0092B-C50C-407E-A947-70E740481C1C}">
-                <a14:useLocalDpi xmlns:a14="http://schemas.microsoft.com/office/drawing/2010/main" val="0"/>
-              </a:ext>
-            </a:extLst>
-          </a:blip>
-          <a:stretch>
-            <a:fillRect/>
-          </a:stretch>
-        </p:blipFill>
-        <p:spPr>
-          <a:xfrm>
-            <a:off x="0" y="0"/>
-            <a:ext cx="12188825" cy="6856214"/>
-          </a:xfrm>
-          <a:prstGeom prst="rect">
-            <a:avLst/>
-          </a:prstGeom>
-        </p:spPr>
-      </p:pic>
-      <p:sp>
-        <p:nvSpPr>
-          <p:cNvPr id="8" name="Title 1"/>
+      <p:sp>
+        <p:nvSpPr>
+          <p:cNvPr id="2" name="Title 1"/>
           <p:cNvSpPr>
             <a:spLocks noGrp="1"/>
           </p:cNvSpPr>
@@ -2811,12 +2273,7 @@
             <p:ph type="title"/>
           </p:nvPr>
         </p:nvSpPr>
-        <p:spPr>
-          <a:xfrm>
-            <a:off x="685801" y="609600"/>
-            <a:ext cx="10131425" cy="1456267"/>
-          </a:xfrm>
-        </p:spPr>
+        <p:spPr/>
         <p:txBody>
           <a:bodyPr/>
           <a:lstStyle/>
@@ -2898,7 +2355,7 @@
           <a:p>
             <a:fld id="{EAE94B64-FE95-4932-92D6-ED0579209990}" type="datetimeFigureOut">
               <a:rPr lang="en-CA" smtClean="0"/>
-              <a:t>2018-12-01</a:t>
+              <a:t>2018-12-02</a:t>
             </a:fld>
             <a:endParaRPr lang="en-CA"/>
           </a:p>
@@ -2922,6 +2379,88 @@
             <a:endParaRPr lang="en-CA"/>
           </a:p>
         </p:txBody>
+      </p:sp>
+      <p:sp>
+        <p:nvSpPr>
+          <p:cNvPr id="8" name="Freeform 11"/>
+          <p:cNvSpPr/>
+          <p:nvPr/>
+        </p:nvSpPr>
+        <p:spPr bwMode="auto">
+          <a:xfrm flipV="1">
+            <a:off x="-4189" y="714375"/>
+            <a:ext cx="1588527" cy="507297"/>
+          </a:xfrm>
+          <a:custGeom>
+            <a:avLst/>
+            <a:gdLst/>
+            <a:ahLst/>
+            <a:cxnLst/>
+            <a:rect l="l" t="t" r="r" b="b"/>
+            <a:pathLst>
+              <a:path w="9248" h="10000">
+                <a:moveTo>
+                  <a:pt x="9248" y="4701"/>
+                </a:moveTo>
+                <a:lnTo>
+                  <a:pt x="7915" y="188"/>
+                </a:lnTo>
+                <a:cubicBezTo>
+                  <a:pt x="7906" y="156"/>
+                  <a:pt x="7895" y="126"/>
+                  <a:pt x="7886" y="94"/>
+                </a:cubicBezTo>
+                <a:cubicBezTo>
+                  <a:pt x="7859" y="0"/>
+                  <a:pt x="7831" y="0"/>
+                  <a:pt x="7803" y="0"/>
+                </a:cubicBezTo>
+                <a:lnTo>
+                  <a:pt x="7275" y="0"/>
+                </a:lnTo>
+                <a:lnTo>
+                  <a:pt x="0" y="70"/>
+                </a:lnTo>
+                <a:cubicBezTo>
+                  <a:pt x="8" y="3380"/>
+                  <a:pt x="17" y="6690"/>
+                  <a:pt x="25" y="10000"/>
+                </a:cubicBezTo>
+                <a:lnTo>
+                  <a:pt x="7275" y="9966"/>
+                </a:lnTo>
+                <a:lnTo>
+                  <a:pt x="7803" y="9966"/>
+                </a:lnTo>
+                <a:cubicBezTo>
+                  <a:pt x="7831" y="9966"/>
+                  <a:pt x="7859" y="9872"/>
+                  <a:pt x="7886" y="9872"/>
+                </a:cubicBezTo>
+                <a:cubicBezTo>
+                  <a:pt x="7886" y="9778"/>
+                  <a:pt x="7915" y="9778"/>
+                  <a:pt x="7915" y="9778"/>
+                </a:cubicBezTo>
+                <a:lnTo>
+                  <a:pt x="9248" y="5265"/>
+                </a:lnTo>
+                <a:cubicBezTo>
+                  <a:pt x="9303" y="5077"/>
+                  <a:pt x="9303" y="4889"/>
+                  <a:pt x="9248" y="4701"/>
+                </a:cubicBezTo>
+                <a:close/>
+              </a:path>
+            </a:pathLst>
+          </a:custGeom>
+          <a:solidFill>
+            <a:schemeClr val="accent1"/>
+          </a:solidFill>
+          <a:ln>
+            <a:noFill/>
+          </a:ln>
+        </p:spPr>
       </p:sp>
       <p:sp>
         <p:nvSpPr>
@@ -2949,7 +2488,7 @@
     </p:spTree>
     <p:extLst>
       <p:ext uri="{BB962C8B-B14F-4D97-AF65-F5344CB8AC3E}">
-        <p14:creationId xmlns:p14="http://schemas.microsoft.com/office/powerpoint/2010/main" val="1586121212"/>
+        <p14:creationId xmlns:p14="http://schemas.microsoft.com/office/powerpoint/2010/main" val="2217942968"/>
       </p:ext>
     </p:extLst>
   </p:cSld>
@@ -2959,7 +2498,7 @@
 </p:sldLayout>
 </file>
 
-<file path=ppt/slideLayouts/slideLayout17.xml><?xml version="1.0" encoding="utf-8"?>
+<file path=ppt/slideLayouts/slideLayout16.xml><?xml version="1.0" encoding="utf-8"?>
 <p:sldLayout xmlns:a="http://schemas.openxmlformats.org/drawingml/2006/main" xmlns:r="http://schemas.openxmlformats.org/officeDocument/2006/relationships" xmlns:p="http://schemas.openxmlformats.org/presentationml/2006/main" type="vertTitleAndTx" preserve="1">
   <p:cSld name="Vertical Title and Text">
     <p:spTree>
@@ -2976,84 +2515,54 @@
           <a:chExt cx="0" cy="0"/>
         </a:xfrm>
       </p:grpSpPr>
-      <p:pic>
-        <p:nvPicPr>
-          <p:cNvPr id="7" name="Picture 6" descr="Celestia-R1---OverlayContentHD.png"/>
-          <p:cNvPicPr>
-            <a:picLocks noChangeAspect="1"/>
-          </p:cNvPicPr>
-          <p:nvPr/>
-        </p:nvPicPr>
-        <p:blipFill>
-          <a:blip r:embed="rId2">
-            <a:extLst>
-              <a:ext uri="{28A0092B-C50C-407E-A947-70E740481C1C}">
-                <a14:useLocalDpi xmlns:a14="http://schemas.microsoft.com/office/drawing/2010/main" val="0"/>
-              </a:ext>
-            </a:extLst>
-          </a:blip>
-          <a:stretch>
-            <a:fillRect/>
-          </a:stretch>
-        </p:blipFill>
+      <p:sp>
+        <p:nvSpPr>
+          <p:cNvPr id="2" name="Vertical Title 1"/>
+          <p:cNvSpPr>
+            <a:spLocks noGrp="1"/>
+          </p:cNvSpPr>
+          <p:nvPr>
+            <p:ph type="title" orient="vert"/>
+          </p:nvPr>
+        </p:nvSpPr>
         <p:spPr>
           <a:xfrm>
-            <a:off x="0" y="0"/>
-            <a:ext cx="12188825" cy="6856214"/>
+            <a:off x="9294812" y="627405"/>
+            <a:ext cx="2207601" cy="5283817"/>
           </a:xfrm>
-          <a:prstGeom prst="rect">
-            <a:avLst/>
-          </a:prstGeom>
         </p:spPr>
-      </p:pic>
-      <p:sp>
-        <p:nvSpPr>
-          <p:cNvPr id="2" name="Vertical Title 1"/>
-          <p:cNvSpPr>
-            <a:spLocks noGrp="1"/>
-          </p:cNvSpPr>
-          <p:nvPr>
-            <p:ph type="title" orient="vert"/>
+        <p:txBody>
+          <a:bodyPr vert="eaVert" anchor="ctr"/>
+          <a:lstStyle/>
+          <a:p>
+            <a:r>
+              <a:rPr lang="en-US"/>
+              <a:t>Click to edit Master title style</a:t>
+            </a:r>
+            <a:endParaRPr lang="en-US" dirty="0"/>
+          </a:p>
+        </p:txBody>
+      </p:sp>
+      <p:sp>
+        <p:nvSpPr>
+          <p:cNvPr id="3" name="Vertical Text Placeholder 2"/>
+          <p:cNvSpPr>
+            <a:spLocks noGrp="1"/>
+          </p:cNvSpPr>
+          <p:nvPr>
+            <p:ph type="body" orient="vert" idx="1"/>
           </p:nvPr>
         </p:nvSpPr>
         <p:spPr>
           <a:xfrm>
-            <a:off x="8658675" y="609599"/>
-            <a:ext cx="2158552" cy="5181601"/>
+            <a:off x="2589212" y="627405"/>
+            <a:ext cx="6477000" cy="5283817"/>
           </a:xfrm>
         </p:spPr>
         <p:txBody>
           <a:bodyPr vert="eaVert"/>
           <a:lstStyle/>
           <a:p>
-            <a:r>
-              <a:rPr lang="en-US"/>
-              <a:t>Click to edit Master title style</a:t>
-            </a:r>
-            <a:endParaRPr lang="en-US" dirty="0"/>
-          </a:p>
-        </p:txBody>
-      </p:sp>
-      <p:sp>
-        <p:nvSpPr>
-          <p:cNvPr id="3" name="Vertical Text Placeholder 2"/>
-          <p:cNvSpPr>
-            <a:spLocks noGrp="1"/>
-          </p:cNvSpPr>
-          <p:nvPr>
-            <p:ph type="body" orient="vert" idx="1"/>
-          </p:nvPr>
-        </p:nvSpPr>
-        <p:spPr>
-          <a:xfrm>
-            <a:off x="685800" y="609600"/>
-            <a:ext cx="7832116" cy="5181600"/>
-          </a:xfrm>
-        </p:spPr>
-        <p:txBody>
-          <a:bodyPr vert="eaVert" anchor="t"/>
-          <a:lstStyle/>
-          <a:p>
             <a:pPr lvl="0"/>
             <a:r>
               <a:rPr lang="en-US"/>
@@ -3108,7 +2617,7 @@
           <a:p>
             <a:fld id="{EAE94B64-FE95-4932-92D6-ED0579209990}" type="datetimeFigureOut">
               <a:rPr lang="en-CA" smtClean="0"/>
-              <a:t>2018-12-01</a:t>
+              <a:t>2018-12-02</a:t>
             </a:fld>
             <a:endParaRPr lang="en-CA"/>
           </a:p>
@@ -3132,6 +2641,88 @@
             <a:endParaRPr lang="en-CA"/>
           </a:p>
         </p:txBody>
+      </p:sp>
+      <p:sp>
+        <p:nvSpPr>
+          <p:cNvPr id="8" name="Freeform 11"/>
+          <p:cNvSpPr/>
+          <p:nvPr/>
+        </p:nvSpPr>
+        <p:spPr bwMode="auto">
+          <a:xfrm flipV="1">
+            <a:off x="-4189" y="714375"/>
+            <a:ext cx="1588527" cy="507297"/>
+          </a:xfrm>
+          <a:custGeom>
+            <a:avLst/>
+            <a:gdLst/>
+            <a:ahLst/>
+            <a:cxnLst/>
+            <a:rect l="l" t="t" r="r" b="b"/>
+            <a:pathLst>
+              <a:path w="9248" h="10000">
+                <a:moveTo>
+                  <a:pt x="9248" y="4701"/>
+                </a:moveTo>
+                <a:lnTo>
+                  <a:pt x="7915" y="188"/>
+                </a:lnTo>
+                <a:cubicBezTo>
+                  <a:pt x="7906" y="156"/>
+                  <a:pt x="7895" y="126"/>
+                  <a:pt x="7886" y="94"/>
+                </a:cubicBezTo>
+                <a:cubicBezTo>
+                  <a:pt x="7859" y="0"/>
+                  <a:pt x="7831" y="0"/>
+                  <a:pt x="7803" y="0"/>
+                </a:cubicBezTo>
+                <a:lnTo>
+                  <a:pt x="7275" y="0"/>
+                </a:lnTo>
+                <a:lnTo>
+                  <a:pt x="0" y="70"/>
+                </a:lnTo>
+                <a:cubicBezTo>
+                  <a:pt x="8" y="3380"/>
+                  <a:pt x="17" y="6690"/>
+                  <a:pt x="25" y="10000"/>
+                </a:cubicBezTo>
+                <a:lnTo>
+                  <a:pt x="7275" y="9966"/>
+                </a:lnTo>
+                <a:lnTo>
+                  <a:pt x="7803" y="9966"/>
+                </a:lnTo>
+                <a:cubicBezTo>
+                  <a:pt x="7831" y="9966"/>
+                  <a:pt x="7859" y="9872"/>
+                  <a:pt x="7886" y="9872"/>
+                </a:cubicBezTo>
+                <a:cubicBezTo>
+                  <a:pt x="7886" y="9778"/>
+                  <a:pt x="7915" y="9778"/>
+                  <a:pt x="7915" y="9778"/>
+                </a:cubicBezTo>
+                <a:lnTo>
+                  <a:pt x="9248" y="5265"/>
+                </a:lnTo>
+                <a:cubicBezTo>
+                  <a:pt x="9303" y="5077"/>
+                  <a:pt x="9303" y="4889"/>
+                  <a:pt x="9248" y="4701"/>
+                </a:cubicBezTo>
+                <a:close/>
+              </a:path>
+            </a:pathLst>
+          </a:custGeom>
+          <a:solidFill>
+            <a:schemeClr val="accent1"/>
+          </a:solidFill>
+          <a:ln>
+            <a:noFill/>
+          </a:ln>
+        </p:spPr>
       </p:sp>
       <p:sp>
         <p:nvSpPr>
@@ -3159,7 +2750,7 @@
     </p:spTree>
     <p:extLst>
       <p:ext uri="{BB962C8B-B14F-4D97-AF65-F5344CB8AC3E}">
-        <p14:creationId xmlns:p14="http://schemas.microsoft.com/office/powerpoint/2010/main" val="740646462"/>
+        <p14:creationId xmlns:p14="http://schemas.microsoft.com/office/powerpoint/2010/main" val="1339886269"/>
       </p:ext>
     </p:extLst>
   </p:cSld>
@@ -3186,47 +2777,22 @@
           <a:chExt cx="0" cy="0"/>
         </a:xfrm>
       </p:grpSpPr>
-      <p:pic>
-        <p:nvPicPr>
-          <p:cNvPr id="7" name="Picture 6" descr="Celestia-R1---OverlayContentHD.png"/>
-          <p:cNvPicPr>
-            <a:picLocks noChangeAspect="1"/>
-          </p:cNvPicPr>
-          <p:nvPr/>
-        </p:nvPicPr>
-        <p:blipFill>
-          <a:blip r:embed="rId2">
-            <a:extLst>
-              <a:ext uri="{28A0092B-C50C-407E-A947-70E740481C1C}">
-                <a14:useLocalDpi xmlns:a14="http://schemas.microsoft.com/office/drawing/2010/main" val="0"/>
-              </a:ext>
-            </a:extLst>
-          </a:blip>
-          <a:stretch>
-            <a:fillRect/>
-          </a:stretch>
-        </p:blipFill>
+      <p:sp>
+        <p:nvSpPr>
+          <p:cNvPr id="2" name="Title 1"/>
+          <p:cNvSpPr>
+            <a:spLocks noGrp="1"/>
+          </p:cNvSpPr>
+          <p:nvPr>
+            <p:ph type="title"/>
+          </p:nvPr>
+        </p:nvSpPr>
         <p:spPr>
           <a:xfrm>
-            <a:off x="0" y="0"/>
-            <a:ext cx="12188825" cy="6856214"/>
+            <a:off x="2592925" y="624110"/>
+            <a:ext cx="8911687" cy="1280890"/>
           </a:xfrm>
-          <a:prstGeom prst="rect">
-            <a:avLst/>
-          </a:prstGeom>
         </p:spPr>
-      </p:pic>
-      <p:sp>
-        <p:nvSpPr>
-          <p:cNvPr id="2" name="Title 1"/>
-          <p:cNvSpPr>
-            <a:spLocks noGrp="1"/>
-          </p:cNvSpPr>
-          <p:nvPr>
-            <p:ph type="title"/>
-          </p:nvPr>
-        </p:nvSpPr>
-        <p:spPr/>
         <p:txBody>
           <a:bodyPr/>
           <a:lstStyle/>
@@ -3249,9 +2815,14 @@
             <p:ph idx="1"/>
           </p:nvPr>
         </p:nvSpPr>
-        <p:spPr/>
-        <p:txBody>
-          <a:bodyPr anchor="ctr"/>
+        <p:spPr>
+          <a:xfrm>
+            <a:off x="2589212" y="2133600"/>
+            <a:ext cx="8915400" cy="3777622"/>
+          </a:xfrm>
+        </p:spPr>
+        <p:txBody>
+          <a:bodyPr/>
           <a:lstStyle/>
           <a:p>
             <a:pPr lvl="0"/>
@@ -3308,7 +2879,7 @@
           <a:p>
             <a:fld id="{EAE94B64-FE95-4932-92D6-ED0579209990}" type="datetimeFigureOut">
               <a:rPr lang="en-CA" smtClean="0"/>
-              <a:t>2018-12-01</a:t>
+              <a:t>2018-12-02</a:t>
             </a:fld>
             <a:endParaRPr lang="en-CA"/>
           </a:p>
@@ -3332,6 +2903,88 @@
             <a:endParaRPr lang="en-CA"/>
           </a:p>
         </p:txBody>
+      </p:sp>
+      <p:sp>
+        <p:nvSpPr>
+          <p:cNvPr id="8" name="Freeform 11"/>
+          <p:cNvSpPr/>
+          <p:nvPr/>
+        </p:nvSpPr>
+        <p:spPr bwMode="auto">
+          <a:xfrm flipV="1">
+            <a:off x="-4189" y="714375"/>
+            <a:ext cx="1588527" cy="507297"/>
+          </a:xfrm>
+          <a:custGeom>
+            <a:avLst/>
+            <a:gdLst/>
+            <a:ahLst/>
+            <a:cxnLst/>
+            <a:rect l="l" t="t" r="r" b="b"/>
+            <a:pathLst>
+              <a:path w="9248" h="10000">
+                <a:moveTo>
+                  <a:pt x="9248" y="4701"/>
+                </a:moveTo>
+                <a:lnTo>
+                  <a:pt x="7915" y="188"/>
+                </a:lnTo>
+                <a:cubicBezTo>
+                  <a:pt x="7906" y="156"/>
+                  <a:pt x="7895" y="126"/>
+                  <a:pt x="7886" y="94"/>
+                </a:cubicBezTo>
+                <a:cubicBezTo>
+                  <a:pt x="7859" y="0"/>
+                  <a:pt x="7831" y="0"/>
+                  <a:pt x="7803" y="0"/>
+                </a:cubicBezTo>
+                <a:lnTo>
+                  <a:pt x="7275" y="0"/>
+                </a:lnTo>
+                <a:lnTo>
+                  <a:pt x="0" y="70"/>
+                </a:lnTo>
+                <a:cubicBezTo>
+                  <a:pt x="8" y="3380"/>
+                  <a:pt x="17" y="6690"/>
+                  <a:pt x="25" y="10000"/>
+                </a:cubicBezTo>
+                <a:lnTo>
+                  <a:pt x="7275" y="9966"/>
+                </a:lnTo>
+                <a:lnTo>
+                  <a:pt x="7803" y="9966"/>
+                </a:lnTo>
+                <a:cubicBezTo>
+                  <a:pt x="7831" y="9966"/>
+                  <a:pt x="7859" y="9872"/>
+                  <a:pt x="7886" y="9872"/>
+                </a:cubicBezTo>
+                <a:cubicBezTo>
+                  <a:pt x="7886" y="9778"/>
+                  <a:pt x="7915" y="9778"/>
+                  <a:pt x="7915" y="9778"/>
+                </a:cubicBezTo>
+                <a:lnTo>
+                  <a:pt x="9248" y="5265"/>
+                </a:lnTo>
+                <a:cubicBezTo>
+                  <a:pt x="9303" y="5077"/>
+                  <a:pt x="9303" y="4889"/>
+                  <a:pt x="9248" y="4701"/>
+                </a:cubicBezTo>
+                <a:close/>
+              </a:path>
+            </a:pathLst>
+          </a:custGeom>
+          <a:solidFill>
+            <a:schemeClr val="accent1"/>
+          </a:solidFill>
+          <a:ln>
+            <a:noFill/>
+          </a:ln>
+        </p:spPr>
       </p:sp>
       <p:sp>
         <p:nvSpPr>
@@ -3359,7 +3012,7 @@
     </p:spTree>
     <p:extLst>
       <p:ext uri="{BB962C8B-B14F-4D97-AF65-F5344CB8AC3E}">
-        <p14:creationId xmlns:p14="http://schemas.microsoft.com/office/powerpoint/2010/main" val="1077449647"/>
+        <p14:creationId xmlns:p14="http://schemas.microsoft.com/office/powerpoint/2010/main" val="1735223877"/>
       </p:ext>
     </p:extLst>
   </p:cSld>
@@ -3386,57 +3039,27 @@
           <a:chExt cx="0" cy="0"/>
         </a:xfrm>
       </p:grpSpPr>
-      <p:pic>
-        <p:nvPicPr>
-          <p:cNvPr id="7" name="Picture 6" descr="Celestia-R1---OverlayContentHD.png"/>
-          <p:cNvPicPr>
-            <a:picLocks noChangeAspect="1"/>
-          </p:cNvPicPr>
-          <p:nvPr/>
-        </p:nvPicPr>
-        <p:blipFill>
-          <a:blip r:embed="rId2">
-            <a:extLst>
-              <a:ext uri="{28A0092B-C50C-407E-A947-70E740481C1C}">
-                <a14:useLocalDpi xmlns:a14="http://schemas.microsoft.com/office/drawing/2010/main" val="0"/>
-              </a:ext>
-            </a:extLst>
-          </a:blip>
-          <a:stretch>
-            <a:fillRect/>
-          </a:stretch>
-        </p:blipFill>
+      <p:sp>
+        <p:nvSpPr>
+          <p:cNvPr id="2" name="Title 1"/>
+          <p:cNvSpPr>
+            <a:spLocks noGrp="1"/>
+          </p:cNvSpPr>
+          <p:nvPr>
+            <p:ph type="title"/>
+          </p:nvPr>
+        </p:nvSpPr>
         <p:spPr>
           <a:xfrm>
-            <a:off x="0" y="0"/>
-            <a:ext cx="12188825" cy="6856214"/>
-          </a:xfrm>
-          <a:prstGeom prst="rect">
-            <a:avLst/>
-          </a:prstGeom>
-        </p:spPr>
-      </p:pic>
-      <p:sp>
-        <p:nvSpPr>
-          <p:cNvPr id="2" name="Title 1"/>
-          <p:cNvSpPr>
-            <a:spLocks noGrp="1"/>
-          </p:cNvSpPr>
-          <p:nvPr>
-            <p:ph type="title"/>
-          </p:nvPr>
-        </p:nvSpPr>
-        <p:spPr>
-          <a:xfrm>
-            <a:off x="685800" y="3308581"/>
-            <a:ext cx="10131427" cy="1468800"/>
+            <a:off x="2589212" y="2058750"/>
+            <a:ext cx="8915399" cy="1468800"/>
           </a:xfrm>
         </p:spPr>
         <p:txBody>
           <a:bodyPr anchor="b"/>
           <a:lstStyle>
             <a:lvl1pPr algn="l">
-              <a:defRPr sz="4000" b="0" cap="all"/>
+              <a:defRPr sz="4000" b="0" cap="none"/>
             </a:lvl1pPr>
           </a:lstStyle>
           <a:p>
@@ -3460,20 +3083,21 @@
         </p:nvSpPr>
         <p:spPr>
           <a:xfrm>
-            <a:off x="685799" y="4777381"/>
-            <a:ext cx="10131428" cy="860400"/>
+            <a:off x="2589212" y="3530129"/>
+            <a:ext cx="8915399" cy="860400"/>
           </a:xfrm>
         </p:spPr>
         <p:txBody>
-          <a:bodyPr anchor="t">
-            <a:normAutofit/>
-          </a:bodyPr>
+          <a:bodyPr anchor="t"/>
           <a:lstStyle>
             <a:lvl1pPr marL="0" indent="0" algn="l">
               <a:buNone/>
-              <a:defRPr sz="2000" cap="all">
+              <a:defRPr sz="2000">
                 <a:solidFill>
-                  <a:schemeClr val="tx1"/>
+                  <a:schemeClr val="tx1">
+                    <a:lumMod val="65000"/>
+                    <a:lumOff val="35000"/>
+                  </a:schemeClr>
                 </a:solidFill>
               </a:defRPr>
             </a:lvl1pPr>
@@ -3584,7 +3208,7 @@
           <a:p>
             <a:fld id="{EAE94B64-FE95-4932-92D6-ED0579209990}" type="datetimeFigureOut">
               <a:rPr lang="en-CA" smtClean="0"/>
-              <a:t>2018-12-01</a:t>
+              <a:t>2018-12-02</a:t>
             </a:fld>
             <a:endParaRPr lang="en-CA"/>
           </a:p>
@@ -3611,6 +3235,88 @@
       </p:sp>
       <p:sp>
         <p:nvSpPr>
+          <p:cNvPr id="9" name="Freeform 11"/>
+          <p:cNvSpPr/>
+          <p:nvPr/>
+        </p:nvSpPr>
+        <p:spPr bwMode="auto">
+          <a:xfrm flipV="1">
+            <a:off x="-4189" y="3178175"/>
+            <a:ext cx="1588527" cy="507297"/>
+          </a:xfrm>
+          <a:custGeom>
+            <a:avLst/>
+            <a:gdLst/>
+            <a:ahLst/>
+            <a:cxnLst/>
+            <a:rect l="l" t="t" r="r" b="b"/>
+            <a:pathLst>
+              <a:path w="9248" h="10000">
+                <a:moveTo>
+                  <a:pt x="9248" y="4701"/>
+                </a:moveTo>
+                <a:lnTo>
+                  <a:pt x="7915" y="188"/>
+                </a:lnTo>
+                <a:cubicBezTo>
+                  <a:pt x="7906" y="156"/>
+                  <a:pt x="7895" y="126"/>
+                  <a:pt x="7886" y="94"/>
+                </a:cubicBezTo>
+                <a:cubicBezTo>
+                  <a:pt x="7859" y="0"/>
+                  <a:pt x="7831" y="0"/>
+                  <a:pt x="7803" y="0"/>
+                </a:cubicBezTo>
+                <a:lnTo>
+                  <a:pt x="7275" y="0"/>
+                </a:lnTo>
+                <a:lnTo>
+                  <a:pt x="0" y="70"/>
+                </a:lnTo>
+                <a:cubicBezTo>
+                  <a:pt x="8" y="3380"/>
+                  <a:pt x="17" y="6690"/>
+                  <a:pt x="25" y="10000"/>
+                </a:cubicBezTo>
+                <a:lnTo>
+                  <a:pt x="7275" y="9966"/>
+                </a:lnTo>
+                <a:lnTo>
+                  <a:pt x="7803" y="9966"/>
+                </a:lnTo>
+                <a:cubicBezTo>
+                  <a:pt x="7831" y="9966"/>
+                  <a:pt x="7859" y="9872"/>
+                  <a:pt x="7886" y="9872"/>
+                </a:cubicBezTo>
+                <a:cubicBezTo>
+                  <a:pt x="7886" y="9778"/>
+                  <a:pt x="7915" y="9778"/>
+                  <a:pt x="7915" y="9778"/>
+                </a:cubicBezTo>
+                <a:lnTo>
+                  <a:pt x="9248" y="5265"/>
+                </a:lnTo>
+                <a:cubicBezTo>
+                  <a:pt x="9303" y="5077"/>
+                  <a:pt x="9303" y="4889"/>
+                  <a:pt x="9248" y="4701"/>
+                </a:cubicBezTo>
+                <a:close/>
+              </a:path>
+            </a:pathLst>
+          </a:custGeom>
+          <a:solidFill>
+            <a:schemeClr val="accent1"/>
+          </a:solidFill>
+          <a:ln>
+            <a:noFill/>
+          </a:ln>
+        </p:spPr>
+      </p:sp>
+      <p:sp>
+        <p:nvSpPr>
           <p:cNvPr id="6" name="Slide Number Placeholder 5"/>
           <p:cNvSpPr>
             <a:spLocks noGrp="1"/>
@@ -3619,7 +3325,12 @@
             <p:ph type="sldNum" sz="quarter" idx="12"/>
           </p:nvPr>
         </p:nvSpPr>
-        <p:spPr/>
+        <p:spPr>
+          <a:xfrm>
+            <a:off x="531812" y="3244139"/>
+            <a:ext cx="779767" cy="365125"/>
+          </a:xfrm>
+        </p:spPr>
         <p:txBody>
           <a:bodyPr/>
           <a:lstStyle/>
@@ -3635,7 +3346,7 @@
     </p:spTree>
     <p:extLst>
       <p:ext uri="{BB962C8B-B14F-4D97-AF65-F5344CB8AC3E}">
-        <p14:creationId xmlns:p14="http://schemas.microsoft.com/office/powerpoint/2010/main" val="1574389076"/>
+        <p14:creationId xmlns:p14="http://schemas.microsoft.com/office/powerpoint/2010/main" val="2439622121"/>
       </p:ext>
     </p:extLst>
   </p:cSld>
@@ -3662,73 +3373,43 @@
           <a:chExt cx="0" cy="0"/>
         </a:xfrm>
       </p:grpSpPr>
-      <p:pic>
-        <p:nvPicPr>
-          <p:cNvPr id="8" name="Picture 7" descr="Celestia-R1---OverlayContentHD.png"/>
-          <p:cNvPicPr>
-            <a:picLocks noChangeAspect="1"/>
-          </p:cNvPicPr>
-          <p:nvPr/>
-        </p:nvPicPr>
-        <p:blipFill>
-          <a:blip r:embed="rId2">
-            <a:extLst>
-              <a:ext uri="{28A0092B-C50C-407E-A947-70E740481C1C}">
-                <a14:useLocalDpi xmlns:a14="http://schemas.microsoft.com/office/drawing/2010/main" val="0"/>
-              </a:ext>
-            </a:extLst>
-          </a:blip>
-          <a:stretch>
-            <a:fillRect/>
-          </a:stretch>
-        </p:blipFill>
+      <p:sp>
+        <p:nvSpPr>
+          <p:cNvPr id="8" name="Title 7"/>
+          <p:cNvSpPr>
+            <a:spLocks noGrp="1"/>
+          </p:cNvSpPr>
+          <p:nvPr>
+            <p:ph type="title"/>
+          </p:nvPr>
+        </p:nvSpPr>
+        <p:spPr/>
+        <p:txBody>
+          <a:bodyPr/>
+          <a:lstStyle/>
+          <a:p>
+            <a:r>
+              <a:rPr lang="en-US"/>
+              <a:t>Click to edit Master title style</a:t>
+            </a:r>
+            <a:endParaRPr lang="en-US" dirty="0"/>
+          </a:p>
+        </p:txBody>
+      </p:sp>
+      <p:sp>
+        <p:nvSpPr>
+          <p:cNvPr id="3" name="Content Placeholder 2"/>
+          <p:cNvSpPr>
+            <a:spLocks noGrp="1"/>
+          </p:cNvSpPr>
+          <p:nvPr>
+            <p:ph sz="half" idx="1"/>
+          </p:nvPr>
+        </p:nvSpPr>
         <p:spPr>
           <a:xfrm>
-            <a:off x="0" y="0"/>
-            <a:ext cx="12188825" cy="6856214"/>
-          </a:xfrm>
-          <a:prstGeom prst="rect">
-            <a:avLst/>
-          </a:prstGeom>
-        </p:spPr>
-      </p:pic>
-      <p:sp>
-        <p:nvSpPr>
-          <p:cNvPr id="2" name="Title 1"/>
-          <p:cNvSpPr>
-            <a:spLocks noGrp="1"/>
-          </p:cNvSpPr>
-          <p:nvPr>
-            <p:ph type="title"/>
-          </p:nvPr>
-        </p:nvSpPr>
-        <p:spPr/>
-        <p:txBody>
-          <a:bodyPr/>
-          <a:lstStyle/>
-          <a:p>
-            <a:r>
-              <a:rPr lang="en-US"/>
-              <a:t>Click to edit Master title style</a:t>
-            </a:r>
-            <a:endParaRPr lang="en-US" dirty="0"/>
-          </a:p>
-        </p:txBody>
-      </p:sp>
-      <p:sp>
-        <p:nvSpPr>
-          <p:cNvPr id="3" name="Content Placeholder 2"/>
-          <p:cNvSpPr>
-            <a:spLocks noGrp="1"/>
-          </p:cNvSpPr>
-          <p:nvPr>
-            <p:ph sz="half" idx="1"/>
-          </p:nvPr>
-        </p:nvSpPr>
-        <p:spPr>
-          <a:xfrm>
-            <a:off x="685802" y="2142067"/>
-            <a:ext cx="4995334" cy="3649134"/>
+            <a:off x="2589212" y="2133600"/>
+            <a:ext cx="4313864" cy="3777622"/>
           </a:xfrm>
         </p:spPr>
         <p:txBody>
@@ -3786,8 +3467,8 @@
         </p:nvSpPr>
         <p:spPr>
           <a:xfrm>
-            <a:off x="5821895" y="2142067"/>
-            <a:ext cx="4995332" cy="3649133"/>
+            <a:off x="7190747" y="2126222"/>
+            <a:ext cx="4313864" cy="3777622"/>
           </a:xfrm>
         </p:spPr>
         <p:txBody>
@@ -3850,7 +3531,7 @@
           <a:p>
             <a:fld id="{EAE94B64-FE95-4932-92D6-ED0579209990}" type="datetimeFigureOut">
               <a:rPr lang="en-CA" smtClean="0"/>
-              <a:t>2018-12-01</a:t>
+              <a:t>2018-12-02</a:t>
             </a:fld>
             <a:endParaRPr lang="en-CA"/>
           </a:p>
@@ -3877,7 +3558,89 @@
       </p:sp>
       <p:sp>
         <p:nvSpPr>
-          <p:cNvPr id="7" name="Slide Number Placeholder 6"/>
+          <p:cNvPr id="10" name="Freeform 11"/>
+          <p:cNvSpPr/>
+          <p:nvPr/>
+        </p:nvSpPr>
+        <p:spPr bwMode="auto">
+          <a:xfrm flipV="1">
+            <a:off x="-4189" y="714375"/>
+            <a:ext cx="1588527" cy="507297"/>
+          </a:xfrm>
+          <a:custGeom>
+            <a:avLst/>
+            <a:gdLst/>
+            <a:ahLst/>
+            <a:cxnLst/>
+            <a:rect l="l" t="t" r="r" b="b"/>
+            <a:pathLst>
+              <a:path w="9248" h="10000">
+                <a:moveTo>
+                  <a:pt x="9248" y="4701"/>
+                </a:moveTo>
+                <a:lnTo>
+                  <a:pt x="7915" y="188"/>
+                </a:lnTo>
+                <a:cubicBezTo>
+                  <a:pt x="7906" y="156"/>
+                  <a:pt x="7895" y="126"/>
+                  <a:pt x="7886" y="94"/>
+                </a:cubicBezTo>
+                <a:cubicBezTo>
+                  <a:pt x="7859" y="0"/>
+                  <a:pt x="7831" y="0"/>
+                  <a:pt x="7803" y="0"/>
+                </a:cubicBezTo>
+                <a:lnTo>
+                  <a:pt x="7275" y="0"/>
+                </a:lnTo>
+                <a:lnTo>
+                  <a:pt x="0" y="70"/>
+                </a:lnTo>
+                <a:cubicBezTo>
+                  <a:pt x="8" y="3380"/>
+                  <a:pt x="17" y="6690"/>
+                  <a:pt x="25" y="10000"/>
+                </a:cubicBezTo>
+                <a:lnTo>
+                  <a:pt x="7275" y="9966"/>
+                </a:lnTo>
+                <a:lnTo>
+                  <a:pt x="7803" y="9966"/>
+                </a:lnTo>
+                <a:cubicBezTo>
+                  <a:pt x="7831" y="9966"/>
+                  <a:pt x="7859" y="9872"/>
+                  <a:pt x="7886" y="9872"/>
+                </a:cubicBezTo>
+                <a:cubicBezTo>
+                  <a:pt x="7886" y="9778"/>
+                  <a:pt x="7915" y="9778"/>
+                  <a:pt x="7915" y="9778"/>
+                </a:cubicBezTo>
+                <a:lnTo>
+                  <a:pt x="9248" y="5265"/>
+                </a:lnTo>
+                <a:cubicBezTo>
+                  <a:pt x="9303" y="5077"/>
+                  <a:pt x="9303" y="4889"/>
+                  <a:pt x="9248" y="4701"/>
+                </a:cubicBezTo>
+                <a:close/>
+              </a:path>
+            </a:pathLst>
+          </a:custGeom>
+          <a:solidFill>
+            <a:schemeClr val="accent1"/>
+          </a:solidFill>
+          <a:ln>
+            <a:noFill/>
+          </a:ln>
+        </p:spPr>
+      </p:sp>
+      <p:sp>
+        <p:nvSpPr>
+          <p:cNvPr id="11" name="Slide Number Placeholder 5"/>
           <p:cNvSpPr>
             <a:spLocks noGrp="1"/>
           </p:cNvSpPr>
@@ -3885,7 +3648,12 @@
             <p:ph type="sldNum" sz="quarter" idx="12"/>
           </p:nvPr>
         </p:nvSpPr>
-        <p:spPr/>
+        <p:spPr>
+          <a:xfrm>
+            <a:off x="531812" y="787782"/>
+            <a:ext cx="779767" cy="365125"/>
+          </a:xfrm>
+        </p:spPr>
         <p:txBody>
           <a:bodyPr/>
           <a:lstStyle/>
@@ -3901,13 +3669,18 @@
     </p:spTree>
     <p:extLst>
       <p:ext uri="{BB962C8B-B14F-4D97-AF65-F5344CB8AC3E}">
-        <p14:creationId xmlns:p14="http://schemas.microsoft.com/office/powerpoint/2010/main" val="1648617952"/>
+        <p14:creationId xmlns:p14="http://schemas.microsoft.com/office/powerpoint/2010/main" val="1107967261"/>
       </p:ext>
     </p:extLst>
   </p:cSld>
   <p:clrMapOvr>
     <a:masterClrMapping/>
   </p:clrMapOvr>
+  <p:extLst>
+    <p:ext uri="{DCECCB84-F9BA-43D5-87BE-67443E8EF086}">
+      <p15:sldGuideLst xmlns:p15="http://schemas.microsoft.com/office/powerpoint/2012/main"/>
+    </p:ext>
+  </p:extLst>
 </p:sldLayout>
 </file>
 
@@ -3930,7 +3703,7 @@
       </p:grpSpPr>
       <p:sp>
         <p:nvSpPr>
-          <p:cNvPr id="2" name="Title 1"/>
+          <p:cNvPr id="10" name="Title 9"/>
           <p:cNvSpPr>
             <a:spLocks noGrp="1"/>
           </p:cNvSpPr>
@@ -3941,11 +3714,7 @@
         <p:spPr/>
         <p:txBody>
           <a:bodyPr/>
-          <a:lstStyle>
-            <a:lvl1pPr>
-              <a:defRPr/>
-            </a:lvl1pPr>
-          </a:lstStyle>
+          <a:lstStyle/>
           <a:p>
             <a:r>
               <a:rPr lang="en-US"/>
@@ -3967,8 +3736,8 @@
         </p:nvSpPr>
         <p:spPr>
           <a:xfrm>
-            <a:off x="973670" y="2218267"/>
-            <a:ext cx="4709054" cy="576262"/>
+            <a:off x="2939373" y="1972703"/>
+            <a:ext cx="3992732" cy="576262"/>
           </a:xfrm>
         </p:spPr>
         <p:txBody>
@@ -3978,7 +3747,7 @@
           <a:lstStyle>
             <a:lvl1pPr marL="0" indent="0">
               <a:buNone/>
-              <a:defRPr sz="2800" b="0"/>
+              <a:defRPr sz="2400" b="0"/>
             </a:lvl1pPr>
             <a:lvl2pPr marL="457200" indent="0">
               <a:buNone/>
@@ -4034,12 +3803,12 @@
         </p:nvSpPr>
         <p:spPr>
           <a:xfrm>
-            <a:off x="685801" y="2870201"/>
-            <a:ext cx="4996923" cy="2920998"/>
+            <a:off x="2589212" y="2548966"/>
+            <a:ext cx="4342893" cy="3354060"/>
           </a:xfrm>
         </p:spPr>
         <p:txBody>
-          <a:bodyPr anchor="t">
+          <a:bodyPr>
             <a:normAutofit/>
           </a:bodyPr>
           <a:lstStyle/>
@@ -4093,8 +3862,8 @@
         </p:nvSpPr>
         <p:spPr>
           <a:xfrm>
-            <a:off x="6096003" y="2226734"/>
-            <a:ext cx="4722813" cy="576262"/>
+            <a:off x="7506629" y="1969475"/>
+            <a:ext cx="3999001" cy="576262"/>
           </a:xfrm>
         </p:spPr>
         <p:txBody>
@@ -4104,7 +3873,7 @@
           <a:lstStyle>
             <a:lvl1pPr marL="0" indent="0">
               <a:buNone/>
-              <a:defRPr sz="2800" b="0"/>
+              <a:defRPr sz="2400" b="0"/>
             </a:lvl1pPr>
             <a:lvl2pPr marL="457200" indent="0">
               <a:buNone/>
@@ -4160,12 +3929,12 @@
         </p:nvSpPr>
         <p:spPr>
           <a:xfrm>
-            <a:off x="5823483" y="2870201"/>
-            <a:ext cx="4995334" cy="2920998"/>
+            <a:off x="7166957" y="2545738"/>
+            <a:ext cx="4338674" cy="3354060"/>
           </a:xfrm>
         </p:spPr>
         <p:txBody>
-          <a:bodyPr anchor="t">
+          <a:bodyPr>
             <a:normAutofit/>
           </a:bodyPr>
           <a:lstStyle/>
@@ -4224,7 +3993,7 @@
           <a:p>
             <a:fld id="{EAE94B64-FE95-4932-92D6-ED0579209990}" type="datetimeFigureOut">
               <a:rPr lang="en-CA" smtClean="0"/>
-              <a:t>2018-12-01</a:t>
+              <a:t>2018-12-02</a:t>
             </a:fld>
             <a:endParaRPr lang="en-CA"/>
           </a:p>
@@ -4251,7 +4020,89 @@
       </p:sp>
       <p:sp>
         <p:nvSpPr>
-          <p:cNvPr id="9" name="Slide Number Placeholder 8"/>
+          <p:cNvPr id="12" name="Freeform 11"/>
+          <p:cNvSpPr/>
+          <p:nvPr/>
+        </p:nvSpPr>
+        <p:spPr bwMode="auto">
+          <a:xfrm flipV="1">
+            <a:off x="-4189" y="714375"/>
+            <a:ext cx="1588527" cy="507297"/>
+          </a:xfrm>
+          <a:custGeom>
+            <a:avLst/>
+            <a:gdLst/>
+            <a:ahLst/>
+            <a:cxnLst/>
+            <a:rect l="l" t="t" r="r" b="b"/>
+            <a:pathLst>
+              <a:path w="9248" h="10000">
+                <a:moveTo>
+                  <a:pt x="9248" y="4701"/>
+                </a:moveTo>
+                <a:lnTo>
+                  <a:pt x="7915" y="188"/>
+                </a:lnTo>
+                <a:cubicBezTo>
+                  <a:pt x="7906" y="156"/>
+                  <a:pt x="7895" y="126"/>
+                  <a:pt x="7886" y="94"/>
+                </a:cubicBezTo>
+                <a:cubicBezTo>
+                  <a:pt x="7859" y="0"/>
+                  <a:pt x="7831" y="0"/>
+                  <a:pt x="7803" y="0"/>
+                </a:cubicBezTo>
+                <a:lnTo>
+                  <a:pt x="7275" y="0"/>
+                </a:lnTo>
+                <a:lnTo>
+                  <a:pt x="0" y="70"/>
+                </a:lnTo>
+                <a:cubicBezTo>
+                  <a:pt x="8" y="3380"/>
+                  <a:pt x="17" y="6690"/>
+                  <a:pt x="25" y="10000"/>
+                </a:cubicBezTo>
+                <a:lnTo>
+                  <a:pt x="7275" y="9966"/>
+                </a:lnTo>
+                <a:lnTo>
+                  <a:pt x="7803" y="9966"/>
+                </a:lnTo>
+                <a:cubicBezTo>
+                  <a:pt x="7831" y="9966"/>
+                  <a:pt x="7859" y="9872"/>
+                  <a:pt x="7886" y="9872"/>
+                </a:cubicBezTo>
+                <a:cubicBezTo>
+                  <a:pt x="7886" y="9778"/>
+                  <a:pt x="7915" y="9778"/>
+                  <a:pt x="7915" y="9778"/>
+                </a:cubicBezTo>
+                <a:lnTo>
+                  <a:pt x="9248" y="5265"/>
+                </a:lnTo>
+                <a:cubicBezTo>
+                  <a:pt x="9303" y="5077"/>
+                  <a:pt x="9303" y="4889"/>
+                  <a:pt x="9248" y="4701"/>
+                </a:cubicBezTo>
+                <a:close/>
+              </a:path>
+            </a:pathLst>
+          </a:custGeom>
+          <a:solidFill>
+            <a:schemeClr val="accent1"/>
+          </a:solidFill>
+          <a:ln>
+            <a:noFill/>
+          </a:ln>
+        </p:spPr>
+      </p:sp>
+      <p:sp>
+        <p:nvSpPr>
+          <p:cNvPr id="13" name="Slide Number Placeholder 5"/>
           <p:cNvSpPr>
             <a:spLocks noGrp="1"/>
           </p:cNvSpPr>
@@ -4259,7 +4110,12 @@
             <p:ph type="sldNum" sz="quarter" idx="12"/>
           </p:nvPr>
         </p:nvSpPr>
-        <p:spPr/>
+        <p:spPr>
+          <a:xfrm>
+            <a:off x="531812" y="787782"/>
+            <a:ext cx="779767" cy="365125"/>
+          </a:xfrm>
+        </p:spPr>
         <p:txBody>
           <a:bodyPr/>
           <a:lstStyle/>
@@ -4275,13 +4131,18 @@
     </p:spTree>
     <p:extLst>
       <p:ext uri="{BB962C8B-B14F-4D97-AF65-F5344CB8AC3E}">
-        <p14:creationId xmlns:p14="http://schemas.microsoft.com/office/powerpoint/2010/main" val="1948024225"/>
+        <p14:creationId xmlns:p14="http://schemas.microsoft.com/office/powerpoint/2010/main" val="2640298695"/>
       </p:ext>
     </p:extLst>
   </p:cSld>
   <p:clrMapOvr>
     <a:masterClrMapping/>
   </p:clrMapOvr>
+  <p:extLst>
+    <p:ext uri="{DCECCB84-F9BA-43D5-87BE-67443E8EF086}">
+      <p15:sldGuideLst xmlns:p15="http://schemas.microsoft.com/office/powerpoint/2012/main"/>
+    </p:ext>
+  </p:extLst>
 </p:sldLayout>
 </file>
 
@@ -4302,36 +4163,6 @@
           <a:chExt cx="0" cy="0"/>
         </a:xfrm>
       </p:grpSpPr>
-      <p:pic>
-        <p:nvPicPr>
-          <p:cNvPr id="6" name="Picture 5" descr="Celestia-R1---OverlayContentHD.png"/>
-          <p:cNvPicPr>
-            <a:picLocks noChangeAspect="1"/>
-          </p:cNvPicPr>
-          <p:nvPr/>
-        </p:nvPicPr>
-        <p:blipFill>
-          <a:blip r:embed="rId2">
-            <a:extLst>
-              <a:ext uri="{28A0092B-C50C-407E-A947-70E740481C1C}">
-                <a14:useLocalDpi xmlns:a14="http://schemas.microsoft.com/office/drawing/2010/main" val="0"/>
-              </a:ext>
-            </a:extLst>
-          </a:blip>
-          <a:stretch>
-            <a:fillRect/>
-          </a:stretch>
-        </p:blipFill>
-        <p:spPr>
-          <a:xfrm>
-            <a:off x="0" y="0"/>
-            <a:ext cx="12188825" cy="6856214"/>
-          </a:xfrm>
-          <a:prstGeom prst="rect">
-            <a:avLst/>
-          </a:prstGeom>
-        </p:spPr>
-      </p:pic>
       <p:sp>
         <p:nvSpPr>
           <p:cNvPr id="2" name="Title 1"/>
@@ -4372,7 +4203,7 @@
           <a:p>
             <a:fld id="{EAE94B64-FE95-4932-92D6-ED0579209990}" type="datetimeFigureOut">
               <a:rPr lang="en-CA" smtClean="0"/>
-              <a:t>2018-12-01</a:t>
+              <a:t>2018-12-02</a:t>
             </a:fld>
             <a:endParaRPr lang="en-CA"/>
           </a:p>
@@ -4396,6 +4227,88 @@
             <a:endParaRPr lang="en-CA"/>
           </a:p>
         </p:txBody>
+      </p:sp>
+      <p:sp>
+        <p:nvSpPr>
+          <p:cNvPr id="7" name="Freeform 11"/>
+          <p:cNvSpPr/>
+          <p:nvPr/>
+        </p:nvSpPr>
+        <p:spPr bwMode="auto">
+          <a:xfrm flipV="1">
+            <a:off x="-4189" y="714375"/>
+            <a:ext cx="1588527" cy="507297"/>
+          </a:xfrm>
+          <a:custGeom>
+            <a:avLst/>
+            <a:gdLst/>
+            <a:ahLst/>
+            <a:cxnLst/>
+            <a:rect l="l" t="t" r="r" b="b"/>
+            <a:pathLst>
+              <a:path w="9248" h="10000">
+                <a:moveTo>
+                  <a:pt x="9248" y="4701"/>
+                </a:moveTo>
+                <a:lnTo>
+                  <a:pt x="7915" y="188"/>
+                </a:lnTo>
+                <a:cubicBezTo>
+                  <a:pt x="7906" y="156"/>
+                  <a:pt x="7895" y="126"/>
+                  <a:pt x="7886" y="94"/>
+                </a:cubicBezTo>
+                <a:cubicBezTo>
+                  <a:pt x="7859" y="0"/>
+                  <a:pt x="7831" y="0"/>
+                  <a:pt x="7803" y="0"/>
+                </a:cubicBezTo>
+                <a:lnTo>
+                  <a:pt x="7275" y="0"/>
+                </a:lnTo>
+                <a:lnTo>
+                  <a:pt x="0" y="70"/>
+                </a:lnTo>
+                <a:cubicBezTo>
+                  <a:pt x="8" y="3380"/>
+                  <a:pt x="17" y="6690"/>
+                  <a:pt x="25" y="10000"/>
+                </a:cubicBezTo>
+                <a:lnTo>
+                  <a:pt x="7275" y="9966"/>
+                </a:lnTo>
+                <a:lnTo>
+                  <a:pt x="7803" y="9966"/>
+                </a:lnTo>
+                <a:cubicBezTo>
+                  <a:pt x="7831" y="9966"/>
+                  <a:pt x="7859" y="9872"/>
+                  <a:pt x="7886" y="9872"/>
+                </a:cubicBezTo>
+                <a:cubicBezTo>
+                  <a:pt x="7886" y="9778"/>
+                  <a:pt x="7915" y="9778"/>
+                  <a:pt x="7915" y="9778"/>
+                </a:cubicBezTo>
+                <a:lnTo>
+                  <a:pt x="9248" y="5265"/>
+                </a:lnTo>
+                <a:cubicBezTo>
+                  <a:pt x="9303" y="5077"/>
+                  <a:pt x="9303" y="4889"/>
+                  <a:pt x="9248" y="4701"/>
+                </a:cubicBezTo>
+                <a:close/>
+              </a:path>
+            </a:pathLst>
+          </a:custGeom>
+          <a:solidFill>
+            <a:schemeClr val="accent1"/>
+          </a:solidFill>
+          <a:ln>
+            <a:noFill/>
+          </a:ln>
+        </p:spPr>
       </p:sp>
       <p:sp>
         <p:nvSpPr>
@@ -4423,7 +4336,7 @@
     </p:spTree>
     <p:extLst>
       <p:ext uri="{BB962C8B-B14F-4D97-AF65-F5344CB8AC3E}">
-        <p14:creationId xmlns:p14="http://schemas.microsoft.com/office/powerpoint/2010/main" val="3538278600"/>
+        <p14:creationId xmlns:p14="http://schemas.microsoft.com/office/powerpoint/2010/main" val="2308054178"/>
       </p:ext>
     </p:extLst>
   </p:cSld>
@@ -4450,36 +4363,6 @@
           <a:chExt cx="0" cy="0"/>
         </a:xfrm>
       </p:grpSpPr>
-      <p:pic>
-        <p:nvPicPr>
-          <p:cNvPr id="5" name="Picture 4" descr="Celestia-R1---OverlayContentHD.png"/>
-          <p:cNvPicPr>
-            <a:picLocks noChangeAspect="1"/>
-          </p:cNvPicPr>
-          <p:nvPr/>
-        </p:nvPicPr>
-        <p:blipFill>
-          <a:blip r:embed="rId2">
-            <a:extLst>
-              <a:ext uri="{28A0092B-C50C-407E-A947-70E740481C1C}">
-                <a14:useLocalDpi xmlns:a14="http://schemas.microsoft.com/office/drawing/2010/main" val="0"/>
-              </a:ext>
-            </a:extLst>
-          </a:blip>
-          <a:stretch>
-            <a:fillRect/>
-          </a:stretch>
-        </p:blipFill>
-        <p:spPr>
-          <a:xfrm>
-            <a:off x="0" y="0"/>
-            <a:ext cx="12188825" cy="6856214"/>
-          </a:xfrm>
-          <a:prstGeom prst="rect">
-            <a:avLst/>
-          </a:prstGeom>
-        </p:spPr>
-      </p:pic>
       <p:sp>
         <p:nvSpPr>
           <p:cNvPr id="2" name="Date Placeholder 1"/>
@@ -4497,7 +4380,7 @@
           <a:p>
             <a:fld id="{EAE94B64-FE95-4932-92D6-ED0579209990}" type="datetimeFigureOut">
               <a:rPr lang="en-CA" smtClean="0"/>
-              <a:t>2018-12-01</a:t>
+              <a:t>2018-12-02</a:t>
             </a:fld>
             <a:endParaRPr lang="en-CA"/>
           </a:p>
@@ -4521,6 +4404,88 @@
             <a:endParaRPr lang="en-CA"/>
           </a:p>
         </p:txBody>
+      </p:sp>
+      <p:sp>
+        <p:nvSpPr>
+          <p:cNvPr id="6" name="Freeform 11"/>
+          <p:cNvSpPr/>
+          <p:nvPr/>
+        </p:nvSpPr>
+        <p:spPr bwMode="auto">
+          <a:xfrm flipV="1">
+            <a:off x="-4189" y="714375"/>
+            <a:ext cx="1588527" cy="507297"/>
+          </a:xfrm>
+          <a:custGeom>
+            <a:avLst/>
+            <a:gdLst/>
+            <a:ahLst/>
+            <a:cxnLst/>
+            <a:rect l="l" t="t" r="r" b="b"/>
+            <a:pathLst>
+              <a:path w="9248" h="10000">
+                <a:moveTo>
+                  <a:pt x="9248" y="4701"/>
+                </a:moveTo>
+                <a:lnTo>
+                  <a:pt x="7915" y="188"/>
+                </a:lnTo>
+                <a:cubicBezTo>
+                  <a:pt x="7906" y="156"/>
+                  <a:pt x="7895" y="126"/>
+                  <a:pt x="7886" y="94"/>
+                </a:cubicBezTo>
+                <a:cubicBezTo>
+                  <a:pt x="7859" y="0"/>
+                  <a:pt x="7831" y="0"/>
+                  <a:pt x="7803" y="0"/>
+                </a:cubicBezTo>
+                <a:lnTo>
+                  <a:pt x="7275" y="0"/>
+                </a:lnTo>
+                <a:lnTo>
+                  <a:pt x="0" y="70"/>
+                </a:lnTo>
+                <a:cubicBezTo>
+                  <a:pt x="8" y="3380"/>
+                  <a:pt x="17" y="6690"/>
+                  <a:pt x="25" y="10000"/>
+                </a:cubicBezTo>
+                <a:lnTo>
+                  <a:pt x="7275" y="9966"/>
+                </a:lnTo>
+                <a:lnTo>
+                  <a:pt x="7803" y="9966"/>
+                </a:lnTo>
+                <a:cubicBezTo>
+                  <a:pt x="7831" y="9966"/>
+                  <a:pt x="7859" y="9872"/>
+                  <a:pt x="7886" y="9872"/>
+                </a:cubicBezTo>
+                <a:cubicBezTo>
+                  <a:pt x="7886" y="9778"/>
+                  <a:pt x="7915" y="9778"/>
+                  <a:pt x="7915" y="9778"/>
+                </a:cubicBezTo>
+                <a:lnTo>
+                  <a:pt x="9248" y="5265"/>
+                </a:lnTo>
+                <a:cubicBezTo>
+                  <a:pt x="9303" y="5077"/>
+                  <a:pt x="9303" y="4889"/>
+                  <a:pt x="9248" y="4701"/>
+                </a:cubicBezTo>
+                <a:close/>
+              </a:path>
+            </a:pathLst>
+          </a:custGeom>
+          <a:solidFill>
+            <a:schemeClr val="accent1"/>
+          </a:solidFill>
+          <a:ln>
+            <a:noFill/>
+          </a:ln>
+        </p:spPr>
       </p:sp>
       <p:sp>
         <p:nvSpPr>
@@ -4548,7 +4513,7 @@
     </p:spTree>
     <p:extLst>
       <p:ext uri="{BB962C8B-B14F-4D97-AF65-F5344CB8AC3E}">
-        <p14:creationId xmlns:p14="http://schemas.microsoft.com/office/powerpoint/2010/main" val="4258685154"/>
+        <p14:creationId xmlns:p14="http://schemas.microsoft.com/office/powerpoint/2010/main" val="3028402454"/>
       </p:ext>
     </p:extLst>
   </p:cSld>
@@ -4575,84 +4540,52 @@
           <a:chExt cx="0" cy="0"/>
         </a:xfrm>
       </p:grpSpPr>
-      <p:pic>
-        <p:nvPicPr>
-          <p:cNvPr id="8" name="Picture 7" descr="Celestia-R1---OverlayContentHD.png"/>
-          <p:cNvPicPr>
-            <a:picLocks noChangeAspect="1"/>
-          </p:cNvPicPr>
-          <p:nvPr/>
-        </p:nvPicPr>
-        <p:blipFill>
-          <a:blip r:embed="rId2">
-            <a:extLst>
-              <a:ext uri="{28A0092B-C50C-407E-A947-70E740481C1C}">
-                <a14:useLocalDpi xmlns:a14="http://schemas.microsoft.com/office/drawing/2010/main" val="0"/>
-              </a:ext>
-            </a:extLst>
-          </a:blip>
-          <a:stretch>
-            <a:fillRect/>
-          </a:stretch>
-        </p:blipFill>
+      <p:sp>
+        <p:nvSpPr>
+          <p:cNvPr id="2" name="Title 1"/>
+          <p:cNvSpPr>
+            <a:spLocks noGrp="1"/>
+          </p:cNvSpPr>
+          <p:nvPr>
+            <p:ph type="title"/>
+          </p:nvPr>
+        </p:nvSpPr>
         <p:spPr>
           <a:xfrm>
-            <a:off x="0" y="0"/>
-            <a:ext cx="12188825" cy="6856214"/>
+            <a:off x="2589212" y="446088"/>
+            <a:ext cx="3505199" cy="976312"/>
           </a:xfrm>
-          <a:prstGeom prst="rect">
-            <a:avLst/>
-          </a:prstGeom>
         </p:spPr>
-      </p:pic>
-      <p:sp>
-        <p:nvSpPr>
-          <p:cNvPr id="2" name="Title 1"/>
-          <p:cNvSpPr>
-            <a:spLocks noGrp="1"/>
-          </p:cNvSpPr>
-          <p:nvPr>
-            <p:ph type="title"/>
+        <p:txBody>
+          <a:bodyPr anchor="b"/>
+          <a:lstStyle>
+            <a:lvl1pPr algn="l">
+              <a:defRPr sz="2000" b="0"/>
+            </a:lvl1pPr>
+          </a:lstStyle>
+          <a:p>
+            <a:r>
+              <a:rPr lang="en-US"/>
+              <a:t>Click to edit Master title style</a:t>
+            </a:r>
+            <a:endParaRPr lang="en-US" dirty="0"/>
+          </a:p>
+        </p:txBody>
+      </p:sp>
+      <p:sp>
+        <p:nvSpPr>
+          <p:cNvPr id="3" name="Content Placeholder 2"/>
+          <p:cNvSpPr>
+            <a:spLocks noGrp="1"/>
+          </p:cNvSpPr>
+          <p:nvPr>
+            <p:ph idx="1"/>
           </p:nvPr>
         </p:nvSpPr>
         <p:spPr>
           <a:xfrm>
-            <a:off x="685800" y="2074333"/>
-            <a:ext cx="3680885" cy="1371600"/>
-          </a:xfrm>
-        </p:spPr>
-        <p:txBody>
-          <a:bodyPr anchor="b">
-            <a:normAutofit/>
-          </a:bodyPr>
-          <a:lstStyle>
-            <a:lvl1pPr algn="l">
-              <a:defRPr sz="2400" b="0"/>
-            </a:lvl1pPr>
-          </a:lstStyle>
-          <a:p>
-            <a:r>
-              <a:rPr lang="en-US"/>
-              <a:t>Click to edit Master title style</a:t>
-            </a:r>
-            <a:endParaRPr lang="en-US" dirty="0"/>
-          </a:p>
-        </p:txBody>
-      </p:sp>
-      <p:sp>
-        <p:nvSpPr>
-          <p:cNvPr id="3" name="Content Placeholder 2"/>
-          <p:cNvSpPr>
-            <a:spLocks noGrp="1"/>
-          </p:cNvSpPr>
-          <p:nvPr>
-            <p:ph idx="1"/>
-          </p:nvPr>
-        </p:nvSpPr>
-        <p:spPr>
-          <a:xfrm>
-            <a:off x="4648201" y="609601"/>
-            <a:ext cx="6169026" cy="5181600"/>
+            <a:off x="6323012" y="446088"/>
+            <a:ext cx="5181600" cy="5414963"/>
           </a:xfrm>
         </p:spPr>
         <p:txBody>
@@ -4710,18 +4643,16 @@
         </p:nvSpPr>
         <p:spPr>
           <a:xfrm>
-            <a:off x="685800" y="3445933"/>
-            <a:ext cx="3680885" cy="1828800"/>
+            <a:off x="2589212" y="1598613"/>
+            <a:ext cx="3505199" cy="4262436"/>
           </a:xfrm>
         </p:spPr>
         <p:txBody>
-          <a:bodyPr anchor="t">
-            <a:normAutofit/>
-          </a:bodyPr>
+          <a:bodyPr/>
           <a:lstStyle>
             <a:lvl1pPr marL="0" indent="0">
               <a:buNone/>
-              <a:defRPr sz="1600"/>
+              <a:defRPr sz="1400"/>
             </a:lvl1pPr>
             <a:lvl2pPr marL="457200" indent="0">
               <a:buNone/>
@@ -4782,7 +4713,7 @@
           <a:p>
             <a:fld id="{EAE94B64-FE95-4932-92D6-ED0579209990}" type="datetimeFigureOut">
               <a:rPr lang="en-CA" smtClean="0"/>
-              <a:t>2018-12-01</a:t>
+              <a:t>2018-12-02</a:t>
             </a:fld>
             <a:endParaRPr lang="en-CA"/>
           </a:p>
@@ -4806,6 +4737,88 @@
             <a:endParaRPr lang="en-CA"/>
           </a:p>
         </p:txBody>
+      </p:sp>
+      <p:sp>
+        <p:nvSpPr>
+          <p:cNvPr id="9" name="Freeform 11"/>
+          <p:cNvSpPr/>
+          <p:nvPr/>
+        </p:nvSpPr>
+        <p:spPr bwMode="auto">
+          <a:xfrm flipV="1">
+            <a:off x="-4189" y="714375"/>
+            <a:ext cx="1588527" cy="507297"/>
+          </a:xfrm>
+          <a:custGeom>
+            <a:avLst/>
+            <a:gdLst/>
+            <a:ahLst/>
+            <a:cxnLst/>
+            <a:rect l="l" t="t" r="r" b="b"/>
+            <a:pathLst>
+              <a:path w="9248" h="10000">
+                <a:moveTo>
+                  <a:pt x="9248" y="4701"/>
+                </a:moveTo>
+                <a:lnTo>
+                  <a:pt x="7915" y="188"/>
+                </a:lnTo>
+                <a:cubicBezTo>
+                  <a:pt x="7906" y="156"/>
+                  <a:pt x="7895" y="126"/>
+                  <a:pt x="7886" y="94"/>
+                </a:cubicBezTo>
+                <a:cubicBezTo>
+                  <a:pt x="7859" y="0"/>
+                  <a:pt x="7831" y="0"/>
+                  <a:pt x="7803" y="0"/>
+                </a:cubicBezTo>
+                <a:lnTo>
+                  <a:pt x="7275" y="0"/>
+                </a:lnTo>
+                <a:lnTo>
+                  <a:pt x="0" y="70"/>
+                </a:lnTo>
+                <a:cubicBezTo>
+                  <a:pt x="8" y="3380"/>
+                  <a:pt x="17" y="6690"/>
+                  <a:pt x="25" y="10000"/>
+                </a:cubicBezTo>
+                <a:lnTo>
+                  <a:pt x="7275" y="9966"/>
+                </a:lnTo>
+                <a:lnTo>
+                  <a:pt x="7803" y="9966"/>
+                </a:lnTo>
+                <a:cubicBezTo>
+                  <a:pt x="7831" y="9966"/>
+                  <a:pt x="7859" y="9872"/>
+                  <a:pt x="7886" y="9872"/>
+                </a:cubicBezTo>
+                <a:cubicBezTo>
+                  <a:pt x="7886" y="9778"/>
+                  <a:pt x="7915" y="9778"/>
+                  <a:pt x="7915" y="9778"/>
+                </a:cubicBezTo>
+                <a:lnTo>
+                  <a:pt x="9248" y="5265"/>
+                </a:lnTo>
+                <a:cubicBezTo>
+                  <a:pt x="9303" y="5077"/>
+                  <a:pt x="9303" y="4889"/>
+                  <a:pt x="9248" y="4701"/>
+                </a:cubicBezTo>
+                <a:close/>
+              </a:path>
+            </a:pathLst>
+          </a:custGeom>
+          <a:solidFill>
+            <a:schemeClr val="accent1"/>
+          </a:solidFill>
+          <a:ln>
+            <a:noFill/>
+          </a:ln>
+        </p:spPr>
       </p:sp>
       <p:sp>
         <p:nvSpPr>
@@ -4833,13 +4846,18 @@
     </p:spTree>
     <p:extLst>
       <p:ext uri="{BB962C8B-B14F-4D97-AF65-F5344CB8AC3E}">
-        <p14:creationId xmlns:p14="http://schemas.microsoft.com/office/powerpoint/2010/main" val="3070832895"/>
+        <p14:creationId xmlns:p14="http://schemas.microsoft.com/office/powerpoint/2010/main" val="4000429332"/>
       </p:ext>
     </p:extLst>
   </p:cSld>
   <p:clrMapOvr>
     <a:masterClrMapping/>
   </p:clrMapOvr>
+  <p:extLst>
+    <p:ext uri="{DCECCB84-F9BA-43D5-87BE-67443E8EF086}">
+      <p15:sldGuideLst xmlns:p15="http://schemas.microsoft.com/office/powerpoint/2012/main"/>
+    </p:ext>
+  </p:extLst>
 </p:sldLayout>
 </file>
 
@@ -4860,50 +4878,20 @@
           <a:chExt cx="0" cy="0"/>
         </a:xfrm>
       </p:grpSpPr>
-      <p:pic>
-        <p:nvPicPr>
-          <p:cNvPr id="8" name="Picture 7" descr="Celestia-R1---OverlayContentHD.png"/>
-          <p:cNvPicPr>
-            <a:picLocks noChangeAspect="1"/>
-          </p:cNvPicPr>
-          <p:nvPr/>
-        </p:nvPicPr>
-        <p:blipFill>
-          <a:blip r:embed="rId2">
-            <a:extLst>
-              <a:ext uri="{28A0092B-C50C-407E-A947-70E740481C1C}">
-                <a14:useLocalDpi xmlns:a14="http://schemas.microsoft.com/office/drawing/2010/main" val="0"/>
-              </a:ext>
-            </a:extLst>
-          </a:blip>
-          <a:stretch>
-            <a:fillRect/>
-          </a:stretch>
-        </p:blipFill>
+      <p:sp>
+        <p:nvSpPr>
+          <p:cNvPr id="2" name="Title 1"/>
+          <p:cNvSpPr>
+            <a:spLocks noGrp="1"/>
+          </p:cNvSpPr>
+          <p:nvPr>
+            <p:ph type="title"/>
+          </p:nvPr>
+        </p:nvSpPr>
         <p:spPr>
           <a:xfrm>
-            <a:off x="0" y="0"/>
-            <a:ext cx="12188825" cy="6856214"/>
-          </a:xfrm>
-          <a:prstGeom prst="rect">
-            <a:avLst/>
-          </a:prstGeom>
-        </p:spPr>
-      </p:pic>
-      <p:sp>
-        <p:nvSpPr>
-          <p:cNvPr id="2" name="Title 1"/>
-          <p:cNvSpPr>
-            <a:spLocks noGrp="1"/>
-          </p:cNvSpPr>
-          <p:nvPr>
-            <p:ph type="title"/>
-          </p:nvPr>
-        </p:nvSpPr>
-        <p:spPr>
-          <a:xfrm>
-            <a:off x="685800" y="1600200"/>
-            <a:ext cx="6164653" cy="1371600"/>
+            <a:off x="2589213" y="4800600"/>
+            <a:ext cx="8915400" cy="566738"/>
           </a:xfrm>
         </p:spPr>
         <p:txBody>
@@ -4912,7 +4900,7 @@
           </a:bodyPr>
           <a:lstStyle>
             <a:lvl1pPr algn="l">
-              <a:defRPr sz="2800" b="0"/>
+              <a:defRPr sz="2400" b="0"/>
             </a:lvl1pPr>
           </a:lstStyle>
           <a:p>
@@ -4926,7 +4914,7 @@
       </p:sp>
       <p:sp>
         <p:nvSpPr>
-          <p:cNvPr id="14" name="Picture Placeholder 2"/>
+          <p:cNvPr id="3" name="Picture Placeholder 2"/>
           <p:cNvSpPr>
             <a:spLocks noGrp="1" noChangeAspect="1"/>
           </p:cNvSpPr>
@@ -4936,40 +4924,9 @@
         </p:nvSpPr>
         <p:spPr>
           <a:xfrm>
-            <a:off x="7536253" y="914400"/>
-            <a:ext cx="3280974" cy="4572000"/>
+            <a:off x="2589212" y="634965"/>
+            <a:ext cx="8915400" cy="3854970"/>
           </a:xfrm>
-          <a:prstGeom prst="roundRect">
-            <a:avLst>
-              <a:gd name="adj" fmla="val 4280"/>
-            </a:avLst>
-          </a:prstGeom>
-          <a:ln w="50800" cap="sq" cmpd="dbl">
-            <a:gradFill flip="none" rotWithShape="1">
-              <a:gsLst>
-                <a:gs pos="0">
-                  <a:srgbClr val="FFFFFF"/>
-                </a:gs>
-                <a:gs pos="100000">
-                  <a:schemeClr val="tx1">
-                    <a:alpha val="0"/>
-                  </a:schemeClr>
-                </a:gs>
-              </a:gsLst>
-              <a:path path="circle">
-                <a:fillToRect l="50000" t="50000" r="50000" b="50000"/>
-              </a:path>
-              <a:tileRect/>
-            </a:gradFill>
-            <a:miter lim="800000"/>
-          </a:ln>
-          <a:effectLst>
-            <a:outerShdw blurRad="254000" algn="tl" rotWithShape="0">
-              <a:srgbClr val="000000">
-                <a:alpha val="43000"/>
-              </a:srgbClr>
-            </a:outerShdw>
-          </a:effectLst>
         </p:spPr>
         <p:txBody>
           <a:bodyPr anchor="t">
@@ -5034,18 +4991,18 @@
         </p:nvSpPr>
         <p:spPr>
           <a:xfrm>
-            <a:off x="685800" y="2971800"/>
-            <a:ext cx="6164653" cy="1828800"/>
+            <a:off x="2589213" y="5367338"/>
+            <a:ext cx="8915400" cy="493712"/>
           </a:xfrm>
         </p:spPr>
         <p:txBody>
-          <a:bodyPr anchor="t">
+          <a:bodyPr>
             <a:normAutofit/>
           </a:bodyPr>
           <a:lstStyle>
             <a:lvl1pPr marL="0" indent="0">
               <a:buNone/>
-              <a:defRPr sz="1800"/>
+              <a:defRPr sz="1200"/>
             </a:lvl1pPr>
             <a:lvl2pPr marL="457200" indent="0">
               <a:buNone/>
@@ -5106,7 +5063,7 @@
           <a:p>
             <a:fld id="{EAE94B64-FE95-4932-92D6-ED0579209990}" type="datetimeFigureOut">
               <a:rPr lang="en-CA" smtClean="0"/>
-              <a:t>2018-12-01</a:t>
+              <a:t>2018-12-02</a:t>
             </a:fld>
             <a:endParaRPr lang="en-CA"/>
           </a:p>
@@ -5133,6 +5090,88 @@
       </p:sp>
       <p:sp>
         <p:nvSpPr>
+          <p:cNvPr id="9" name="Freeform 11"/>
+          <p:cNvSpPr/>
+          <p:nvPr/>
+        </p:nvSpPr>
+        <p:spPr bwMode="auto">
+          <a:xfrm flipV="1">
+            <a:off x="-4189" y="4911725"/>
+            <a:ext cx="1588527" cy="507297"/>
+          </a:xfrm>
+          <a:custGeom>
+            <a:avLst/>
+            <a:gdLst/>
+            <a:ahLst/>
+            <a:cxnLst/>
+            <a:rect l="l" t="t" r="r" b="b"/>
+            <a:pathLst>
+              <a:path w="9248" h="10000">
+                <a:moveTo>
+                  <a:pt x="9248" y="4701"/>
+                </a:moveTo>
+                <a:lnTo>
+                  <a:pt x="7915" y="188"/>
+                </a:lnTo>
+                <a:cubicBezTo>
+                  <a:pt x="7906" y="156"/>
+                  <a:pt x="7895" y="126"/>
+                  <a:pt x="7886" y="94"/>
+                </a:cubicBezTo>
+                <a:cubicBezTo>
+                  <a:pt x="7859" y="0"/>
+                  <a:pt x="7831" y="0"/>
+                  <a:pt x="7803" y="0"/>
+                </a:cubicBezTo>
+                <a:lnTo>
+                  <a:pt x="7275" y="0"/>
+                </a:lnTo>
+                <a:lnTo>
+                  <a:pt x="0" y="70"/>
+                </a:lnTo>
+                <a:cubicBezTo>
+                  <a:pt x="8" y="3380"/>
+                  <a:pt x="17" y="6690"/>
+                  <a:pt x="25" y="10000"/>
+                </a:cubicBezTo>
+                <a:lnTo>
+                  <a:pt x="7275" y="9966"/>
+                </a:lnTo>
+                <a:lnTo>
+                  <a:pt x="7803" y="9966"/>
+                </a:lnTo>
+                <a:cubicBezTo>
+                  <a:pt x="7831" y="9966"/>
+                  <a:pt x="7859" y="9872"/>
+                  <a:pt x="7886" y="9872"/>
+                </a:cubicBezTo>
+                <a:cubicBezTo>
+                  <a:pt x="7886" y="9778"/>
+                  <a:pt x="7915" y="9778"/>
+                  <a:pt x="7915" y="9778"/>
+                </a:cubicBezTo>
+                <a:lnTo>
+                  <a:pt x="9248" y="5265"/>
+                </a:lnTo>
+                <a:cubicBezTo>
+                  <a:pt x="9303" y="5077"/>
+                  <a:pt x="9303" y="4889"/>
+                  <a:pt x="9248" y="4701"/>
+                </a:cubicBezTo>
+                <a:close/>
+              </a:path>
+            </a:pathLst>
+          </a:custGeom>
+          <a:solidFill>
+            <a:schemeClr val="accent1"/>
+          </a:solidFill>
+          <a:ln>
+            <a:noFill/>
+          </a:ln>
+        </p:spPr>
+      </p:sp>
+      <p:sp>
+        <p:nvSpPr>
           <p:cNvPr id="7" name="Slide Number Placeholder 6"/>
           <p:cNvSpPr>
             <a:spLocks noGrp="1"/>
@@ -5141,7 +5180,12 @@
             <p:ph type="sldNum" sz="quarter" idx="12"/>
           </p:nvPr>
         </p:nvSpPr>
-        <p:spPr/>
+        <p:spPr>
+          <a:xfrm>
+            <a:off x="531812" y="4983087"/>
+            <a:ext cx="779767" cy="365125"/>
+          </a:xfrm>
+        </p:spPr>
         <p:txBody>
           <a:bodyPr/>
           <a:lstStyle/>
@@ -5157,7 +5201,7 @@
     </p:spTree>
     <p:extLst>
       <p:ext uri="{BB962C8B-B14F-4D97-AF65-F5344CB8AC3E}">
-        <p14:creationId xmlns:p14="http://schemas.microsoft.com/office/powerpoint/2010/main" val="380082828"/>
+        <p14:creationId xmlns:p14="http://schemas.microsoft.com/office/powerpoint/2010/main" val="2362373794"/>
       </p:ext>
     </p:extLst>
   </p:cSld>
@@ -5171,7 +5215,7 @@
 <p:sldMaster xmlns:a="http://schemas.openxmlformats.org/drawingml/2006/main" xmlns:r="http://schemas.openxmlformats.org/officeDocument/2006/relationships" xmlns:p="http://schemas.openxmlformats.org/presentationml/2006/main">
   <p:cSld>
     <p:bg>
-      <p:bgRef idx="1003">
+      <p:bgRef idx="1001">
         <a:schemeClr val="bg2"/>
       </p:bgRef>
     </p:bg>
@@ -5189,97 +5233,1788 @@
           <a:chExt cx="0" cy="0"/>
         </a:xfrm>
       </p:grpSpPr>
-      <p:sp>
-        <p:nvSpPr>
-          <p:cNvPr id="2" name="Title Placeholder 1"/>
-          <p:cNvSpPr>
-            <a:spLocks noGrp="1"/>
-          </p:cNvSpPr>
-          <p:nvPr>
-            <p:ph type="title"/>
-          </p:nvPr>
+      <p:grpSp>
+        <p:nvGrpSpPr>
+          <p:cNvPr id="23" name="Group 22"/>
+          <p:cNvGrpSpPr/>
+          <p:nvPr/>
+        </p:nvGrpSpPr>
+        <p:grpSpPr>
+          <a:xfrm>
+            <a:off x="1" y="228600"/>
+            <a:ext cx="2851516" cy="6638628"/>
+            <a:chOff x="2487613" y="285750"/>
+            <a:chExt cx="2428875" cy="5654676"/>
+          </a:xfrm>
+          <a:solidFill>
+            <a:schemeClr val="accent1">
+              <a:lumMod val="75000"/>
+              <a:alpha val="40000"/>
+            </a:schemeClr>
+          </a:solidFill>
+        </p:grpSpPr>
+        <p:sp>
+          <p:nvSpPr>
+            <p:cNvPr id="24" name="Freeform 11"/>
+            <p:cNvSpPr/>
+            <p:nvPr/>
+          </p:nvSpPr>
+          <p:spPr bwMode="auto">
+            <a:xfrm>
+              <a:off x="2487613" y="2284413"/>
+              <a:ext cx="85725" cy="533400"/>
+            </a:xfrm>
+            <a:custGeom>
+              <a:avLst/>
+              <a:gdLst/>
+              <a:ahLst/>
+              <a:cxnLst/>
+              <a:rect l="0" t="0" r="r" b="b"/>
+              <a:pathLst>
+                <a:path w="22" h="136">
+                  <a:moveTo>
+                    <a:pt x="22" y="136"/>
+                  </a:moveTo>
+                  <a:cubicBezTo>
+                    <a:pt x="20" y="117"/>
+                    <a:pt x="19" y="99"/>
+                    <a:pt x="17" y="80"/>
+                  </a:cubicBezTo>
+                  <a:cubicBezTo>
+                    <a:pt x="11" y="54"/>
+                    <a:pt x="6" y="27"/>
+                    <a:pt x="0" y="0"/>
+                  </a:cubicBezTo>
+                  <a:cubicBezTo>
+                    <a:pt x="0" y="35"/>
+                    <a:pt x="0" y="35"/>
+                    <a:pt x="0" y="35"/>
+                  </a:cubicBezTo>
+                  <a:cubicBezTo>
+                    <a:pt x="6" y="64"/>
+                    <a:pt x="13" y="94"/>
+                    <a:pt x="20" y="124"/>
+                  </a:cubicBezTo>
+                  <a:cubicBezTo>
+                    <a:pt x="20" y="128"/>
+                    <a:pt x="21" y="132"/>
+                    <a:pt x="22" y="136"/>
+                  </a:cubicBezTo>
+                  <a:close/>
+                </a:path>
+              </a:pathLst>
+            </a:custGeom>
+            <a:grpFill/>
+            <a:ln>
+              <a:noFill/>
+            </a:ln>
+          </p:spPr>
+        </p:sp>
+        <p:sp>
+          <p:nvSpPr>
+            <p:cNvPr id="25" name="Freeform 12"/>
+            <p:cNvSpPr/>
+            <p:nvPr/>
+          </p:nvSpPr>
+          <p:spPr bwMode="auto">
+            <a:xfrm>
+              <a:off x="2597151" y="2779713"/>
+              <a:ext cx="550863" cy="1978025"/>
+            </a:xfrm>
+            <a:custGeom>
+              <a:avLst/>
+              <a:gdLst/>
+              <a:ahLst/>
+              <a:cxnLst/>
+              <a:rect l="0" t="0" r="r" b="b"/>
+              <a:pathLst>
+                <a:path w="140" h="504">
+                  <a:moveTo>
+                    <a:pt x="86" y="350"/>
+                  </a:moveTo>
+                  <a:cubicBezTo>
+                    <a:pt x="103" y="402"/>
+                    <a:pt x="120" y="453"/>
+                    <a:pt x="139" y="504"/>
+                  </a:cubicBezTo>
+                  <a:cubicBezTo>
+                    <a:pt x="139" y="495"/>
+                    <a:pt x="139" y="487"/>
+                    <a:pt x="140" y="478"/>
+                  </a:cubicBezTo>
+                  <a:cubicBezTo>
+                    <a:pt x="124" y="435"/>
+                    <a:pt x="109" y="391"/>
+                    <a:pt x="95" y="347"/>
+                  </a:cubicBezTo>
+                  <a:cubicBezTo>
+                    <a:pt x="58" y="233"/>
+                    <a:pt x="27" y="117"/>
+                    <a:pt x="0" y="0"/>
+                  </a:cubicBezTo>
+                  <a:cubicBezTo>
+                    <a:pt x="2" y="20"/>
+                    <a:pt x="4" y="41"/>
+                    <a:pt x="6" y="61"/>
+                  </a:cubicBezTo>
+                  <a:cubicBezTo>
+                    <a:pt x="30" y="158"/>
+                    <a:pt x="56" y="255"/>
+                    <a:pt x="86" y="350"/>
+                  </a:cubicBezTo>
+                  <a:close/>
+                </a:path>
+              </a:pathLst>
+            </a:custGeom>
+            <a:grpFill/>
+            <a:ln>
+              <a:noFill/>
+            </a:ln>
+          </p:spPr>
+        </p:sp>
+        <p:sp>
+          <p:nvSpPr>
+            <p:cNvPr id="26" name="Freeform 13"/>
+            <p:cNvSpPr/>
+            <p:nvPr/>
+          </p:nvSpPr>
+          <p:spPr bwMode="auto">
+            <a:xfrm>
+              <a:off x="3175001" y="4730750"/>
+              <a:ext cx="519113" cy="1209675"/>
+            </a:xfrm>
+            <a:custGeom>
+              <a:avLst/>
+              <a:gdLst/>
+              <a:ahLst/>
+              <a:cxnLst/>
+              <a:rect l="0" t="0" r="r" b="b"/>
+              <a:pathLst>
+                <a:path w="132" h="308">
+                  <a:moveTo>
+                    <a:pt x="8" y="22"/>
+                  </a:moveTo>
+                  <a:cubicBezTo>
+                    <a:pt x="5" y="15"/>
+                    <a:pt x="2" y="8"/>
+                    <a:pt x="0" y="0"/>
+                  </a:cubicBezTo>
+                  <a:cubicBezTo>
+                    <a:pt x="0" y="10"/>
+                    <a:pt x="0" y="19"/>
+                    <a:pt x="0" y="29"/>
+                  </a:cubicBezTo>
+                  <a:cubicBezTo>
+                    <a:pt x="21" y="85"/>
+                    <a:pt x="44" y="140"/>
+                    <a:pt x="68" y="194"/>
+                  </a:cubicBezTo>
+                  <a:cubicBezTo>
+                    <a:pt x="85" y="232"/>
+                    <a:pt x="104" y="270"/>
+                    <a:pt x="123" y="308"/>
+                  </a:cubicBezTo>
+                  <a:cubicBezTo>
+                    <a:pt x="132" y="308"/>
+                    <a:pt x="132" y="308"/>
+                    <a:pt x="132" y="308"/>
+                  </a:cubicBezTo>
+                  <a:cubicBezTo>
+                    <a:pt x="113" y="269"/>
+                    <a:pt x="94" y="230"/>
+                    <a:pt x="77" y="190"/>
+                  </a:cubicBezTo>
+                  <a:cubicBezTo>
+                    <a:pt x="52" y="135"/>
+                    <a:pt x="29" y="79"/>
+                    <a:pt x="8" y="22"/>
+                  </a:cubicBezTo>
+                  <a:close/>
+                </a:path>
+              </a:pathLst>
+            </a:custGeom>
+            <a:grpFill/>
+            <a:ln>
+              <a:noFill/>
+            </a:ln>
+          </p:spPr>
+        </p:sp>
+        <p:sp>
+          <p:nvSpPr>
+            <p:cNvPr id="27" name="Freeform 14"/>
+            <p:cNvSpPr/>
+            <p:nvPr/>
+          </p:nvSpPr>
+          <p:spPr bwMode="auto">
+            <a:xfrm>
+              <a:off x="3305176" y="5630863"/>
+              <a:ext cx="146050" cy="309563"/>
+            </a:xfrm>
+            <a:custGeom>
+              <a:avLst/>
+              <a:gdLst/>
+              <a:ahLst/>
+              <a:cxnLst/>
+              <a:rect l="0" t="0" r="r" b="b"/>
+              <a:pathLst>
+                <a:path w="37" h="79">
+                  <a:moveTo>
+                    <a:pt x="28" y="79"/>
+                  </a:moveTo>
+                  <a:cubicBezTo>
+                    <a:pt x="37" y="79"/>
+                    <a:pt x="37" y="79"/>
+                    <a:pt x="37" y="79"/>
+                  </a:cubicBezTo>
+                  <a:cubicBezTo>
+                    <a:pt x="24" y="53"/>
+                    <a:pt x="12" y="27"/>
+                    <a:pt x="0" y="0"/>
+                  </a:cubicBezTo>
+                  <a:cubicBezTo>
+                    <a:pt x="8" y="27"/>
+                    <a:pt x="17" y="53"/>
+                    <a:pt x="28" y="79"/>
+                  </a:cubicBezTo>
+                  <a:close/>
+                </a:path>
+              </a:pathLst>
+            </a:custGeom>
+            <a:grpFill/>
+            <a:ln>
+              <a:noFill/>
+            </a:ln>
+          </p:spPr>
+        </p:sp>
+        <p:sp>
+          <p:nvSpPr>
+            <p:cNvPr id="28" name="Freeform 15"/>
+            <p:cNvSpPr/>
+            <p:nvPr/>
+          </p:nvSpPr>
+          <p:spPr bwMode="auto">
+            <a:xfrm>
+              <a:off x="2573338" y="2817813"/>
+              <a:ext cx="700088" cy="2835275"/>
+            </a:xfrm>
+            <a:custGeom>
+              <a:avLst/>
+              <a:gdLst/>
+              <a:ahLst/>
+              <a:cxnLst/>
+              <a:rect l="0" t="0" r="r" b="b"/>
+              <a:pathLst>
+                <a:path w="178" h="722">
+                  <a:moveTo>
+                    <a:pt x="162" y="660"/>
+                  </a:moveTo>
+                  <a:cubicBezTo>
+                    <a:pt x="145" y="618"/>
+                    <a:pt x="130" y="576"/>
+                    <a:pt x="116" y="534"/>
+                  </a:cubicBezTo>
+                  <a:cubicBezTo>
+                    <a:pt x="84" y="437"/>
+                    <a:pt x="59" y="337"/>
+                    <a:pt x="40" y="236"/>
+                  </a:cubicBezTo>
+                  <a:cubicBezTo>
+                    <a:pt x="29" y="175"/>
+                    <a:pt x="20" y="113"/>
+                    <a:pt x="12" y="51"/>
+                  </a:cubicBezTo>
+                  <a:cubicBezTo>
+                    <a:pt x="8" y="34"/>
+                    <a:pt x="4" y="17"/>
+                    <a:pt x="0" y="0"/>
+                  </a:cubicBezTo>
+                  <a:cubicBezTo>
+                    <a:pt x="8" y="79"/>
+                    <a:pt x="19" y="159"/>
+                    <a:pt x="33" y="237"/>
+                  </a:cubicBezTo>
+                  <a:cubicBezTo>
+                    <a:pt x="51" y="339"/>
+                    <a:pt x="76" y="439"/>
+                    <a:pt x="107" y="537"/>
+                  </a:cubicBezTo>
+                  <a:cubicBezTo>
+                    <a:pt x="123" y="586"/>
+                    <a:pt x="141" y="634"/>
+                    <a:pt x="160" y="681"/>
+                  </a:cubicBezTo>
+                  <a:cubicBezTo>
+                    <a:pt x="166" y="695"/>
+                    <a:pt x="172" y="708"/>
+                    <a:pt x="178" y="722"/>
+                  </a:cubicBezTo>
+                  <a:cubicBezTo>
+                    <a:pt x="176" y="717"/>
+                    <a:pt x="175" y="713"/>
+                    <a:pt x="174" y="708"/>
+                  </a:cubicBezTo>
+                  <a:cubicBezTo>
+                    <a:pt x="169" y="692"/>
+                    <a:pt x="165" y="676"/>
+                    <a:pt x="162" y="660"/>
+                  </a:cubicBezTo>
+                  <a:close/>
+                </a:path>
+              </a:pathLst>
+            </a:custGeom>
+            <a:grpFill/>
+            <a:ln>
+              <a:noFill/>
+            </a:ln>
+          </p:spPr>
+        </p:sp>
+        <p:sp>
+          <p:nvSpPr>
+            <p:cNvPr id="29" name="Freeform 16"/>
+            <p:cNvSpPr/>
+            <p:nvPr/>
+          </p:nvSpPr>
+          <p:spPr bwMode="auto">
+            <a:xfrm>
+              <a:off x="2506663" y="285750"/>
+              <a:ext cx="90488" cy="2493963"/>
+            </a:xfrm>
+            <a:custGeom>
+              <a:avLst/>
+              <a:gdLst/>
+              <a:ahLst/>
+              <a:cxnLst/>
+              <a:rect l="0" t="0" r="r" b="b"/>
+              <a:pathLst>
+                <a:path w="23" h="635">
+                  <a:moveTo>
+                    <a:pt x="11" y="577"/>
+                  </a:moveTo>
+                  <a:cubicBezTo>
+                    <a:pt x="12" y="581"/>
+                    <a:pt x="12" y="585"/>
+                    <a:pt x="12" y="589"/>
+                  </a:cubicBezTo>
+                  <a:cubicBezTo>
+                    <a:pt x="15" y="603"/>
+                    <a:pt x="19" y="617"/>
+                    <a:pt x="22" y="632"/>
+                  </a:cubicBezTo>
+                  <a:cubicBezTo>
+                    <a:pt x="22" y="633"/>
+                    <a:pt x="22" y="634"/>
+                    <a:pt x="23" y="635"/>
+                  </a:cubicBezTo>
+                  <a:cubicBezTo>
+                    <a:pt x="21" y="615"/>
+                    <a:pt x="19" y="596"/>
+                    <a:pt x="17" y="576"/>
+                  </a:cubicBezTo>
+                  <a:cubicBezTo>
+                    <a:pt x="9" y="474"/>
+                    <a:pt x="5" y="372"/>
+                    <a:pt x="5" y="269"/>
+                  </a:cubicBezTo>
+                  <a:cubicBezTo>
+                    <a:pt x="6" y="179"/>
+                    <a:pt x="9" y="90"/>
+                    <a:pt x="15" y="0"/>
+                  </a:cubicBezTo>
+                  <a:cubicBezTo>
+                    <a:pt x="12" y="0"/>
+                    <a:pt x="12" y="0"/>
+                    <a:pt x="12" y="0"/>
+                  </a:cubicBezTo>
+                  <a:cubicBezTo>
+                    <a:pt x="5" y="89"/>
+                    <a:pt x="2" y="179"/>
+                    <a:pt x="1" y="269"/>
+                  </a:cubicBezTo>
+                  <a:cubicBezTo>
+                    <a:pt x="0" y="372"/>
+                    <a:pt x="3" y="474"/>
+                    <a:pt x="11" y="577"/>
+                  </a:cubicBezTo>
+                  <a:close/>
+                </a:path>
+              </a:pathLst>
+            </a:custGeom>
+            <a:grpFill/>
+            <a:ln>
+              <a:noFill/>
+            </a:ln>
+          </p:spPr>
+        </p:sp>
+        <p:sp>
+          <p:nvSpPr>
+            <p:cNvPr id="30" name="Freeform 17"/>
+            <p:cNvSpPr/>
+            <p:nvPr/>
+          </p:nvSpPr>
+          <p:spPr bwMode="auto">
+            <a:xfrm>
+              <a:off x="2554288" y="2598738"/>
+              <a:ext cx="66675" cy="420688"/>
+            </a:xfrm>
+            <a:custGeom>
+              <a:avLst/>
+              <a:gdLst/>
+              <a:ahLst/>
+              <a:cxnLst/>
+              <a:rect l="0" t="0" r="r" b="b"/>
+              <a:pathLst>
+                <a:path w="17" h="107">
+                  <a:moveTo>
+                    <a:pt x="0" y="0"/>
+                  </a:moveTo>
+                  <a:cubicBezTo>
+                    <a:pt x="2" y="19"/>
+                    <a:pt x="3" y="37"/>
+                    <a:pt x="5" y="56"/>
+                  </a:cubicBezTo>
+                  <a:cubicBezTo>
+                    <a:pt x="9" y="73"/>
+                    <a:pt x="13" y="90"/>
+                    <a:pt x="17" y="107"/>
+                  </a:cubicBezTo>
+                  <a:cubicBezTo>
+                    <a:pt x="15" y="87"/>
+                    <a:pt x="13" y="66"/>
+                    <a:pt x="11" y="46"/>
+                  </a:cubicBezTo>
+                  <a:cubicBezTo>
+                    <a:pt x="10" y="45"/>
+                    <a:pt x="10" y="44"/>
+                    <a:pt x="10" y="43"/>
+                  </a:cubicBezTo>
+                  <a:cubicBezTo>
+                    <a:pt x="7" y="28"/>
+                    <a:pt x="3" y="14"/>
+                    <a:pt x="0" y="0"/>
+                  </a:cubicBezTo>
+                  <a:close/>
+                </a:path>
+              </a:pathLst>
+            </a:custGeom>
+            <a:grpFill/>
+            <a:ln>
+              <a:noFill/>
+            </a:ln>
+          </p:spPr>
+        </p:sp>
+        <p:sp>
+          <p:nvSpPr>
+            <p:cNvPr id="31" name="Freeform 18"/>
+            <p:cNvSpPr/>
+            <p:nvPr/>
+          </p:nvSpPr>
+          <p:spPr bwMode="auto">
+            <a:xfrm>
+              <a:off x="3143251" y="4757738"/>
+              <a:ext cx="161925" cy="873125"/>
+            </a:xfrm>
+            <a:custGeom>
+              <a:avLst/>
+              <a:gdLst/>
+              <a:ahLst/>
+              <a:cxnLst/>
+              <a:rect l="0" t="0" r="r" b="b"/>
+              <a:pathLst>
+                <a:path w="41" h="222">
+                  <a:moveTo>
+                    <a:pt x="0" y="0"/>
+                  </a:moveTo>
+                  <a:cubicBezTo>
+                    <a:pt x="0" y="31"/>
+                    <a:pt x="2" y="62"/>
+                    <a:pt x="5" y="93"/>
+                  </a:cubicBezTo>
+                  <a:cubicBezTo>
+                    <a:pt x="8" y="117"/>
+                    <a:pt x="12" y="142"/>
+                    <a:pt x="17" y="166"/>
+                  </a:cubicBezTo>
+                  <a:cubicBezTo>
+                    <a:pt x="19" y="172"/>
+                    <a:pt x="22" y="178"/>
+                    <a:pt x="24" y="184"/>
+                  </a:cubicBezTo>
+                  <a:cubicBezTo>
+                    <a:pt x="30" y="197"/>
+                    <a:pt x="35" y="209"/>
+                    <a:pt x="41" y="222"/>
+                  </a:cubicBezTo>
+                  <a:cubicBezTo>
+                    <a:pt x="40" y="219"/>
+                    <a:pt x="39" y="215"/>
+                    <a:pt x="38" y="212"/>
+                  </a:cubicBezTo>
+                  <a:cubicBezTo>
+                    <a:pt x="26" y="172"/>
+                    <a:pt x="18" y="132"/>
+                    <a:pt x="13" y="92"/>
+                  </a:cubicBezTo>
+                  <a:cubicBezTo>
+                    <a:pt x="11" y="68"/>
+                    <a:pt x="9" y="45"/>
+                    <a:pt x="8" y="22"/>
+                  </a:cubicBezTo>
+                  <a:cubicBezTo>
+                    <a:pt x="8" y="21"/>
+                    <a:pt x="7" y="20"/>
+                    <a:pt x="7" y="18"/>
+                  </a:cubicBezTo>
+                  <a:cubicBezTo>
+                    <a:pt x="5" y="12"/>
+                    <a:pt x="2" y="6"/>
+                    <a:pt x="0" y="0"/>
+                  </a:cubicBezTo>
+                  <a:close/>
+                </a:path>
+              </a:pathLst>
+            </a:custGeom>
+            <a:grpFill/>
+            <a:ln>
+              <a:noFill/>
+            </a:ln>
+          </p:spPr>
+        </p:sp>
+        <p:sp>
+          <p:nvSpPr>
+            <p:cNvPr id="32" name="Freeform 19"/>
+            <p:cNvSpPr/>
+            <p:nvPr/>
+          </p:nvSpPr>
+          <p:spPr bwMode="auto">
+            <a:xfrm>
+              <a:off x="3148013" y="1282700"/>
+              <a:ext cx="1768475" cy="3448050"/>
+            </a:xfrm>
+            <a:custGeom>
+              <a:avLst/>
+              <a:gdLst/>
+              <a:ahLst/>
+              <a:cxnLst/>
+              <a:rect l="0" t="0" r="r" b="b"/>
+              <a:pathLst>
+                <a:path w="450" h="878">
+                  <a:moveTo>
+                    <a:pt x="7" y="854"/>
+                  </a:moveTo>
+                  <a:cubicBezTo>
+                    <a:pt x="10" y="772"/>
+                    <a:pt x="26" y="691"/>
+                    <a:pt x="50" y="613"/>
+                  </a:cubicBezTo>
+                  <a:cubicBezTo>
+                    <a:pt x="75" y="535"/>
+                    <a:pt x="109" y="460"/>
+                    <a:pt x="149" y="388"/>
+                  </a:cubicBezTo>
+                  <a:cubicBezTo>
+                    <a:pt x="189" y="316"/>
+                    <a:pt x="235" y="248"/>
+                    <a:pt x="285" y="183"/>
+                  </a:cubicBezTo>
+                  <a:cubicBezTo>
+                    <a:pt x="310" y="151"/>
+                    <a:pt x="337" y="119"/>
+                    <a:pt x="364" y="89"/>
+                  </a:cubicBezTo>
+                  <a:cubicBezTo>
+                    <a:pt x="378" y="74"/>
+                    <a:pt x="392" y="58"/>
+                    <a:pt x="406" y="44"/>
+                  </a:cubicBezTo>
+                  <a:cubicBezTo>
+                    <a:pt x="421" y="29"/>
+                    <a:pt x="435" y="15"/>
+                    <a:pt x="450" y="1"/>
+                  </a:cubicBezTo>
+                  <a:cubicBezTo>
+                    <a:pt x="450" y="0"/>
+                    <a:pt x="450" y="0"/>
+                    <a:pt x="450" y="0"/>
+                  </a:cubicBezTo>
+                  <a:cubicBezTo>
+                    <a:pt x="434" y="14"/>
+                    <a:pt x="420" y="28"/>
+                    <a:pt x="405" y="43"/>
+                  </a:cubicBezTo>
+                  <a:cubicBezTo>
+                    <a:pt x="391" y="57"/>
+                    <a:pt x="377" y="72"/>
+                    <a:pt x="363" y="88"/>
+                  </a:cubicBezTo>
+                  <a:cubicBezTo>
+                    <a:pt x="335" y="118"/>
+                    <a:pt x="308" y="149"/>
+                    <a:pt x="283" y="181"/>
+                  </a:cubicBezTo>
+                  <a:cubicBezTo>
+                    <a:pt x="232" y="246"/>
+                    <a:pt x="185" y="314"/>
+                    <a:pt x="145" y="386"/>
+                  </a:cubicBezTo>
+                  <a:cubicBezTo>
+                    <a:pt x="104" y="457"/>
+                    <a:pt x="70" y="533"/>
+                    <a:pt x="45" y="611"/>
+                  </a:cubicBezTo>
+                  <a:cubicBezTo>
+                    <a:pt x="19" y="690"/>
+                    <a:pt x="3" y="771"/>
+                    <a:pt x="0" y="854"/>
+                  </a:cubicBezTo>
+                  <a:cubicBezTo>
+                    <a:pt x="0" y="856"/>
+                    <a:pt x="0" y="857"/>
+                    <a:pt x="0" y="859"/>
+                  </a:cubicBezTo>
+                  <a:cubicBezTo>
+                    <a:pt x="2" y="865"/>
+                    <a:pt x="4" y="872"/>
+                    <a:pt x="7" y="878"/>
+                  </a:cubicBezTo>
+                  <a:cubicBezTo>
+                    <a:pt x="7" y="870"/>
+                    <a:pt x="7" y="862"/>
+                    <a:pt x="7" y="854"/>
+                  </a:cubicBezTo>
+                  <a:close/>
+                </a:path>
+              </a:pathLst>
+            </a:custGeom>
+            <a:grpFill/>
+            <a:ln>
+              <a:noFill/>
+            </a:ln>
+          </p:spPr>
+        </p:sp>
+        <p:sp>
+          <p:nvSpPr>
+            <p:cNvPr id="33" name="Freeform 20"/>
+            <p:cNvSpPr/>
+            <p:nvPr/>
+          </p:nvSpPr>
+          <p:spPr bwMode="auto">
+            <a:xfrm>
+              <a:off x="3273426" y="5653088"/>
+              <a:ext cx="138113" cy="287338"/>
+            </a:xfrm>
+            <a:custGeom>
+              <a:avLst/>
+              <a:gdLst/>
+              <a:ahLst/>
+              <a:cxnLst/>
+              <a:rect l="0" t="0" r="r" b="b"/>
+              <a:pathLst>
+                <a:path w="35" h="73">
+                  <a:moveTo>
+                    <a:pt x="0" y="0"/>
+                  </a:moveTo>
+                  <a:cubicBezTo>
+                    <a:pt x="7" y="24"/>
+                    <a:pt x="16" y="49"/>
+                    <a:pt x="26" y="73"/>
+                  </a:cubicBezTo>
+                  <a:cubicBezTo>
+                    <a:pt x="35" y="73"/>
+                    <a:pt x="35" y="73"/>
+                    <a:pt x="35" y="73"/>
+                  </a:cubicBezTo>
+                  <a:cubicBezTo>
+                    <a:pt x="23" y="49"/>
+                    <a:pt x="11" y="24"/>
+                    <a:pt x="0" y="0"/>
+                  </a:cubicBezTo>
+                  <a:close/>
+                </a:path>
+              </a:pathLst>
+            </a:custGeom>
+            <a:grpFill/>
+            <a:ln>
+              <a:noFill/>
+            </a:ln>
+          </p:spPr>
+        </p:sp>
+        <p:sp>
+          <p:nvSpPr>
+            <p:cNvPr id="34" name="Freeform 21"/>
+            <p:cNvSpPr/>
+            <p:nvPr/>
+          </p:nvSpPr>
+          <p:spPr bwMode="auto">
+            <a:xfrm>
+              <a:off x="3143251" y="4656138"/>
+              <a:ext cx="31750" cy="188913"/>
+            </a:xfrm>
+            <a:custGeom>
+              <a:avLst/>
+              <a:gdLst/>
+              <a:ahLst/>
+              <a:cxnLst/>
+              <a:rect l="0" t="0" r="r" b="b"/>
+              <a:pathLst>
+                <a:path w="8" h="48">
+                  <a:moveTo>
+                    <a:pt x="7" y="44"/>
+                  </a:moveTo>
+                  <a:cubicBezTo>
+                    <a:pt x="7" y="46"/>
+                    <a:pt x="8" y="47"/>
+                    <a:pt x="8" y="48"/>
+                  </a:cubicBezTo>
+                  <a:cubicBezTo>
+                    <a:pt x="8" y="38"/>
+                    <a:pt x="8" y="29"/>
+                    <a:pt x="8" y="19"/>
+                  </a:cubicBezTo>
+                  <a:cubicBezTo>
+                    <a:pt x="5" y="13"/>
+                    <a:pt x="3" y="6"/>
+                    <a:pt x="1" y="0"/>
+                  </a:cubicBezTo>
+                  <a:cubicBezTo>
+                    <a:pt x="0" y="9"/>
+                    <a:pt x="0" y="17"/>
+                    <a:pt x="0" y="26"/>
+                  </a:cubicBezTo>
+                  <a:cubicBezTo>
+                    <a:pt x="2" y="32"/>
+                    <a:pt x="5" y="38"/>
+                    <a:pt x="7" y="44"/>
+                  </a:cubicBezTo>
+                  <a:close/>
+                </a:path>
+              </a:pathLst>
+            </a:custGeom>
+            <a:grpFill/>
+            <a:ln>
+              <a:noFill/>
+            </a:ln>
+          </p:spPr>
+        </p:sp>
+        <p:sp>
+          <p:nvSpPr>
+            <p:cNvPr id="35" name="Freeform 22"/>
+            <p:cNvSpPr/>
+            <p:nvPr/>
+          </p:nvSpPr>
+          <p:spPr bwMode="auto">
+            <a:xfrm>
+              <a:off x="3211513" y="5410200"/>
+              <a:ext cx="203200" cy="530225"/>
+            </a:xfrm>
+            <a:custGeom>
+              <a:avLst/>
+              <a:gdLst/>
+              <a:ahLst/>
+              <a:cxnLst/>
+              <a:rect l="0" t="0" r="r" b="b"/>
+              <a:pathLst>
+                <a:path w="52" h="135">
+                  <a:moveTo>
+                    <a:pt x="7" y="18"/>
+                  </a:moveTo>
+                  <a:cubicBezTo>
+                    <a:pt x="5" y="12"/>
+                    <a:pt x="2" y="6"/>
+                    <a:pt x="0" y="0"/>
+                  </a:cubicBezTo>
+                  <a:cubicBezTo>
+                    <a:pt x="3" y="16"/>
+                    <a:pt x="7" y="32"/>
+                    <a:pt x="12" y="48"/>
+                  </a:cubicBezTo>
+                  <a:cubicBezTo>
+                    <a:pt x="13" y="53"/>
+                    <a:pt x="14" y="57"/>
+                    <a:pt x="16" y="62"/>
+                  </a:cubicBezTo>
+                  <a:cubicBezTo>
+                    <a:pt x="27" y="86"/>
+                    <a:pt x="39" y="111"/>
+                    <a:pt x="51" y="135"/>
+                  </a:cubicBezTo>
+                  <a:cubicBezTo>
+                    <a:pt x="52" y="135"/>
+                    <a:pt x="52" y="135"/>
+                    <a:pt x="52" y="135"/>
+                  </a:cubicBezTo>
+                  <a:cubicBezTo>
+                    <a:pt x="41" y="109"/>
+                    <a:pt x="32" y="83"/>
+                    <a:pt x="24" y="56"/>
+                  </a:cubicBezTo>
+                  <a:cubicBezTo>
+                    <a:pt x="18" y="43"/>
+                    <a:pt x="13" y="31"/>
+                    <a:pt x="7" y="18"/>
+                  </a:cubicBezTo>
+                  <a:close/>
+                </a:path>
+              </a:pathLst>
+            </a:custGeom>
+            <a:grpFill/>
+            <a:ln>
+              <a:noFill/>
+            </a:ln>
+          </p:spPr>
+        </p:sp>
+      </p:grpSp>
+      <p:grpSp>
+        <p:nvGrpSpPr>
+          <p:cNvPr id="10" name="Group 9"/>
+          <p:cNvGrpSpPr/>
+          <p:nvPr/>
+        </p:nvGrpSpPr>
+        <p:grpSpPr>
+          <a:xfrm>
+            <a:off x="27221" y="-30"/>
+            <a:ext cx="2356674" cy="6853283"/>
+            <a:chOff x="6627813" y="195452"/>
+            <a:chExt cx="1952625" cy="5678299"/>
+          </a:xfrm>
+          <a:solidFill>
+            <a:schemeClr val="accent1"/>
+          </a:solidFill>
+        </p:grpSpPr>
+        <p:sp>
+          <p:nvSpPr>
+            <p:cNvPr id="11" name="Freeform 27"/>
+            <p:cNvSpPr/>
+            <p:nvPr/>
+          </p:nvSpPr>
+          <p:spPr bwMode="auto">
+            <a:xfrm>
+              <a:off x="6627813" y="195452"/>
+              <a:ext cx="409575" cy="3646488"/>
+            </a:xfrm>
+            <a:custGeom>
+              <a:avLst/>
+              <a:gdLst/>
+              <a:ahLst/>
+              <a:cxnLst/>
+              <a:rect l="0" t="0" r="r" b="b"/>
+              <a:pathLst>
+                <a:path w="103" h="920">
+                  <a:moveTo>
+                    <a:pt x="7" y="210"/>
+                  </a:moveTo>
+                  <a:cubicBezTo>
+                    <a:pt x="11" y="288"/>
+                    <a:pt x="17" y="367"/>
+                    <a:pt x="26" y="445"/>
+                  </a:cubicBezTo>
+                  <a:cubicBezTo>
+                    <a:pt x="34" y="523"/>
+                    <a:pt x="44" y="601"/>
+                    <a:pt x="57" y="679"/>
+                  </a:cubicBezTo>
+                  <a:cubicBezTo>
+                    <a:pt x="69" y="757"/>
+                    <a:pt x="84" y="834"/>
+                    <a:pt x="101" y="911"/>
+                  </a:cubicBezTo>
+                  <a:cubicBezTo>
+                    <a:pt x="102" y="914"/>
+                    <a:pt x="103" y="917"/>
+                    <a:pt x="103" y="920"/>
+                  </a:cubicBezTo>
+                  <a:cubicBezTo>
+                    <a:pt x="102" y="905"/>
+                    <a:pt x="100" y="889"/>
+                    <a:pt x="99" y="874"/>
+                  </a:cubicBezTo>
+                  <a:cubicBezTo>
+                    <a:pt x="99" y="871"/>
+                    <a:pt x="99" y="868"/>
+                    <a:pt x="99" y="866"/>
+                  </a:cubicBezTo>
+                  <a:cubicBezTo>
+                    <a:pt x="85" y="803"/>
+                    <a:pt x="73" y="741"/>
+                    <a:pt x="63" y="678"/>
+                  </a:cubicBezTo>
+                  <a:cubicBezTo>
+                    <a:pt x="50" y="600"/>
+                    <a:pt x="39" y="523"/>
+                    <a:pt x="30" y="444"/>
+                  </a:cubicBezTo>
+                  <a:cubicBezTo>
+                    <a:pt x="21" y="366"/>
+                    <a:pt x="14" y="288"/>
+                    <a:pt x="9" y="209"/>
+                  </a:cubicBezTo>
+                  <a:cubicBezTo>
+                    <a:pt x="7" y="170"/>
+                    <a:pt x="5" y="131"/>
+                    <a:pt x="3" y="92"/>
+                  </a:cubicBezTo>
+                  <a:cubicBezTo>
+                    <a:pt x="2" y="61"/>
+                    <a:pt x="1" y="31"/>
+                    <a:pt x="1" y="0"/>
+                  </a:cubicBezTo>
+                  <a:cubicBezTo>
+                    <a:pt x="0" y="0"/>
+                    <a:pt x="0" y="0"/>
+                    <a:pt x="0" y="0"/>
+                  </a:cubicBezTo>
+                  <a:cubicBezTo>
+                    <a:pt x="0" y="31"/>
+                    <a:pt x="1" y="61"/>
+                    <a:pt x="1" y="92"/>
+                  </a:cubicBezTo>
+                  <a:cubicBezTo>
+                    <a:pt x="3" y="131"/>
+                    <a:pt x="4" y="170"/>
+                    <a:pt x="7" y="210"/>
+                  </a:cubicBezTo>
+                  <a:close/>
+                </a:path>
+              </a:pathLst>
+            </a:custGeom>
+            <a:grpFill/>
+            <a:ln>
+              <a:noFill/>
+            </a:ln>
+          </p:spPr>
+        </p:sp>
+        <p:sp>
+          <p:nvSpPr>
+            <p:cNvPr id="12" name="Freeform 28"/>
+            <p:cNvSpPr/>
+            <p:nvPr/>
+          </p:nvSpPr>
+          <p:spPr bwMode="auto">
+            <a:xfrm>
+              <a:off x="7061201" y="3771900"/>
+              <a:ext cx="350838" cy="1309688"/>
+            </a:xfrm>
+            <a:custGeom>
+              <a:avLst/>
+              <a:gdLst/>
+              <a:ahLst/>
+              <a:cxnLst/>
+              <a:rect l="0" t="0" r="r" b="b"/>
+              <a:pathLst>
+                <a:path w="88" h="330">
+                  <a:moveTo>
+                    <a:pt x="53" y="229"/>
+                  </a:moveTo>
+                  <a:cubicBezTo>
+                    <a:pt x="64" y="263"/>
+                    <a:pt x="75" y="297"/>
+                    <a:pt x="88" y="330"/>
+                  </a:cubicBezTo>
+                  <a:cubicBezTo>
+                    <a:pt x="88" y="323"/>
+                    <a:pt x="88" y="315"/>
+                    <a:pt x="88" y="308"/>
+                  </a:cubicBezTo>
+                  <a:cubicBezTo>
+                    <a:pt x="88" y="307"/>
+                    <a:pt x="88" y="305"/>
+                    <a:pt x="88" y="304"/>
+                  </a:cubicBezTo>
+                  <a:cubicBezTo>
+                    <a:pt x="79" y="278"/>
+                    <a:pt x="70" y="252"/>
+                    <a:pt x="62" y="226"/>
+                  </a:cubicBezTo>
+                  <a:cubicBezTo>
+                    <a:pt x="38" y="152"/>
+                    <a:pt x="17" y="76"/>
+                    <a:pt x="0" y="0"/>
+                  </a:cubicBezTo>
+                  <a:cubicBezTo>
+                    <a:pt x="2" y="21"/>
+                    <a:pt x="4" y="42"/>
+                    <a:pt x="7" y="63"/>
+                  </a:cubicBezTo>
+                  <a:cubicBezTo>
+                    <a:pt x="21" y="119"/>
+                    <a:pt x="36" y="174"/>
+                    <a:pt x="53" y="229"/>
+                  </a:cubicBezTo>
+                  <a:close/>
+                </a:path>
+              </a:pathLst>
+            </a:custGeom>
+            <a:grpFill/>
+            <a:ln>
+              <a:noFill/>
+            </a:ln>
+          </p:spPr>
+        </p:sp>
+        <p:sp>
+          <p:nvSpPr>
+            <p:cNvPr id="13" name="Freeform 29"/>
+            <p:cNvSpPr/>
+            <p:nvPr/>
+          </p:nvSpPr>
+          <p:spPr bwMode="auto">
+            <a:xfrm>
+              <a:off x="7439026" y="5053013"/>
+              <a:ext cx="357188" cy="820738"/>
+            </a:xfrm>
+            <a:custGeom>
+              <a:avLst/>
+              <a:gdLst/>
+              <a:ahLst/>
+              <a:cxnLst/>
+              <a:rect l="0" t="0" r="r" b="b"/>
+              <a:pathLst>
+                <a:path w="90" h="207">
+                  <a:moveTo>
+                    <a:pt x="6" y="15"/>
+                  </a:moveTo>
+                  <a:cubicBezTo>
+                    <a:pt x="4" y="10"/>
+                    <a:pt x="2" y="5"/>
+                    <a:pt x="0" y="0"/>
+                  </a:cubicBezTo>
+                  <a:cubicBezTo>
+                    <a:pt x="0" y="9"/>
+                    <a:pt x="0" y="19"/>
+                    <a:pt x="1" y="29"/>
+                  </a:cubicBezTo>
+                  <a:cubicBezTo>
+                    <a:pt x="14" y="62"/>
+                    <a:pt x="27" y="95"/>
+                    <a:pt x="42" y="127"/>
+                  </a:cubicBezTo>
+                  <a:cubicBezTo>
+                    <a:pt x="54" y="154"/>
+                    <a:pt x="67" y="181"/>
+                    <a:pt x="80" y="207"/>
+                  </a:cubicBezTo>
+                  <a:cubicBezTo>
+                    <a:pt x="90" y="207"/>
+                    <a:pt x="90" y="207"/>
+                    <a:pt x="90" y="207"/>
+                  </a:cubicBezTo>
+                  <a:cubicBezTo>
+                    <a:pt x="76" y="180"/>
+                    <a:pt x="63" y="152"/>
+                    <a:pt x="50" y="123"/>
+                  </a:cubicBezTo>
+                  <a:cubicBezTo>
+                    <a:pt x="34" y="88"/>
+                    <a:pt x="20" y="51"/>
+                    <a:pt x="6" y="15"/>
+                  </a:cubicBezTo>
+                  <a:close/>
+                </a:path>
+              </a:pathLst>
+            </a:custGeom>
+            <a:grpFill/>
+            <a:ln>
+              <a:noFill/>
+            </a:ln>
+          </p:spPr>
+        </p:sp>
+        <p:sp>
+          <p:nvSpPr>
+            <p:cNvPr id="14" name="Freeform 30"/>
+            <p:cNvSpPr/>
+            <p:nvPr/>
+          </p:nvSpPr>
+          <p:spPr bwMode="auto">
+            <a:xfrm>
+              <a:off x="7037388" y="3811588"/>
+              <a:ext cx="457200" cy="1852613"/>
+            </a:xfrm>
+            <a:custGeom>
+              <a:avLst/>
+              <a:gdLst/>
+              <a:ahLst/>
+              <a:cxnLst/>
+              <a:rect l="0" t="0" r="r" b="b"/>
+              <a:pathLst>
+                <a:path w="115" h="467">
+                  <a:moveTo>
+                    <a:pt x="101" y="409"/>
+                  </a:moveTo>
+                  <a:cubicBezTo>
+                    <a:pt x="93" y="388"/>
+                    <a:pt x="85" y="366"/>
+                    <a:pt x="78" y="344"/>
+                  </a:cubicBezTo>
+                  <a:cubicBezTo>
+                    <a:pt x="57" y="281"/>
+                    <a:pt x="41" y="216"/>
+                    <a:pt x="29" y="151"/>
+                  </a:cubicBezTo>
+                  <a:cubicBezTo>
+                    <a:pt x="22" y="119"/>
+                    <a:pt x="17" y="86"/>
+                    <a:pt x="13" y="53"/>
+                  </a:cubicBezTo>
+                  <a:cubicBezTo>
+                    <a:pt x="9" y="35"/>
+                    <a:pt x="4" y="18"/>
+                    <a:pt x="0" y="0"/>
+                  </a:cubicBezTo>
+                  <a:cubicBezTo>
+                    <a:pt x="5" y="51"/>
+                    <a:pt x="12" y="102"/>
+                    <a:pt x="21" y="152"/>
+                  </a:cubicBezTo>
+                  <a:cubicBezTo>
+                    <a:pt x="33" y="218"/>
+                    <a:pt x="49" y="283"/>
+                    <a:pt x="69" y="347"/>
+                  </a:cubicBezTo>
+                  <a:cubicBezTo>
+                    <a:pt x="79" y="378"/>
+                    <a:pt x="90" y="410"/>
+                    <a:pt x="103" y="441"/>
+                  </a:cubicBezTo>
+                  <a:cubicBezTo>
+                    <a:pt x="107" y="449"/>
+                    <a:pt x="111" y="458"/>
+                    <a:pt x="115" y="467"/>
+                  </a:cubicBezTo>
+                  <a:cubicBezTo>
+                    <a:pt x="114" y="464"/>
+                    <a:pt x="113" y="461"/>
+                    <a:pt x="112" y="458"/>
+                  </a:cubicBezTo>
+                  <a:cubicBezTo>
+                    <a:pt x="108" y="442"/>
+                    <a:pt x="104" y="425"/>
+                    <a:pt x="101" y="409"/>
+                  </a:cubicBezTo>
+                  <a:close/>
+                </a:path>
+              </a:pathLst>
+            </a:custGeom>
+            <a:grpFill/>
+            <a:ln>
+              <a:noFill/>
+            </a:ln>
+          </p:spPr>
+        </p:sp>
+        <p:sp>
+          <p:nvSpPr>
+            <p:cNvPr id="15" name="Freeform 31"/>
+            <p:cNvSpPr/>
+            <p:nvPr/>
+          </p:nvSpPr>
+          <p:spPr bwMode="auto">
+            <a:xfrm>
+              <a:off x="6992938" y="1263650"/>
+              <a:ext cx="144463" cy="2508250"/>
+            </a:xfrm>
+            <a:custGeom>
+              <a:avLst/>
+              <a:gdLst/>
+              <a:ahLst/>
+              <a:cxnLst/>
+              <a:rect l="0" t="0" r="r" b="b"/>
+              <a:pathLst>
+                <a:path w="36" h="633">
+                  <a:moveTo>
+                    <a:pt x="17" y="633"/>
+                  </a:moveTo>
+                  <a:cubicBezTo>
+                    <a:pt x="15" y="621"/>
+                    <a:pt x="14" y="609"/>
+                    <a:pt x="13" y="597"/>
+                  </a:cubicBezTo>
+                  <a:cubicBezTo>
+                    <a:pt x="8" y="530"/>
+                    <a:pt x="5" y="464"/>
+                    <a:pt x="5" y="398"/>
+                  </a:cubicBezTo>
+                  <a:cubicBezTo>
+                    <a:pt x="5" y="331"/>
+                    <a:pt x="8" y="265"/>
+                    <a:pt x="13" y="198"/>
+                  </a:cubicBezTo>
+                  <a:cubicBezTo>
+                    <a:pt x="15" y="165"/>
+                    <a:pt x="18" y="132"/>
+                    <a:pt x="22" y="99"/>
+                  </a:cubicBezTo>
+                  <a:cubicBezTo>
+                    <a:pt x="26" y="66"/>
+                    <a:pt x="30" y="33"/>
+                    <a:pt x="36" y="0"/>
+                  </a:cubicBezTo>
+                  <a:cubicBezTo>
+                    <a:pt x="35" y="0"/>
+                    <a:pt x="35" y="0"/>
+                    <a:pt x="35" y="0"/>
+                  </a:cubicBezTo>
+                  <a:cubicBezTo>
+                    <a:pt x="29" y="33"/>
+                    <a:pt x="24" y="66"/>
+                    <a:pt x="20" y="99"/>
+                  </a:cubicBezTo>
+                  <a:cubicBezTo>
+                    <a:pt x="16" y="132"/>
+                    <a:pt x="13" y="165"/>
+                    <a:pt x="10" y="198"/>
+                  </a:cubicBezTo>
+                  <a:cubicBezTo>
+                    <a:pt x="4" y="264"/>
+                    <a:pt x="1" y="331"/>
+                    <a:pt x="1" y="398"/>
+                  </a:cubicBezTo>
+                  <a:cubicBezTo>
+                    <a:pt x="0" y="461"/>
+                    <a:pt x="2" y="525"/>
+                    <a:pt x="7" y="589"/>
+                  </a:cubicBezTo>
+                  <a:cubicBezTo>
+                    <a:pt x="10" y="603"/>
+                    <a:pt x="13" y="618"/>
+                    <a:pt x="16" y="632"/>
+                  </a:cubicBezTo>
+                  <a:cubicBezTo>
+                    <a:pt x="16" y="632"/>
+                    <a:pt x="17" y="633"/>
+                    <a:pt x="17" y="633"/>
+                  </a:cubicBezTo>
+                  <a:close/>
+                </a:path>
+              </a:pathLst>
+            </a:custGeom>
+            <a:grpFill/>
+            <a:ln>
+              <a:noFill/>
+            </a:ln>
+          </p:spPr>
+        </p:sp>
+        <p:sp>
+          <p:nvSpPr>
+            <p:cNvPr id="16" name="Freeform 32"/>
+            <p:cNvSpPr/>
+            <p:nvPr/>
+          </p:nvSpPr>
+          <p:spPr bwMode="auto">
+            <a:xfrm>
+              <a:off x="7526338" y="5640388"/>
+              <a:ext cx="111125" cy="233363"/>
+            </a:xfrm>
+            <a:custGeom>
+              <a:avLst/>
+              <a:gdLst/>
+              <a:ahLst/>
+              <a:cxnLst/>
+              <a:rect l="0" t="0" r="r" b="b"/>
+              <a:pathLst>
+                <a:path w="28" h="59">
+                  <a:moveTo>
+                    <a:pt x="22" y="59"/>
+                  </a:moveTo>
+                  <a:cubicBezTo>
+                    <a:pt x="28" y="59"/>
+                    <a:pt x="28" y="59"/>
+                    <a:pt x="28" y="59"/>
+                  </a:cubicBezTo>
+                  <a:cubicBezTo>
+                    <a:pt x="18" y="40"/>
+                    <a:pt x="9" y="20"/>
+                    <a:pt x="0" y="0"/>
+                  </a:cubicBezTo>
+                  <a:cubicBezTo>
+                    <a:pt x="6" y="20"/>
+                    <a:pt x="13" y="40"/>
+                    <a:pt x="22" y="59"/>
+                  </a:cubicBezTo>
+                  <a:close/>
+                </a:path>
+              </a:pathLst>
+            </a:custGeom>
+            <a:grpFill/>
+            <a:ln>
+              <a:noFill/>
+            </a:ln>
+          </p:spPr>
+        </p:sp>
+        <p:sp>
+          <p:nvSpPr>
+            <p:cNvPr id="17" name="Freeform 33"/>
+            <p:cNvSpPr/>
+            <p:nvPr/>
+          </p:nvSpPr>
+          <p:spPr bwMode="auto">
+            <a:xfrm>
+              <a:off x="7021513" y="3598863"/>
+              <a:ext cx="68263" cy="423863"/>
+            </a:xfrm>
+            <a:custGeom>
+              <a:avLst/>
+              <a:gdLst/>
+              <a:ahLst/>
+              <a:cxnLst/>
+              <a:rect l="0" t="0" r="r" b="b"/>
+              <a:pathLst>
+                <a:path w="17" h="107">
+                  <a:moveTo>
+                    <a:pt x="4" y="54"/>
+                  </a:moveTo>
+                  <a:cubicBezTo>
+                    <a:pt x="8" y="72"/>
+                    <a:pt x="13" y="89"/>
+                    <a:pt x="17" y="107"/>
+                  </a:cubicBezTo>
+                  <a:cubicBezTo>
+                    <a:pt x="14" y="86"/>
+                    <a:pt x="12" y="65"/>
+                    <a:pt x="10" y="44"/>
+                  </a:cubicBezTo>
+                  <a:cubicBezTo>
+                    <a:pt x="10" y="44"/>
+                    <a:pt x="9" y="43"/>
+                    <a:pt x="9" y="43"/>
+                  </a:cubicBezTo>
+                  <a:cubicBezTo>
+                    <a:pt x="6" y="29"/>
+                    <a:pt x="3" y="14"/>
+                    <a:pt x="0" y="0"/>
+                  </a:cubicBezTo>
+                  <a:cubicBezTo>
+                    <a:pt x="0" y="2"/>
+                    <a:pt x="0" y="5"/>
+                    <a:pt x="0" y="8"/>
+                  </a:cubicBezTo>
+                  <a:cubicBezTo>
+                    <a:pt x="1" y="23"/>
+                    <a:pt x="3" y="39"/>
+                    <a:pt x="4" y="54"/>
+                  </a:cubicBezTo>
+                  <a:close/>
+                </a:path>
+              </a:pathLst>
+            </a:custGeom>
+            <a:grpFill/>
+            <a:ln>
+              <a:noFill/>
+            </a:ln>
+          </p:spPr>
+        </p:sp>
+        <p:sp>
+          <p:nvSpPr>
+            <p:cNvPr id="18" name="Freeform 34"/>
+            <p:cNvSpPr/>
+            <p:nvPr/>
+          </p:nvSpPr>
+          <p:spPr bwMode="auto">
+            <a:xfrm>
+              <a:off x="7412038" y="2801938"/>
+              <a:ext cx="1168400" cy="2251075"/>
+            </a:xfrm>
+            <a:custGeom>
+              <a:avLst/>
+              <a:gdLst/>
+              <a:ahLst/>
+              <a:cxnLst/>
+              <a:rect l="0" t="0" r="r" b="b"/>
+              <a:pathLst>
+                <a:path w="294" h="568">
+                  <a:moveTo>
+                    <a:pt x="8" y="553"/>
+                  </a:moveTo>
+                  <a:cubicBezTo>
+                    <a:pt x="9" y="501"/>
+                    <a:pt x="19" y="448"/>
+                    <a:pt x="35" y="397"/>
+                  </a:cubicBezTo>
+                  <a:cubicBezTo>
+                    <a:pt x="51" y="347"/>
+                    <a:pt x="73" y="298"/>
+                    <a:pt x="99" y="252"/>
+                  </a:cubicBezTo>
+                  <a:cubicBezTo>
+                    <a:pt x="124" y="205"/>
+                    <a:pt x="154" y="161"/>
+                    <a:pt x="187" y="119"/>
+                  </a:cubicBezTo>
+                  <a:cubicBezTo>
+                    <a:pt x="203" y="98"/>
+                    <a:pt x="220" y="77"/>
+                    <a:pt x="238" y="58"/>
+                  </a:cubicBezTo>
+                  <a:cubicBezTo>
+                    <a:pt x="247" y="48"/>
+                    <a:pt x="256" y="38"/>
+                    <a:pt x="265" y="28"/>
+                  </a:cubicBezTo>
+                  <a:cubicBezTo>
+                    <a:pt x="274" y="19"/>
+                    <a:pt x="284" y="9"/>
+                    <a:pt x="294" y="0"/>
+                  </a:cubicBezTo>
+                  <a:cubicBezTo>
+                    <a:pt x="293" y="0"/>
+                    <a:pt x="293" y="0"/>
+                    <a:pt x="293" y="0"/>
+                  </a:cubicBezTo>
+                  <a:cubicBezTo>
+                    <a:pt x="283" y="9"/>
+                    <a:pt x="273" y="18"/>
+                    <a:pt x="264" y="27"/>
+                  </a:cubicBezTo>
+                  <a:cubicBezTo>
+                    <a:pt x="255" y="37"/>
+                    <a:pt x="246" y="47"/>
+                    <a:pt x="237" y="56"/>
+                  </a:cubicBezTo>
+                  <a:cubicBezTo>
+                    <a:pt x="218" y="76"/>
+                    <a:pt x="201" y="96"/>
+                    <a:pt x="185" y="117"/>
+                  </a:cubicBezTo>
+                  <a:cubicBezTo>
+                    <a:pt x="151" y="159"/>
+                    <a:pt x="121" y="203"/>
+                    <a:pt x="95" y="249"/>
+                  </a:cubicBezTo>
+                  <a:cubicBezTo>
+                    <a:pt x="68" y="296"/>
+                    <a:pt x="46" y="345"/>
+                    <a:pt x="30" y="396"/>
+                  </a:cubicBezTo>
+                  <a:cubicBezTo>
+                    <a:pt x="13" y="445"/>
+                    <a:pt x="3" y="497"/>
+                    <a:pt x="0" y="549"/>
+                  </a:cubicBezTo>
+                  <a:cubicBezTo>
+                    <a:pt x="3" y="555"/>
+                    <a:pt x="5" y="561"/>
+                    <a:pt x="7" y="568"/>
+                  </a:cubicBezTo>
+                  <a:cubicBezTo>
+                    <a:pt x="7" y="563"/>
+                    <a:pt x="7" y="558"/>
+                    <a:pt x="8" y="553"/>
+                  </a:cubicBezTo>
+                  <a:close/>
+                </a:path>
+              </a:pathLst>
+            </a:custGeom>
+            <a:grpFill/>
+            <a:ln>
+              <a:noFill/>
+            </a:ln>
+          </p:spPr>
+        </p:sp>
+        <p:sp>
+          <p:nvSpPr>
+            <p:cNvPr id="19" name="Freeform 35"/>
+            <p:cNvSpPr/>
+            <p:nvPr/>
+          </p:nvSpPr>
+          <p:spPr bwMode="auto">
+            <a:xfrm>
+              <a:off x="7494588" y="5664200"/>
+              <a:ext cx="100013" cy="209550"/>
+            </a:xfrm>
+            <a:custGeom>
+              <a:avLst/>
+              <a:gdLst/>
+              <a:ahLst/>
+              <a:cxnLst/>
+              <a:rect l="0" t="0" r="r" b="b"/>
+              <a:pathLst>
+                <a:path w="25" h="53">
+                  <a:moveTo>
+                    <a:pt x="0" y="0"/>
+                  </a:moveTo>
+                  <a:cubicBezTo>
+                    <a:pt x="5" y="18"/>
+                    <a:pt x="12" y="36"/>
+                    <a:pt x="19" y="53"/>
+                  </a:cubicBezTo>
+                  <a:cubicBezTo>
+                    <a:pt x="25" y="53"/>
+                    <a:pt x="25" y="53"/>
+                    <a:pt x="25" y="53"/>
+                  </a:cubicBezTo>
+                  <a:cubicBezTo>
+                    <a:pt x="16" y="36"/>
+                    <a:pt x="8" y="18"/>
+                    <a:pt x="0" y="0"/>
+                  </a:cubicBezTo>
+                  <a:close/>
+                </a:path>
+              </a:pathLst>
+            </a:custGeom>
+            <a:grpFill/>
+            <a:ln>
+              <a:noFill/>
+            </a:ln>
+          </p:spPr>
+        </p:sp>
+        <p:sp>
+          <p:nvSpPr>
+            <p:cNvPr id="20" name="Freeform 36"/>
+            <p:cNvSpPr/>
+            <p:nvPr/>
+          </p:nvSpPr>
+          <p:spPr bwMode="auto">
+            <a:xfrm>
+              <a:off x="7412038" y="5081588"/>
+              <a:ext cx="114300" cy="558800"/>
+            </a:xfrm>
+            <a:custGeom>
+              <a:avLst/>
+              <a:gdLst/>
+              <a:ahLst/>
+              <a:cxnLst/>
+              <a:rect l="0" t="0" r="r" b="b"/>
+              <a:pathLst>
+                <a:path w="29" h="141">
+                  <a:moveTo>
+                    <a:pt x="0" y="0"/>
+                  </a:moveTo>
+                  <a:cubicBezTo>
+                    <a:pt x="0" y="30"/>
+                    <a:pt x="2" y="60"/>
+                    <a:pt x="7" y="89"/>
+                  </a:cubicBezTo>
+                  <a:cubicBezTo>
+                    <a:pt x="11" y="98"/>
+                    <a:pt x="14" y="108"/>
+                    <a:pt x="18" y="117"/>
+                  </a:cubicBezTo>
+                  <a:cubicBezTo>
+                    <a:pt x="22" y="125"/>
+                    <a:pt x="25" y="133"/>
+                    <a:pt x="29" y="141"/>
+                  </a:cubicBezTo>
+                  <a:cubicBezTo>
+                    <a:pt x="28" y="139"/>
+                    <a:pt x="28" y="137"/>
+                    <a:pt x="27" y="135"/>
+                  </a:cubicBezTo>
+                  <a:cubicBezTo>
+                    <a:pt x="16" y="98"/>
+                    <a:pt x="10" y="60"/>
+                    <a:pt x="8" y="22"/>
+                  </a:cubicBezTo>
+                  <a:cubicBezTo>
+                    <a:pt x="7" y="18"/>
+                    <a:pt x="5" y="15"/>
+                    <a:pt x="4" y="11"/>
+                  </a:cubicBezTo>
+                  <a:cubicBezTo>
+                    <a:pt x="2" y="7"/>
+                    <a:pt x="1" y="3"/>
+                    <a:pt x="0" y="0"/>
+                  </a:cubicBezTo>
+                  <a:close/>
+                </a:path>
+              </a:pathLst>
+            </a:custGeom>
+            <a:grpFill/>
+            <a:ln>
+              <a:noFill/>
+            </a:ln>
+          </p:spPr>
+        </p:sp>
+        <p:sp>
+          <p:nvSpPr>
+            <p:cNvPr id="21" name="Freeform 37"/>
+            <p:cNvSpPr/>
+            <p:nvPr/>
+          </p:nvSpPr>
+          <p:spPr bwMode="auto">
+            <a:xfrm>
+              <a:off x="7412038" y="4978400"/>
+              <a:ext cx="31750" cy="188913"/>
+            </a:xfrm>
+            <a:custGeom>
+              <a:avLst/>
+              <a:gdLst/>
+              <a:ahLst/>
+              <a:cxnLst/>
+              <a:rect l="0" t="0" r="r" b="b"/>
+              <a:pathLst>
+                <a:path w="8" h="48">
+                  <a:moveTo>
+                    <a:pt x="0" y="26"/>
+                  </a:moveTo>
+                  <a:cubicBezTo>
+                    <a:pt x="1" y="29"/>
+                    <a:pt x="2" y="33"/>
+                    <a:pt x="4" y="37"/>
+                  </a:cubicBezTo>
+                  <a:cubicBezTo>
+                    <a:pt x="5" y="41"/>
+                    <a:pt x="7" y="44"/>
+                    <a:pt x="8" y="48"/>
+                  </a:cubicBezTo>
+                  <a:cubicBezTo>
+                    <a:pt x="7" y="38"/>
+                    <a:pt x="7" y="28"/>
+                    <a:pt x="7" y="19"/>
+                  </a:cubicBezTo>
+                  <a:cubicBezTo>
+                    <a:pt x="5" y="12"/>
+                    <a:pt x="3" y="6"/>
+                    <a:pt x="0" y="0"/>
+                  </a:cubicBezTo>
+                  <a:cubicBezTo>
+                    <a:pt x="0" y="1"/>
+                    <a:pt x="0" y="3"/>
+                    <a:pt x="0" y="4"/>
+                  </a:cubicBezTo>
+                  <a:cubicBezTo>
+                    <a:pt x="0" y="11"/>
+                    <a:pt x="0" y="19"/>
+                    <a:pt x="0" y="26"/>
+                  </a:cubicBezTo>
+                  <a:close/>
+                </a:path>
+              </a:pathLst>
+            </a:custGeom>
+            <a:grpFill/>
+            <a:ln>
+              <a:noFill/>
+            </a:ln>
+          </p:spPr>
+        </p:sp>
+        <p:sp>
+          <p:nvSpPr>
+            <p:cNvPr id="22" name="Freeform 38"/>
+            <p:cNvSpPr/>
+            <p:nvPr/>
+          </p:nvSpPr>
+          <p:spPr bwMode="auto">
+            <a:xfrm>
+              <a:off x="7439026" y="5434013"/>
+              <a:ext cx="174625" cy="439738"/>
+            </a:xfrm>
+            <a:custGeom>
+              <a:avLst/>
+              <a:gdLst/>
+              <a:ahLst/>
+              <a:cxnLst/>
+              <a:rect l="0" t="0" r="r" b="b"/>
+              <a:pathLst>
+                <a:path w="44" h="111">
+                  <a:moveTo>
+                    <a:pt x="11" y="28"/>
+                  </a:moveTo>
+                  <a:cubicBezTo>
+                    <a:pt x="7" y="19"/>
+                    <a:pt x="4" y="9"/>
+                    <a:pt x="0" y="0"/>
+                  </a:cubicBezTo>
+                  <a:cubicBezTo>
+                    <a:pt x="3" y="16"/>
+                    <a:pt x="7" y="33"/>
+                    <a:pt x="11" y="49"/>
+                  </a:cubicBezTo>
+                  <a:cubicBezTo>
+                    <a:pt x="12" y="52"/>
+                    <a:pt x="13" y="55"/>
+                    <a:pt x="14" y="58"/>
+                  </a:cubicBezTo>
+                  <a:cubicBezTo>
+                    <a:pt x="22" y="76"/>
+                    <a:pt x="30" y="94"/>
+                    <a:pt x="39" y="111"/>
+                  </a:cubicBezTo>
+                  <a:cubicBezTo>
+                    <a:pt x="44" y="111"/>
+                    <a:pt x="44" y="111"/>
+                    <a:pt x="44" y="111"/>
+                  </a:cubicBezTo>
+                  <a:cubicBezTo>
+                    <a:pt x="35" y="92"/>
+                    <a:pt x="28" y="72"/>
+                    <a:pt x="22" y="52"/>
+                  </a:cubicBezTo>
+                  <a:cubicBezTo>
+                    <a:pt x="18" y="44"/>
+                    <a:pt x="15" y="36"/>
+                    <a:pt x="11" y="28"/>
+                  </a:cubicBezTo>
+                  <a:close/>
+                </a:path>
+              </a:pathLst>
+            </a:custGeom>
+            <a:grpFill/>
+            <a:ln>
+              <a:noFill/>
+            </a:ln>
+          </p:spPr>
+        </p:sp>
+      </p:grpSp>
+      <p:sp>
+        <p:nvSpPr>
+          <p:cNvPr id="7" name="Rectangle 6"/>
+          <p:cNvSpPr/>
+          <p:nvPr/>
         </p:nvSpPr>
         <p:spPr>
           <a:xfrm>
-            <a:off x="685801" y="609600"/>
-            <a:ext cx="10131425" cy="1456267"/>
+            <a:off x="0" y="0"/>
+            <a:ext cx="182880" cy="6858000"/>
           </a:xfrm>
           <a:prstGeom prst="rect">
             <a:avLst/>
           </a:prstGeom>
+          <a:solidFill>
+            <a:schemeClr val="accent1"/>
+          </a:solidFill>
+          <a:ln>
+            <a:noFill/>
+          </a:ln>
           <a:effectLst/>
         </p:spPr>
-        <p:txBody>
-          <a:bodyPr vert="horz" lIns="91440" tIns="45720" rIns="91440" bIns="45720" rtlCol="0" anchor="ctr">
-            <a:normAutofit/>
-          </a:bodyPr>
-          <a:lstStyle/>
-          <a:p>
-            <a:r>
-              <a:rPr lang="en-US"/>
-              <a:t>Click to edit Master title style</a:t>
-            </a:r>
-            <a:endParaRPr lang="en-US" dirty="0"/>
-          </a:p>
-        </p:txBody>
-      </p:sp>
-      <p:sp>
-        <p:nvSpPr>
-          <p:cNvPr id="3" name="Text Placeholder 2"/>
-          <p:cNvSpPr>
-            <a:spLocks noGrp="1"/>
-          </p:cNvSpPr>
-          <p:nvPr>
-            <p:ph type="body" idx="1"/>
+        <p:style>
+          <a:lnRef idx="1">
+            <a:schemeClr val="accent1"/>
+          </a:lnRef>
+          <a:fillRef idx="3">
+            <a:schemeClr val="accent1"/>
+          </a:fillRef>
+          <a:effectRef idx="2">
+            <a:schemeClr val="accent1"/>
+          </a:effectRef>
+          <a:fontRef idx="minor">
+            <a:schemeClr val="lt1"/>
+          </a:fontRef>
+        </p:style>
+      </p:sp>
+      <p:sp>
+        <p:nvSpPr>
+          <p:cNvPr id="2" name="Title Placeholder 1"/>
+          <p:cNvSpPr>
+            <a:spLocks noGrp="1"/>
+          </p:cNvSpPr>
+          <p:nvPr>
+            <p:ph type="title"/>
           </p:nvPr>
         </p:nvSpPr>
         <p:spPr>
           <a:xfrm>
-            <a:off x="685801" y="2142067"/>
-            <a:ext cx="10131425" cy="3649133"/>
+            <a:off x="2592924" y="624110"/>
+            <a:ext cx="8911687" cy="1280890"/>
           </a:xfrm>
           <a:prstGeom prst="rect">
             <a:avLst/>
           </a:prstGeom>
         </p:spPr>
         <p:txBody>
-          <a:bodyPr vert="horz" lIns="91440" tIns="45720" rIns="91440" bIns="45720" rtlCol="0" anchor="ctr">
+          <a:bodyPr vert="horz" lIns="91440" tIns="45720" rIns="91440" bIns="45720" rtlCol="0" anchor="t">
             <a:normAutofit/>
           </a:bodyPr>
           <a:lstStyle/>
           <a:p>
-            <a:pPr lvl="0"/>
             <a:r>
               <a:rPr lang="en-US"/>
-              <a:t>Edit Master text styles</a:t>
-            </a:r>
-          </a:p>
-          <a:p>
-            <a:pPr lvl="1"/>
-            <a:r>
-              <a:rPr lang="en-US"/>
-              <a:t>Second level</a:t>
-            </a:r>
-          </a:p>
-          <a:p>
-            <a:pPr lvl="2"/>
-            <a:r>
-              <a:rPr lang="en-US"/>
-              <a:t>Third level</a:t>
-            </a:r>
-          </a:p>
-          <a:p>
-            <a:pPr lvl="3"/>
-            <a:r>
-              <a:rPr lang="en-US"/>
-              <a:t>Fourth level</a:t>
-            </a:r>
-          </a:p>
-          <a:p>
-            <a:pPr lvl="4"/>
-            <a:r>
-              <a:rPr lang="en-US"/>
-              <a:t>Fifth level</a:t>
+              <a:t>Click to edit Master title style</a:t>
             </a:r>
             <a:endParaRPr lang="en-US" dirty="0"/>
           </a:p>
@@ -5287,59 +7022,80 @@
       </p:sp>
       <p:sp>
         <p:nvSpPr>
-          <p:cNvPr id="4" name="Date Placeholder 3"/>
-          <p:cNvSpPr>
-            <a:spLocks noGrp="1"/>
-          </p:cNvSpPr>
-          <p:nvPr>
-            <p:ph type="dt" sz="half" idx="2"/>
+          <p:cNvPr id="3" name="Text Placeholder 2"/>
+          <p:cNvSpPr>
+            <a:spLocks noGrp="1"/>
+          </p:cNvSpPr>
+          <p:nvPr>
+            <p:ph type="body" idx="1"/>
           </p:nvPr>
         </p:nvSpPr>
         <p:spPr>
           <a:xfrm>
-            <a:off x="8589660" y="5870575"/>
-            <a:ext cx="1600200" cy="377825"/>
+            <a:off x="2589212" y="2133600"/>
+            <a:ext cx="8915400" cy="3886200"/>
           </a:xfrm>
           <a:prstGeom prst="rect">
             <a:avLst/>
           </a:prstGeom>
         </p:spPr>
         <p:txBody>
-          <a:bodyPr vert="horz" lIns="91440" tIns="45720" rIns="91440" bIns="45720" rtlCol="0" anchor="ctr"/>
-          <a:lstStyle>
-            <a:lvl1pPr algn="r">
-              <a:defRPr sz="1000" b="0" i="0">
-                <a:solidFill>
-                  <a:schemeClr val="tx1"/>
-                </a:solidFill>
-                <a:effectLst/>
-                <a:latin typeface="+mn-lt"/>
-              </a:defRPr>
-            </a:lvl1pPr>
-          </a:lstStyle>
-          <a:p>
-            <a:fld id="{EAE94B64-FE95-4932-92D6-ED0579209990}" type="datetimeFigureOut">
-              <a:rPr lang="en-CA" smtClean="0"/>
-              <a:t>2018-12-01</a:t>
-            </a:fld>
-            <a:endParaRPr lang="en-CA"/>
-          </a:p>
-        </p:txBody>
-      </p:sp>
-      <p:sp>
-        <p:nvSpPr>
-          <p:cNvPr id="5" name="Footer Placeholder 4"/>
-          <p:cNvSpPr>
-            <a:spLocks noGrp="1"/>
-          </p:cNvSpPr>
-          <p:nvPr>
-            <p:ph type="ftr" sz="quarter" idx="3"/>
+          <a:bodyPr vert="horz" lIns="91440" tIns="45720" rIns="91440" bIns="45720" rtlCol="0">
+            <a:normAutofit/>
+          </a:bodyPr>
+          <a:lstStyle/>
+          <a:p>
+            <a:pPr lvl="0"/>
+            <a:r>
+              <a:rPr lang="en-US"/>
+              <a:t>Edit Master text styles</a:t>
+            </a:r>
+          </a:p>
+          <a:p>
+            <a:pPr lvl="1"/>
+            <a:r>
+              <a:rPr lang="en-US"/>
+              <a:t>Second level</a:t>
+            </a:r>
+          </a:p>
+          <a:p>
+            <a:pPr lvl="2"/>
+            <a:r>
+              <a:rPr lang="en-US"/>
+              <a:t>Third level</a:t>
+            </a:r>
+          </a:p>
+          <a:p>
+            <a:pPr lvl="3"/>
+            <a:r>
+              <a:rPr lang="en-US"/>
+              <a:t>Fourth level</a:t>
+            </a:r>
+          </a:p>
+          <a:p>
+            <a:pPr lvl="4"/>
+            <a:r>
+              <a:rPr lang="en-US"/>
+              <a:t>Fifth level</a:t>
+            </a:r>
+            <a:endParaRPr lang="en-US" dirty="0"/>
+          </a:p>
+        </p:txBody>
+      </p:sp>
+      <p:sp>
+        <p:nvSpPr>
+          <p:cNvPr id="4" name="Date Placeholder 3"/>
+          <p:cNvSpPr>
+            <a:spLocks noGrp="1"/>
+          </p:cNvSpPr>
+          <p:nvPr>
+            <p:ph type="dt" sz="half" idx="2"/>
           </p:nvPr>
         </p:nvSpPr>
         <p:spPr>
           <a:xfrm>
-            <a:off x="685800" y="5870575"/>
-            <a:ext cx="7827659" cy="377825"/>
+            <a:off x="10361612" y="6130437"/>
+            <a:ext cx="1146283" cy="370396"/>
           </a:xfrm>
           <a:prstGeom prst="rect">
             <a:avLst/>
@@ -5348,35 +7104,39 @@
         <p:txBody>
           <a:bodyPr vert="horz" lIns="91440" tIns="45720" rIns="91440" bIns="45720" rtlCol="0" anchor="ctr"/>
           <a:lstStyle>
-            <a:lvl1pPr algn="l">
-              <a:defRPr sz="1000" b="0" i="0">
+            <a:lvl1pPr algn="r">
+              <a:defRPr sz="900">
                 <a:solidFill>
-                  <a:schemeClr val="tx1"/>
+                  <a:schemeClr val="tx1">
+                    <a:tint val="75000"/>
+                  </a:schemeClr>
                 </a:solidFill>
-                <a:effectLst/>
-                <a:latin typeface="+mn-lt"/>
               </a:defRPr>
             </a:lvl1pPr>
           </a:lstStyle>
           <a:p>
+            <a:fld id="{EAE94B64-FE95-4932-92D6-ED0579209990}" type="datetimeFigureOut">
+              <a:rPr lang="en-CA" smtClean="0"/>
+              <a:t>2018-12-02</a:t>
+            </a:fld>
             <a:endParaRPr lang="en-CA"/>
           </a:p>
         </p:txBody>
       </p:sp>
       <p:sp>
         <p:nvSpPr>
-          <p:cNvPr id="6" name="Slide Number Placeholder 5"/>
-          <p:cNvSpPr>
-            <a:spLocks noGrp="1"/>
-          </p:cNvSpPr>
-          <p:nvPr>
-            <p:ph type="sldNum" sz="quarter" idx="4"/>
+          <p:cNvPr id="5" name="Footer Placeholder 4"/>
+          <p:cNvSpPr>
+            <a:spLocks noGrp="1"/>
+          </p:cNvSpPr>
+          <p:nvPr>
+            <p:ph type="ftr" sz="quarter" idx="3"/>
           </p:nvPr>
         </p:nvSpPr>
         <p:spPr>
           <a:xfrm>
-            <a:off x="10266060" y="5870575"/>
-            <a:ext cx="551167" cy="377825"/>
+            <a:off x="2589212" y="6135808"/>
+            <a:ext cx="7619999" cy="365125"/>
           </a:xfrm>
           <a:prstGeom prst="rect">
             <a:avLst/>
@@ -5385,13 +7145,48 @@
         <p:txBody>
           <a:bodyPr vert="horz" lIns="91440" tIns="45720" rIns="91440" bIns="45720" rtlCol="0" anchor="ctr"/>
           <a:lstStyle>
+            <a:lvl1pPr algn="l">
+              <a:defRPr sz="900">
+                <a:solidFill>
+                  <a:schemeClr val="tx1">
+                    <a:tint val="75000"/>
+                  </a:schemeClr>
+                </a:solidFill>
+              </a:defRPr>
+            </a:lvl1pPr>
+          </a:lstStyle>
+          <a:p>
+            <a:endParaRPr lang="en-CA"/>
+          </a:p>
+        </p:txBody>
+      </p:sp>
+      <p:sp>
+        <p:nvSpPr>
+          <p:cNvPr id="6" name="Slide Number Placeholder 5"/>
+          <p:cNvSpPr>
+            <a:spLocks noGrp="1"/>
+          </p:cNvSpPr>
+          <p:nvPr>
+            <p:ph type="sldNum" sz="quarter" idx="4"/>
+          </p:nvPr>
+        </p:nvSpPr>
+        <p:spPr bwMode="gray">
+          <a:xfrm>
+            <a:off x="531812" y="787782"/>
+            <a:ext cx="779767" cy="365125"/>
+          </a:xfrm>
+          <a:prstGeom prst="rect">
+            <a:avLst/>
+          </a:prstGeom>
+        </p:spPr>
+        <p:txBody>
+          <a:bodyPr vert="horz" lIns="91440" tIns="45720" rIns="91440" bIns="45720" rtlCol="0" anchor="ctr"/>
+          <a:lstStyle>
             <a:lvl1pPr algn="r">
-              <a:defRPr sz="1000" b="0" i="0">
+              <a:defRPr sz="2000">
                 <a:solidFill>
-                  <a:schemeClr val="tx1"/>
+                  <a:srgbClr val="FEFFFF"/>
                 </a:solidFill>
-                <a:effectLst/>
-                <a:latin typeface="+mn-lt"/>
               </a:defRPr>
             </a:lvl1pPr>
           </a:lstStyle>
@@ -5407,29 +7202,28 @@
     </p:spTree>
     <p:extLst>
       <p:ext uri="{BB962C8B-B14F-4D97-AF65-F5344CB8AC3E}">
-        <p14:creationId xmlns:p14="http://schemas.microsoft.com/office/powerpoint/2010/main" val="1884129017"/>
+        <p14:creationId xmlns:p14="http://schemas.microsoft.com/office/powerpoint/2010/main" val="1489100286"/>
       </p:ext>
     </p:extLst>
   </p:cSld>
   <p:clrMap bg1="dk1" tx1="lt1" bg2="dk2" tx2="lt2" accent1="accent1" accent2="accent2" accent3="accent3" accent4="accent4" accent5="accent5" accent6="accent6" hlink="hlink" folHlink="folHlink"/>
   <p:sldLayoutIdLst>
-    <p:sldLayoutId id="2147483697" r:id="rId1"/>
-    <p:sldLayoutId id="2147483698" r:id="rId2"/>
-    <p:sldLayoutId id="2147483699" r:id="rId3"/>
-    <p:sldLayoutId id="2147483700" r:id="rId4"/>
-    <p:sldLayoutId id="2147483701" r:id="rId5"/>
-    <p:sldLayoutId id="2147483702" r:id="rId6"/>
-    <p:sldLayoutId id="2147483703" r:id="rId7"/>
-    <p:sldLayoutId id="2147483704" r:id="rId8"/>
-    <p:sldLayoutId id="2147483705" r:id="rId9"/>
-    <p:sldLayoutId id="2147483706" r:id="rId10"/>
-    <p:sldLayoutId id="2147483707" r:id="rId11"/>
-    <p:sldLayoutId id="2147483708" r:id="rId12"/>
-    <p:sldLayoutId id="2147483709" r:id="rId13"/>
-    <p:sldLayoutId id="2147483710" r:id="rId14"/>
-    <p:sldLayoutId id="2147483711" r:id="rId15"/>
-    <p:sldLayoutId id="2147483712" r:id="rId16"/>
-    <p:sldLayoutId id="2147483713" r:id="rId17"/>
+    <p:sldLayoutId id="2147483804" r:id="rId1"/>
+    <p:sldLayoutId id="2147483805" r:id="rId2"/>
+    <p:sldLayoutId id="2147483806" r:id="rId3"/>
+    <p:sldLayoutId id="2147483807" r:id="rId4"/>
+    <p:sldLayoutId id="2147483808" r:id="rId5"/>
+    <p:sldLayoutId id="2147483809" r:id="rId6"/>
+    <p:sldLayoutId id="2147483810" r:id="rId7"/>
+    <p:sldLayoutId id="2147483811" r:id="rId8"/>
+    <p:sldLayoutId id="2147483812" r:id="rId9"/>
+    <p:sldLayoutId id="2147483813" r:id="rId10"/>
+    <p:sldLayoutId id="2147483814" r:id="rId11"/>
+    <p:sldLayoutId id="2147483815" r:id="rId12"/>
+    <p:sldLayoutId id="2147483816" r:id="rId13"/>
+    <p:sldLayoutId id="2147483817" r:id="rId14"/>
+    <p:sldLayoutId id="2147483818" r:id="rId15"/>
+    <p:sldLayoutId id="2147483819" r:id="rId16"/>
   </p:sldLayoutIdLst>
   <p:txStyles>
     <p:titleStyle>
@@ -5438,14 +7232,13 @@
           <a:spcPct val="0"/>
         </a:spcBef>
         <a:buNone/>
-        <a:defRPr sz="3600" kern="1200" cap="all">
-          <a:ln w="3175" cmpd="sng">
-            <a:noFill/>
-          </a:ln>
+        <a:defRPr sz="3600" kern="1200">
           <a:solidFill>
-            <a:schemeClr val="tx1"/>
+            <a:schemeClr val="tx1">
+              <a:lumMod val="85000"/>
+              <a:lumOff val="15000"/>
+            </a:schemeClr>
           </a:solidFill>
-          <a:effectLst/>
           <a:latin typeface="+mj-lt"/>
           <a:ea typeface="+mj-ea"/>
           <a:cs typeface="+mj-cs"/>
@@ -5509,24 +7302,25 @@
       </a:lvl9pPr>
     </p:titleStyle>
     <p:bodyStyle>
-      <a:lvl1pPr marL="285750" indent="-285750" algn="l" defTabSz="457200" rtl="0" eaLnBrk="1" latinLnBrk="0" hangingPunct="1">
+      <a:lvl1pPr marL="342900" indent="-342900" algn="l" defTabSz="457200" rtl="0" eaLnBrk="1" latinLnBrk="0" hangingPunct="1">
         <a:spcBef>
-          <a:spcPts val="0"/>
+          <a:spcPts val="1000"/>
         </a:spcBef>
         <a:spcAft>
-          <a:spcPts val="1000"/>
+          <a:spcPts val="0"/>
         </a:spcAft>
         <a:buClr>
-          <a:schemeClr val="tx1"/>
+          <a:schemeClr val="accent1"/>
         </a:buClr>
-        <a:buSzPct val="100000"/>
-        <a:buFont typeface="Arial"/>
-        <a:buChar char="•"/>
-        <a:defRPr sz="1800" kern="1200" cap="none">
+        <a:buFont typeface="Wingdings 3" charset="2"/>
+        <a:buChar char=""/>
+        <a:defRPr sz="1800" kern="1200">
           <a:solidFill>
-            <a:schemeClr val="tx1"/>
+            <a:schemeClr val="tx1">
+              <a:lumMod val="75000"/>
+              <a:lumOff val="25000"/>
+            </a:schemeClr>
           </a:solidFill>
-          <a:effectLst/>
           <a:latin typeface="+mn-lt"/>
           <a:ea typeface="+mn-ea"/>
           <a:cs typeface="+mn-cs"/>
@@ -5534,91 +7328,95 @@
       </a:lvl1pPr>
       <a:lvl2pPr marL="742950" indent="-285750" algn="l" defTabSz="457200" rtl="0" eaLnBrk="1" latinLnBrk="0" hangingPunct="1">
         <a:spcBef>
-          <a:spcPts val="0"/>
+          <a:spcPts val="1000"/>
         </a:spcBef>
         <a:spcAft>
-          <a:spcPts val="1000"/>
+          <a:spcPts val="0"/>
         </a:spcAft>
         <a:buClr>
-          <a:schemeClr val="tx1"/>
+          <a:schemeClr val="accent1"/>
         </a:buClr>
-        <a:buSzPct val="100000"/>
-        <a:buFont typeface="Arial"/>
-        <a:buChar char="•"/>
-        <a:defRPr sz="1600" kern="1200" cap="none">
+        <a:buFont typeface="Wingdings 3" charset="2"/>
+        <a:buChar char=""/>
+        <a:defRPr sz="1600" kern="1200">
           <a:solidFill>
-            <a:schemeClr val="tx1"/>
+            <a:schemeClr val="tx1">
+              <a:lumMod val="75000"/>
+              <a:lumOff val="25000"/>
+            </a:schemeClr>
           </a:solidFill>
-          <a:effectLst/>
           <a:latin typeface="+mn-lt"/>
           <a:ea typeface="+mn-ea"/>
           <a:cs typeface="+mn-cs"/>
         </a:defRPr>
       </a:lvl2pPr>
-      <a:lvl3pPr marL="1200150" indent="-285750" algn="l" defTabSz="457200" rtl="0" eaLnBrk="1" latinLnBrk="0" hangingPunct="1">
+      <a:lvl3pPr marL="1143000" indent="-228600" algn="l" defTabSz="457200" rtl="0" eaLnBrk="1" latinLnBrk="0" hangingPunct="1">
         <a:spcBef>
-          <a:spcPts val="0"/>
+          <a:spcPts val="1000"/>
         </a:spcBef>
         <a:spcAft>
-          <a:spcPts val="1000"/>
+          <a:spcPts val="0"/>
         </a:spcAft>
         <a:buClr>
-          <a:schemeClr val="tx1"/>
+          <a:schemeClr val="accent1"/>
         </a:buClr>
-        <a:buSzPct val="100000"/>
-        <a:buFont typeface="Arial"/>
-        <a:buChar char="•"/>
-        <a:defRPr sz="1400" kern="1200" cap="none">
+        <a:buFont typeface="Wingdings 3" charset="2"/>
+        <a:buChar char=""/>
+        <a:defRPr sz="1400" kern="1200">
           <a:solidFill>
-            <a:schemeClr val="tx1"/>
+            <a:schemeClr val="tx1">
+              <a:lumMod val="75000"/>
+              <a:lumOff val="25000"/>
+            </a:schemeClr>
           </a:solidFill>
-          <a:effectLst/>
           <a:latin typeface="+mn-lt"/>
           <a:ea typeface="+mn-ea"/>
           <a:cs typeface="+mn-cs"/>
         </a:defRPr>
       </a:lvl3pPr>
-      <a:lvl4pPr marL="1543050" indent="-171450" algn="l" defTabSz="457200" rtl="0" eaLnBrk="1" latinLnBrk="0" hangingPunct="1">
+      <a:lvl4pPr marL="1600200" indent="-228600" algn="l" defTabSz="457200" rtl="0" eaLnBrk="1" latinLnBrk="0" hangingPunct="1">
         <a:spcBef>
-          <a:spcPts val="0"/>
+          <a:spcPts val="1000"/>
         </a:spcBef>
         <a:spcAft>
-          <a:spcPts val="1000"/>
+          <a:spcPts val="0"/>
         </a:spcAft>
         <a:buClr>
-          <a:schemeClr val="tx1"/>
+          <a:schemeClr val="accent1"/>
         </a:buClr>
-        <a:buSzPct val="100000"/>
-        <a:buFont typeface="Arial"/>
-        <a:buChar char="•"/>
-        <a:defRPr sz="1200" kern="1200" cap="none">
+        <a:buFont typeface="Wingdings 3" charset="2"/>
+        <a:buChar char=""/>
+        <a:defRPr sz="1200" kern="1200">
           <a:solidFill>
-            <a:schemeClr val="tx1"/>
+            <a:schemeClr val="tx1">
+              <a:lumMod val="75000"/>
+              <a:lumOff val="25000"/>
+            </a:schemeClr>
           </a:solidFill>
-          <a:effectLst/>
           <a:latin typeface="+mn-lt"/>
           <a:ea typeface="+mn-ea"/>
           <a:cs typeface="+mn-cs"/>
         </a:defRPr>
       </a:lvl4pPr>
-      <a:lvl5pPr marL="2000250" indent="-171450" algn="l" defTabSz="457200" rtl="0" eaLnBrk="1" latinLnBrk="0" hangingPunct="1">
+      <a:lvl5pPr marL="2057400" indent="-228600" algn="l" defTabSz="457200" rtl="0" eaLnBrk="1" latinLnBrk="0" hangingPunct="1">
         <a:spcBef>
-          <a:spcPts val="0"/>
+          <a:spcPts val="1000"/>
         </a:spcBef>
         <a:spcAft>
-          <a:spcPts val="1000"/>
+          <a:spcPts val="0"/>
         </a:spcAft>
         <a:buClr>
-          <a:schemeClr val="tx1"/>
+          <a:schemeClr val="accent1"/>
         </a:buClr>
-        <a:buSzPct val="100000"/>
-        <a:buFont typeface="Arial"/>
-        <a:buChar char="•"/>
-        <a:defRPr sz="1200" kern="1200" cap="none">
+        <a:buFont typeface="Wingdings 3" charset="2"/>
+        <a:buChar char=""/>
+        <a:defRPr sz="1200" kern="1200">
           <a:solidFill>
-            <a:schemeClr val="tx1"/>
+            <a:schemeClr val="tx1">
+              <a:lumMod val="75000"/>
+              <a:lumOff val="25000"/>
+            </a:schemeClr>
           </a:solidFill>
-          <a:effectLst/>
           <a:latin typeface="+mn-lt"/>
           <a:ea typeface="+mn-ea"/>
           <a:cs typeface="+mn-cs"/>
@@ -5626,22 +7424,23 @@
       </a:lvl5pPr>
       <a:lvl6pPr marL="2514600" indent="-228600" algn="l" defTabSz="457200" rtl="0" eaLnBrk="1" latinLnBrk="0" hangingPunct="1">
         <a:spcBef>
-          <a:spcPts val="0"/>
+          <a:spcPts val="1000"/>
         </a:spcBef>
         <a:spcAft>
-          <a:spcPts val="1000"/>
+          <a:spcPts val="0"/>
         </a:spcAft>
         <a:buClr>
-          <a:schemeClr val="tx1"/>
+          <a:schemeClr val="accent1"/>
         </a:buClr>
-        <a:buSzPct val="100000"/>
-        <a:buFont typeface="Arial"/>
-        <a:buChar char="•"/>
-        <a:defRPr sz="1200" kern="1200" cap="none">
+        <a:buFont typeface="Wingdings 3" charset="2"/>
+        <a:buChar char=""/>
+        <a:defRPr sz="1200" kern="1200">
           <a:solidFill>
-            <a:schemeClr val="tx1"/>
+            <a:schemeClr val="tx1">
+              <a:lumMod val="75000"/>
+              <a:lumOff val="25000"/>
+            </a:schemeClr>
           </a:solidFill>
-          <a:effectLst/>
           <a:latin typeface="+mn-lt"/>
           <a:ea typeface="+mn-ea"/>
           <a:cs typeface="+mn-cs"/>
@@ -5649,22 +7448,23 @@
       </a:lvl6pPr>
       <a:lvl7pPr marL="2971800" indent="-228600" algn="l" defTabSz="457200" rtl="0" eaLnBrk="1" latinLnBrk="0" hangingPunct="1">
         <a:spcBef>
-          <a:spcPts val="0"/>
+          <a:spcPts val="1000"/>
         </a:spcBef>
         <a:spcAft>
-          <a:spcPts val="1000"/>
+          <a:spcPts val="0"/>
         </a:spcAft>
         <a:buClr>
-          <a:schemeClr val="tx1"/>
+          <a:schemeClr val="accent1"/>
         </a:buClr>
-        <a:buSzPct val="100000"/>
-        <a:buFont typeface="Arial"/>
-        <a:buChar char="•"/>
-        <a:defRPr sz="1200" kern="1200" cap="none">
+        <a:buFont typeface="Wingdings 3" charset="2"/>
+        <a:buChar char=""/>
+        <a:defRPr sz="1200" kern="1200">
           <a:solidFill>
-            <a:schemeClr val="tx1"/>
+            <a:schemeClr val="tx1">
+              <a:lumMod val="75000"/>
+              <a:lumOff val="25000"/>
+            </a:schemeClr>
           </a:solidFill>
-          <a:effectLst/>
           <a:latin typeface="+mn-lt"/>
           <a:ea typeface="+mn-ea"/>
           <a:cs typeface="+mn-cs"/>
@@ -5672,22 +7472,23 @@
       </a:lvl7pPr>
       <a:lvl8pPr marL="3429000" indent="-228600" algn="l" defTabSz="457200" rtl="0" eaLnBrk="1" latinLnBrk="0" hangingPunct="1">
         <a:spcBef>
-          <a:spcPts val="0"/>
+          <a:spcPts val="1000"/>
         </a:spcBef>
         <a:spcAft>
-          <a:spcPts val="1000"/>
+          <a:spcPts val="0"/>
         </a:spcAft>
         <a:buClr>
-          <a:schemeClr val="tx1"/>
+          <a:schemeClr val="accent1"/>
         </a:buClr>
-        <a:buSzPct val="100000"/>
-        <a:buFont typeface="Arial"/>
-        <a:buChar char="•"/>
-        <a:defRPr sz="1200" kern="1200" cap="none">
+        <a:buFont typeface="Wingdings 3" charset="2"/>
+        <a:buChar char=""/>
+        <a:defRPr sz="1200" kern="1200">
           <a:solidFill>
-            <a:schemeClr val="tx1"/>
+            <a:schemeClr val="tx1">
+              <a:lumMod val="75000"/>
+              <a:lumOff val="25000"/>
+            </a:schemeClr>
           </a:solidFill>
-          <a:effectLst/>
           <a:latin typeface="+mn-lt"/>
           <a:ea typeface="+mn-ea"/>
           <a:cs typeface="+mn-cs"/>
@@ -5695,22 +7496,23 @@
       </a:lvl8pPr>
       <a:lvl9pPr marL="3886200" indent="-228600" algn="l" defTabSz="457200" rtl="0" eaLnBrk="1" latinLnBrk="0" hangingPunct="1">
         <a:spcBef>
-          <a:spcPts val="0"/>
+          <a:spcPts val="1000"/>
         </a:spcBef>
         <a:spcAft>
-          <a:spcPts val="1000"/>
+          <a:spcPts val="0"/>
         </a:spcAft>
         <a:buClr>
-          <a:schemeClr val="tx1"/>
+          <a:schemeClr val="accent1"/>
         </a:buClr>
-        <a:buSzPct val="100000"/>
-        <a:buFont typeface="Arial"/>
-        <a:buChar char="•"/>
-        <a:defRPr sz="1200" kern="1200" cap="none">
+        <a:buFont typeface="Wingdings 3" charset="2"/>
+        <a:buChar char=""/>
+        <a:defRPr sz="1200" kern="1200">
           <a:solidFill>
-            <a:schemeClr val="tx1"/>
+            <a:schemeClr val="tx1">
+              <a:lumMod val="75000"/>
+              <a:lumOff val="25000"/>
+            </a:schemeClr>
           </a:solidFill>
-          <a:effectLst/>
           <a:latin typeface="+mn-lt"/>
           <a:ea typeface="+mn-ea"/>
           <a:cs typeface="+mn-cs"/>
@@ -5813,6 +7615,11 @@
       </a:lvl9pPr>
     </p:otherStyle>
   </p:txStyles>
+  <p:extLst>
+    <p:ext uri="{27BBF7A9-308A-43DC-89C8-2F10F3537804}">
+      <p15:sldGuideLst xmlns:p15="http://schemas.microsoft.com/office/powerpoint/2012/main"/>
+    </p:ext>
+  </p:extLst>
 </p:sldMaster>
 </file>
 
@@ -5883,7 +7690,9 @@
         </p:nvSpPr>
         <p:spPr/>
         <p:txBody>
-          <a:bodyPr/>
+          <a:bodyPr>
+            <a:normAutofit/>
+          </a:bodyPr>
           <a:lstStyle/>
           <a:p>
             <a:pPr algn="just"/>
@@ -6232,480 +8041,184 @@
           </a:p>
         </p:txBody>
       </p:sp>
-      <p:graphicFrame>
-        <p:nvGraphicFramePr>
-          <p:cNvPr id="5" name="Table 4">
+      <p:sp>
+        <p:nvSpPr>
+          <p:cNvPr id="3" name="TextBox 2">
             <a:extLst>
               <a:ext uri="{FF2B5EF4-FFF2-40B4-BE49-F238E27FC236}">
-                <a16:creationId xmlns:a16="http://schemas.microsoft.com/office/drawing/2014/main" id="{23B1C794-A646-4D54-AC17-FA015D46AB4D}"/>
+                <a16:creationId xmlns:a16="http://schemas.microsoft.com/office/drawing/2014/main" id="{42DA6C5E-FC75-4155-A6A5-19DC3943EF40}"/>
               </a:ext>
             </a:extLst>
           </p:cNvPr>
-          <p:cNvGraphicFramePr>
-            <a:graphicFrameLocks noGrp="1"/>
-          </p:cNvGraphicFramePr>
-          <p:nvPr>
-            <p:extLst>
-              <p:ext uri="{D42A27DB-BD31-4B8C-83A1-F6EECF244321}">
-                <p14:modId xmlns:p14="http://schemas.microsoft.com/office/powerpoint/2010/main" val="1065189023"/>
-              </p:ext>
-            </p:extLst>
-          </p:nvPr>
-        </p:nvGraphicFramePr>
-        <p:xfrm>
-          <a:off x="1724880" y="2065867"/>
-          <a:ext cx="8053265" cy="929908"/>
-        </p:xfrm>
-        <a:graphic>
-          <a:graphicData uri="http://schemas.openxmlformats.org/drawingml/2006/table">
-            <a:tbl>
-              <a:tblPr>
-                <a:tableStyleId>{5C22544A-7EE6-4342-B048-85BDC9FD1C3A}</a:tableStyleId>
-              </a:tblPr>
-              <a:tblGrid>
-                <a:gridCol w="830002">
-                  <a:extLst>
-                    <a:ext uri="{9D8B030D-6E8A-4147-A177-3AD203B41FA5}">
-                      <a16:colId xmlns:a16="http://schemas.microsoft.com/office/drawing/2014/main" val="1128967976"/>
-                    </a:ext>
-                  </a:extLst>
-                </a:gridCol>
-                <a:gridCol w="830002">
-                  <a:extLst>
-                    <a:ext uri="{9D8B030D-6E8A-4147-A177-3AD203B41FA5}">
-                      <a16:colId xmlns:a16="http://schemas.microsoft.com/office/drawing/2014/main" val="603572514"/>
-                    </a:ext>
-                  </a:extLst>
-                </a:gridCol>
-                <a:gridCol w="830002">
-                  <a:extLst>
-                    <a:ext uri="{9D8B030D-6E8A-4147-A177-3AD203B41FA5}">
-                      <a16:colId xmlns:a16="http://schemas.microsoft.com/office/drawing/2014/main" val="415415867"/>
-                    </a:ext>
-                  </a:extLst>
-                </a:gridCol>
-                <a:gridCol w="1390815">
-                  <a:extLst>
-                    <a:ext uri="{9D8B030D-6E8A-4147-A177-3AD203B41FA5}">
-                      <a16:colId xmlns:a16="http://schemas.microsoft.com/office/drawing/2014/main" val="740040067"/>
-                    </a:ext>
-                  </a:extLst>
-                </a:gridCol>
-                <a:gridCol w="1323518">
-                  <a:extLst>
-                    <a:ext uri="{9D8B030D-6E8A-4147-A177-3AD203B41FA5}">
-                      <a16:colId xmlns:a16="http://schemas.microsoft.com/office/drawing/2014/main" val="3041771378"/>
-                    </a:ext>
-                  </a:extLst>
-                </a:gridCol>
-                <a:gridCol w="919732">
-                  <a:extLst>
-                    <a:ext uri="{9D8B030D-6E8A-4147-A177-3AD203B41FA5}">
-                      <a16:colId xmlns:a16="http://schemas.microsoft.com/office/drawing/2014/main" val="700035474"/>
-                    </a:ext>
-                  </a:extLst>
-                </a:gridCol>
-                <a:gridCol w="1099192">
-                  <a:extLst>
-                    <a:ext uri="{9D8B030D-6E8A-4147-A177-3AD203B41FA5}">
-                      <a16:colId xmlns:a16="http://schemas.microsoft.com/office/drawing/2014/main" val="2058819060"/>
-                    </a:ext>
-                  </a:extLst>
-                </a:gridCol>
-                <a:gridCol w="830002">
-                  <a:extLst>
-                    <a:ext uri="{9D8B030D-6E8A-4147-A177-3AD203B41FA5}">
-                      <a16:colId xmlns:a16="http://schemas.microsoft.com/office/drawing/2014/main" val="3224019045"/>
-                    </a:ext>
-                  </a:extLst>
-                </a:gridCol>
-              </a:tblGrid>
-              <a:tr h="492370">
-                <a:tc>
-                  <a:txBody>
-                    <a:bodyPr/>
-                    <a:lstStyle/>
-                    <a:p>
-                      <a:pPr algn="ctr" fontAlgn="b"/>
-                      <a:r>
-                        <a:rPr lang="en-CA" sz="2000" u="none" strike="noStrike" dirty="0">
-                          <a:effectLst/>
-                        </a:rPr>
-                        <a:t>Start</a:t>
-                      </a:r>
-                      <a:endParaRPr lang="en-CA" sz="2000" b="0" i="0" u="none" strike="noStrike" dirty="0">
-                        <a:solidFill>
-                          <a:srgbClr val="000000"/>
-                        </a:solidFill>
-                        <a:effectLst/>
-                        <a:latin typeface="Calibri" panose="020F0502020204030204" pitchFamily="34" charset="0"/>
-                      </a:endParaRPr>
-                    </a:p>
-                  </a:txBody>
-                  <a:tcPr marL="7620" marR="7620" marT="7620" marB="0" anchor="b"/>
-                </a:tc>
-                <a:tc>
-                  <a:txBody>
-                    <a:bodyPr/>
-                    <a:lstStyle/>
-                    <a:p>
-                      <a:pPr algn="ctr" fontAlgn="b"/>
-                      <a:r>
-                        <a:rPr lang="en-CA" sz="2000" u="none" strike="noStrike" dirty="0">
-                          <a:effectLst/>
-                        </a:rPr>
-                        <a:t>ID</a:t>
-                      </a:r>
-                      <a:endParaRPr lang="en-CA" sz="2000" b="0" i="0" u="none" strike="noStrike" dirty="0">
-                        <a:solidFill>
-                          <a:srgbClr val="000000"/>
-                        </a:solidFill>
-                        <a:effectLst/>
-                        <a:latin typeface="Calibri" panose="020F0502020204030204" pitchFamily="34" charset="0"/>
-                      </a:endParaRPr>
-                    </a:p>
-                  </a:txBody>
-                  <a:tcPr marL="7620" marR="7620" marT="7620" marB="0" anchor="b"/>
-                </a:tc>
-                <a:tc>
-                  <a:txBody>
-                    <a:bodyPr/>
-                    <a:lstStyle/>
-                    <a:p>
-                      <a:pPr algn="ctr" fontAlgn="b"/>
-                      <a:r>
-                        <a:rPr lang="en-CA" sz="2000" u="none" strike="noStrike">
-                          <a:effectLst/>
-                        </a:rPr>
-                        <a:t>Action</a:t>
-                      </a:r>
-                      <a:endParaRPr lang="en-CA" sz="2000" b="0" i="0" u="none" strike="noStrike">
-                        <a:solidFill>
-                          <a:srgbClr val="000000"/>
-                        </a:solidFill>
-                        <a:effectLst/>
-                        <a:latin typeface="Calibri" panose="020F0502020204030204" pitchFamily="34" charset="0"/>
-                      </a:endParaRPr>
-                    </a:p>
-                  </a:txBody>
-                  <a:tcPr marL="7620" marR="7620" marT="7620" marB="0" anchor="b"/>
-                </a:tc>
-                <a:tc>
-                  <a:txBody>
-                    <a:bodyPr/>
-                    <a:lstStyle/>
-                    <a:p>
-                      <a:pPr algn="ctr" fontAlgn="b"/>
-                      <a:r>
-                        <a:rPr lang="en-CA" sz="2000" u="none" strike="noStrike">
-                          <a:effectLst/>
-                        </a:rPr>
-                        <a:t>Température</a:t>
-                      </a:r>
-                      <a:endParaRPr lang="en-CA" sz="2000" b="0" i="0" u="none" strike="noStrike">
-                        <a:solidFill>
-                          <a:srgbClr val="000000"/>
-                        </a:solidFill>
-                        <a:effectLst/>
-                        <a:latin typeface="Calibri" panose="020F0502020204030204" pitchFamily="34" charset="0"/>
-                      </a:endParaRPr>
-                    </a:p>
-                  </a:txBody>
-                  <a:tcPr marL="7620" marR="7620" marT="7620" marB="0" anchor="b"/>
-                </a:tc>
-                <a:tc>
-                  <a:txBody>
-                    <a:bodyPr/>
-                    <a:lstStyle/>
-                    <a:p>
-                      <a:pPr algn="ctr" fontAlgn="b"/>
-                      <a:r>
-                        <a:rPr lang="en-CA" sz="2000" u="none" strike="noStrike" dirty="0" err="1">
-                          <a:effectLst/>
-                        </a:rPr>
-                        <a:t>Mouvement</a:t>
-                      </a:r>
-                      <a:endParaRPr lang="en-CA" sz="2000" b="0" i="0" u="none" strike="noStrike" dirty="0">
-                        <a:solidFill>
-                          <a:srgbClr val="000000"/>
-                        </a:solidFill>
-                        <a:effectLst/>
-                        <a:latin typeface="Calibri" panose="020F0502020204030204" pitchFamily="34" charset="0"/>
-                      </a:endParaRPr>
-                    </a:p>
-                  </a:txBody>
-                  <a:tcPr marL="7620" marR="7620" marT="7620" marB="0" anchor="b"/>
-                </a:tc>
-                <a:tc>
-                  <a:txBody>
-                    <a:bodyPr/>
-                    <a:lstStyle/>
-                    <a:p>
-                      <a:pPr algn="ctr" fontAlgn="b"/>
-                      <a:r>
-                        <a:rPr lang="en-CA" sz="2000" u="none" strike="noStrike" dirty="0">
-                          <a:effectLst/>
-                        </a:rPr>
-                        <a:t>Latitude</a:t>
-                      </a:r>
-                      <a:endParaRPr lang="en-CA" sz="2000" b="0" i="0" u="none" strike="noStrike" dirty="0">
-                        <a:solidFill>
-                          <a:srgbClr val="000000"/>
-                        </a:solidFill>
-                        <a:effectLst/>
-                        <a:latin typeface="Calibri" panose="020F0502020204030204" pitchFamily="34" charset="0"/>
-                      </a:endParaRPr>
-                    </a:p>
-                  </a:txBody>
-                  <a:tcPr marL="7620" marR="7620" marT="7620" marB="0" anchor="b"/>
-                </a:tc>
-                <a:tc>
-                  <a:txBody>
-                    <a:bodyPr/>
-                    <a:lstStyle/>
-                    <a:p>
-                      <a:pPr algn="ctr" fontAlgn="b"/>
-                      <a:r>
-                        <a:rPr lang="en-CA" sz="2000" u="none" strike="noStrike" dirty="0">
-                          <a:effectLst/>
-                        </a:rPr>
-                        <a:t>Longitude</a:t>
-                      </a:r>
-                      <a:endParaRPr lang="en-CA" sz="2000" b="0" i="0" u="none" strike="noStrike" dirty="0">
-                        <a:solidFill>
-                          <a:srgbClr val="000000"/>
-                        </a:solidFill>
-                        <a:effectLst/>
-                        <a:latin typeface="Calibri" panose="020F0502020204030204" pitchFamily="34" charset="0"/>
-                      </a:endParaRPr>
-                    </a:p>
-                  </a:txBody>
-                  <a:tcPr marL="7620" marR="7620" marT="7620" marB="0" anchor="b"/>
-                </a:tc>
-                <a:tc>
-                  <a:txBody>
-                    <a:bodyPr/>
-                    <a:lstStyle/>
-                    <a:p>
-                      <a:pPr algn="ctr" fontAlgn="b"/>
-                      <a:r>
-                        <a:rPr lang="en-CA" sz="2000" u="none" strike="noStrike">
-                          <a:effectLst/>
-                        </a:rPr>
-                        <a:t>End</a:t>
-                      </a:r>
-                      <a:endParaRPr lang="en-CA" sz="2000" b="0" i="0" u="none" strike="noStrike">
-                        <a:solidFill>
-                          <a:srgbClr val="000000"/>
-                        </a:solidFill>
-                        <a:effectLst/>
-                        <a:latin typeface="Calibri" panose="020F0502020204030204" pitchFamily="34" charset="0"/>
-                      </a:endParaRPr>
-                    </a:p>
-                  </a:txBody>
-                  <a:tcPr marL="7620" marR="7620" marT="7620" marB="0" anchor="b"/>
-                </a:tc>
-                <a:extLst>
-                  <a:ext uri="{0D108BD9-81ED-4DB2-BD59-A6C34878D82A}">
-                    <a16:rowId xmlns:a16="http://schemas.microsoft.com/office/drawing/2014/main" val="3679692229"/>
-                  </a:ext>
-                </a:extLst>
-              </a:tr>
-              <a:tr h="437538">
-                <a:tc>
-                  <a:txBody>
-                    <a:bodyPr/>
-                    <a:lstStyle/>
-                    <a:p>
-                      <a:pPr algn="ctr" fontAlgn="b"/>
-                      <a:r>
-                        <a:rPr lang="en-CA" sz="2000" u="none" strike="noStrike" dirty="0">
-                          <a:effectLst/>
-                        </a:rPr>
-                        <a:t>1 octet</a:t>
-                      </a:r>
-                      <a:endParaRPr lang="en-CA" sz="2000" b="0" i="0" u="none" strike="noStrike" dirty="0">
-                        <a:solidFill>
-                          <a:srgbClr val="000000"/>
-                        </a:solidFill>
-                        <a:effectLst/>
-                        <a:latin typeface="Calibri" panose="020F0502020204030204" pitchFamily="34" charset="0"/>
-                      </a:endParaRPr>
-                    </a:p>
-                  </a:txBody>
-                  <a:tcPr marL="7620" marR="7620" marT="7620" marB="0" anchor="b"/>
-                </a:tc>
-                <a:tc>
-                  <a:txBody>
-                    <a:bodyPr/>
-                    <a:lstStyle/>
-                    <a:p>
-                      <a:pPr algn="ctr" fontAlgn="b"/>
-                      <a:r>
-                        <a:rPr lang="en-CA" sz="2000" u="none" strike="noStrike" dirty="0">
-                          <a:effectLst/>
-                        </a:rPr>
-                        <a:t>1 octet</a:t>
-                      </a:r>
-                      <a:endParaRPr lang="en-CA" sz="2000" b="0" i="0" u="none" strike="noStrike" dirty="0">
-                        <a:solidFill>
-                          <a:srgbClr val="000000"/>
-                        </a:solidFill>
-                        <a:effectLst/>
-                        <a:latin typeface="Calibri" panose="020F0502020204030204" pitchFamily="34" charset="0"/>
-                      </a:endParaRPr>
-                    </a:p>
-                  </a:txBody>
-                  <a:tcPr marL="7620" marR="7620" marT="7620" marB="0" anchor="b"/>
-                </a:tc>
-                <a:tc>
-                  <a:txBody>
-                    <a:bodyPr/>
-                    <a:lstStyle/>
-                    <a:p>
-                      <a:pPr algn="ctr" fontAlgn="b"/>
-                      <a:r>
-                        <a:rPr lang="en-CA" sz="2000" u="none" strike="noStrike" dirty="0">
-                          <a:effectLst/>
-                        </a:rPr>
-                        <a:t>1 octet</a:t>
-                      </a:r>
-                      <a:endParaRPr lang="en-CA" sz="2000" b="0" i="0" u="none" strike="noStrike" dirty="0">
-                        <a:solidFill>
-                          <a:srgbClr val="000000"/>
-                        </a:solidFill>
-                        <a:effectLst/>
-                        <a:latin typeface="Calibri" panose="020F0502020204030204" pitchFamily="34" charset="0"/>
-                      </a:endParaRPr>
-                    </a:p>
-                  </a:txBody>
-                  <a:tcPr marL="7620" marR="7620" marT="7620" marB="0" anchor="b"/>
-                </a:tc>
-                <a:tc>
-                  <a:txBody>
-                    <a:bodyPr/>
-                    <a:lstStyle/>
-                    <a:p>
-                      <a:pPr algn="ctr" fontAlgn="b"/>
-                      <a:r>
-                        <a:rPr lang="en-CA" sz="2000" u="none" strike="noStrike" dirty="0">
-                          <a:effectLst/>
-                        </a:rPr>
-                        <a:t>1 octet</a:t>
-                      </a:r>
-                      <a:endParaRPr lang="en-CA" sz="2000" b="0" i="0" u="none" strike="noStrike" dirty="0">
-                        <a:solidFill>
-                          <a:srgbClr val="000000"/>
-                        </a:solidFill>
-                        <a:effectLst/>
-                        <a:latin typeface="Calibri" panose="020F0502020204030204" pitchFamily="34" charset="0"/>
-                      </a:endParaRPr>
-                    </a:p>
-                  </a:txBody>
-                  <a:tcPr marL="7620" marR="7620" marT="7620" marB="0" anchor="b"/>
-                </a:tc>
-                <a:tc>
-                  <a:txBody>
-                    <a:bodyPr/>
-                    <a:lstStyle/>
-                    <a:p>
-                      <a:pPr algn="ctr" fontAlgn="b"/>
-                      <a:r>
-                        <a:rPr lang="en-CA" sz="2000" u="none" strike="noStrike" dirty="0">
-                          <a:effectLst/>
-                        </a:rPr>
-                        <a:t>1 octet</a:t>
-                      </a:r>
-                      <a:endParaRPr lang="en-CA" sz="2000" b="0" i="0" u="none" strike="noStrike" dirty="0">
-                        <a:solidFill>
-                          <a:srgbClr val="000000"/>
-                        </a:solidFill>
-                        <a:effectLst/>
-                        <a:latin typeface="Calibri" panose="020F0502020204030204" pitchFamily="34" charset="0"/>
-                      </a:endParaRPr>
-                    </a:p>
-                  </a:txBody>
-                  <a:tcPr marL="7620" marR="7620" marT="7620" marB="0" anchor="b"/>
-                </a:tc>
-                <a:tc>
-                  <a:txBody>
-                    <a:bodyPr/>
-                    <a:lstStyle/>
-                    <a:p>
-                      <a:pPr algn="ctr" fontAlgn="b"/>
-                      <a:r>
-                        <a:rPr lang="en-CA" sz="2000" u="none" strike="noStrike" dirty="0">
-                          <a:effectLst/>
-                        </a:rPr>
-                        <a:t>4 octets</a:t>
-                      </a:r>
-                      <a:endParaRPr lang="en-CA" sz="2000" b="0" i="0" u="none" strike="noStrike" dirty="0">
-                        <a:solidFill>
-                          <a:srgbClr val="000000"/>
-                        </a:solidFill>
-                        <a:effectLst/>
-                        <a:latin typeface="Calibri" panose="020F0502020204030204" pitchFamily="34" charset="0"/>
-                      </a:endParaRPr>
-                    </a:p>
-                  </a:txBody>
-                  <a:tcPr marL="7620" marR="7620" marT="7620" marB="0" anchor="b"/>
-                </a:tc>
-                <a:tc>
-                  <a:txBody>
-                    <a:bodyPr/>
-                    <a:lstStyle/>
-                    <a:p>
-                      <a:pPr algn="ctr" fontAlgn="b"/>
-                      <a:r>
-                        <a:rPr lang="en-CA" sz="2000" u="none" strike="noStrike" dirty="0">
-                          <a:effectLst/>
-                        </a:rPr>
-                        <a:t>4 octets</a:t>
-                      </a:r>
-                      <a:endParaRPr lang="en-CA" sz="2000" b="0" i="0" u="none" strike="noStrike" dirty="0">
-                        <a:solidFill>
-                          <a:srgbClr val="000000"/>
-                        </a:solidFill>
-                        <a:effectLst/>
-                        <a:latin typeface="Calibri" panose="020F0502020204030204" pitchFamily="34" charset="0"/>
-                      </a:endParaRPr>
-                    </a:p>
-                  </a:txBody>
-                  <a:tcPr marL="7620" marR="7620" marT="7620" marB="0" anchor="b"/>
-                </a:tc>
-                <a:tc>
-                  <a:txBody>
-                    <a:bodyPr/>
-                    <a:lstStyle/>
-                    <a:p>
-                      <a:pPr algn="ctr" fontAlgn="b"/>
-                      <a:r>
-                        <a:rPr lang="en-CA" sz="2000" u="none" strike="noStrike" dirty="0">
-                          <a:effectLst/>
-                        </a:rPr>
-                        <a:t>1 octet</a:t>
-                      </a:r>
-                      <a:endParaRPr lang="en-CA" sz="2000" b="0" i="0" u="none" strike="noStrike" dirty="0">
-                        <a:solidFill>
-                          <a:srgbClr val="000000"/>
-                        </a:solidFill>
-                        <a:effectLst/>
-                        <a:latin typeface="Calibri" panose="020F0502020204030204" pitchFamily="34" charset="0"/>
-                      </a:endParaRPr>
-                    </a:p>
-                  </a:txBody>
-                  <a:tcPr marL="7620" marR="7620" marT="7620" marB="0" anchor="b"/>
-                </a:tc>
-                <a:extLst>
-                  <a:ext uri="{0D108BD9-81ED-4DB2-BD59-A6C34878D82A}">
-                    <a16:rowId xmlns:a16="http://schemas.microsoft.com/office/drawing/2014/main" val="3345392384"/>
-                  </a:ext>
-                </a:extLst>
-              </a:tr>
-            </a:tbl>
-          </a:graphicData>
-        </a:graphic>
-      </p:graphicFrame>
+          <p:cNvSpPr txBox="1"/>
+          <p:nvPr/>
+        </p:nvSpPr>
+        <p:spPr>
+          <a:xfrm>
+            <a:off x="685800" y="1907931"/>
+            <a:ext cx="11506199" cy="461665"/>
+          </a:xfrm>
+          <a:prstGeom prst="rect">
+            <a:avLst/>
+          </a:prstGeom>
+          <a:noFill/>
+        </p:spPr>
+        <p:txBody>
+          <a:bodyPr wrap="square" rtlCol="0">
+            <a:spAutoFit/>
+          </a:bodyPr>
+          <a:lstStyle/>
+          <a:p>
+            <a:r>
+              <a:rPr lang="en-CA" sz="2400" dirty="0" err="1"/>
+              <a:t>Défis</a:t>
+            </a:r>
+            <a:r>
+              <a:rPr lang="en-CA" sz="2400" dirty="0"/>
+              <a:t> à </a:t>
+            </a:r>
+            <a:r>
+              <a:rPr lang="en-CA" sz="2400" dirty="0" err="1"/>
+              <a:t>relever</a:t>
+            </a:r>
+            <a:r>
+              <a:rPr lang="en-CA" sz="2400" dirty="0"/>
+              <a:t>:</a:t>
+            </a:r>
+          </a:p>
+        </p:txBody>
+      </p:sp>
+      <p:sp>
+        <p:nvSpPr>
+          <p:cNvPr id="4" name="TextBox 3">
+            <a:extLst>
+              <a:ext uri="{FF2B5EF4-FFF2-40B4-BE49-F238E27FC236}">
+                <a16:creationId xmlns:a16="http://schemas.microsoft.com/office/drawing/2014/main" id="{5FEF8A14-9BCD-43CA-BA7F-8EB49C06208A}"/>
+              </a:ext>
+            </a:extLst>
+          </p:cNvPr>
+          <p:cNvSpPr txBox="1"/>
+          <p:nvPr/>
+        </p:nvSpPr>
+        <p:spPr>
+          <a:xfrm>
+            <a:off x="808892" y="2716823"/>
+            <a:ext cx="10612316" cy="1754326"/>
+          </a:xfrm>
+          <a:prstGeom prst="rect">
+            <a:avLst/>
+          </a:prstGeom>
+          <a:noFill/>
+        </p:spPr>
+        <p:txBody>
+          <a:bodyPr wrap="square" rtlCol="0">
+            <a:spAutoFit/>
+          </a:bodyPr>
+          <a:lstStyle/>
+          <a:p>
+            <a:pPr marL="285750" indent="-285750">
+              <a:buFont typeface="Arial" panose="020B0604020202020204" pitchFamily="34" charset="0"/>
+              <a:buChar char="•"/>
+            </a:pPr>
+            <a:r>
+              <a:rPr lang="en-CA" dirty="0"/>
+              <a:t>Distinction des </a:t>
+            </a:r>
+            <a:r>
+              <a:rPr lang="en-CA" dirty="0" err="1"/>
+              <a:t>signaux</a:t>
+            </a:r>
+            <a:r>
+              <a:rPr lang="en-CA" dirty="0"/>
+              <a:t> pour </a:t>
+            </a:r>
+            <a:r>
+              <a:rPr lang="en-CA" dirty="0" err="1"/>
+              <a:t>chaque</a:t>
+            </a:r>
+            <a:r>
+              <a:rPr lang="en-CA" dirty="0"/>
+              <a:t> </a:t>
+            </a:r>
+            <a:r>
+              <a:rPr lang="en-CA" dirty="0" err="1"/>
+              <a:t>ruche</a:t>
+            </a:r>
+            <a:endParaRPr lang="en-CA" dirty="0"/>
+          </a:p>
+          <a:p>
+            <a:pPr marL="285750" indent="-285750">
+              <a:buFont typeface="Arial" panose="020B0604020202020204" pitchFamily="34" charset="0"/>
+              <a:buChar char="•"/>
+            </a:pPr>
+            <a:endParaRPr lang="en-CA" dirty="0"/>
+          </a:p>
+          <a:p>
+            <a:pPr marL="285750" indent="-285750">
+              <a:buFont typeface="Arial" panose="020B0604020202020204" pitchFamily="34" charset="0"/>
+              <a:buChar char="•"/>
+            </a:pPr>
+            <a:r>
+              <a:rPr lang="en-CA" dirty="0"/>
+              <a:t>Reconnaissance des </a:t>
+            </a:r>
+            <a:r>
+              <a:rPr lang="en-CA" dirty="0" err="1"/>
+              <a:t>différentes</a:t>
+            </a:r>
+            <a:r>
+              <a:rPr lang="en-CA" dirty="0"/>
+              <a:t> </a:t>
+            </a:r>
+            <a:r>
+              <a:rPr lang="en-CA" dirty="0" err="1"/>
+              <a:t>commandes</a:t>
+            </a:r>
+            <a:endParaRPr lang="en-CA" dirty="0"/>
+          </a:p>
+          <a:p>
+            <a:pPr marL="285750" indent="-285750">
+              <a:buFont typeface="Arial" panose="020B0604020202020204" pitchFamily="34" charset="0"/>
+              <a:buChar char="•"/>
+            </a:pPr>
+            <a:endParaRPr lang="en-CA" dirty="0"/>
+          </a:p>
+          <a:p>
+            <a:pPr marL="285750" indent="-285750">
+              <a:buFont typeface="Arial" panose="020B0604020202020204" pitchFamily="34" charset="0"/>
+              <a:buChar char="•"/>
+            </a:pPr>
+            <a:r>
+              <a:rPr lang="en-CA" dirty="0" err="1"/>
+              <a:t>Vérification</a:t>
+            </a:r>
+            <a:r>
+              <a:rPr lang="en-CA" dirty="0"/>
+              <a:t> de </a:t>
+            </a:r>
+            <a:r>
+              <a:rPr lang="en-CA" dirty="0" err="1"/>
+              <a:t>l’état</a:t>
+            </a:r>
+            <a:r>
+              <a:rPr lang="en-CA" dirty="0"/>
+              <a:t> des </a:t>
+            </a:r>
+            <a:r>
+              <a:rPr lang="en-CA" dirty="0" err="1"/>
+              <a:t>ruches</a:t>
+            </a:r>
+            <a:endParaRPr lang="en-CA" dirty="0"/>
+          </a:p>
+          <a:p>
+            <a:pPr marL="285750" indent="-285750">
+              <a:buFont typeface="Arial" panose="020B0604020202020204" pitchFamily="34" charset="0"/>
+              <a:buChar char="•"/>
+            </a:pPr>
+            <a:endParaRPr lang="en-CA" dirty="0"/>
+          </a:p>
+        </p:txBody>
+      </p:sp>
     </p:spTree>
     <p:extLst>
       <p:ext uri="{BB962C8B-B14F-4D97-AF65-F5344CB8AC3E}">
@@ -6741,6 +8254,647 @@
           <p:cNvPr id="2" name="Title 1">
             <a:extLst>
               <a:ext uri="{FF2B5EF4-FFF2-40B4-BE49-F238E27FC236}">
+                <a16:creationId xmlns:a16="http://schemas.microsoft.com/office/drawing/2014/main" id="{4D96D023-FF4C-48F9-8D0D-C84356743869}"/>
+              </a:ext>
+            </a:extLst>
+          </p:cNvPr>
+          <p:cNvSpPr>
+            <a:spLocks noGrp="1"/>
+          </p:cNvSpPr>
+          <p:nvPr>
+            <p:ph type="title"/>
+          </p:nvPr>
+        </p:nvSpPr>
+        <p:spPr/>
+        <p:txBody>
+          <a:bodyPr/>
+          <a:lstStyle/>
+          <a:p>
+            <a:r>
+              <a:rPr lang="en-CA" dirty="0" err="1"/>
+              <a:t>Protocole</a:t>
+            </a:r>
+            <a:endParaRPr lang="en-CA" dirty="0"/>
+          </a:p>
+        </p:txBody>
+      </p:sp>
+      <p:sp>
+        <p:nvSpPr>
+          <p:cNvPr id="3" name="TextBox 2">
+            <a:extLst>
+              <a:ext uri="{FF2B5EF4-FFF2-40B4-BE49-F238E27FC236}">
+                <a16:creationId xmlns:a16="http://schemas.microsoft.com/office/drawing/2014/main" id="{42DA6C5E-FC75-4155-A6A5-19DC3943EF40}"/>
+              </a:ext>
+            </a:extLst>
+          </p:cNvPr>
+          <p:cNvSpPr txBox="1"/>
+          <p:nvPr/>
+        </p:nvSpPr>
+        <p:spPr>
+          <a:xfrm>
+            <a:off x="685800" y="1907931"/>
+            <a:ext cx="11506199" cy="461665"/>
+          </a:xfrm>
+          <a:prstGeom prst="rect">
+            <a:avLst/>
+          </a:prstGeom>
+          <a:noFill/>
+        </p:spPr>
+        <p:txBody>
+          <a:bodyPr wrap="square" rtlCol="0">
+            <a:spAutoFit/>
+          </a:bodyPr>
+          <a:lstStyle/>
+          <a:p>
+            <a:r>
+              <a:rPr lang="en-CA" sz="2400" dirty="0"/>
+              <a:t>Solutions:</a:t>
+            </a:r>
+          </a:p>
+        </p:txBody>
+      </p:sp>
+      <p:sp>
+        <p:nvSpPr>
+          <p:cNvPr id="5" name="TextBox 4">
+            <a:extLst>
+              <a:ext uri="{FF2B5EF4-FFF2-40B4-BE49-F238E27FC236}">
+                <a16:creationId xmlns:a16="http://schemas.microsoft.com/office/drawing/2014/main" id="{0F05B460-CFDE-45AB-9244-C2381F57C111}"/>
+              </a:ext>
+            </a:extLst>
+          </p:cNvPr>
+          <p:cNvSpPr txBox="1"/>
+          <p:nvPr/>
+        </p:nvSpPr>
+        <p:spPr>
+          <a:xfrm>
+            <a:off x="808892" y="2716823"/>
+            <a:ext cx="10612316" cy="2585323"/>
+          </a:xfrm>
+          <a:prstGeom prst="rect">
+            <a:avLst/>
+          </a:prstGeom>
+          <a:noFill/>
+        </p:spPr>
+        <p:txBody>
+          <a:bodyPr wrap="square" rtlCol="0">
+            <a:spAutoFit/>
+          </a:bodyPr>
+          <a:lstStyle/>
+          <a:p>
+            <a:pPr marL="285750" indent="-285750">
+              <a:buFont typeface="Arial" panose="020B0604020202020204" pitchFamily="34" charset="0"/>
+              <a:buChar char="•"/>
+            </a:pPr>
+            <a:r>
+              <a:rPr lang="en-CA" dirty="0" err="1"/>
+              <a:t>Ajout</a:t>
+            </a:r>
+            <a:r>
+              <a:rPr lang="en-CA" dirty="0"/>
+              <a:t> d’un </a:t>
+            </a:r>
+            <a:r>
+              <a:rPr lang="en-CA" dirty="0" err="1"/>
+              <a:t>numéro</a:t>
+            </a:r>
+            <a:r>
+              <a:rPr lang="en-CA" dirty="0"/>
+              <a:t> </a:t>
+            </a:r>
+            <a:r>
+              <a:rPr lang="en-CA" dirty="0" err="1"/>
+              <a:t>d’identification</a:t>
+            </a:r>
+            <a:r>
+              <a:rPr lang="en-CA" dirty="0"/>
+              <a:t> pour </a:t>
+            </a:r>
+            <a:r>
+              <a:rPr lang="en-CA" dirty="0" err="1"/>
+              <a:t>chaque</a:t>
+            </a:r>
+            <a:r>
+              <a:rPr lang="en-CA" dirty="0"/>
+              <a:t> </a:t>
+            </a:r>
+            <a:r>
+              <a:rPr lang="en-CA" dirty="0" err="1"/>
+              <a:t>ruche</a:t>
+            </a:r>
+            <a:r>
+              <a:rPr lang="en-CA" dirty="0"/>
+              <a:t>. </a:t>
+            </a:r>
+            <a:r>
+              <a:rPr lang="en-CA" dirty="0" err="1"/>
+              <a:t>Chaque</a:t>
+            </a:r>
+            <a:r>
+              <a:rPr lang="en-CA" dirty="0"/>
+              <a:t> communication entre le </a:t>
+            </a:r>
+            <a:r>
+              <a:rPr lang="en-CA" dirty="0" err="1"/>
+              <a:t>serveur</a:t>
+            </a:r>
+            <a:r>
+              <a:rPr lang="en-CA" dirty="0"/>
+              <a:t> et </a:t>
+            </a:r>
+            <a:r>
+              <a:rPr lang="en-CA" dirty="0" err="1"/>
+              <a:t>une</a:t>
+            </a:r>
+            <a:r>
+              <a:rPr lang="en-CA" dirty="0"/>
+              <a:t> </a:t>
+            </a:r>
+            <a:r>
+              <a:rPr lang="en-CA" dirty="0" err="1"/>
+              <a:t>ruche</a:t>
+            </a:r>
+            <a:r>
+              <a:rPr lang="en-CA" dirty="0"/>
+              <a:t> </a:t>
+            </a:r>
+            <a:r>
+              <a:rPr lang="en-CA" dirty="0" err="1"/>
+              <a:t>contient</a:t>
+            </a:r>
+            <a:r>
+              <a:rPr lang="en-CA" dirty="0"/>
+              <a:t> le </a:t>
+            </a:r>
+            <a:r>
+              <a:rPr lang="en-CA" dirty="0" err="1"/>
+              <a:t>numéro</a:t>
+            </a:r>
+            <a:r>
+              <a:rPr lang="en-CA" dirty="0"/>
+              <a:t> pour </a:t>
+            </a:r>
+            <a:r>
+              <a:rPr lang="en-CA" dirty="0" err="1"/>
+              <a:t>différencier</a:t>
+            </a:r>
+            <a:r>
+              <a:rPr lang="en-CA" dirty="0"/>
+              <a:t>.</a:t>
+            </a:r>
+          </a:p>
+          <a:p>
+            <a:pPr marL="285750" indent="-285750">
+              <a:buFont typeface="Arial" panose="020B0604020202020204" pitchFamily="34" charset="0"/>
+              <a:buChar char="•"/>
+            </a:pPr>
+            <a:endParaRPr lang="en-CA" dirty="0"/>
+          </a:p>
+          <a:p>
+            <a:pPr marL="285750" indent="-285750">
+              <a:buFont typeface="Arial" panose="020B0604020202020204" pitchFamily="34" charset="0"/>
+              <a:buChar char="•"/>
+            </a:pPr>
+            <a:r>
+              <a:rPr lang="en-CA" dirty="0"/>
+              <a:t>Assignation d’un </a:t>
+            </a:r>
+            <a:r>
+              <a:rPr lang="en-CA" dirty="0" err="1"/>
+              <a:t>caractère</a:t>
+            </a:r>
+            <a:r>
+              <a:rPr lang="en-CA" dirty="0"/>
+              <a:t> pour </a:t>
+            </a:r>
+            <a:r>
+              <a:rPr lang="en-CA" dirty="0" err="1"/>
+              <a:t>chaque</a:t>
+            </a:r>
+            <a:r>
+              <a:rPr lang="en-CA" dirty="0"/>
+              <a:t> </a:t>
+            </a:r>
+            <a:r>
+              <a:rPr lang="en-CA" dirty="0" err="1"/>
+              <a:t>commande</a:t>
+            </a:r>
+            <a:r>
+              <a:rPr lang="en-CA" dirty="0"/>
+              <a:t>.</a:t>
+            </a:r>
+          </a:p>
+          <a:p>
+            <a:pPr marL="285750" indent="-285750">
+              <a:buFont typeface="Arial" panose="020B0604020202020204" pitchFamily="34" charset="0"/>
+              <a:buChar char="•"/>
+            </a:pPr>
+            <a:endParaRPr lang="en-CA" dirty="0"/>
+          </a:p>
+          <a:p>
+            <a:pPr marL="285750" indent="-285750">
+              <a:buFont typeface="Arial" panose="020B0604020202020204" pitchFamily="34" charset="0"/>
+              <a:buChar char="•"/>
+            </a:pPr>
+            <a:r>
+              <a:rPr lang="en-CA" dirty="0" err="1"/>
+              <a:t>Rétroaction</a:t>
+            </a:r>
+            <a:r>
+              <a:rPr lang="en-CA" dirty="0"/>
+              <a:t> des </a:t>
+            </a:r>
+            <a:r>
+              <a:rPr lang="en-CA" dirty="0" err="1"/>
+              <a:t>ruches</a:t>
+            </a:r>
+            <a:r>
+              <a:rPr lang="en-CA" dirty="0"/>
+              <a:t> </a:t>
+            </a:r>
+            <a:r>
+              <a:rPr lang="en-CA" dirty="0" err="1"/>
+              <a:t>lorsqu’une</a:t>
+            </a:r>
+            <a:r>
+              <a:rPr lang="en-CA" dirty="0"/>
+              <a:t> </a:t>
+            </a:r>
+            <a:r>
+              <a:rPr lang="en-CA" dirty="0" err="1"/>
+              <a:t>commande</a:t>
+            </a:r>
+            <a:r>
+              <a:rPr lang="en-CA" dirty="0"/>
+              <a:t> </a:t>
+            </a:r>
+            <a:r>
+              <a:rPr lang="en-CA" dirty="0" err="1"/>
+              <a:t>est</a:t>
+            </a:r>
+            <a:r>
+              <a:rPr lang="en-CA" dirty="0"/>
+              <a:t> </a:t>
+            </a:r>
+            <a:r>
+              <a:rPr lang="en-CA" dirty="0" err="1"/>
+              <a:t>envoyé</a:t>
+            </a:r>
+            <a:r>
+              <a:rPr lang="en-CA" dirty="0"/>
+              <a:t>.</a:t>
+            </a:r>
+          </a:p>
+          <a:p>
+            <a:pPr marL="285750" indent="-285750">
+              <a:buFont typeface="Arial" panose="020B0604020202020204" pitchFamily="34" charset="0"/>
+              <a:buChar char="•"/>
+            </a:pPr>
+            <a:endParaRPr lang="en-CA" dirty="0"/>
+          </a:p>
+          <a:p>
+            <a:endParaRPr lang="en-CA" dirty="0"/>
+          </a:p>
+          <a:p>
+            <a:pPr marL="285750" indent="-285750">
+              <a:buFont typeface="Arial" panose="020B0604020202020204" pitchFamily="34" charset="0"/>
+              <a:buChar char="•"/>
+            </a:pPr>
+            <a:endParaRPr lang="en-CA" dirty="0"/>
+          </a:p>
+        </p:txBody>
+      </p:sp>
+    </p:spTree>
+    <p:extLst>
+      <p:ext uri="{BB962C8B-B14F-4D97-AF65-F5344CB8AC3E}">
+        <p14:creationId xmlns:p14="http://schemas.microsoft.com/office/powerpoint/2010/main" val="1050450600"/>
+      </p:ext>
+    </p:extLst>
+  </p:cSld>
+  <p:clrMapOvr>
+    <a:masterClrMapping/>
+  </p:clrMapOvr>
+</p:sld>
+</file>
+
+<file path=ppt/slides/slide7.xml><?xml version="1.0" encoding="utf-8"?>
+<p:sld xmlns:a="http://schemas.openxmlformats.org/drawingml/2006/main" xmlns:r="http://schemas.openxmlformats.org/officeDocument/2006/relationships" xmlns:p="http://schemas.openxmlformats.org/presentationml/2006/main">
+  <p:cSld>
+    <p:spTree>
+      <p:nvGrpSpPr>
+        <p:cNvPr id="1" name=""/>
+        <p:cNvGrpSpPr/>
+        <p:nvPr/>
+      </p:nvGrpSpPr>
+      <p:grpSpPr>
+        <a:xfrm>
+          <a:off x="0" y="0"/>
+          <a:ext cx="0" cy="0"/>
+          <a:chOff x="0" y="0"/>
+          <a:chExt cx="0" cy="0"/>
+        </a:xfrm>
+      </p:grpSpPr>
+      <p:sp>
+        <p:nvSpPr>
+          <p:cNvPr id="2" name="Title 1">
+            <a:extLst>
+              <a:ext uri="{FF2B5EF4-FFF2-40B4-BE49-F238E27FC236}">
+                <a16:creationId xmlns:a16="http://schemas.microsoft.com/office/drawing/2014/main" id="{4D96D023-FF4C-48F9-8D0D-C84356743869}"/>
+              </a:ext>
+            </a:extLst>
+          </p:cNvPr>
+          <p:cNvSpPr>
+            <a:spLocks noGrp="1"/>
+          </p:cNvSpPr>
+          <p:nvPr>
+            <p:ph type="title"/>
+          </p:nvPr>
+        </p:nvSpPr>
+        <p:spPr/>
+        <p:txBody>
+          <a:bodyPr/>
+          <a:lstStyle/>
+          <a:p>
+            <a:r>
+              <a:rPr lang="en-CA" dirty="0" err="1"/>
+              <a:t>Protocole</a:t>
+            </a:r>
+            <a:endParaRPr lang="en-CA" dirty="0"/>
+          </a:p>
+        </p:txBody>
+      </p:sp>
+      <p:sp>
+        <p:nvSpPr>
+          <p:cNvPr id="3" name="TextBox 2">
+            <a:extLst>
+              <a:ext uri="{FF2B5EF4-FFF2-40B4-BE49-F238E27FC236}">
+                <a16:creationId xmlns:a16="http://schemas.microsoft.com/office/drawing/2014/main" id="{42DA6C5E-FC75-4155-A6A5-19DC3943EF40}"/>
+              </a:ext>
+            </a:extLst>
+          </p:cNvPr>
+          <p:cNvSpPr txBox="1"/>
+          <p:nvPr/>
+        </p:nvSpPr>
+        <p:spPr>
+          <a:xfrm>
+            <a:off x="685800" y="1907931"/>
+            <a:ext cx="11506199" cy="461665"/>
+          </a:xfrm>
+          <a:prstGeom prst="rect">
+            <a:avLst/>
+          </a:prstGeom>
+          <a:noFill/>
+        </p:spPr>
+        <p:txBody>
+          <a:bodyPr wrap="square" rtlCol="0">
+            <a:spAutoFit/>
+          </a:bodyPr>
+          <a:lstStyle/>
+          <a:p>
+            <a:r>
+              <a:rPr lang="en-CA" sz="2400" dirty="0" err="1"/>
+              <a:t>Implémentation</a:t>
+            </a:r>
+            <a:r>
+              <a:rPr lang="en-CA" sz="2400" dirty="0"/>
+              <a:t>:</a:t>
+            </a:r>
+          </a:p>
+        </p:txBody>
+      </p:sp>
+      <p:sp>
+        <p:nvSpPr>
+          <p:cNvPr id="5" name="TextBox 4">
+            <a:extLst>
+              <a:ext uri="{FF2B5EF4-FFF2-40B4-BE49-F238E27FC236}">
+                <a16:creationId xmlns:a16="http://schemas.microsoft.com/office/drawing/2014/main" id="{0F05B460-CFDE-45AB-9244-C2381F57C111}"/>
+              </a:ext>
+            </a:extLst>
+          </p:cNvPr>
+          <p:cNvSpPr txBox="1"/>
+          <p:nvPr/>
+        </p:nvSpPr>
+        <p:spPr>
+          <a:xfrm>
+            <a:off x="808892" y="2635496"/>
+            <a:ext cx="10612316" cy="3416320"/>
+          </a:xfrm>
+          <a:prstGeom prst="rect">
+            <a:avLst/>
+          </a:prstGeom>
+          <a:noFill/>
+        </p:spPr>
+        <p:txBody>
+          <a:bodyPr wrap="square" rtlCol="0">
+            <a:spAutoFit/>
+          </a:bodyPr>
+          <a:lstStyle/>
+          <a:p>
+            <a:pPr marL="285750" indent="-285750">
+              <a:buFont typeface="Arial" panose="020B0604020202020204" pitchFamily="34" charset="0"/>
+              <a:buChar char="•"/>
+            </a:pPr>
+            <a:r>
+              <a:rPr lang="en-CA" dirty="0"/>
+              <a:t>Communication </a:t>
+            </a:r>
+            <a:r>
+              <a:rPr lang="en-CA" dirty="0" err="1"/>
+              <a:t>Serveur</a:t>
+            </a:r>
+            <a:r>
+              <a:rPr lang="en-CA" dirty="0"/>
+              <a:t> -&gt; Ruche:</a:t>
+            </a:r>
+          </a:p>
+          <a:p>
+            <a:pPr marL="285750" indent="-285750">
+              <a:buFont typeface="Arial" panose="020B0604020202020204" pitchFamily="34" charset="0"/>
+              <a:buChar char="•"/>
+            </a:pPr>
+            <a:endParaRPr lang="en-CA" dirty="0"/>
+          </a:p>
+          <a:p>
+            <a:pPr marL="285750" indent="-285750">
+              <a:buFont typeface="Arial" panose="020B0604020202020204" pitchFamily="34" charset="0"/>
+              <a:buChar char="•"/>
+            </a:pPr>
+            <a:endParaRPr lang="en-CA" dirty="0"/>
+          </a:p>
+          <a:p>
+            <a:pPr marL="285750" indent="-285750">
+              <a:buFont typeface="Arial" panose="020B0604020202020204" pitchFamily="34" charset="0"/>
+              <a:buChar char="•"/>
+            </a:pPr>
+            <a:endParaRPr lang="en-CA" dirty="0"/>
+          </a:p>
+          <a:p>
+            <a:pPr marL="285750" indent="-285750">
+              <a:buFont typeface="Arial" panose="020B0604020202020204" pitchFamily="34" charset="0"/>
+              <a:buChar char="•"/>
+            </a:pPr>
+            <a:endParaRPr lang="en-CA" dirty="0"/>
+          </a:p>
+          <a:p>
+            <a:pPr marL="285750" indent="-285750">
+              <a:buFont typeface="Arial" panose="020B0604020202020204" pitchFamily="34" charset="0"/>
+              <a:buChar char="•"/>
+            </a:pPr>
+            <a:endParaRPr lang="en-CA" dirty="0"/>
+          </a:p>
+          <a:p>
+            <a:endParaRPr lang="en-CA" dirty="0"/>
+          </a:p>
+          <a:p>
+            <a:pPr marL="285750" indent="-285750">
+              <a:buFont typeface="Arial" panose="020B0604020202020204" pitchFamily="34" charset="0"/>
+              <a:buChar char="•"/>
+            </a:pPr>
+            <a:endParaRPr lang="en-CA" dirty="0"/>
+          </a:p>
+          <a:p>
+            <a:pPr marL="285750" indent="-285750">
+              <a:buFont typeface="Arial" panose="020B0604020202020204" pitchFamily="34" charset="0"/>
+              <a:buChar char="•"/>
+            </a:pPr>
+            <a:r>
+              <a:rPr lang="en-CA" dirty="0"/>
+              <a:t>Communication Ruche -&gt; </a:t>
+            </a:r>
+            <a:r>
+              <a:rPr lang="en-CA" dirty="0" err="1"/>
+              <a:t>Serveur</a:t>
+            </a:r>
+            <a:r>
+              <a:rPr lang="en-CA" dirty="0"/>
+              <a:t>:</a:t>
+            </a:r>
+          </a:p>
+          <a:p>
+            <a:pPr marL="285750" indent="-285750">
+              <a:buFont typeface="Arial" panose="020B0604020202020204" pitchFamily="34" charset="0"/>
+              <a:buChar char="•"/>
+            </a:pPr>
+            <a:endParaRPr lang="en-CA" dirty="0"/>
+          </a:p>
+          <a:p>
+            <a:endParaRPr lang="en-CA" dirty="0"/>
+          </a:p>
+          <a:p>
+            <a:pPr marL="285750" indent="-285750">
+              <a:buFont typeface="Arial" panose="020B0604020202020204" pitchFamily="34" charset="0"/>
+              <a:buChar char="•"/>
+            </a:pPr>
+            <a:endParaRPr lang="en-CA" dirty="0"/>
+          </a:p>
+        </p:txBody>
+      </p:sp>
+      <p:pic>
+        <p:nvPicPr>
+          <p:cNvPr id="9" name="Picture 8">
+            <a:extLst>
+              <a:ext uri="{FF2B5EF4-FFF2-40B4-BE49-F238E27FC236}">
+                <a16:creationId xmlns:a16="http://schemas.microsoft.com/office/drawing/2014/main" id="{1F7987B6-124D-4E7D-B1AE-AF7488C590D6}"/>
+              </a:ext>
+            </a:extLst>
+          </p:cNvPr>
+          <p:cNvPicPr>
+            <a:picLocks noChangeAspect="1"/>
+          </p:cNvPicPr>
+          <p:nvPr/>
+        </p:nvPicPr>
+        <p:blipFill>
+          <a:blip r:embed="rId2">
+            <a:extLst>
+              <a:ext uri="{28A0092B-C50C-407E-A947-70E740481C1C}">
+                <a14:useLocalDpi xmlns:a14="http://schemas.microsoft.com/office/drawing/2010/main" val="0"/>
+              </a:ext>
+            </a:extLst>
+          </a:blip>
+          <a:stretch>
+            <a:fillRect/>
+          </a:stretch>
+        </p:blipFill>
+        <p:spPr>
+          <a:xfrm>
+            <a:off x="742950" y="3037014"/>
+            <a:ext cx="10706100" cy="1562100"/>
+          </a:xfrm>
+          <a:prstGeom prst="rect">
+            <a:avLst/>
+          </a:prstGeom>
+        </p:spPr>
+      </p:pic>
+      <p:pic>
+        <p:nvPicPr>
+          <p:cNvPr id="11" name="Picture 10">
+            <a:extLst>
+              <a:ext uri="{FF2B5EF4-FFF2-40B4-BE49-F238E27FC236}">
+                <a16:creationId xmlns:a16="http://schemas.microsoft.com/office/drawing/2014/main" id="{637BCD14-BC2A-494D-A73F-A1F55D6C0721}"/>
+              </a:ext>
+            </a:extLst>
+          </p:cNvPr>
+          <p:cNvPicPr>
+            <a:picLocks noChangeAspect="1"/>
+          </p:cNvPicPr>
+          <p:nvPr/>
+        </p:nvPicPr>
+        <p:blipFill>
+          <a:blip r:embed="rId3">
+            <a:extLst>
+              <a:ext uri="{28A0092B-C50C-407E-A947-70E740481C1C}">
+                <a14:useLocalDpi xmlns:a14="http://schemas.microsoft.com/office/drawing/2010/main" val="0"/>
+              </a:ext>
+            </a:extLst>
+          </a:blip>
+          <a:stretch>
+            <a:fillRect/>
+          </a:stretch>
+        </p:blipFill>
+        <p:spPr>
+          <a:xfrm>
+            <a:off x="4552950" y="5194501"/>
+            <a:ext cx="3086100" cy="1562100"/>
+          </a:xfrm>
+          <a:prstGeom prst="rect">
+            <a:avLst/>
+          </a:prstGeom>
+        </p:spPr>
+      </p:pic>
+    </p:spTree>
+    <p:extLst>
+      <p:ext uri="{BB962C8B-B14F-4D97-AF65-F5344CB8AC3E}">
+        <p14:creationId xmlns:p14="http://schemas.microsoft.com/office/powerpoint/2010/main" val="59767548"/>
+      </p:ext>
+    </p:extLst>
+  </p:cSld>
+  <p:clrMapOvr>
+    <a:masterClrMapping/>
+  </p:clrMapOvr>
+</p:sld>
+</file>
+
+<file path=ppt/slides/slide8.xml><?xml version="1.0" encoding="utf-8"?>
+<p:sld xmlns:a="http://schemas.openxmlformats.org/drawingml/2006/main" xmlns:r="http://schemas.openxmlformats.org/officeDocument/2006/relationships" xmlns:p="http://schemas.openxmlformats.org/presentationml/2006/main">
+  <p:cSld>
+    <p:spTree>
+      <p:nvGrpSpPr>
+        <p:cNvPr id="1" name=""/>
+        <p:cNvGrpSpPr/>
+        <p:nvPr/>
+      </p:nvGrpSpPr>
+      <p:grpSpPr>
+        <a:xfrm>
+          <a:off x="0" y="0"/>
+          <a:ext cx="0" cy="0"/>
+          <a:chOff x="0" y="0"/>
+          <a:chExt cx="0" cy="0"/>
+        </a:xfrm>
+      </p:grpSpPr>
+      <p:sp>
+        <p:nvSpPr>
+          <p:cNvPr id="2" name="Title 1">
+            <a:extLst>
+              <a:ext uri="{FF2B5EF4-FFF2-40B4-BE49-F238E27FC236}">
                 <a16:creationId xmlns:a16="http://schemas.microsoft.com/office/drawing/2014/main" id="{E08F6E75-2A45-4CD7-A89B-35B31D4D478A}"/>
               </a:ext>
             </a:extLst>
@@ -6800,9 +8954,9 @@
 </file>
 
 <file path=ppt/theme/theme1.xml><?xml version="1.0" encoding="utf-8"?>
-<a:theme xmlns:a="http://schemas.openxmlformats.org/drawingml/2006/main" name="Celestial">
+<a:theme xmlns:a="http://schemas.openxmlformats.org/drawingml/2006/main" name="Wisp">
   <a:themeElements>
-    <a:clrScheme name="Celestial">
+    <a:clrScheme name="Wisp">
       <a:dk1>
         <a:sysClr val="windowText" lastClr="000000"/>
       </a:dk1>
@@ -6810,83 +8964,48 @@
         <a:sysClr val="window" lastClr="FFFFFF"/>
       </a:lt1>
       <a:dk2>
-        <a:srgbClr val="104C7E"/>
+        <a:srgbClr val="2C333A"/>
       </a:dk2>
       <a:lt2>
-        <a:srgbClr val="EBEBEB"/>
+        <a:srgbClr val="D6ECED"/>
       </a:lt2>
       <a:accent1>
-        <a:srgbClr val="94CE67"/>
+        <a:srgbClr val="DE32DE"/>
       </a:accent1>
       <a:accent2>
-        <a:srgbClr val="49D1CD"/>
+        <a:srgbClr val="F42B8A"/>
       </a:accent2>
       <a:accent3>
-        <a:srgbClr val="61A5D6"/>
+        <a:srgbClr val="349FE7"/>
       </a:accent3>
       <a:accent4>
-        <a:srgbClr val="9D8CD3"/>
+        <a:srgbClr val="565FF8"/>
       </a:accent4>
       <a:accent5>
-        <a:srgbClr val="E45C8A"/>
+        <a:srgbClr val="876BE7"/>
       </a:accent5>
       <a:accent6>
-        <a:srgbClr val="F98C61"/>
+        <a:srgbClr val="F268C2"/>
       </a:accent6>
       <a:hlink>
-        <a:srgbClr val="AAF172"/>
+        <a:srgbClr val="F55CF9"/>
       </a:hlink>
       <a:folHlink>
-        <a:srgbClr val="E7F19A"/>
+        <a:srgbClr val="E8A0EE"/>
       </a:folHlink>
     </a:clrScheme>
-    <a:fontScheme name="Celestial">
+    <a:fontScheme name="Wisp">
       <a:majorFont>
-        <a:latin typeface="Calibri Light" panose="020F0302020204030204"/>
+        <a:latin typeface="Century Gothic" panose="020B0502020202020204"/>
         <a:ea typeface=""/>
         <a:cs typeface=""/>
-        <a:font script="Jpan" typeface="ＭＳ Ｐゴシック"/>
-        <a:font script="Hang" typeface="맑은 고딕"/>
-        <a:font script="Hans" typeface="宋体"/>
-        <a:font script="Hant" typeface="新細明體"/>
-        <a:font script="Arab" typeface="Times New Roman"/>
-        <a:font script="Hebr" typeface="Times New Roman"/>
-        <a:font script="Thai" typeface="Angsana New"/>
-        <a:font script="Ethi" typeface="Nyala"/>
-        <a:font script="Beng" typeface="Vrinda"/>
-        <a:font script="Gujr" typeface="Shruti"/>
-        <a:font script="Khmr" typeface="MoolBoran"/>
-        <a:font script="Knda" typeface="Tunga"/>
-        <a:font script="Guru" typeface="Raavi"/>
-        <a:font script="Cans" typeface="Euphemia"/>
-        <a:font script="Cher" typeface="Plantagenet Cherokee"/>
-        <a:font script="Yiii" typeface="Microsoft Yi Baiti"/>
-        <a:font script="Tibt" typeface="Microsoft Himalaya"/>
-        <a:font script="Thaa" typeface="MV Boli"/>
-        <a:font script="Deva" typeface="Mangal"/>
-        <a:font script="Telu" typeface="Gautami"/>
-        <a:font script="Taml" typeface="Latha"/>
-        <a:font script="Syrc" typeface="Estrangelo Edessa"/>
-        <a:font script="Orya" typeface="Kalinga"/>
-        <a:font script="Mlym" typeface="Kartika"/>
-        <a:font script="Laoo" typeface="DokChampa"/>
-        <a:font script="Sinh" typeface="Iskoola Pota"/>
-        <a:font script="Mong" typeface="Mongolian Baiti"/>
-        <a:font script="Viet" typeface="Times New Roman"/>
-        <a:font script="Uigh" typeface="Microsoft Uighur"/>
-        <a:font script="Geor" typeface="Sylfaen"/>
-      </a:majorFont>
-      <a:minorFont>
-        <a:latin typeface="Calibri" panose="020F0502020204030204"/>
-        <a:ea typeface=""/>
-        <a:cs typeface=""/>
-        <a:font script="Jpan" typeface="ＭＳ Ｐゴシック"/>
-        <a:font script="Hang" typeface="맑은 고딕"/>
-        <a:font script="Hans" typeface="宋体"/>
-        <a:font script="Hant" typeface="新細明體"/>
-        <a:font script="Arab" typeface="Arial"/>
-        <a:font script="Hebr" typeface="Arial"/>
-        <a:font script="Thai" typeface="Cordia New"/>
+        <a:font script="Jpan" typeface="メイリオ"/>
+        <a:font script="Hang" typeface="HY중고딕"/>
+        <a:font script="Hans" typeface="幼圆"/>
+        <a:font script="Hant" typeface="微軟正黑體"/>
+        <a:font script="Arab" typeface="Tahoma"/>
+        <a:font script="Hebr" typeface="Gisha"/>
+        <a:font script="Thai" typeface="DilleniaUPC"/>
         <a:font script="Ethi" typeface="Nyala"/>
         <a:font script="Beng" typeface="Vrinda"/>
         <a:font script="Gujr" typeface="Shruti"/>
@@ -6907,65 +9026,91 @@
         <a:font script="Laoo" typeface="DokChampa"/>
         <a:font script="Sinh" typeface="Iskoola Pota"/>
         <a:font script="Mong" typeface="Mongolian Baiti"/>
-        <a:font script="Viet" typeface="Arial"/>
+        <a:font script="Viet" typeface="Tahoma"/>
+        <a:font script="Uigh" typeface="Microsoft Uighur"/>
+        <a:font script="Geor" typeface="Sylfaen"/>
+      </a:majorFont>
+      <a:minorFont>
+        <a:latin typeface="Century Gothic" panose="020B0502020202020204"/>
+        <a:ea typeface=""/>
+        <a:cs typeface=""/>
+        <a:font script="Jpan" typeface="メイリオ"/>
+        <a:font script="Hang" typeface="HY중고딕"/>
+        <a:font script="Hans" typeface="幼圆"/>
+        <a:font script="Hant" typeface="微軟正黑體"/>
+        <a:font script="Arab" typeface="Tahoma"/>
+        <a:font script="Hebr" typeface="Gisha"/>
+        <a:font script="Thai" typeface="DilleniaUPC"/>
+        <a:font script="Ethi" typeface="Nyala"/>
+        <a:font script="Beng" typeface="Vrinda"/>
+        <a:font script="Gujr" typeface="Shruti"/>
+        <a:font script="Khmr" typeface="DaunPenh"/>
+        <a:font script="Knda" typeface="Tunga"/>
+        <a:font script="Guru" typeface="Raavi"/>
+        <a:font script="Cans" typeface="Euphemia"/>
+        <a:font script="Cher" typeface="Plantagenet Cherokee"/>
+        <a:font script="Yiii" typeface="Microsoft Yi Baiti"/>
+        <a:font script="Tibt" typeface="Microsoft Himalaya"/>
+        <a:font script="Thaa" typeface="MV Boli"/>
+        <a:font script="Deva" typeface="Mangal"/>
+        <a:font script="Telu" typeface="Gautami"/>
+        <a:font script="Taml" typeface="Latha"/>
+        <a:font script="Syrc" typeface="Estrangelo Edessa"/>
+        <a:font script="Orya" typeface="Kalinga"/>
+        <a:font script="Mlym" typeface="Kartika"/>
+        <a:font script="Laoo" typeface="DokChampa"/>
+        <a:font script="Sinh" typeface="Iskoola Pota"/>
+        <a:font script="Mong" typeface="Mongolian Baiti"/>
+        <a:font script="Viet" typeface="Tahoma"/>
         <a:font script="Uigh" typeface="Microsoft Uighur"/>
         <a:font script="Geor" typeface="Sylfaen"/>
       </a:minorFont>
     </a:fontScheme>
-    <a:fmtScheme name="Celestial">
+    <a:fmtScheme name="Wisp">
       <a:fillStyleLst>
         <a:solidFill>
           <a:schemeClr val="phClr"/>
+        </a:solidFill>
+        <a:solidFill>
+          <a:schemeClr val="phClr">
+            <a:tint val="70000"/>
+            <a:lumMod val="104000"/>
+          </a:schemeClr>
         </a:solidFill>
         <a:gradFill rotWithShape="1">
           <a:gsLst>
             <a:gs pos="0">
               <a:schemeClr val="phClr">
-                <a:tint val="70000"/>
-                <a:lumMod val="110000"/>
+                <a:tint val="96000"/>
+                <a:lumMod val="104000"/>
               </a:schemeClr>
             </a:gs>
             <a:gs pos="100000">
               <a:schemeClr val="phClr">
-                <a:tint val="82000"/>
-                <a:alpha val="74000"/>
+                <a:shade val="98000"/>
+                <a:lumMod val="94000"/>
               </a:schemeClr>
             </a:gs>
           </a:gsLst>
           <a:lin ang="5400000" scaled="0"/>
         </a:gradFill>
-        <a:gradFill rotWithShape="1">
-          <a:gsLst>
-            <a:gs pos="0">
-              <a:schemeClr val="phClr">
-                <a:tint val="98000"/>
-                <a:lumMod val="100000"/>
-              </a:schemeClr>
-            </a:gs>
-            <a:gs pos="100000">
-              <a:schemeClr val="phClr">
-                <a:shade val="88000"/>
-                <a:lumMod val="88000"/>
-              </a:schemeClr>
-            </a:gs>
-          </a:gsLst>
-          <a:lin ang="5400000" scaled="1"/>
-        </a:gradFill>
       </a:fillStyleLst>
       <a:lnStyleLst>
         <a:ln w="9525" cap="rnd" cmpd="sng" algn="ctr">
+          <a:solidFill>
+            <a:schemeClr val="phClr">
+              <a:shade val="90000"/>
+            </a:schemeClr>
+          </a:solidFill>
+          <a:prstDash val="solid"/>
+        </a:ln>
+        <a:ln w="15875" cap="rnd" cmpd="sng" algn="ctr">
           <a:solidFill>
             <a:schemeClr val="phClr"/>
           </a:solidFill>
           <a:prstDash val="solid"/>
         </a:ln>
-        <a:ln w="19050" cap="rnd" cmpd="sng" algn="ctr">
-          <a:solidFill>
-            <a:schemeClr val="phClr"/>
-          </a:solidFill>
-          <a:prstDash val="solid"/>
-        </a:ln>
-        <a:ln w="25400" cap="rnd" cmpd="sng" algn="ctr">
+        <a:ln w="22225" cap="rnd" cmpd="sng" algn="ctr">
           <a:solidFill>
             <a:schemeClr val="phClr"/>
           </a:solidFill>
@@ -6978,32 +9123,21 @@
         </a:effectStyle>
         <a:effectStyle>
           <a:effectLst>
-            <a:outerShdw blurRad="50800" dist="38100" dir="5400000" rotWithShape="0">
+            <a:outerShdw blurRad="38100" dist="25400" dir="5400000" rotWithShape="0">
               <a:srgbClr val="000000">
-                <a:alpha val="35000"/>
+                <a:alpha val="25000"/>
               </a:srgbClr>
             </a:outerShdw>
           </a:effectLst>
         </a:effectStyle>
         <a:effectStyle>
           <a:effectLst>
-            <a:outerShdw blurRad="63500" dist="38100" dir="5400000" rotWithShape="0">
+            <a:outerShdw blurRad="50800" dist="38100" dir="5400000" rotWithShape="0">
               <a:srgbClr val="000000">
-                <a:alpha val="65000"/>
+                <a:alpha val="60000"/>
               </a:srgbClr>
             </a:outerShdw>
           </a:effectLst>
-          <a:scene3d>
-            <a:camera prst="orthographicFront">
-              <a:rot lat="0" lon="0" rev="0"/>
-            </a:camera>
-            <a:lightRig rig="threePt" dir="tl">
-              <a:rot lat="0" lon="0" rev="1200000"/>
-            </a:lightRig>
-          </a:scene3d>
-          <a:sp3d>
-            <a:bevelT w="38100" h="12700"/>
-          </a:sp3d>
         </a:effectStyle>
       </a:effectStyleLst>
       <a:bgFillStyleLst>
@@ -7015,26 +9149,40 @@
             <a:gs pos="0">
               <a:schemeClr val="phClr">
                 <a:tint val="90000"/>
-                <a:shade val="96000"/>
-                <a:hueMod val="100000"/>
-                <a:satMod val="180000"/>
-                <a:lumMod val="110000"/>
+                <a:lumMod val="120000"/>
               </a:schemeClr>
             </a:gs>
             <a:gs pos="100000">
               <a:schemeClr val="phClr">
-                <a:shade val="96000"/>
-                <a:satMod val="160000"/>
-                <a:lumMod val="100000"/>
+                <a:shade val="98000"/>
+                <a:satMod val="120000"/>
+                <a:lumMod val="98000"/>
               </a:schemeClr>
             </a:gs>
           </a:gsLst>
-          <a:lin ang="4740000" scaled="1"/>
+          <a:lin ang="5400000" scaled="0"/>
         </a:gradFill>
-        <a:blipFill>
-          <a:blip xmlns:r="http://schemas.openxmlformats.org/officeDocument/2006/relationships" r:embed="rId1"/>
-          <a:stretch/>
-        </a:blipFill>
+        <a:gradFill rotWithShape="1">
+          <a:gsLst>
+            <a:gs pos="0">
+              <a:schemeClr val="phClr">
+                <a:tint val="90000"/>
+                <a:satMod val="92000"/>
+                <a:lumMod val="120000"/>
+              </a:schemeClr>
+            </a:gs>
+            <a:gs pos="100000">
+              <a:schemeClr val="phClr">
+                <a:shade val="98000"/>
+                <a:satMod val="120000"/>
+                <a:lumMod val="98000"/>
+              </a:schemeClr>
+            </a:gs>
+          </a:gsLst>
+          <a:path path="circle">
+            <a:fillToRect l="50000" t="50000" r="100000" b="100000"/>
+          </a:path>
+        </a:gradFill>
       </a:bgFillStyleLst>
     </a:fmtScheme>
   </a:themeElements>
@@ -7042,7 +9190,7 @@
   <a:extraClrSchemeLst/>
   <a:extLst>
     <a:ext uri="{05A4C25C-085E-4340-85A3-A5531E510DB2}">
-      <thm15:themeFamily xmlns:thm15="http://schemas.microsoft.com/office/thememl/2012/main" name="Celestial" id="{C4BB2A3D-0E93-4C5F-B0D2-9D3FCE089CC5}" vid="{E44E6A2F-09CD-4BE0-B42D-107FF03CEED6}"/>
+      <thm15:themeFamily xmlns:thm15="http://schemas.microsoft.com/office/thememl/2012/main" name="Wisp" id="{7CB32D59-10C0-40DD-B7BD-2E94284A981C}" vid="{F20B7C8E-B819-43F3-AAF9-EE50B1A83630}"/>
     </a:ext>
   </a:extLst>
 </a:theme>

--- a/Présentation Finale – P3.pptx
+++ b/Présentation Finale – P3.pptx
@@ -6,13 +6,15 @@
   </p:sldMasterIdLst>
   <p:sldIdLst>
     <p:sldId id="256" r:id="rId2"/>
-    <p:sldId id="257" r:id="rId3"/>
-    <p:sldId id="258" r:id="rId4"/>
-    <p:sldId id="259" r:id="rId5"/>
-    <p:sldId id="260" r:id="rId6"/>
-    <p:sldId id="263" r:id="rId7"/>
-    <p:sldId id="264" r:id="rId8"/>
-    <p:sldId id="261" r:id="rId9"/>
+    <p:sldId id="265" r:id="rId3"/>
+    <p:sldId id="266" r:id="rId4"/>
+    <p:sldId id="257" r:id="rId5"/>
+    <p:sldId id="258" r:id="rId6"/>
+    <p:sldId id="259" r:id="rId7"/>
+    <p:sldId id="260" r:id="rId8"/>
+    <p:sldId id="263" r:id="rId9"/>
+    <p:sldId id="264" r:id="rId10"/>
+    <p:sldId id="261" r:id="rId11"/>
   </p:sldIdLst>
   <p:sldSz cx="12192000" cy="6858000"/>
   <p:notesSz cx="6858000" cy="9144000"/>
@@ -307,7 +309,7 @@
           <a:p>
             <a:fld id="{EAE94B64-FE95-4932-92D6-ED0579209990}" type="datetimeFigureOut">
               <a:rPr lang="en-CA" smtClean="0"/>
-              <a:t>2018-12-02</a:t>
+              <a:t>2018-12-03</a:t>
             </a:fld>
             <a:endParaRPr lang="en-CA"/>
           </a:p>
@@ -645,7 +647,7 @@
           <a:p>
             <a:fld id="{EAE94B64-FE95-4932-92D6-ED0579209990}" type="datetimeFigureOut">
               <a:rPr lang="en-CA" smtClean="0"/>
-              <a:t>2018-12-02</a:t>
+              <a:t>2018-12-03</a:t>
             </a:fld>
             <a:endParaRPr lang="en-CA"/>
           </a:p>
@@ -1046,7 +1048,7 @@
           <a:p>
             <a:fld id="{EAE94B64-FE95-4932-92D6-ED0579209990}" type="datetimeFigureOut">
               <a:rPr lang="en-CA" smtClean="0"/>
-              <a:t>2018-12-02</a:t>
+              <a:t>2018-12-03</a:t>
             </a:fld>
             <a:endParaRPr lang="en-CA"/>
           </a:p>
@@ -1382,7 +1384,7 @@
           <a:p>
             <a:fld id="{EAE94B64-FE95-4932-92D6-ED0579209990}" type="datetimeFigureOut">
               <a:rPr lang="en-CA" smtClean="0"/>
-              <a:t>2018-12-02</a:t>
+              <a:t>2018-12-03</a:t>
             </a:fld>
             <a:endParaRPr lang="en-CA"/>
           </a:p>
@@ -1702,7 +1704,7 @@
           <a:p>
             <a:fld id="{EAE94B64-FE95-4932-92D6-ED0579209990}" type="datetimeFigureOut">
               <a:rPr lang="en-CA" smtClean="0"/>
-              <a:t>2018-12-02</a:t>
+              <a:t>2018-12-03</a:t>
             </a:fld>
             <a:endParaRPr lang="en-CA"/>
           </a:p>
@@ -2098,7 +2100,7 @@
           <a:p>
             <a:fld id="{EAE94B64-FE95-4932-92D6-ED0579209990}" type="datetimeFigureOut">
               <a:rPr lang="en-CA" smtClean="0"/>
-              <a:t>2018-12-02</a:t>
+              <a:t>2018-12-03</a:t>
             </a:fld>
             <a:endParaRPr lang="en-CA"/>
           </a:p>
@@ -2355,7 +2357,7 @@
           <a:p>
             <a:fld id="{EAE94B64-FE95-4932-92D6-ED0579209990}" type="datetimeFigureOut">
               <a:rPr lang="en-CA" smtClean="0"/>
-              <a:t>2018-12-02</a:t>
+              <a:t>2018-12-03</a:t>
             </a:fld>
             <a:endParaRPr lang="en-CA"/>
           </a:p>
@@ -2617,7 +2619,7 @@
           <a:p>
             <a:fld id="{EAE94B64-FE95-4932-92D6-ED0579209990}" type="datetimeFigureOut">
               <a:rPr lang="en-CA" smtClean="0"/>
-              <a:t>2018-12-02</a:t>
+              <a:t>2018-12-03</a:t>
             </a:fld>
             <a:endParaRPr lang="en-CA"/>
           </a:p>
@@ -2879,7 +2881,7 @@
           <a:p>
             <a:fld id="{EAE94B64-FE95-4932-92D6-ED0579209990}" type="datetimeFigureOut">
               <a:rPr lang="en-CA" smtClean="0"/>
-              <a:t>2018-12-02</a:t>
+              <a:t>2018-12-03</a:t>
             </a:fld>
             <a:endParaRPr lang="en-CA"/>
           </a:p>
@@ -3208,7 +3210,7 @@
           <a:p>
             <a:fld id="{EAE94B64-FE95-4932-92D6-ED0579209990}" type="datetimeFigureOut">
               <a:rPr lang="en-CA" smtClean="0"/>
-              <a:t>2018-12-02</a:t>
+              <a:t>2018-12-03</a:t>
             </a:fld>
             <a:endParaRPr lang="en-CA"/>
           </a:p>
@@ -3531,7 +3533,7 @@
           <a:p>
             <a:fld id="{EAE94B64-FE95-4932-92D6-ED0579209990}" type="datetimeFigureOut">
               <a:rPr lang="en-CA" smtClean="0"/>
-              <a:t>2018-12-02</a:t>
+              <a:t>2018-12-03</a:t>
             </a:fld>
             <a:endParaRPr lang="en-CA"/>
           </a:p>
@@ -3993,7 +3995,7 @@
           <a:p>
             <a:fld id="{EAE94B64-FE95-4932-92D6-ED0579209990}" type="datetimeFigureOut">
               <a:rPr lang="en-CA" smtClean="0"/>
-              <a:t>2018-12-02</a:t>
+              <a:t>2018-12-03</a:t>
             </a:fld>
             <a:endParaRPr lang="en-CA"/>
           </a:p>
@@ -4203,7 +4205,7 @@
           <a:p>
             <a:fld id="{EAE94B64-FE95-4932-92D6-ED0579209990}" type="datetimeFigureOut">
               <a:rPr lang="en-CA" smtClean="0"/>
-              <a:t>2018-12-02</a:t>
+              <a:t>2018-12-03</a:t>
             </a:fld>
             <a:endParaRPr lang="en-CA"/>
           </a:p>
@@ -4380,7 +4382,7 @@
           <a:p>
             <a:fld id="{EAE94B64-FE95-4932-92D6-ED0579209990}" type="datetimeFigureOut">
               <a:rPr lang="en-CA" smtClean="0"/>
-              <a:t>2018-12-02</a:t>
+              <a:t>2018-12-03</a:t>
             </a:fld>
             <a:endParaRPr lang="en-CA"/>
           </a:p>
@@ -4713,7 +4715,7 @@
           <a:p>
             <a:fld id="{EAE94B64-FE95-4932-92D6-ED0579209990}" type="datetimeFigureOut">
               <a:rPr lang="en-CA" smtClean="0"/>
-              <a:t>2018-12-02</a:t>
+              <a:t>2018-12-03</a:t>
             </a:fld>
             <a:endParaRPr lang="en-CA"/>
           </a:p>
@@ -5063,7 +5065,7 @@
           <a:p>
             <a:fld id="{EAE94B64-FE95-4932-92D6-ED0579209990}" type="datetimeFigureOut">
               <a:rPr lang="en-CA" smtClean="0"/>
-              <a:t>2018-12-02</a:t>
+              <a:t>2018-12-03</a:t>
             </a:fld>
             <a:endParaRPr lang="en-CA"/>
           </a:p>
@@ -7117,7 +7119,7 @@
           <a:p>
             <a:fld id="{EAE94B64-FE95-4932-92D6-ED0579209990}" type="datetimeFigureOut">
               <a:rPr lang="en-CA" smtClean="0"/>
-              <a:t>2018-12-02</a:t>
+              <a:t>2018-12-03</a:t>
             </a:fld>
             <a:endParaRPr lang="en-CA"/>
           </a:p>
@@ -7736,6 +7738,86 @@
 </p:sld>
 </file>
 
+<file path=ppt/slides/slide10.xml><?xml version="1.0" encoding="utf-8"?>
+<p:sld xmlns:a="http://schemas.openxmlformats.org/drawingml/2006/main" xmlns:r="http://schemas.openxmlformats.org/officeDocument/2006/relationships" xmlns:p="http://schemas.openxmlformats.org/presentationml/2006/main">
+  <p:cSld>
+    <p:spTree>
+      <p:nvGrpSpPr>
+        <p:cNvPr id="1" name=""/>
+        <p:cNvGrpSpPr/>
+        <p:nvPr/>
+      </p:nvGrpSpPr>
+      <p:grpSpPr>
+        <a:xfrm>
+          <a:off x="0" y="0"/>
+          <a:ext cx="0" cy="0"/>
+          <a:chOff x="0" y="0"/>
+          <a:chExt cx="0" cy="0"/>
+        </a:xfrm>
+      </p:grpSpPr>
+      <p:sp>
+        <p:nvSpPr>
+          <p:cNvPr id="2" name="Title 1">
+            <a:extLst>
+              <a:ext uri="{FF2B5EF4-FFF2-40B4-BE49-F238E27FC236}">
+                <a16:creationId xmlns:a16="http://schemas.microsoft.com/office/drawing/2014/main" id="{E08F6E75-2A45-4CD7-A89B-35B31D4D478A}"/>
+              </a:ext>
+            </a:extLst>
+          </p:cNvPr>
+          <p:cNvSpPr>
+            <a:spLocks noGrp="1"/>
+          </p:cNvSpPr>
+          <p:nvPr>
+            <p:ph type="title"/>
+          </p:nvPr>
+        </p:nvSpPr>
+        <p:spPr/>
+        <p:txBody>
+          <a:bodyPr/>
+          <a:lstStyle/>
+          <a:p>
+            <a:endParaRPr lang="en-CA"/>
+          </a:p>
+        </p:txBody>
+      </p:sp>
+      <p:sp>
+        <p:nvSpPr>
+          <p:cNvPr id="3" name="Content Placeholder 2">
+            <a:extLst>
+              <a:ext uri="{FF2B5EF4-FFF2-40B4-BE49-F238E27FC236}">
+                <a16:creationId xmlns:a16="http://schemas.microsoft.com/office/drawing/2014/main" id="{B415ED72-9909-4FA1-907A-DAF78FD34380}"/>
+              </a:ext>
+            </a:extLst>
+          </p:cNvPr>
+          <p:cNvSpPr>
+            <a:spLocks noGrp="1"/>
+          </p:cNvSpPr>
+          <p:nvPr>
+            <p:ph idx="1"/>
+          </p:nvPr>
+        </p:nvSpPr>
+        <p:spPr/>
+        <p:txBody>
+          <a:bodyPr/>
+          <a:lstStyle/>
+          <a:p>
+            <a:endParaRPr lang="en-CA"/>
+          </a:p>
+        </p:txBody>
+      </p:sp>
+    </p:spTree>
+    <p:extLst>
+      <p:ext uri="{BB962C8B-B14F-4D97-AF65-F5344CB8AC3E}">
+        <p14:creationId xmlns:p14="http://schemas.microsoft.com/office/powerpoint/2010/main" val="816399630"/>
+      </p:ext>
+    </p:extLst>
+  </p:cSld>
+  <p:clrMapOvr>
+    <a:masterClrMapping/>
+  </p:clrMapOvr>
+</p:sld>
+</file>
+
 <file path=ppt/slides/slide2.xml><?xml version="1.0" encoding="utf-8"?>
 <p:sld xmlns:a="http://schemas.openxmlformats.org/drawingml/2006/main" xmlns:r="http://schemas.openxmlformats.org/officeDocument/2006/relationships" xmlns:p="http://schemas.openxmlformats.org/presentationml/2006/main">
   <p:cSld>
@@ -7776,7 +7858,15 @@
           <a:p>
             <a:r>
               <a:rPr lang="en-CA" dirty="0" err="1"/>
-              <a:t>Antenne</a:t>
+              <a:t>Antennes</a:t>
+            </a:r>
+            <a:r>
+              <a:rPr lang="en-CA" dirty="0"/>
+              <a:t> - </a:t>
+            </a:r>
+            <a:r>
+              <a:rPr lang="en-CA" dirty="0" err="1"/>
+              <a:t>Planaires</a:t>
             </a:r>
             <a:endParaRPr lang="en-CA" dirty="0"/>
           </a:p>
@@ -7798,19 +7888,408 @@
             <p:ph idx="1"/>
           </p:nvPr>
         </p:nvSpPr>
-        <p:spPr/>
+        <p:spPr>
+          <a:xfrm>
+            <a:off x="1466490" y="1468963"/>
+            <a:ext cx="8915400" cy="3777622"/>
+          </a:xfrm>
+        </p:spPr>
         <p:txBody>
           <a:bodyPr/>
           <a:lstStyle/>
           <a:p>
-            <a:endParaRPr lang="en-CA"/>
+            <a:r>
+              <a:rPr lang="en-CA" dirty="0"/>
+              <a:t>Temps </a:t>
+            </a:r>
+            <a:r>
+              <a:rPr lang="en-CA" dirty="0" err="1"/>
+              <a:t>d’adaptation</a:t>
+            </a:r>
+            <a:r>
+              <a:rPr lang="en-CA" dirty="0"/>
+              <a:t> avec ADS</a:t>
+            </a:r>
+          </a:p>
+          <a:p>
+            <a:r>
+              <a:rPr lang="en-CA" dirty="0"/>
+              <a:t>Deux </a:t>
+            </a:r>
+            <a:r>
+              <a:rPr lang="en-CA" dirty="0" err="1"/>
+              <a:t>modèles</a:t>
+            </a:r>
+            <a:r>
+              <a:rPr lang="en-CA" dirty="0"/>
+              <a:t> </a:t>
+            </a:r>
+            <a:r>
+              <a:rPr lang="en-CA" dirty="0" err="1"/>
+              <a:t>différents</a:t>
+            </a:r>
+            <a:r>
+              <a:rPr lang="en-CA" dirty="0"/>
+              <a:t> par </a:t>
+            </a:r>
+            <a:r>
+              <a:rPr lang="en-CA" dirty="0" err="1"/>
+              <a:t>précaution</a:t>
+            </a:r>
+            <a:endParaRPr lang="en-CA" dirty="0"/>
+          </a:p>
+        </p:txBody>
+      </p:sp>
+      <p:pic>
+        <p:nvPicPr>
+          <p:cNvPr id="5" name="Picture 4">
+            <a:extLst>
+              <a:ext uri="{FF2B5EF4-FFF2-40B4-BE49-F238E27FC236}">
+                <a16:creationId xmlns:a16="http://schemas.microsoft.com/office/drawing/2014/main" id="{CE2C18C1-C5D7-480C-8F79-59D00B690E1B}"/>
+              </a:ext>
+            </a:extLst>
+          </p:cNvPr>
+          <p:cNvPicPr>
+            <a:picLocks noChangeAspect="1"/>
+          </p:cNvPicPr>
+          <p:nvPr/>
+        </p:nvPicPr>
+        <p:blipFill>
+          <a:blip r:embed="rId2">
+            <a:extLst>
+              <a:ext uri="{28A0092B-C50C-407E-A947-70E740481C1C}">
+                <a14:useLocalDpi xmlns:a14="http://schemas.microsoft.com/office/drawing/2010/main" val="0"/>
+              </a:ext>
+            </a:extLst>
+          </a:blip>
+          <a:stretch>
+            <a:fillRect/>
+          </a:stretch>
+        </p:blipFill>
+        <p:spPr>
+          <a:xfrm>
+            <a:off x="753348" y="2733627"/>
+            <a:ext cx="2113523" cy="1406226"/>
+          </a:xfrm>
+          <a:prstGeom prst="rect">
+            <a:avLst/>
+          </a:prstGeom>
+        </p:spPr>
+      </p:pic>
+      <p:pic>
+        <p:nvPicPr>
+          <p:cNvPr id="7" name="Picture 6">
+            <a:extLst>
+              <a:ext uri="{FF2B5EF4-FFF2-40B4-BE49-F238E27FC236}">
+                <a16:creationId xmlns:a16="http://schemas.microsoft.com/office/drawing/2014/main" id="{22A885DE-18E1-40B6-BA7F-A023E434788C}"/>
+              </a:ext>
+            </a:extLst>
+          </p:cNvPr>
+          <p:cNvPicPr>
+            <a:picLocks noChangeAspect="1"/>
+          </p:cNvPicPr>
+          <p:nvPr/>
+        </p:nvPicPr>
+        <p:blipFill>
+          <a:blip r:embed="rId3">
+            <a:extLst>
+              <a:ext uri="{28A0092B-C50C-407E-A947-70E740481C1C}">
+                <a14:useLocalDpi xmlns:a14="http://schemas.microsoft.com/office/drawing/2010/main" val="0"/>
+              </a:ext>
+            </a:extLst>
+          </a:blip>
+          <a:stretch>
+            <a:fillRect/>
+          </a:stretch>
+        </p:blipFill>
+        <p:spPr>
+          <a:xfrm>
+            <a:off x="948550" y="4695165"/>
+            <a:ext cx="1723118" cy="1733117"/>
+          </a:xfrm>
+          <a:prstGeom prst="rect">
+            <a:avLst/>
+          </a:prstGeom>
+        </p:spPr>
+      </p:pic>
+      <p:pic>
+        <p:nvPicPr>
+          <p:cNvPr id="9" name="Picture 8">
+            <a:extLst>
+              <a:ext uri="{FF2B5EF4-FFF2-40B4-BE49-F238E27FC236}">
+                <a16:creationId xmlns:a16="http://schemas.microsoft.com/office/drawing/2014/main" id="{BC1B2C59-35C7-462B-A7C7-D1097122CBF2}"/>
+              </a:ext>
+            </a:extLst>
+          </p:cNvPr>
+          <p:cNvPicPr>
+            <a:picLocks noChangeAspect="1"/>
+          </p:cNvPicPr>
+          <p:nvPr/>
+        </p:nvPicPr>
+        <p:blipFill>
+          <a:blip r:embed="rId4">
+            <a:extLst>
+              <a:ext uri="{28A0092B-C50C-407E-A947-70E740481C1C}">
+                <a14:useLocalDpi xmlns:a14="http://schemas.microsoft.com/office/drawing/2010/main" val="0"/>
+              </a:ext>
+            </a:extLst>
+          </a:blip>
+          <a:stretch>
+            <a:fillRect/>
+          </a:stretch>
+        </p:blipFill>
+        <p:spPr>
+          <a:xfrm>
+            <a:off x="3054776" y="2489646"/>
+            <a:ext cx="3435221" cy="1894187"/>
+          </a:xfrm>
+          <a:prstGeom prst="rect">
+            <a:avLst/>
+          </a:prstGeom>
+        </p:spPr>
+      </p:pic>
+      <p:pic>
+        <p:nvPicPr>
+          <p:cNvPr id="11" name="Picture 10">
+            <a:extLst>
+              <a:ext uri="{FF2B5EF4-FFF2-40B4-BE49-F238E27FC236}">
+                <a16:creationId xmlns:a16="http://schemas.microsoft.com/office/drawing/2014/main" id="{17F26499-29A0-4245-B39C-683E323178C3}"/>
+              </a:ext>
+            </a:extLst>
+          </p:cNvPr>
+          <p:cNvPicPr>
+            <a:picLocks noChangeAspect="1"/>
+          </p:cNvPicPr>
+          <p:nvPr/>
+        </p:nvPicPr>
+        <p:blipFill>
+          <a:blip r:embed="rId5">
+            <a:extLst>
+              <a:ext uri="{28A0092B-C50C-407E-A947-70E740481C1C}">
+                <a14:useLocalDpi xmlns:a14="http://schemas.microsoft.com/office/drawing/2010/main" val="0"/>
+              </a:ext>
+            </a:extLst>
+          </a:blip>
+          <a:stretch>
+            <a:fillRect/>
+          </a:stretch>
+        </p:blipFill>
+        <p:spPr>
+          <a:xfrm>
+            <a:off x="3054775" y="4487396"/>
+            <a:ext cx="3435221" cy="2148654"/>
+          </a:xfrm>
+          <a:prstGeom prst="rect">
+            <a:avLst/>
+          </a:prstGeom>
+        </p:spPr>
+      </p:pic>
+      <p:pic>
+        <p:nvPicPr>
+          <p:cNvPr id="13" name="Picture 12">
+            <a:extLst>
+              <a:ext uri="{FF2B5EF4-FFF2-40B4-BE49-F238E27FC236}">
+                <a16:creationId xmlns:a16="http://schemas.microsoft.com/office/drawing/2014/main" id="{37B1D7C9-CE29-4665-B674-E6CC08883D25}"/>
+              </a:ext>
+            </a:extLst>
+          </p:cNvPr>
+          <p:cNvPicPr>
+            <a:picLocks noChangeAspect="1"/>
+          </p:cNvPicPr>
+          <p:nvPr/>
+        </p:nvPicPr>
+        <p:blipFill>
+          <a:blip r:embed="rId6">
+            <a:extLst>
+              <a:ext uri="{28A0092B-C50C-407E-A947-70E740481C1C}">
+                <a14:useLocalDpi xmlns:a14="http://schemas.microsoft.com/office/drawing/2010/main" val="0"/>
+              </a:ext>
+            </a:extLst>
+          </a:blip>
+          <a:stretch>
+            <a:fillRect/>
+          </a:stretch>
+        </p:blipFill>
+        <p:spPr>
+          <a:xfrm>
+            <a:off x="6800651" y="4568679"/>
+            <a:ext cx="2662201" cy="1986087"/>
+          </a:xfrm>
+          <a:prstGeom prst="rect">
+            <a:avLst/>
+          </a:prstGeom>
+        </p:spPr>
+      </p:pic>
+      <p:pic>
+        <p:nvPicPr>
+          <p:cNvPr id="15" name="Picture 14">
+            <a:extLst>
+              <a:ext uri="{FF2B5EF4-FFF2-40B4-BE49-F238E27FC236}">
+                <a16:creationId xmlns:a16="http://schemas.microsoft.com/office/drawing/2014/main" id="{DCE4A6C5-AE44-4CE6-9BB0-4BF14EC14772}"/>
+              </a:ext>
+            </a:extLst>
+          </p:cNvPr>
+          <p:cNvPicPr>
+            <a:picLocks noChangeAspect="1"/>
+          </p:cNvPicPr>
+          <p:nvPr/>
+        </p:nvPicPr>
+        <p:blipFill>
+          <a:blip r:embed="rId7">
+            <a:extLst>
+              <a:ext uri="{28A0092B-C50C-407E-A947-70E740481C1C}">
+                <a14:useLocalDpi xmlns:a14="http://schemas.microsoft.com/office/drawing/2010/main" val="0"/>
+              </a:ext>
+            </a:extLst>
+          </a:blip>
+          <a:stretch>
+            <a:fillRect/>
+          </a:stretch>
+        </p:blipFill>
+        <p:spPr>
+          <a:xfrm>
+            <a:off x="6800651" y="2435956"/>
+            <a:ext cx="2645753" cy="1986088"/>
+          </a:xfrm>
+          <a:prstGeom prst="rect">
+            <a:avLst/>
+          </a:prstGeom>
+        </p:spPr>
+      </p:pic>
+      <p:sp>
+        <p:nvSpPr>
+          <p:cNvPr id="16" name="TextBox 15">
+            <a:extLst>
+              <a:ext uri="{FF2B5EF4-FFF2-40B4-BE49-F238E27FC236}">
+                <a16:creationId xmlns:a16="http://schemas.microsoft.com/office/drawing/2014/main" id="{40B4E6AA-80A5-43B7-8A3B-BC40BD2FD27C}"/>
+              </a:ext>
+            </a:extLst>
+          </p:cNvPr>
+          <p:cNvSpPr txBox="1"/>
+          <p:nvPr/>
+        </p:nvSpPr>
+        <p:spPr>
+          <a:xfrm>
+            <a:off x="9446404" y="2967335"/>
+            <a:ext cx="2802783" cy="923330"/>
+          </a:xfrm>
+          <a:prstGeom prst="rect">
+            <a:avLst/>
+          </a:prstGeom>
+          <a:noFill/>
+        </p:spPr>
+        <p:txBody>
+          <a:bodyPr wrap="square" rtlCol="0">
+            <a:spAutoFit/>
+          </a:bodyPr>
+          <a:lstStyle/>
+          <a:p>
+            <a:r>
+              <a:rPr lang="en-CA" dirty="0"/>
+              <a:t>Gain </a:t>
+            </a:r>
+            <a:r>
+              <a:rPr lang="en-CA" dirty="0" err="1"/>
+              <a:t>dans</a:t>
+            </a:r>
+            <a:r>
+              <a:rPr lang="en-CA" dirty="0"/>
+              <a:t> la </a:t>
+            </a:r>
+            <a:r>
+              <a:rPr lang="en-CA" dirty="0" err="1"/>
+              <a:t>bande</a:t>
+            </a:r>
+            <a:r>
+              <a:rPr lang="en-CA" dirty="0"/>
+              <a:t> </a:t>
+            </a:r>
+            <a:r>
+              <a:rPr lang="en-CA" dirty="0" err="1"/>
+              <a:t>passante</a:t>
+            </a:r>
+            <a:r>
+              <a:rPr lang="en-CA" dirty="0"/>
+              <a:t>:</a:t>
+            </a:r>
+          </a:p>
+          <a:p>
+            <a:r>
+              <a:rPr lang="en-CA" dirty="0"/>
+              <a:t>de -3,19dB à – 8,54dB</a:t>
+            </a:r>
+          </a:p>
+        </p:txBody>
+      </p:sp>
+      <p:sp>
+        <p:nvSpPr>
+          <p:cNvPr id="17" name="TextBox 16">
+            <a:extLst>
+              <a:ext uri="{FF2B5EF4-FFF2-40B4-BE49-F238E27FC236}">
+                <a16:creationId xmlns:a16="http://schemas.microsoft.com/office/drawing/2014/main" id="{06B0E7E5-E4D4-4B77-AF54-E25BB74A7393}"/>
+              </a:ext>
+            </a:extLst>
+          </p:cNvPr>
+          <p:cNvSpPr txBox="1"/>
+          <p:nvPr/>
+        </p:nvSpPr>
+        <p:spPr>
+          <a:xfrm>
+            <a:off x="9498438" y="5100057"/>
+            <a:ext cx="2802783" cy="923330"/>
+          </a:xfrm>
+          <a:prstGeom prst="rect">
+            <a:avLst/>
+          </a:prstGeom>
+          <a:noFill/>
+        </p:spPr>
+        <p:txBody>
+          <a:bodyPr wrap="square" rtlCol="0">
+            <a:spAutoFit/>
+          </a:bodyPr>
+          <a:lstStyle/>
+          <a:p>
+            <a:r>
+              <a:rPr lang="en-CA" dirty="0"/>
+              <a:t>Gain </a:t>
+            </a:r>
+            <a:r>
+              <a:rPr lang="en-CA" dirty="0" err="1"/>
+              <a:t>dans</a:t>
+            </a:r>
+            <a:r>
+              <a:rPr lang="en-CA" dirty="0"/>
+              <a:t> la </a:t>
+            </a:r>
+            <a:r>
+              <a:rPr lang="en-CA" dirty="0" err="1"/>
+              <a:t>bande</a:t>
+            </a:r>
+            <a:r>
+              <a:rPr lang="en-CA" dirty="0"/>
+              <a:t> </a:t>
+            </a:r>
+            <a:r>
+              <a:rPr lang="en-CA" dirty="0" err="1"/>
+              <a:t>passante</a:t>
+            </a:r>
+            <a:r>
+              <a:rPr lang="en-CA" dirty="0"/>
+              <a:t>:</a:t>
+            </a:r>
+          </a:p>
+          <a:p>
+            <a:r>
+              <a:rPr lang="en-CA" dirty="0"/>
+              <a:t>de -21,69dB à -24,92dB</a:t>
+            </a:r>
           </a:p>
         </p:txBody>
       </p:sp>
     </p:spTree>
     <p:extLst>
       <p:ext uri="{BB962C8B-B14F-4D97-AF65-F5344CB8AC3E}">
-        <p14:creationId xmlns:p14="http://schemas.microsoft.com/office/powerpoint/2010/main" val="1461233970"/>
+        <p14:creationId xmlns:p14="http://schemas.microsoft.com/office/powerpoint/2010/main" val="720972098"/>
       </p:ext>
     </p:extLst>
   </p:cSld>
@@ -7842,7 +8321,7 @@
           <p:cNvPr id="2" name="Title 1">
             <a:extLst>
               <a:ext uri="{FF2B5EF4-FFF2-40B4-BE49-F238E27FC236}">
-                <a16:creationId xmlns:a16="http://schemas.microsoft.com/office/drawing/2014/main" id="{181B7A1F-D195-4CB6-AF4A-94DB2BC49CEB}"/>
+                <a16:creationId xmlns:a16="http://schemas.microsoft.com/office/drawing/2014/main" id="{E08F6E75-2A45-4CD7-A89B-35B31D4D478A}"/>
               </a:ext>
             </a:extLst>
           </p:cNvPr>
@@ -7860,12 +8339,17 @@
           <a:p>
             <a:r>
               <a:rPr lang="en-CA" dirty="0" err="1"/>
-              <a:t>Chaîne</a:t>
+              <a:t>Antennes</a:t>
             </a:r>
             <a:r>
               <a:rPr lang="en-CA" dirty="0"/>
-              <a:t> RF</a:t>
-            </a:r>
+              <a:t> - </a:t>
+            </a:r>
+            <a:r>
+              <a:rPr lang="en-CA" dirty="0" err="1"/>
+              <a:t>Planaires</a:t>
+            </a:r>
+            <a:endParaRPr lang="en-CA" dirty="0"/>
           </a:p>
         </p:txBody>
       </p:sp>
@@ -7874,7 +8358,7 @@
           <p:cNvPr id="3" name="Content Placeholder 2">
             <a:extLst>
               <a:ext uri="{FF2B5EF4-FFF2-40B4-BE49-F238E27FC236}">
-                <a16:creationId xmlns:a16="http://schemas.microsoft.com/office/drawing/2014/main" id="{86306AC8-2B44-4495-982C-29052A09B7D8}"/>
+                <a16:creationId xmlns:a16="http://schemas.microsoft.com/office/drawing/2014/main" id="{B415ED72-9909-4FA1-907A-DAF78FD34380}"/>
               </a:ext>
             </a:extLst>
           </p:cNvPr>
@@ -7890,14 +8374,90 @@
           <a:bodyPr/>
           <a:lstStyle/>
           <a:p>
-            <a:endParaRPr lang="en-CA"/>
+            <a:r>
+              <a:rPr lang="en-CA" dirty="0"/>
+              <a:t>APP 2:</a:t>
+            </a:r>
+          </a:p>
+          <a:p>
+            <a:pPr lvl="1"/>
+            <a:r>
+              <a:rPr lang="en-CA" dirty="0" err="1"/>
+              <a:t>Calculs</a:t>
+            </a:r>
+            <a:r>
+              <a:rPr lang="en-CA" dirty="0"/>
+              <a:t> des dimensions </a:t>
+            </a:r>
+            <a:r>
+              <a:rPr lang="en-CA" dirty="0" err="1"/>
+              <a:t>d’une</a:t>
+            </a:r>
+            <a:r>
+              <a:rPr lang="en-CA" dirty="0"/>
+              <a:t> </a:t>
+            </a:r>
+            <a:r>
+              <a:rPr lang="en-CA" dirty="0" err="1"/>
+              <a:t>antenne</a:t>
+            </a:r>
+            <a:r>
+              <a:rPr lang="en-CA" dirty="0"/>
+              <a:t> </a:t>
+            </a:r>
+            <a:r>
+              <a:rPr lang="en-CA" dirty="0" err="1"/>
+              <a:t>planaire</a:t>
+            </a:r>
+            <a:endParaRPr lang="en-CA" dirty="0"/>
+          </a:p>
+          <a:p>
+            <a:pPr lvl="1"/>
+            <a:r>
+              <a:rPr lang="en-CA" dirty="0"/>
+              <a:t>Utilisation </a:t>
+            </a:r>
+            <a:r>
+              <a:rPr lang="en-CA" dirty="0" err="1"/>
+              <a:t>d’ADS</a:t>
+            </a:r>
+            <a:endParaRPr lang="en-CA" dirty="0"/>
+          </a:p>
+          <a:p>
+            <a:r>
+              <a:rPr lang="en-CA" dirty="0"/>
+              <a:t>APP 3:</a:t>
+            </a:r>
+          </a:p>
+          <a:p>
+            <a:pPr lvl="1"/>
+            <a:r>
+              <a:rPr lang="en-CA" dirty="0" err="1"/>
+              <a:t>Lignes</a:t>
+            </a:r>
+            <a:r>
+              <a:rPr lang="en-CA" dirty="0"/>
+              <a:t> de transmission</a:t>
+            </a:r>
+          </a:p>
+          <a:p>
+            <a:pPr lvl="1"/>
+            <a:r>
+              <a:rPr lang="en-CA" dirty="0"/>
+              <a:t>Adaptation </a:t>
+            </a:r>
+            <a:r>
+              <a:rPr lang="en-CA" dirty="0" err="1"/>
+              <a:t>d’impédance</a:t>
+            </a:r>
+            <a:endParaRPr lang="en-CA" dirty="0"/>
           </a:p>
         </p:txBody>
       </p:sp>
     </p:spTree>
     <p:extLst>
       <p:ext uri="{BB962C8B-B14F-4D97-AF65-F5344CB8AC3E}">
-        <p14:creationId xmlns:p14="http://schemas.microsoft.com/office/powerpoint/2010/main" val="4155299707"/>
+        <p14:creationId xmlns:p14="http://schemas.microsoft.com/office/powerpoint/2010/main" val="1190730998"/>
       </p:ext>
     </p:extLst>
   </p:cSld>
@@ -7929,7 +8489,7 @@
           <p:cNvPr id="2" name="Title 1">
             <a:extLst>
               <a:ext uri="{FF2B5EF4-FFF2-40B4-BE49-F238E27FC236}">
-                <a16:creationId xmlns:a16="http://schemas.microsoft.com/office/drawing/2014/main" id="{CB092671-ACDE-4E64-B487-381F2D0C6C2D}"/>
+                <a16:creationId xmlns:a16="http://schemas.microsoft.com/office/drawing/2014/main" id="{532BB36A-66E0-4644-AB8F-8DCB79605DD1}"/>
               </a:ext>
             </a:extLst>
           </p:cNvPr>
@@ -7946,12 +8506,8 @@
           <a:lstStyle/>
           <a:p>
             <a:r>
-              <a:rPr lang="en-CA" dirty="0"/>
-              <a:t>Modem </a:t>
-            </a:r>
-            <a:r>
               <a:rPr lang="en-CA" dirty="0" err="1"/>
-              <a:t>Numérique</a:t>
+              <a:t>Antenne</a:t>
             </a:r>
             <a:endParaRPr lang="en-CA" dirty="0"/>
           </a:p>
@@ -7962,7 +8518,7 @@
           <p:cNvPr id="3" name="Content Placeholder 2">
             <a:extLst>
               <a:ext uri="{FF2B5EF4-FFF2-40B4-BE49-F238E27FC236}">
-                <a16:creationId xmlns:a16="http://schemas.microsoft.com/office/drawing/2014/main" id="{C98FDD01-A6F3-46B0-A7A5-740763964552}"/>
+                <a16:creationId xmlns:a16="http://schemas.microsoft.com/office/drawing/2014/main" id="{6E8CB243-474A-4A7D-87A0-18D4236EA148}"/>
               </a:ext>
             </a:extLst>
           </p:cNvPr>
@@ -7985,7 +8541,7 @@
     </p:spTree>
     <p:extLst>
       <p:ext uri="{BB962C8B-B14F-4D97-AF65-F5344CB8AC3E}">
-        <p14:creationId xmlns:p14="http://schemas.microsoft.com/office/powerpoint/2010/main" val="4294789758"/>
+        <p14:creationId xmlns:p14="http://schemas.microsoft.com/office/powerpoint/2010/main" val="1461233970"/>
       </p:ext>
     </p:extLst>
   </p:cSld>
@@ -8017,7 +8573,7 @@
           <p:cNvPr id="2" name="Title 1">
             <a:extLst>
               <a:ext uri="{FF2B5EF4-FFF2-40B4-BE49-F238E27FC236}">
-                <a16:creationId xmlns:a16="http://schemas.microsoft.com/office/drawing/2014/main" id="{4D96D023-FF4C-48F9-8D0D-C84356743869}"/>
+                <a16:creationId xmlns:a16="http://schemas.microsoft.com/office/drawing/2014/main" id="{181B7A1F-D195-4CB6-AF4A-94DB2BC49CEB}"/>
               </a:ext>
             </a:extLst>
           </p:cNvPr>
@@ -8035,194 +8591,44 @@
           <a:p>
             <a:r>
               <a:rPr lang="en-CA" dirty="0" err="1"/>
-              <a:t>Protocole</a:t>
-            </a:r>
-            <a:endParaRPr lang="en-CA" dirty="0"/>
-          </a:p>
-        </p:txBody>
-      </p:sp>
-      <p:sp>
-        <p:nvSpPr>
-          <p:cNvPr id="3" name="TextBox 2">
+              <a:t>Chaîne</a:t>
+            </a:r>
+            <a:r>
+              <a:rPr lang="en-CA" dirty="0"/>
+              <a:t> RF</a:t>
+            </a:r>
+          </a:p>
+        </p:txBody>
+      </p:sp>
+      <p:sp>
+        <p:nvSpPr>
+          <p:cNvPr id="3" name="Content Placeholder 2">
             <a:extLst>
               <a:ext uri="{FF2B5EF4-FFF2-40B4-BE49-F238E27FC236}">
-                <a16:creationId xmlns:a16="http://schemas.microsoft.com/office/drawing/2014/main" id="{42DA6C5E-FC75-4155-A6A5-19DC3943EF40}"/>
+                <a16:creationId xmlns:a16="http://schemas.microsoft.com/office/drawing/2014/main" id="{86306AC8-2B44-4495-982C-29052A09B7D8}"/>
               </a:ext>
             </a:extLst>
           </p:cNvPr>
-          <p:cNvSpPr txBox="1"/>
-          <p:nvPr/>
-        </p:nvSpPr>
-        <p:spPr>
-          <a:xfrm>
-            <a:off x="685800" y="1907931"/>
-            <a:ext cx="11506199" cy="461665"/>
-          </a:xfrm>
-          <a:prstGeom prst="rect">
-            <a:avLst/>
-          </a:prstGeom>
-          <a:noFill/>
-        </p:spPr>
-        <p:txBody>
-          <a:bodyPr wrap="square" rtlCol="0">
-            <a:spAutoFit/>
-          </a:bodyPr>
+          <p:cNvSpPr>
+            <a:spLocks noGrp="1"/>
+          </p:cNvSpPr>
+          <p:nvPr>
+            <p:ph idx="1"/>
+          </p:nvPr>
+        </p:nvSpPr>
+        <p:spPr/>
+        <p:txBody>
+          <a:bodyPr/>
           <a:lstStyle/>
           <a:p>
-            <a:r>
-              <a:rPr lang="en-CA" sz="2400" dirty="0" err="1"/>
-              <a:t>Défis</a:t>
-            </a:r>
-            <a:r>
-              <a:rPr lang="en-CA" sz="2400" dirty="0"/>
-              <a:t> à </a:t>
-            </a:r>
-            <a:r>
-              <a:rPr lang="en-CA" sz="2400" dirty="0" err="1"/>
-              <a:t>relever</a:t>
-            </a:r>
-            <a:r>
-              <a:rPr lang="en-CA" sz="2400" dirty="0"/>
-              <a:t>:</a:t>
-            </a:r>
-          </a:p>
-        </p:txBody>
-      </p:sp>
-      <p:sp>
-        <p:nvSpPr>
-          <p:cNvPr id="4" name="TextBox 3">
-            <a:extLst>
-              <a:ext uri="{FF2B5EF4-FFF2-40B4-BE49-F238E27FC236}">
-                <a16:creationId xmlns:a16="http://schemas.microsoft.com/office/drawing/2014/main" id="{5FEF8A14-9BCD-43CA-BA7F-8EB49C06208A}"/>
-              </a:ext>
-            </a:extLst>
-          </p:cNvPr>
-          <p:cNvSpPr txBox="1"/>
-          <p:nvPr/>
-        </p:nvSpPr>
-        <p:spPr>
-          <a:xfrm>
-            <a:off x="808892" y="2716823"/>
-            <a:ext cx="10612316" cy="1754326"/>
-          </a:xfrm>
-          <a:prstGeom prst="rect">
-            <a:avLst/>
-          </a:prstGeom>
-          <a:noFill/>
-        </p:spPr>
-        <p:txBody>
-          <a:bodyPr wrap="square" rtlCol="0">
-            <a:spAutoFit/>
-          </a:bodyPr>
-          <a:lstStyle/>
-          <a:p>
-            <a:pPr marL="285750" indent="-285750">
-              <a:buFont typeface="Arial" panose="020B0604020202020204" pitchFamily="34" charset="0"/>
-              <a:buChar char="•"/>
-            </a:pPr>
-            <a:r>
-              <a:rPr lang="en-CA" dirty="0"/>
-              <a:t>Distinction des </a:t>
-            </a:r>
-            <a:r>
-              <a:rPr lang="en-CA" dirty="0" err="1"/>
-              <a:t>signaux</a:t>
-            </a:r>
-            <a:r>
-              <a:rPr lang="en-CA" dirty="0"/>
-              <a:t> pour </a:t>
-            </a:r>
-            <a:r>
-              <a:rPr lang="en-CA" dirty="0" err="1"/>
-              <a:t>chaque</a:t>
-            </a:r>
-            <a:r>
-              <a:rPr lang="en-CA" dirty="0"/>
-              <a:t> </a:t>
-            </a:r>
-            <a:r>
-              <a:rPr lang="en-CA" dirty="0" err="1"/>
-              <a:t>ruche</a:t>
-            </a:r>
-            <a:endParaRPr lang="en-CA" dirty="0"/>
-          </a:p>
-          <a:p>
-            <a:pPr marL="285750" indent="-285750">
-              <a:buFont typeface="Arial" panose="020B0604020202020204" pitchFamily="34" charset="0"/>
-              <a:buChar char="•"/>
-            </a:pPr>
-            <a:endParaRPr lang="en-CA" dirty="0"/>
-          </a:p>
-          <a:p>
-            <a:pPr marL="285750" indent="-285750">
-              <a:buFont typeface="Arial" panose="020B0604020202020204" pitchFamily="34" charset="0"/>
-              <a:buChar char="•"/>
-            </a:pPr>
-            <a:r>
-              <a:rPr lang="en-CA" dirty="0"/>
-              <a:t>Reconnaissance des </a:t>
-            </a:r>
-            <a:r>
-              <a:rPr lang="en-CA" dirty="0" err="1"/>
-              <a:t>différentes</a:t>
-            </a:r>
-            <a:r>
-              <a:rPr lang="en-CA" dirty="0"/>
-              <a:t> </a:t>
-            </a:r>
-            <a:r>
-              <a:rPr lang="en-CA" dirty="0" err="1"/>
-              <a:t>commandes</a:t>
-            </a:r>
-            <a:endParaRPr lang="en-CA" dirty="0"/>
-          </a:p>
-          <a:p>
-            <a:pPr marL="285750" indent="-285750">
-              <a:buFont typeface="Arial" panose="020B0604020202020204" pitchFamily="34" charset="0"/>
-              <a:buChar char="•"/>
-            </a:pPr>
-            <a:endParaRPr lang="en-CA" dirty="0"/>
-          </a:p>
-          <a:p>
-            <a:pPr marL="285750" indent="-285750">
-              <a:buFont typeface="Arial" panose="020B0604020202020204" pitchFamily="34" charset="0"/>
-              <a:buChar char="•"/>
-            </a:pPr>
-            <a:r>
-              <a:rPr lang="en-CA" dirty="0" err="1"/>
-              <a:t>Vérification</a:t>
-            </a:r>
-            <a:r>
-              <a:rPr lang="en-CA" dirty="0"/>
-              <a:t> de </a:t>
-            </a:r>
-            <a:r>
-              <a:rPr lang="en-CA" dirty="0" err="1"/>
-              <a:t>l’état</a:t>
-            </a:r>
-            <a:r>
-              <a:rPr lang="en-CA" dirty="0"/>
-              <a:t> des </a:t>
-            </a:r>
-            <a:r>
-              <a:rPr lang="en-CA" dirty="0" err="1"/>
-              <a:t>ruches</a:t>
-            </a:r>
-            <a:endParaRPr lang="en-CA" dirty="0"/>
-          </a:p>
-          <a:p>
-            <a:pPr marL="285750" indent="-285750">
-              <a:buFont typeface="Arial" panose="020B0604020202020204" pitchFamily="34" charset="0"/>
-              <a:buChar char="•"/>
-            </a:pPr>
-            <a:endParaRPr lang="en-CA" dirty="0"/>
+            <a:endParaRPr lang="en-CA"/>
           </a:p>
         </p:txBody>
       </p:sp>
     </p:spTree>
     <p:extLst>
       <p:ext uri="{BB962C8B-B14F-4D97-AF65-F5344CB8AC3E}">
-        <p14:creationId xmlns:p14="http://schemas.microsoft.com/office/powerpoint/2010/main" val="1560542592"/>
+        <p14:creationId xmlns:p14="http://schemas.microsoft.com/office/powerpoint/2010/main" val="4155299707"/>
       </p:ext>
     </p:extLst>
   </p:cSld>
@@ -8254,6 +8660,331 @@
           <p:cNvPr id="2" name="Title 1">
             <a:extLst>
               <a:ext uri="{FF2B5EF4-FFF2-40B4-BE49-F238E27FC236}">
+                <a16:creationId xmlns:a16="http://schemas.microsoft.com/office/drawing/2014/main" id="{CB092671-ACDE-4E64-B487-381F2D0C6C2D}"/>
+              </a:ext>
+            </a:extLst>
+          </p:cNvPr>
+          <p:cNvSpPr>
+            <a:spLocks noGrp="1"/>
+          </p:cNvSpPr>
+          <p:nvPr>
+            <p:ph type="title"/>
+          </p:nvPr>
+        </p:nvSpPr>
+        <p:spPr/>
+        <p:txBody>
+          <a:bodyPr/>
+          <a:lstStyle/>
+          <a:p>
+            <a:r>
+              <a:rPr lang="en-CA" dirty="0"/>
+              <a:t>Modem </a:t>
+            </a:r>
+            <a:r>
+              <a:rPr lang="en-CA" dirty="0" err="1"/>
+              <a:t>Numérique</a:t>
+            </a:r>
+            <a:endParaRPr lang="en-CA" dirty="0"/>
+          </a:p>
+        </p:txBody>
+      </p:sp>
+      <p:sp>
+        <p:nvSpPr>
+          <p:cNvPr id="3" name="Content Placeholder 2">
+            <a:extLst>
+              <a:ext uri="{FF2B5EF4-FFF2-40B4-BE49-F238E27FC236}">
+                <a16:creationId xmlns:a16="http://schemas.microsoft.com/office/drawing/2014/main" id="{C98FDD01-A6F3-46B0-A7A5-740763964552}"/>
+              </a:ext>
+            </a:extLst>
+          </p:cNvPr>
+          <p:cNvSpPr>
+            <a:spLocks noGrp="1"/>
+          </p:cNvSpPr>
+          <p:nvPr>
+            <p:ph idx="1"/>
+          </p:nvPr>
+        </p:nvSpPr>
+        <p:spPr/>
+        <p:txBody>
+          <a:bodyPr/>
+          <a:lstStyle/>
+          <a:p>
+            <a:endParaRPr lang="en-CA"/>
+          </a:p>
+        </p:txBody>
+      </p:sp>
+    </p:spTree>
+    <p:extLst>
+      <p:ext uri="{BB962C8B-B14F-4D97-AF65-F5344CB8AC3E}">
+        <p14:creationId xmlns:p14="http://schemas.microsoft.com/office/powerpoint/2010/main" val="4294789758"/>
+      </p:ext>
+    </p:extLst>
+  </p:cSld>
+  <p:clrMapOvr>
+    <a:masterClrMapping/>
+  </p:clrMapOvr>
+</p:sld>
+</file>
+
+<file path=ppt/slides/slide7.xml><?xml version="1.0" encoding="utf-8"?>
+<p:sld xmlns:a="http://schemas.openxmlformats.org/drawingml/2006/main" xmlns:r="http://schemas.openxmlformats.org/officeDocument/2006/relationships" xmlns:p="http://schemas.openxmlformats.org/presentationml/2006/main">
+  <p:cSld>
+    <p:spTree>
+      <p:nvGrpSpPr>
+        <p:cNvPr id="1" name=""/>
+        <p:cNvGrpSpPr/>
+        <p:nvPr/>
+      </p:nvGrpSpPr>
+      <p:grpSpPr>
+        <a:xfrm>
+          <a:off x="0" y="0"/>
+          <a:ext cx="0" cy="0"/>
+          <a:chOff x="0" y="0"/>
+          <a:chExt cx="0" cy="0"/>
+        </a:xfrm>
+      </p:grpSpPr>
+      <p:sp>
+        <p:nvSpPr>
+          <p:cNvPr id="2" name="Title 1">
+            <a:extLst>
+              <a:ext uri="{FF2B5EF4-FFF2-40B4-BE49-F238E27FC236}">
+                <a16:creationId xmlns:a16="http://schemas.microsoft.com/office/drawing/2014/main" id="{4D96D023-FF4C-48F9-8D0D-C84356743869}"/>
+              </a:ext>
+            </a:extLst>
+          </p:cNvPr>
+          <p:cNvSpPr>
+            <a:spLocks noGrp="1"/>
+          </p:cNvSpPr>
+          <p:nvPr>
+            <p:ph type="title"/>
+          </p:nvPr>
+        </p:nvSpPr>
+        <p:spPr/>
+        <p:txBody>
+          <a:bodyPr/>
+          <a:lstStyle/>
+          <a:p>
+            <a:r>
+              <a:rPr lang="en-CA" dirty="0" err="1"/>
+              <a:t>Protocole</a:t>
+            </a:r>
+            <a:endParaRPr lang="en-CA" dirty="0"/>
+          </a:p>
+        </p:txBody>
+      </p:sp>
+      <p:sp>
+        <p:nvSpPr>
+          <p:cNvPr id="3" name="TextBox 2">
+            <a:extLst>
+              <a:ext uri="{FF2B5EF4-FFF2-40B4-BE49-F238E27FC236}">
+                <a16:creationId xmlns:a16="http://schemas.microsoft.com/office/drawing/2014/main" id="{42DA6C5E-FC75-4155-A6A5-19DC3943EF40}"/>
+              </a:ext>
+            </a:extLst>
+          </p:cNvPr>
+          <p:cNvSpPr txBox="1"/>
+          <p:nvPr/>
+        </p:nvSpPr>
+        <p:spPr>
+          <a:xfrm>
+            <a:off x="685800" y="1907931"/>
+            <a:ext cx="11506199" cy="461665"/>
+          </a:xfrm>
+          <a:prstGeom prst="rect">
+            <a:avLst/>
+          </a:prstGeom>
+          <a:noFill/>
+        </p:spPr>
+        <p:txBody>
+          <a:bodyPr wrap="square" rtlCol="0">
+            <a:spAutoFit/>
+          </a:bodyPr>
+          <a:lstStyle/>
+          <a:p>
+            <a:r>
+              <a:rPr lang="en-CA" sz="2400" dirty="0" err="1"/>
+              <a:t>Défis</a:t>
+            </a:r>
+            <a:r>
+              <a:rPr lang="en-CA" sz="2400" dirty="0"/>
+              <a:t> à </a:t>
+            </a:r>
+            <a:r>
+              <a:rPr lang="en-CA" sz="2400" dirty="0" err="1"/>
+              <a:t>relever</a:t>
+            </a:r>
+            <a:r>
+              <a:rPr lang="en-CA" sz="2400" dirty="0"/>
+              <a:t>:</a:t>
+            </a:r>
+          </a:p>
+        </p:txBody>
+      </p:sp>
+      <p:sp>
+        <p:nvSpPr>
+          <p:cNvPr id="4" name="TextBox 3">
+            <a:extLst>
+              <a:ext uri="{FF2B5EF4-FFF2-40B4-BE49-F238E27FC236}">
+                <a16:creationId xmlns:a16="http://schemas.microsoft.com/office/drawing/2014/main" id="{5FEF8A14-9BCD-43CA-BA7F-8EB49C06208A}"/>
+              </a:ext>
+            </a:extLst>
+          </p:cNvPr>
+          <p:cNvSpPr txBox="1"/>
+          <p:nvPr/>
+        </p:nvSpPr>
+        <p:spPr>
+          <a:xfrm>
+            <a:off x="808892" y="2716823"/>
+            <a:ext cx="10612316" cy="1754326"/>
+          </a:xfrm>
+          <a:prstGeom prst="rect">
+            <a:avLst/>
+          </a:prstGeom>
+          <a:noFill/>
+        </p:spPr>
+        <p:txBody>
+          <a:bodyPr wrap="square" rtlCol="0">
+            <a:spAutoFit/>
+          </a:bodyPr>
+          <a:lstStyle/>
+          <a:p>
+            <a:pPr marL="285750" indent="-285750">
+              <a:buFont typeface="Arial" panose="020B0604020202020204" pitchFamily="34" charset="0"/>
+              <a:buChar char="•"/>
+            </a:pPr>
+            <a:r>
+              <a:rPr lang="en-CA" dirty="0"/>
+              <a:t>Distinction des </a:t>
+            </a:r>
+            <a:r>
+              <a:rPr lang="en-CA" dirty="0" err="1"/>
+              <a:t>signaux</a:t>
+            </a:r>
+            <a:r>
+              <a:rPr lang="en-CA" dirty="0"/>
+              <a:t> pour </a:t>
+            </a:r>
+            <a:r>
+              <a:rPr lang="en-CA" dirty="0" err="1"/>
+              <a:t>chaque</a:t>
+            </a:r>
+            <a:r>
+              <a:rPr lang="en-CA" dirty="0"/>
+              <a:t> </a:t>
+            </a:r>
+            <a:r>
+              <a:rPr lang="en-CA" dirty="0" err="1"/>
+              <a:t>ruche</a:t>
+            </a:r>
+            <a:endParaRPr lang="en-CA" dirty="0"/>
+          </a:p>
+          <a:p>
+            <a:pPr marL="285750" indent="-285750">
+              <a:buFont typeface="Arial" panose="020B0604020202020204" pitchFamily="34" charset="0"/>
+              <a:buChar char="•"/>
+            </a:pPr>
+            <a:endParaRPr lang="en-CA" dirty="0"/>
+          </a:p>
+          <a:p>
+            <a:pPr marL="285750" indent="-285750">
+              <a:buFont typeface="Arial" panose="020B0604020202020204" pitchFamily="34" charset="0"/>
+              <a:buChar char="•"/>
+            </a:pPr>
+            <a:r>
+              <a:rPr lang="en-CA" dirty="0"/>
+              <a:t>Reconnaissance des </a:t>
+            </a:r>
+            <a:r>
+              <a:rPr lang="en-CA" dirty="0" err="1"/>
+              <a:t>différentes</a:t>
+            </a:r>
+            <a:r>
+              <a:rPr lang="en-CA" dirty="0"/>
+              <a:t> </a:t>
+            </a:r>
+            <a:r>
+              <a:rPr lang="en-CA" dirty="0" err="1"/>
+              <a:t>commandes</a:t>
+            </a:r>
+            <a:endParaRPr lang="en-CA" dirty="0"/>
+          </a:p>
+          <a:p>
+            <a:pPr marL="285750" indent="-285750">
+              <a:buFont typeface="Arial" panose="020B0604020202020204" pitchFamily="34" charset="0"/>
+              <a:buChar char="•"/>
+            </a:pPr>
+            <a:endParaRPr lang="en-CA" dirty="0"/>
+          </a:p>
+          <a:p>
+            <a:pPr marL="285750" indent="-285750">
+              <a:buFont typeface="Arial" panose="020B0604020202020204" pitchFamily="34" charset="0"/>
+              <a:buChar char="•"/>
+            </a:pPr>
+            <a:r>
+              <a:rPr lang="en-CA" dirty="0" err="1"/>
+              <a:t>Vérification</a:t>
+            </a:r>
+            <a:r>
+              <a:rPr lang="en-CA" dirty="0"/>
+              <a:t> de </a:t>
+            </a:r>
+            <a:r>
+              <a:rPr lang="en-CA" dirty="0" err="1"/>
+              <a:t>l’état</a:t>
+            </a:r>
+            <a:r>
+              <a:rPr lang="en-CA" dirty="0"/>
+              <a:t> des </a:t>
+            </a:r>
+            <a:r>
+              <a:rPr lang="en-CA" dirty="0" err="1"/>
+              <a:t>ruches</a:t>
+            </a:r>
+            <a:endParaRPr lang="en-CA" dirty="0"/>
+          </a:p>
+          <a:p>
+            <a:pPr marL="285750" indent="-285750">
+              <a:buFont typeface="Arial" panose="020B0604020202020204" pitchFamily="34" charset="0"/>
+              <a:buChar char="•"/>
+            </a:pPr>
+            <a:endParaRPr lang="en-CA" dirty="0"/>
+          </a:p>
+        </p:txBody>
+      </p:sp>
+    </p:spTree>
+    <p:extLst>
+      <p:ext uri="{BB962C8B-B14F-4D97-AF65-F5344CB8AC3E}">
+        <p14:creationId xmlns:p14="http://schemas.microsoft.com/office/powerpoint/2010/main" val="1560542592"/>
+      </p:ext>
+    </p:extLst>
+  </p:cSld>
+  <p:clrMapOvr>
+    <a:masterClrMapping/>
+  </p:clrMapOvr>
+</p:sld>
+</file>
+
+<file path=ppt/slides/slide8.xml><?xml version="1.0" encoding="utf-8"?>
+<p:sld xmlns:a="http://schemas.openxmlformats.org/drawingml/2006/main" xmlns:r="http://schemas.openxmlformats.org/officeDocument/2006/relationships" xmlns:p="http://schemas.openxmlformats.org/presentationml/2006/main">
+  <p:cSld>
+    <p:spTree>
+      <p:nvGrpSpPr>
+        <p:cNvPr id="1" name=""/>
+        <p:cNvGrpSpPr/>
+        <p:nvPr/>
+      </p:nvGrpSpPr>
+      <p:grpSpPr>
+        <a:xfrm>
+          <a:off x="0" y="0"/>
+          <a:ext cx="0" cy="0"/>
+          <a:chOff x="0" y="0"/>
+          <a:chExt cx="0" cy="0"/>
+        </a:xfrm>
+      </p:grpSpPr>
+      <p:sp>
+        <p:nvSpPr>
+          <p:cNvPr id="2" name="Title 1">
+            <a:extLst>
+              <a:ext uri="{FF2B5EF4-FFF2-40B4-BE49-F238E27FC236}">
                 <a16:creationId xmlns:a16="http://schemas.microsoft.com/office/drawing/2014/main" id="{4D96D023-FF4C-48F9-8D0D-C84356743869}"/>
               </a:ext>
             </a:extLst>
@@ -8576,7 +9307,7 @@
 </p:sld>
 </file>
 
-<file path=ppt/slides/slide7.xml><?xml version="1.0" encoding="utf-8"?>
+<file path=ppt/slides/slide9.xml><?xml version="1.0" encoding="utf-8"?>
 <p:sld xmlns:a="http://schemas.openxmlformats.org/drawingml/2006/main" xmlns:r="http://schemas.openxmlformats.org/officeDocument/2006/relationships" xmlns:p="http://schemas.openxmlformats.org/presentationml/2006/main">
   <p:cSld>
     <p:spTree>
@@ -8864,86 +9595,6 @@
     <p:extLst>
       <p:ext uri="{BB962C8B-B14F-4D97-AF65-F5344CB8AC3E}">
         <p14:creationId xmlns:p14="http://schemas.microsoft.com/office/powerpoint/2010/main" val="59767548"/>
-      </p:ext>
-    </p:extLst>
-  </p:cSld>
-  <p:clrMapOvr>
-    <a:masterClrMapping/>
-  </p:clrMapOvr>
-</p:sld>
-</file>
-
-<file path=ppt/slides/slide8.xml><?xml version="1.0" encoding="utf-8"?>
-<p:sld xmlns:a="http://schemas.openxmlformats.org/drawingml/2006/main" xmlns:r="http://schemas.openxmlformats.org/officeDocument/2006/relationships" xmlns:p="http://schemas.openxmlformats.org/presentationml/2006/main">
-  <p:cSld>
-    <p:spTree>
-      <p:nvGrpSpPr>
-        <p:cNvPr id="1" name=""/>
-        <p:cNvGrpSpPr/>
-        <p:nvPr/>
-      </p:nvGrpSpPr>
-      <p:grpSpPr>
-        <a:xfrm>
-          <a:off x="0" y="0"/>
-          <a:ext cx="0" cy="0"/>
-          <a:chOff x="0" y="0"/>
-          <a:chExt cx="0" cy="0"/>
-        </a:xfrm>
-      </p:grpSpPr>
-      <p:sp>
-        <p:nvSpPr>
-          <p:cNvPr id="2" name="Title 1">
-            <a:extLst>
-              <a:ext uri="{FF2B5EF4-FFF2-40B4-BE49-F238E27FC236}">
-                <a16:creationId xmlns:a16="http://schemas.microsoft.com/office/drawing/2014/main" id="{E08F6E75-2A45-4CD7-A89B-35B31D4D478A}"/>
-              </a:ext>
-            </a:extLst>
-          </p:cNvPr>
-          <p:cNvSpPr>
-            <a:spLocks noGrp="1"/>
-          </p:cNvSpPr>
-          <p:nvPr>
-            <p:ph type="title"/>
-          </p:nvPr>
-        </p:nvSpPr>
-        <p:spPr/>
-        <p:txBody>
-          <a:bodyPr/>
-          <a:lstStyle/>
-          <a:p>
-            <a:endParaRPr lang="en-CA"/>
-          </a:p>
-        </p:txBody>
-      </p:sp>
-      <p:sp>
-        <p:nvSpPr>
-          <p:cNvPr id="3" name="Content Placeholder 2">
-            <a:extLst>
-              <a:ext uri="{FF2B5EF4-FFF2-40B4-BE49-F238E27FC236}">
-                <a16:creationId xmlns:a16="http://schemas.microsoft.com/office/drawing/2014/main" id="{B415ED72-9909-4FA1-907A-DAF78FD34380}"/>
-              </a:ext>
-            </a:extLst>
-          </p:cNvPr>
-          <p:cNvSpPr>
-            <a:spLocks noGrp="1"/>
-          </p:cNvSpPr>
-          <p:nvPr>
-            <p:ph idx="1"/>
-          </p:nvPr>
-        </p:nvSpPr>
-        <p:spPr/>
-        <p:txBody>
-          <a:bodyPr/>
-          <a:lstStyle/>
-          <a:p>
-            <a:endParaRPr lang="en-CA"/>
-          </a:p>
-        </p:txBody>
-      </p:sp>
-    </p:spTree>
-    <p:extLst>
-      <p:ext uri="{BB962C8B-B14F-4D97-AF65-F5344CB8AC3E}">
-        <p14:creationId xmlns:p14="http://schemas.microsoft.com/office/powerpoint/2010/main" val="816399630"/>
       </p:ext>
     </p:extLst>
   </p:cSld>

--- a/Présentation Finale – P3.pptx
+++ b/Présentation Finale – P3.pptx
@@ -6,15 +6,18 @@
   </p:sldMasterIdLst>
   <p:sldIdLst>
     <p:sldId id="256" r:id="rId2"/>
-    <p:sldId id="265" r:id="rId3"/>
-    <p:sldId id="266" r:id="rId4"/>
-    <p:sldId id="257" r:id="rId5"/>
-    <p:sldId id="258" r:id="rId6"/>
-    <p:sldId id="259" r:id="rId7"/>
-    <p:sldId id="260" r:id="rId8"/>
-    <p:sldId id="263" r:id="rId9"/>
-    <p:sldId id="264" r:id="rId10"/>
-    <p:sldId id="261" r:id="rId11"/>
+    <p:sldId id="268" r:id="rId3"/>
+    <p:sldId id="269" r:id="rId4"/>
+    <p:sldId id="267" r:id="rId5"/>
+    <p:sldId id="266" r:id="rId6"/>
+    <p:sldId id="257" r:id="rId7"/>
+    <p:sldId id="258" r:id="rId8"/>
+    <p:sldId id="259" r:id="rId9"/>
+    <p:sldId id="261" r:id="rId10"/>
+    <p:sldId id="260" r:id="rId11"/>
+    <p:sldId id="263" r:id="rId12"/>
+    <p:sldId id="264" r:id="rId13"/>
+    <p:sldId id="265" r:id="rId14"/>
   </p:sldIdLst>
   <p:sldSz cx="12192000" cy="6858000"/>
   <p:notesSz cx="6858000" cy="9144000"/>
@@ -7760,7 +7763,7 @@
           <p:cNvPr id="2" name="Title 1">
             <a:extLst>
               <a:ext uri="{FF2B5EF4-FFF2-40B4-BE49-F238E27FC236}">
-                <a16:creationId xmlns:a16="http://schemas.microsoft.com/office/drawing/2014/main" id="{E08F6E75-2A45-4CD7-A89B-35B31D4D478A}"/>
+                <a16:creationId xmlns:a16="http://schemas.microsoft.com/office/drawing/2014/main" id="{4D96D023-FF4C-48F9-8D0D-C84356743869}"/>
               </a:ext>
             </a:extLst>
           </p:cNvPr>
@@ -7776,39 +7779,1078 @@
           <a:bodyPr/>
           <a:lstStyle/>
           <a:p>
-            <a:endParaRPr lang="en-CA"/>
-          </a:p>
-        </p:txBody>
-      </p:sp>
-      <p:sp>
-        <p:nvSpPr>
-          <p:cNvPr id="3" name="Content Placeholder 2">
+            <a:r>
+              <a:rPr lang="en-CA" dirty="0" err="1"/>
+              <a:t>Protocole</a:t>
+            </a:r>
+            <a:endParaRPr lang="en-CA" dirty="0"/>
+          </a:p>
+        </p:txBody>
+      </p:sp>
+      <p:sp>
+        <p:nvSpPr>
+          <p:cNvPr id="3" name="TextBox 2">
             <a:extLst>
               <a:ext uri="{FF2B5EF4-FFF2-40B4-BE49-F238E27FC236}">
-                <a16:creationId xmlns:a16="http://schemas.microsoft.com/office/drawing/2014/main" id="{B415ED72-9909-4FA1-907A-DAF78FD34380}"/>
+                <a16:creationId xmlns:a16="http://schemas.microsoft.com/office/drawing/2014/main" id="{42DA6C5E-FC75-4155-A6A5-19DC3943EF40}"/>
               </a:ext>
             </a:extLst>
           </p:cNvPr>
-          <p:cNvSpPr>
-            <a:spLocks noGrp="1"/>
-          </p:cNvSpPr>
-          <p:nvPr>
-            <p:ph idx="1"/>
-          </p:nvPr>
-        </p:nvSpPr>
-        <p:spPr/>
-        <p:txBody>
-          <a:bodyPr/>
+          <p:cNvSpPr txBox="1"/>
+          <p:nvPr/>
+        </p:nvSpPr>
+        <p:spPr>
+          <a:xfrm>
+            <a:off x="685800" y="1907931"/>
+            <a:ext cx="11506199" cy="461665"/>
+          </a:xfrm>
+          <a:prstGeom prst="rect">
+            <a:avLst/>
+          </a:prstGeom>
+          <a:noFill/>
+        </p:spPr>
+        <p:txBody>
+          <a:bodyPr wrap="square" rtlCol="0">
+            <a:spAutoFit/>
+          </a:bodyPr>
           <a:lstStyle/>
           <a:p>
-            <a:endParaRPr lang="en-CA"/>
+            <a:r>
+              <a:rPr lang="en-CA" sz="2400" dirty="0" err="1"/>
+              <a:t>Défis</a:t>
+            </a:r>
+            <a:r>
+              <a:rPr lang="en-CA" sz="2400" dirty="0"/>
+              <a:t> à </a:t>
+            </a:r>
+            <a:r>
+              <a:rPr lang="en-CA" sz="2400" dirty="0" err="1"/>
+              <a:t>relever</a:t>
+            </a:r>
+            <a:r>
+              <a:rPr lang="en-CA" sz="2400" dirty="0"/>
+              <a:t>:</a:t>
+            </a:r>
+          </a:p>
+        </p:txBody>
+      </p:sp>
+      <p:sp>
+        <p:nvSpPr>
+          <p:cNvPr id="4" name="TextBox 3">
+            <a:extLst>
+              <a:ext uri="{FF2B5EF4-FFF2-40B4-BE49-F238E27FC236}">
+                <a16:creationId xmlns:a16="http://schemas.microsoft.com/office/drawing/2014/main" id="{5FEF8A14-9BCD-43CA-BA7F-8EB49C06208A}"/>
+              </a:ext>
+            </a:extLst>
+          </p:cNvPr>
+          <p:cNvSpPr txBox="1"/>
+          <p:nvPr/>
+        </p:nvSpPr>
+        <p:spPr>
+          <a:xfrm>
+            <a:off x="808892" y="2716823"/>
+            <a:ext cx="10612316" cy="1754326"/>
+          </a:xfrm>
+          <a:prstGeom prst="rect">
+            <a:avLst/>
+          </a:prstGeom>
+          <a:noFill/>
+        </p:spPr>
+        <p:txBody>
+          <a:bodyPr wrap="square" rtlCol="0">
+            <a:spAutoFit/>
+          </a:bodyPr>
+          <a:lstStyle/>
+          <a:p>
+            <a:pPr marL="285750" indent="-285750">
+              <a:buFont typeface="Arial" panose="020B0604020202020204" pitchFamily="34" charset="0"/>
+              <a:buChar char="•"/>
+            </a:pPr>
+            <a:r>
+              <a:rPr lang="en-CA" dirty="0"/>
+              <a:t>Distinction des </a:t>
+            </a:r>
+            <a:r>
+              <a:rPr lang="en-CA" dirty="0" err="1"/>
+              <a:t>signaux</a:t>
+            </a:r>
+            <a:r>
+              <a:rPr lang="en-CA" dirty="0"/>
+              <a:t> pour </a:t>
+            </a:r>
+            <a:r>
+              <a:rPr lang="en-CA" dirty="0" err="1"/>
+              <a:t>chaque</a:t>
+            </a:r>
+            <a:r>
+              <a:rPr lang="en-CA" dirty="0"/>
+              <a:t> </a:t>
+            </a:r>
+            <a:r>
+              <a:rPr lang="en-CA" dirty="0" err="1"/>
+              <a:t>ruche</a:t>
+            </a:r>
+            <a:endParaRPr lang="en-CA" dirty="0"/>
+          </a:p>
+          <a:p>
+            <a:pPr marL="285750" indent="-285750">
+              <a:buFont typeface="Arial" panose="020B0604020202020204" pitchFamily="34" charset="0"/>
+              <a:buChar char="•"/>
+            </a:pPr>
+            <a:endParaRPr lang="en-CA" dirty="0"/>
+          </a:p>
+          <a:p>
+            <a:pPr marL="285750" indent="-285750">
+              <a:buFont typeface="Arial" panose="020B0604020202020204" pitchFamily="34" charset="0"/>
+              <a:buChar char="•"/>
+            </a:pPr>
+            <a:r>
+              <a:rPr lang="en-CA" dirty="0"/>
+              <a:t>Reconnaissance des </a:t>
+            </a:r>
+            <a:r>
+              <a:rPr lang="en-CA" dirty="0" err="1"/>
+              <a:t>différentes</a:t>
+            </a:r>
+            <a:r>
+              <a:rPr lang="en-CA" dirty="0"/>
+              <a:t> </a:t>
+            </a:r>
+            <a:r>
+              <a:rPr lang="en-CA" dirty="0" err="1"/>
+              <a:t>commandes</a:t>
+            </a:r>
+            <a:endParaRPr lang="en-CA" dirty="0"/>
+          </a:p>
+          <a:p>
+            <a:pPr marL="285750" indent="-285750">
+              <a:buFont typeface="Arial" panose="020B0604020202020204" pitchFamily="34" charset="0"/>
+              <a:buChar char="•"/>
+            </a:pPr>
+            <a:endParaRPr lang="en-CA" dirty="0"/>
+          </a:p>
+          <a:p>
+            <a:pPr marL="285750" indent="-285750">
+              <a:buFont typeface="Arial" panose="020B0604020202020204" pitchFamily="34" charset="0"/>
+              <a:buChar char="•"/>
+            </a:pPr>
+            <a:r>
+              <a:rPr lang="en-CA" dirty="0" err="1"/>
+              <a:t>Vérification</a:t>
+            </a:r>
+            <a:r>
+              <a:rPr lang="en-CA" dirty="0"/>
+              <a:t> de </a:t>
+            </a:r>
+            <a:r>
+              <a:rPr lang="en-CA" dirty="0" err="1"/>
+              <a:t>l’état</a:t>
+            </a:r>
+            <a:r>
+              <a:rPr lang="en-CA" dirty="0"/>
+              <a:t> des </a:t>
+            </a:r>
+            <a:r>
+              <a:rPr lang="en-CA" dirty="0" err="1"/>
+              <a:t>ruches</a:t>
+            </a:r>
+            <a:endParaRPr lang="en-CA" dirty="0"/>
+          </a:p>
+          <a:p>
+            <a:pPr marL="285750" indent="-285750">
+              <a:buFont typeface="Arial" panose="020B0604020202020204" pitchFamily="34" charset="0"/>
+              <a:buChar char="•"/>
+            </a:pPr>
+            <a:endParaRPr lang="en-CA" dirty="0"/>
           </a:p>
         </p:txBody>
       </p:sp>
     </p:spTree>
     <p:extLst>
       <p:ext uri="{BB962C8B-B14F-4D97-AF65-F5344CB8AC3E}">
-        <p14:creationId xmlns:p14="http://schemas.microsoft.com/office/powerpoint/2010/main" val="816399630"/>
+        <p14:creationId xmlns:p14="http://schemas.microsoft.com/office/powerpoint/2010/main" val="1560542592"/>
+      </p:ext>
+    </p:extLst>
+  </p:cSld>
+  <p:clrMapOvr>
+    <a:masterClrMapping/>
+  </p:clrMapOvr>
+</p:sld>
+</file>
+
+<file path=ppt/slides/slide11.xml><?xml version="1.0" encoding="utf-8"?>
+<p:sld xmlns:a="http://schemas.openxmlformats.org/drawingml/2006/main" xmlns:r="http://schemas.openxmlformats.org/officeDocument/2006/relationships" xmlns:p="http://schemas.openxmlformats.org/presentationml/2006/main">
+  <p:cSld>
+    <p:spTree>
+      <p:nvGrpSpPr>
+        <p:cNvPr id="1" name=""/>
+        <p:cNvGrpSpPr/>
+        <p:nvPr/>
+      </p:nvGrpSpPr>
+      <p:grpSpPr>
+        <a:xfrm>
+          <a:off x="0" y="0"/>
+          <a:ext cx="0" cy="0"/>
+          <a:chOff x="0" y="0"/>
+          <a:chExt cx="0" cy="0"/>
+        </a:xfrm>
+      </p:grpSpPr>
+      <p:sp>
+        <p:nvSpPr>
+          <p:cNvPr id="2" name="Title 1">
+            <a:extLst>
+              <a:ext uri="{FF2B5EF4-FFF2-40B4-BE49-F238E27FC236}">
+                <a16:creationId xmlns:a16="http://schemas.microsoft.com/office/drawing/2014/main" id="{4D96D023-FF4C-48F9-8D0D-C84356743869}"/>
+              </a:ext>
+            </a:extLst>
+          </p:cNvPr>
+          <p:cNvSpPr>
+            <a:spLocks noGrp="1"/>
+          </p:cNvSpPr>
+          <p:nvPr>
+            <p:ph type="title"/>
+          </p:nvPr>
+        </p:nvSpPr>
+        <p:spPr/>
+        <p:txBody>
+          <a:bodyPr/>
+          <a:lstStyle/>
+          <a:p>
+            <a:r>
+              <a:rPr lang="en-CA" dirty="0" err="1"/>
+              <a:t>Protocole</a:t>
+            </a:r>
+            <a:endParaRPr lang="en-CA" dirty="0"/>
+          </a:p>
+        </p:txBody>
+      </p:sp>
+      <p:sp>
+        <p:nvSpPr>
+          <p:cNvPr id="3" name="TextBox 2">
+            <a:extLst>
+              <a:ext uri="{FF2B5EF4-FFF2-40B4-BE49-F238E27FC236}">
+                <a16:creationId xmlns:a16="http://schemas.microsoft.com/office/drawing/2014/main" id="{42DA6C5E-FC75-4155-A6A5-19DC3943EF40}"/>
+              </a:ext>
+            </a:extLst>
+          </p:cNvPr>
+          <p:cNvSpPr txBox="1"/>
+          <p:nvPr/>
+        </p:nvSpPr>
+        <p:spPr>
+          <a:xfrm>
+            <a:off x="685800" y="1907931"/>
+            <a:ext cx="11506199" cy="461665"/>
+          </a:xfrm>
+          <a:prstGeom prst="rect">
+            <a:avLst/>
+          </a:prstGeom>
+          <a:noFill/>
+        </p:spPr>
+        <p:txBody>
+          <a:bodyPr wrap="square" rtlCol="0">
+            <a:spAutoFit/>
+          </a:bodyPr>
+          <a:lstStyle/>
+          <a:p>
+            <a:r>
+              <a:rPr lang="en-CA" sz="2400" dirty="0"/>
+              <a:t>Solutions:</a:t>
+            </a:r>
+          </a:p>
+        </p:txBody>
+      </p:sp>
+      <p:sp>
+        <p:nvSpPr>
+          <p:cNvPr id="5" name="TextBox 4">
+            <a:extLst>
+              <a:ext uri="{FF2B5EF4-FFF2-40B4-BE49-F238E27FC236}">
+                <a16:creationId xmlns:a16="http://schemas.microsoft.com/office/drawing/2014/main" id="{0F05B460-CFDE-45AB-9244-C2381F57C111}"/>
+              </a:ext>
+            </a:extLst>
+          </p:cNvPr>
+          <p:cNvSpPr txBox="1"/>
+          <p:nvPr/>
+        </p:nvSpPr>
+        <p:spPr>
+          <a:xfrm>
+            <a:off x="808892" y="2716823"/>
+            <a:ext cx="10612316" cy="2585323"/>
+          </a:xfrm>
+          <a:prstGeom prst="rect">
+            <a:avLst/>
+          </a:prstGeom>
+          <a:noFill/>
+        </p:spPr>
+        <p:txBody>
+          <a:bodyPr wrap="square" rtlCol="0">
+            <a:spAutoFit/>
+          </a:bodyPr>
+          <a:lstStyle/>
+          <a:p>
+            <a:pPr marL="285750" indent="-285750">
+              <a:buFont typeface="Arial" panose="020B0604020202020204" pitchFamily="34" charset="0"/>
+              <a:buChar char="•"/>
+            </a:pPr>
+            <a:r>
+              <a:rPr lang="en-CA" dirty="0" err="1"/>
+              <a:t>Ajout</a:t>
+            </a:r>
+            <a:r>
+              <a:rPr lang="en-CA" dirty="0"/>
+              <a:t> d’un </a:t>
+            </a:r>
+            <a:r>
+              <a:rPr lang="en-CA" dirty="0" err="1"/>
+              <a:t>numéro</a:t>
+            </a:r>
+            <a:r>
+              <a:rPr lang="en-CA" dirty="0"/>
+              <a:t> </a:t>
+            </a:r>
+            <a:r>
+              <a:rPr lang="en-CA" dirty="0" err="1"/>
+              <a:t>d’identification</a:t>
+            </a:r>
+            <a:r>
+              <a:rPr lang="en-CA" dirty="0"/>
+              <a:t> pour </a:t>
+            </a:r>
+            <a:r>
+              <a:rPr lang="en-CA" dirty="0" err="1"/>
+              <a:t>chaque</a:t>
+            </a:r>
+            <a:r>
+              <a:rPr lang="en-CA" dirty="0"/>
+              <a:t> </a:t>
+            </a:r>
+            <a:r>
+              <a:rPr lang="en-CA" dirty="0" err="1"/>
+              <a:t>ruche</a:t>
+            </a:r>
+            <a:r>
+              <a:rPr lang="en-CA" dirty="0"/>
+              <a:t>. </a:t>
+            </a:r>
+            <a:r>
+              <a:rPr lang="en-CA" dirty="0" err="1"/>
+              <a:t>Chaque</a:t>
+            </a:r>
+            <a:r>
+              <a:rPr lang="en-CA" dirty="0"/>
+              <a:t> communication entre le </a:t>
+            </a:r>
+            <a:r>
+              <a:rPr lang="en-CA" dirty="0" err="1"/>
+              <a:t>serveur</a:t>
+            </a:r>
+            <a:r>
+              <a:rPr lang="en-CA" dirty="0"/>
+              <a:t> et </a:t>
+            </a:r>
+            <a:r>
+              <a:rPr lang="en-CA" dirty="0" err="1"/>
+              <a:t>une</a:t>
+            </a:r>
+            <a:r>
+              <a:rPr lang="en-CA" dirty="0"/>
+              <a:t> </a:t>
+            </a:r>
+            <a:r>
+              <a:rPr lang="en-CA" dirty="0" err="1"/>
+              <a:t>ruche</a:t>
+            </a:r>
+            <a:r>
+              <a:rPr lang="en-CA" dirty="0"/>
+              <a:t> </a:t>
+            </a:r>
+            <a:r>
+              <a:rPr lang="en-CA" dirty="0" err="1"/>
+              <a:t>contient</a:t>
+            </a:r>
+            <a:r>
+              <a:rPr lang="en-CA" dirty="0"/>
+              <a:t> le </a:t>
+            </a:r>
+            <a:r>
+              <a:rPr lang="en-CA" dirty="0" err="1"/>
+              <a:t>numéro</a:t>
+            </a:r>
+            <a:r>
+              <a:rPr lang="en-CA" dirty="0"/>
+              <a:t> pour </a:t>
+            </a:r>
+            <a:r>
+              <a:rPr lang="en-CA" dirty="0" err="1"/>
+              <a:t>différencier</a:t>
+            </a:r>
+            <a:r>
+              <a:rPr lang="en-CA" dirty="0"/>
+              <a:t>.</a:t>
+            </a:r>
+          </a:p>
+          <a:p>
+            <a:pPr marL="285750" indent="-285750">
+              <a:buFont typeface="Arial" panose="020B0604020202020204" pitchFamily="34" charset="0"/>
+              <a:buChar char="•"/>
+            </a:pPr>
+            <a:endParaRPr lang="en-CA" dirty="0"/>
+          </a:p>
+          <a:p>
+            <a:pPr marL="285750" indent="-285750">
+              <a:buFont typeface="Arial" panose="020B0604020202020204" pitchFamily="34" charset="0"/>
+              <a:buChar char="•"/>
+            </a:pPr>
+            <a:r>
+              <a:rPr lang="en-CA" dirty="0"/>
+              <a:t>Assignation d’un </a:t>
+            </a:r>
+            <a:r>
+              <a:rPr lang="en-CA" dirty="0" err="1"/>
+              <a:t>caractère</a:t>
+            </a:r>
+            <a:r>
+              <a:rPr lang="en-CA" dirty="0"/>
+              <a:t> pour </a:t>
+            </a:r>
+            <a:r>
+              <a:rPr lang="en-CA" dirty="0" err="1"/>
+              <a:t>chaque</a:t>
+            </a:r>
+            <a:r>
+              <a:rPr lang="en-CA" dirty="0"/>
+              <a:t> </a:t>
+            </a:r>
+            <a:r>
+              <a:rPr lang="en-CA" dirty="0" err="1"/>
+              <a:t>commande</a:t>
+            </a:r>
+            <a:r>
+              <a:rPr lang="en-CA" dirty="0"/>
+              <a:t>.</a:t>
+            </a:r>
+          </a:p>
+          <a:p>
+            <a:pPr marL="285750" indent="-285750">
+              <a:buFont typeface="Arial" panose="020B0604020202020204" pitchFamily="34" charset="0"/>
+              <a:buChar char="•"/>
+            </a:pPr>
+            <a:endParaRPr lang="en-CA" dirty="0"/>
+          </a:p>
+          <a:p>
+            <a:pPr marL="285750" indent="-285750">
+              <a:buFont typeface="Arial" panose="020B0604020202020204" pitchFamily="34" charset="0"/>
+              <a:buChar char="•"/>
+            </a:pPr>
+            <a:r>
+              <a:rPr lang="en-CA" dirty="0" err="1"/>
+              <a:t>Rétroaction</a:t>
+            </a:r>
+            <a:r>
+              <a:rPr lang="en-CA" dirty="0"/>
+              <a:t> des </a:t>
+            </a:r>
+            <a:r>
+              <a:rPr lang="en-CA" dirty="0" err="1"/>
+              <a:t>ruches</a:t>
+            </a:r>
+            <a:r>
+              <a:rPr lang="en-CA" dirty="0"/>
+              <a:t> </a:t>
+            </a:r>
+            <a:r>
+              <a:rPr lang="en-CA" dirty="0" err="1"/>
+              <a:t>lorsqu’une</a:t>
+            </a:r>
+            <a:r>
+              <a:rPr lang="en-CA" dirty="0"/>
+              <a:t> </a:t>
+            </a:r>
+            <a:r>
+              <a:rPr lang="en-CA" dirty="0" err="1"/>
+              <a:t>commande</a:t>
+            </a:r>
+            <a:r>
+              <a:rPr lang="en-CA" dirty="0"/>
+              <a:t> </a:t>
+            </a:r>
+            <a:r>
+              <a:rPr lang="en-CA" dirty="0" err="1"/>
+              <a:t>est</a:t>
+            </a:r>
+            <a:r>
+              <a:rPr lang="en-CA" dirty="0"/>
+              <a:t> </a:t>
+            </a:r>
+            <a:r>
+              <a:rPr lang="en-CA" dirty="0" err="1"/>
+              <a:t>envoyé</a:t>
+            </a:r>
+            <a:r>
+              <a:rPr lang="en-CA" dirty="0"/>
+              <a:t>.</a:t>
+            </a:r>
+          </a:p>
+          <a:p>
+            <a:pPr marL="285750" indent="-285750">
+              <a:buFont typeface="Arial" panose="020B0604020202020204" pitchFamily="34" charset="0"/>
+              <a:buChar char="•"/>
+            </a:pPr>
+            <a:endParaRPr lang="en-CA" dirty="0"/>
+          </a:p>
+          <a:p>
+            <a:endParaRPr lang="en-CA" dirty="0"/>
+          </a:p>
+          <a:p>
+            <a:pPr marL="285750" indent="-285750">
+              <a:buFont typeface="Arial" panose="020B0604020202020204" pitchFamily="34" charset="0"/>
+              <a:buChar char="•"/>
+            </a:pPr>
+            <a:endParaRPr lang="en-CA" dirty="0"/>
+          </a:p>
+        </p:txBody>
+      </p:sp>
+    </p:spTree>
+    <p:extLst>
+      <p:ext uri="{BB962C8B-B14F-4D97-AF65-F5344CB8AC3E}">
+        <p14:creationId xmlns:p14="http://schemas.microsoft.com/office/powerpoint/2010/main" val="1050450600"/>
+      </p:ext>
+    </p:extLst>
+  </p:cSld>
+  <p:clrMapOvr>
+    <a:masterClrMapping/>
+  </p:clrMapOvr>
+</p:sld>
+</file>
+
+<file path=ppt/slides/slide12.xml><?xml version="1.0" encoding="utf-8"?>
+<p:sld xmlns:a="http://schemas.openxmlformats.org/drawingml/2006/main" xmlns:r="http://schemas.openxmlformats.org/officeDocument/2006/relationships" xmlns:p="http://schemas.openxmlformats.org/presentationml/2006/main">
+  <p:cSld>
+    <p:spTree>
+      <p:nvGrpSpPr>
+        <p:cNvPr id="1" name=""/>
+        <p:cNvGrpSpPr/>
+        <p:nvPr/>
+      </p:nvGrpSpPr>
+      <p:grpSpPr>
+        <a:xfrm>
+          <a:off x="0" y="0"/>
+          <a:ext cx="0" cy="0"/>
+          <a:chOff x="0" y="0"/>
+          <a:chExt cx="0" cy="0"/>
+        </a:xfrm>
+      </p:grpSpPr>
+      <p:sp>
+        <p:nvSpPr>
+          <p:cNvPr id="2" name="Title 1">
+            <a:extLst>
+              <a:ext uri="{FF2B5EF4-FFF2-40B4-BE49-F238E27FC236}">
+                <a16:creationId xmlns:a16="http://schemas.microsoft.com/office/drawing/2014/main" id="{4D96D023-FF4C-48F9-8D0D-C84356743869}"/>
+              </a:ext>
+            </a:extLst>
+          </p:cNvPr>
+          <p:cNvSpPr>
+            <a:spLocks noGrp="1"/>
+          </p:cNvSpPr>
+          <p:nvPr>
+            <p:ph type="title"/>
+          </p:nvPr>
+        </p:nvSpPr>
+        <p:spPr/>
+        <p:txBody>
+          <a:bodyPr/>
+          <a:lstStyle/>
+          <a:p>
+            <a:r>
+              <a:rPr lang="en-CA" dirty="0" err="1"/>
+              <a:t>Protocole</a:t>
+            </a:r>
+            <a:endParaRPr lang="en-CA" dirty="0"/>
+          </a:p>
+        </p:txBody>
+      </p:sp>
+      <p:sp>
+        <p:nvSpPr>
+          <p:cNvPr id="3" name="TextBox 2">
+            <a:extLst>
+              <a:ext uri="{FF2B5EF4-FFF2-40B4-BE49-F238E27FC236}">
+                <a16:creationId xmlns:a16="http://schemas.microsoft.com/office/drawing/2014/main" id="{42DA6C5E-FC75-4155-A6A5-19DC3943EF40}"/>
+              </a:ext>
+            </a:extLst>
+          </p:cNvPr>
+          <p:cNvSpPr txBox="1"/>
+          <p:nvPr/>
+        </p:nvSpPr>
+        <p:spPr>
+          <a:xfrm>
+            <a:off x="685800" y="1907931"/>
+            <a:ext cx="11506199" cy="461665"/>
+          </a:xfrm>
+          <a:prstGeom prst="rect">
+            <a:avLst/>
+          </a:prstGeom>
+          <a:noFill/>
+        </p:spPr>
+        <p:txBody>
+          <a:bodyPr wrap="square" rtlCol="0">
+            <a:spAutoFit/>
+          </a:bodyPr>
+          <a:lstStyle/>
+          <a:p>
+            <a:r>
+              <a:rPr lang="en-CA" sz="2400" dirty="0" err="1"/>
+              <a:t>Implémentation</a:t>
+            </a:r>
+            <a:r>
+              <a:rPr lang="en-CA" sz="2400" dirty="0"/>
+              <a:t>:</a:t>
+            </a:r>
+          </a:p>
+        </p:txBody>
+      </p:sp>
+      <p:sp>
+        <p:nvSpPr>
+          <p:cNvPr id="5" name="TextBox 4">
+            <a:extLst>
+              <a:ext uri="{FF2B5EF4-FFF2-40B4-BE49-F238E27FC236}">
+                <a16:creationId xmlns:a16="http://schemas.microsoft.com/office/drawing/2014/main" id="{0F05B460-CFDE-45AB-9244-C2381F57C111}"/>
+              </a:ext>
+            </a:extLst>
+          </p:cNvPr>
+          <p:cNvSpPr txBox="1"/>
+          <p:nvPr/>
+        </p:nvSpPr>
+        <p:spPr>
+          <a:xfrm>
+            <a:off x="808892" y="2635496"/>
+            <a:ext cx="10612316" cy="3416320"/>
+          </a:xfrm>
+          <a:prstGeom prst="rect">
+            <a:avLst/>
+          </a:prstGeom>
+          <a:noFill/>
+        </p:spPr>
+        <p:txBody>
+          <a:bodyPr wrap="square" rtlCol="0">
+            <a:spAutoFit/>
+          </a:bodyPr>
+          <a:lstStyle/>
+          <a:p>
+            <a:pPr marL="285750" indent="-285750">
+              <a:buFont typeface="Arial" panose="020B0604020202020204" pitchFamily="34" charset="0"/>
+              <a:buChar char="•"/>
+            </a:pPr>
+            <a:r>
+              <a:rPr lang="en-CA" dirty="0"/>
+              <a:t>Communication </a:t>
+            </a:r>
+            <a:r>
+              <a:rPr lang="en-CA" dirty="0" err="1"/>
+              <a:t>Serveur</a:t>
+            </a:r>
+            <a:r>
+              <a:rPr lang="en-CA" dirty="0"/>
+              <a:t> -&gt; Ruche:</a:t>
+            </a:r>
+          </a:p>
+          <a:p>
+            <a:pPr marL="285750" indent="-285750">
+              <a:buFont typeface="Arial" panose="020B0604020202020204" pitchFamily="34" charset="0"/>
+              <a:buChar char="•"/>
+            </a:pPr>
+            <a:endParaRPr lang="en-CA" dirty="0"/>
+          </a:p>
+          <a:p>
+            <a:pPr marL="285750" indent="-285750">
+              <a:buFont typeface="Arial" panose="020B0604020202020204" pitchFamily="34" charset="0"/>
+              <a:buChar char="•"/>
+            </a:pPr>
+            <a:endParaRPr lang="en-CA" dirty="0"/>
+          </a:p>
+          <a:p>
+            <a:pPr marL="285750" indent="-285750">
+              <a:buFont typeface="Arial" panose="020B0604020202020204" pitchFamily="34" charset="0"/>
+              <a:buChar char="•"/>
+            </a:pPr>
+            <a:endParaRPr lang="en-CA" dirty="0"/>
+          </a:p>
+          <a:p>
+            <a:pPr marL="285750" indent="-285750">
+              <a:buFont typeface="Arial" panose="020B0604020202020204" pitchFamily="34" charset="0"/>
+              <a:buChar char="•"/>
+            </a:pPr>
+            <a:endParaRPr lang="en-CA" dirty="0"/>
+          </a:p>
+          <a:p>
+            <a:pPr marL="285750" indent="-285750">
+              <a:buFont typeface="Arial" panose="020B0604020202020204" pitchFamily="34" charset="0"/>
+              <a:buChar char="•"/>
+            </a:pPr>
+            <a:endParaRPr lang="en-CA" dirty="0"/>
+          </a:p>
+          <a:p>
+            <a:endParaRPr lang="en-CA" dirty="0"/>
+          </a:p>
+          <a:p>
+            <a:pPr marL="285750" indent="-285750">
+              <a:buFont typeface="Arial" panose="020B0604020202020204" pitchFamily="34" charset="0"/>
+              <a:buChar char="•"/>
+            </a:pPr>
+            <a:endParaRPr lang="en-CA" dirty="0"/>
+          </a:p>
+          <a:p>
+            <a:pPr marL="285750" indent="-285750">
+              <a:buFont typeface="Arial" panose="020B0604020202020204" pitchFamily="34" charset="0"/>
+              <a:buChar char="•"/>
+            </a:pPr>
+            <a:r>
+              <a:rPr lang="en-CA" dirty="0"/>
+              <a:t>Communication Ruche -&gt; </a:t>
+            </a:r>
+            <a:r>
+              <a:rPr lang="en-CA" dirty="0" err="1"/>
+              <a:t>Serveur</a:t>
+            </a:r>
+            <a:r>
+              <a:rPr lang="en-CA" dirty="0"/>
+              <a:t>:</a:t>
+            </a:r>
+          </a:p>
+          <a:p>
+            <a:pPr marL="285750" indent="-285750">
+              <a:buFont typeface="Arial" panose="020B0604020202020204" pitchFamily="34" charset="0"/>
+              <a:buChar char="•"/>
+            </a:pPr>
+            <a:endParaRPr lang="en-CA" dirty="0"/>
+          </a:p>
+          <a:p>
+            <a:endParaRPr lang="en-CA" dirty="0"/>
+          </a:p>
+          <a:p>
+            <a:pPr marL="285750" indent="-285750">
+              <a:buFont typeface="Arial" panose="020B0604020202020204" pitchFamily="34" charset="0"/>
+              <a:buChar char="•"/>
+            </a:pPr>
+            <a:endParaRPr lang="en-CA" dirty="0"/>
+          </a:p>
+        </p:txBody>
+      </p:sp>
+      <p:pic>
+        <p:nvPicPr>
+          <p:cNvPr id="9" name="Picture 8">
+            <a:extLst>
+              <a:ext uri="{FF2B5EF4-FFF2-40B4-BE49-F238E27FC236}">
+                <a16:creationId xmlns:a16="http://schemas.microsoft.com/office/drawing/2014/main" id="{1F7987B6-124D-4E7D-B1AE-AF7488C590D6}"/>
+              </a:ext>
+            </a:extLst>
+          </p:cNvPr>
+          <p:cNvPicPr>
+            <a:picLocks noChangeAspect="1"/>
+          </p:cNvPicPr>
+          <p:nvPr/>
+        </p:nvPicPr>
+        <p:blipFill>
+          <a:blip r:embed="rId2">
+            <a:extLst>
+              <a:ext uri="{28A0092B-C50C-407E-A947-70E740481C1C}">
+                <a14:useLocalDpi xmlns:a14="http://schemas.microsoft.com/office/drawing/2010/main" val="0"/>
+              </a:ext>
+            </a:extLst>
+          </a:blip>
+          <a:stretch>
+            <a:fillRect/>
+          </a:stretch>
+        </p:blipFill>
+        <p:spPr>
+          <a:xfrm>
+            <a:off x="742950" y="3037014"/>
+            <a:ext cx="10706100" cy="1562100"/>
+          </a:xfrm>
+          <a:prstGeom prst="rect">
+            <a:avLst/>
+          </a:prstGeom>
+        </p:spPr>
+      </p:pic>
+      <p:pic>
+        <p:nvPicPr>
+          <p:cNvPr id="11" name="Picture 10">
+            <a:extLst>
+              <a:ext uri="{FF2B5EF4-FFF2-40B4-BE49-F238E27FC236}">
+                <a16:creationId xmlns:a16="http://schemas.microsoft.com/office/drawing/2014/main" id="{637BCD14-BC2A-494D-A73F-A1F55D6C0721}"/>
+              </a:ext>
+            </a:extLst>
+          </p:cNvPr>
+          <p:cNvPicPr>
+            <a:picLocks noChangeAspect="1"/>
+          </p:cNvPicPr>
+          <p:nvPr/>
+        </p:nvPicPr>
+        <p:blipFill>
+          <a:blip r:embed="rId3">
+            <a:extLst>
+              <a:ext uri="{28A0092B-C50C-407E-A947-70E740481C1C}">
+                <a14:useLocalDpi xmlns:a14="http://schemas.microsoft.com/office/drawing/2010/main" val="0"/>
+              </a:ext>
+            </a:extLst>
+          </a:blip>
+          <a:stretch>
+            <a:fillRect/>
+          </a:stretch>
+        </p:blipFill>
+        <p:spPr>
+          <a:xfrm>
+            <a:off x="4552950" y="5194501"/>
+            <a:ext cx="3086100" cy="1562100"/>
+          </a:xfrm>
+          <a:prstGeom prst="rect">
+            <a:avLst/>
+          </a:prstGeom>
+        </p:spPr>
+      </p:pic>
+    </p:spTree>
+    <p:extLst>
+      <p:ext uri="{BB962C8B-B14F-4D97-AF65-F5344CB8AC3E}">
+        <p14:creationId xmlns:p14="http://schemas.microsoft.com/office/powerpoint/2010/main" val="59767548"/>
+      </p:ext>
+    </p:extLst>
+  </p:cSld>
+  <p:clrMapOvr>
+    <a:masterClrMapping/>
+  </p:clrMapOvr>
+</p:sld>
+</file>
+
+<file path=ppt/slides/slide13.xml><?xml version="1.0" encoding="utf-8"?>
+<p:sld xmlns:a="http://schemas.openxmlformats.org/drawingml/2006/main" xmlns:r="http://schemas.openxmlformats.org/officeDocument/2006/relationships" xmlns:p="http://schemas.openxmlformats.org/presentationml/2006/main">
+  <p:cSld>
+    <p:spTree>
+      <p:nvGrpSpPr>
+        <p:cNvPr id="1" name=""/>
+        <p:cNvGrpSpPr/>
+        <p:nvPr/>
+      </p:nvGrpSpPr>
+      <p:grpSpPr>
+        <a:xfrm>
+          <a:off x="0" y="0"/>
+          <a:ext cx="0" cy="0"/>
+          <a:chOff x="0" y="0"/>
+          <a:chExt cx="0" cy="0"/>
+        </a:xfrm>
+      </p:grpSpPr>
+      <p:sp>
+        <p:nvSpPr>
+          <p:cNvPr id="2" name="Title 1">
+            <a:extLst>
+              <a:ext uri="{FF2B5EF4-FFF2-40B4-BE49-F238E27FC236}">
+                <a16:creationId xmlns:a16="http://schemas.microsoft.com/office/drawing/2014/main" id="{4D96D023-FF4C-48F9-8D0D-C84356743869}"/>
+              </a:ext>
+            </a:extLst>
+          </p:cNvPr>
+          <p:cNvSpPr>
+            <a:spLocks noGrp="1"/>
+          </p:cNvSpPr>
+          <p:nvPr>
+            <p:ph type="title"/>
+          </p:nvPr>
+        </p:nvSpPr>
+        <p:spPr/>
+        <p:txBody>
+          <a:bodyPr/>
+          <a:lstStyle/>
+          <a:p>
+            <a:r>
+              <a:rPr lang="en-CA" dirty="0" err="1"/>
+              <a:t>Protocole</a:t>
+            </a:r>
+            <a:endParaRPr lang="en-CA" dirty="0"/>
+          </a:p>
+        </p:txBody>
+      </p:sp>
+      <p:sp>
+        <p:nvSpPr>
+          <p:cNvPr id="3" name="TextBox 2">
+            <a:extLst>
+              <a:ext uri="{FF2B5EF4-FFF2-40B4-BE49-F238E27FC236}">
+                <a16:creationId xmlns:a16="http://schemas.microsoft.com/office/drawing/2014/main" id="{42DA6C5E-FC75-4155-A6A5-19DC3943EF40}"/>
+              </a:ext>
+            </a:extLst>
+          </p:cNvPr>
+          <p:cNvSpPr txBox="1"/>
+          <p:nvPr/>
+        </p:nvSpPr>
+        <p:spPr>
+          <a:xfrm>
+            <a:off x="685800" y="1907931"/>
+            <a:ext cx="11506199" cy="461665"/>
+          </a:xfrm>
+          <a:prstGeom prst="rect">
+            <a:avLst/>
+          </a:prstGeom>
+          <a:noFill/>
+        </p:spPr>
+        <p:txBody>
+          <a:bodyPr wrap="square" rtlCol="0">
+            <a:spAutoFit/>
+          </a:bodyPr>
+          <a:lstStyle/>
+          <a:p>
+            <a:r>
+              <a:rPr lang="en-CA" sz="2400" dirty="0" err="1"/>
+              <a:t>Implémentation</a:t>
+            </a:r>
+            <a:r>
+              <a:rPr lang="en-CA" sz="2400" dirty="0"/>
+              <a:t>:</a:t>
+            </a:r>
+          </a:p>
+        </p:txBody>
+      </p:sp>
+      <p:sp>
+        <p:nvSpPr>
+          <p:cNvPr id="5" name="TextBox 4">
+            <a:extLst>
+              <a:ext uri="{FF2B5EF4-FFF2-40B4-BE49-F238E27FC236}">
+                <a16:creationId xmlns:a16="http://schemas.microsoft.com/office/drawing/2014/main" id="{0F05B460-CFDE-45AB-9244-C2381F57C111}"/>
+              </a:ext>
+            </a:extLst>
+          </p:cNvPr>
+          <p:cNvSpPr txBox="1"/>
+          <p:nvPr/>
+        </p:nvSpPr>
+        <p:spPr>
+          <a:xfrm>
+            <a:off x="808892" y="2635496"/>
+            <a:ext cx="10612316" cy="3416320"/>
+          </a:xfrm>
+          <a:prstGeom prst="rect">
+            <a:avLst/>
+          </a:prstGeom>
+          <a:noFill/>
+        </p:spPr>
+        <p:txBody>
+          <a:bodyPr wrap="square" rtlCol="0">
+            <a:spAutoFit/>
+          </a:bodyPr>
+          <a:lstStyle/>
+          <a:p>
+            <a:pPr marL="285750" indent="-285750">
+              <a:buFont typeface="Arial" panose="020B0604020202020204" pitchFamily="34" charset="0"/>
+              <a:buChar char="•"/>
+            </a:pPr>
+            <a:r>
+              <a:rPr lang="en-CA" dirty="0"/>
+              <a:t>Communication </a:t>
+            </a:r>
+            <a:r>
+              <a:rPr lang="en-CA" dirty="0" err="1"/>
+              <a:t>Moniteur</a:t>
+            </a:r>
+            <a:r>
+              <a:rPr lang="en-CA" dirty="0"/>
+              <a:t> -&gt; </a:t>
+            </a:r>
+            <a:r>
+              <a:rPr lang="en-CA" dirty="0" err="1"/>
+              <a:t>Serveur</a:t>
+            </a:r>
+            <a:r>
+              <a:rPr lang="en-CA" dirty="0"/>
+              <a:t>:</a:t>
+            </a:r>
+          </a:p>
+          <a:p>
+            <a:pPr marL="285750" indent="-285750">
+              <a:buFont typeface="Arial" panose="020B0604020202020204" pitchFamily="34" charset="0"/>
+              <a:buChar char="•"/>
+            </a:pPr>
+            <a:endParaRPr lang="en-CA" dirty="0"/>
+          </a:p>
+          <a:p>
+            <a:pPr marL="285750" indent="-285750">
+              <a:buFont typeface="Arial" panose="020B0604020202020204" pitchFamily="34" charset="0"/>
+              <a:buChar char="•"/>
+            </a:pPr>
+            <a:endParaRPr lang="en-CA" dirty="0"/>
+          </a:p>
+          <a:p>
+            <a:pPr marL="285750" indent="-285750">
+              <a:buFont typeface="Arial" panose="020B0604020202020204" pitchFamily="34" charset="0"/>
+              <a:buChar char="•"/>
+            </a:pPr>
+            <a:endParaRPr lang="en-CA" dirty="0"/>
+          </a:p>
+          <a:p>
+            <a:pPr marL="285750" indent="-285750">
+              <a:buFont typeface="Arial" panose="020B0604020202020204" pitchFamily="34" charset="0"/>
+              <a:buChar char="•"/>
+            </a:pPr>
+            <a:endParaRPr lang="en-CA" dirty="0"/>
+          </a:p>
+          <a:p>
+            <a:pPr marL="285750" indent="-285750">
+              <a:buFont typeface="Arial" panose="020B0604020202020204" pitchFamily="34" charset="0"/>
+              <a:buChar char="•"/>
+            </a:pPr>
+            <a:endParaRPr lang="en-CA" dirty="0"/>
+          </a:p>
+          <a:p>
+            <a:endParaRPr lang="en-CA" dirty="0"/>
+          </a:p>
+          <a:p>
+            <a:pPr marL="285750" indent="-285750">
+              <a:buFont typeface="Arial" panose="020B0604020202020204" pitchFamily="34" charset="0"/>
+              <a:buChar char="•"/>
+            </a:pPr>
+            <a:endParaRPr lang="en-CA" dirty="0"/>
+          </a:p>
+          <a:p>
+            <a:pPr marL="285750" indent="-285750">
+              <a:buFont typeface="Arial" panose="020B0604020202020204" pitchFamily="34" charset="0"/>
+              <a:buChar char="•"/>
+            </a:pPr>
+            <a:r>
+              <a:rPr lang="en-CA" dirty="0"/>
+              <a:t>Communication </a:t>
+            </a:r>
+            <a:r>
+              <a:rPr lang="en-CA" dirty="0" err="1"/>
+              <a:t>Serveur</a:t>
+            </a:r>
+            <a:r>
+              <a:rPr lang="en-CA" dirty="0"/>
+              <a:t> -&gt; </a:t>
+            </a:r>
+            <a:r>
+              <a:rPr lang="en-CA" dirty="0" err="1"/>
+              <a:t>Moniteur</a:t>
+            </a:r>
+            <a:r>
+              <a:rPr lang="en-CA" dirty="0"/>
+              <a:t>:</a:t>
+            </a:r>
+          </a:p>
+          <a:p>
+            <a:pPr marL="285750" indent="-285750">
+              <a:buFont typeface="Arial" panose="020B0604020202020204" pitchFamily="34" charset="0"/>
+              <a:buChar char="•"/>
+            </a:pPr>
+            <a:endParaRPr lang="en-CA" dirty="0"/>
+          </a:p>
+          <a:p>
+            <a:endParaRPr lang="en-CA" dirty="0"/>
+          </a:p>
+          <a:p>
+            <a:pPr marL="285750" indent="-285750">
+              <a:buFont typeface="Arial" panose="020B0604020202020204" pitchFamily="34" charset="0"/>
+              <a:buChar char="•"/>
+            </a:pPr>
+            <a:endParaRPr lang="en-CA" dirty="0"/>
+          </a:p>
+        </p:txBody>
+      </p:sp>
+    </p:spTree>
+    <p:extLst>
+      <p:ext uri="{BB962C8B-B14F-4D97-AF65-F5344CB8AC3E}">
+        <p14:creationId xmlns:p14="http://schemas.microsoft.com/office/powerpoint/2010/main" val="233472135"/>
       </p:ext>
     </p:extLst>
   </p:cSld>
@@ -7819,6 +8861,384 @@
 </file>
 
 <file path=ppt/slides/slide2.xml><?xml version="1.0" encoding="utf-8"?>
+<p:sld xmlns:a="http://schemas.openxmlformats.org/drawingml/2006/main" xmlns:r="http://schemas.openxmlformats.org/officeDocument/2006/relationships" xmlns:p="http://schemas.openxmlformats.org/presentationml/2006/main">
+  <p:cSld>
+    <p:spTree>
+      <p:nvGrpSpPr>
+        <p:cNvPr id="1" name=""/>
+        <p:cNvGrpSpPr/>
+        <p:nvPr/>
+      </p:nvGrpSpPr>
+      <p:grpSpPr>
+        <a:xfrm>
+          <a:off x="0" y="0"/>
+          <a:ext cx="0" cy="0"/>
+          <a:chOff x="0" y="0"/>
+          <a:chExt cx="0" cy="0"/>
+        </a:xfrm>
+      </p:grpSpPr>
+      <p:sp>
+        <p:nvSpPr>
+          <p:cNvPr id="2" name="Title 1">
+            <a:extLst>
+              <a:ext uri="{FF2B5EF4-FFF2-40B4-BE49-F238E27FC236}">
+                <a16:creationId xmlns:a16="http://schemas.microsoft.com/office/drawing/2014/main" id="{532BB36A-66E0-4644-AB8F-8DCB79605DD1}"/>
+              </a:ext>
+            </a:extLst>
+          </p:cNvPr>
+          <p:cNvSpPr>
+            <a:spLocks noGrp="1"/>
+          </p:cNvSpPr>
+          <p:nvPr>
+            <p:ph type="title"/>
+          </p:nvPr>
+        </p:nvSpPr>
+        <p:spPr/>
+        <p:txBody>
+          <a:bodyPr/>
+          <a:lstStyle/>
+          <a:p>
+            <a:r>
+              <a:rPr lang="en-CA" dirty="0"/>
+              <a:t>Architecture </a:t>
+            </a:r>
+            <a:r>
+              <a:rPr lang="en-CA" dirty="0" err="1"/>
+              <a:t>Globale</a:t>
+            </a:r>
+            <a:endParaRPr lang="en-CA" dirty="0"/>
+          </a:p>
+        </p:txBody>
+      </p:sp>
+      <p:pic>
+        <p:nvPicPr>
+          <p:cNvPr id="5" name="Content Placeholder 4">
+            <a:extLst>
+              <a:ext uri="{FF2B5EF4-FFF2-40B4-BE49-F238E27FC236}">
+                <a16:creationId xmlns:a16="http://schemas.microsoft.com/office/drawing/2014/main" id="{660134EC-F451-4D02-B3E6-A1B9A23CE0AA}"/>
+              </a:ext>
+            </a:extLst>
+          </p:cNvPr>
+          <p:cNvPicPr>
+            <a:picLocks noGrp="1" noChangeAspect="1"/>
+          </p:cNvPicPr>
+          <p:nvPr>
+            <p:ph idx="1"/>
+          </p:nvPr>
+        </p:nvPicPr>
+        <p:blipFill>
+          <a:blip r:embed="rId2">
+            <a:extLst>
+              <a:ext uri="{28A0092B-C50C-407E-A947-70E740481C1C}">
+                <a14:useLocalDpi xmlns:a14="http://schemas.microsoft.com/office/drawing/2010/main" val="0"/>
+              </a:ext>
+            </a:extLst>
+          </a:blip>
+          <a:stretch>
+            <a:fillRect/>
+          </a:stretch>
+        </p:blipFill>
+        <p:spPr>
+          <a:xfrm>
+            <a:off x="365943" y="2714625"/>
+            <a:ext cx="11138670" cy="2180895"/>
+          </a:xfrm>
+        </p:spPr>
+      </p:pic>
+    </p:spTree>
+    <p:extLst>
+      <p:ext uri="{BB962C8B-B14F-4D97-AF65-F5344CB8AC3E}">
+        <p14:creationId xmlns:p14="http://schemas.microsoft.com/office/powerpoint/2010/main" val="1477707369"/>
+      </p:ext>
+    </p:extLst>
+  </p:cSld>
+  <p:clrMapOvr>
+    <a:masterClrMapping/>
+  </p:clrMapOvr>
+</p:sld>
+</file>
+
+<file path=ppt/slides/slide3.xml><?xml version="1.0" encoding="utf-8"?>
+<p:sld xmlns:a="http://schemas.openxmlformats.org/drawingml/2006/main" xmlns:r="http://schemas.openxmlformats.org/officeDocument/2006/relationships" xmlns:p="http://schemas.openxmlformats.org/presentationml/2006/main">
+  <p:cSld>
+    <p:spTree>
+      <p:nvGrpSpPr>
+        <p:cNvPr id="1" name=""/>
+        <p:cNvGrpSpPr/>
+        <p:nvPr/>
+      </p:nvGrpSpPr>
+      <p:grpSpPr>
+        <a:xfrm>
+          <a:off x="0" y="0"/>
+          <a:ext cx="0" cy="0"/>
+          <a:chOff x="0" y="0"/>
+          <a:chExt cx="0" cy="0"/>
+        </a:xfrm>
+      </p:grpSpPr>
+      <p:sp>
+        <p:nvSpPr>
+          <p:cNvPr id="2" name="Title 1">
+            <a:extLst>
+              <a:ext uri="{FF2B5EF4-FFF2-40B4-BE49-F238E27FC236}">
+                <a16:creationId xmlns:a16="http://schemas.microsoft.com/office/drawing/2014/main" id="{532BB36A-66E0-4644-AB8F-8DCB79605DD1}"/>
+              </a:ext>
+            </a:extLst>
+          </p:cNvPr>
+          <p:cNvSpPr>
+            <a:spLocks noGrp="1"/>
+          </p:cNvSpPr>
+          <p:nvPr>
+            <p:ph type="title"/>
+          </p:nvPr>
+        </p:nvSpPr>
+        <p:spPr/>
+        <p:txBody>
+          <a:bodyPr/>
+          <a:lstStyle/>
+          <a:p>
+            <a:r>
+              <a:rPr lang="en-CA" dirty="0"/>
+              <a:t>Architecture </a:t>
+            </a:r>
+            <a:r>
+              <a:rPr lang="en-CA" dirty="0" err="1"/>
+              <a:t>Globale</a:t>
+            </a:r>
+            <a:r>
+              <a:rPr lang="en-CA" dirty="0"/>
+              <a:t> - </a:t>
+            </a:r>
+            <a:r>
+              <a:rPr lang="en-CA" dirty="0" err="1"/>
+              <a:t>Enjeux</a:t>
+            </a:r>
+            <a:endParaRPr lang="en-CA" dirty="0"/>
+          </a:p>
+        </p:txBody>
+      </p:sp>
+      <p:sp>
+        <p:nvSpPr>
+          <p:cNvPr id="4" name="Content Placeholder 3">
+            <a:extLst>
+              <a:ext uri="{FF2B5EF4-FFF2-40B4-BE49-F238E27FC236}">
+                <a16:creationId xmlns:a16="http://schemas.microsoft.com/office/drawing/2014/main" id="{561C8BA9-4D5B-4077-A438-4CBFA09C3FD0}"/>
+              </a:ext>
+            </a:extLst>
+          </p:cNvPr>
+          <p:cNvSpPr>
+            <a:spLocks noGrp="1"/>
+          </p:cNvSpPr>
+          <p:nvPr>
+            <p:ph idx="1"/>
+          </p:nvPr>
+        </p:nvSpPr>
+        <p:spPr/>
+        <p:txBody>
+          <a:bodyPr>
+            <a:normAutofit/>
+          </a:bodyPr>
+          <a:lstStyle/>
+          <a:p>
+            <a:r>
+              <a:rPr lang="en-CA" u="sng" dirty="0" err="1"/>
+              <a:t>Ordinateur</a:t>
+            </a:r>
+            <a:r>
+              <a:rPr lang="en-CA" u="sng" dirty="0"/>
+              <a:t>:</a:t>
+            </a:r>
+          </a:p>
+          <a:p>
+            <a:pPr lvl="1"/>
+            <a:r>
+              <a:rPr lang="en-CA" dirty="0"/>
+              <a:t>Coordination des </a:t>
+            </a:r>
+            <a:r>
+              <a:rPr lang="en-CA" dirty="0" err="1"/>
+              <a:t>demandes</a:t>
+            </a:r>
+            <a:endParaRPr lang="en-CA" dirty="0"/>
+          </a:p>
+          <a:p>
+            <a:pPr lvl="1"/>
+            <a:r>
+              <a:rPr lang="en-CA" dirty="0"/>
+              <a:t>Gestion de </a:t>
+            </a:r>
+            <a:r>
+              <a:rPr lang="en-CA" dirty="0" err="1"/>
+              <a:t>l’historique</a:t>
+            </a:r>
+            <a:r>
+              <a:rPr lang="en-CA" dirty="0"/>
+              <a:t> des </a:t>
+            </a:r>
+            <a:r>
+              <a:rPr lang="en-CA" dirty="0" err="1"/>
+              <a:t>données</a:t>
+            </a:r>
+            <a:endParaRPr lang="en-CA" dirty="0"/>
+          </a:p>
+          <a:p>
+            <a:r>
+              <a:rPr lang="en-CA" u="sng" dirty="0" err="1"/>
+              <a:t>Serveur</a:t>
+            </a:r>
+            <a:r>
+              <a:rPr lang="en-CA" u="sng" dirty="0"/>
+              <a:t>:</a:t>
+            </a:r>
+          </a:p>
+          <a:p>
+            <a:pPr lvl="1"/>
+            <a:r>
+              <a:rPr lang="en-CA" dirty="0"/>
+              <a:t>Assurer le </a:t>
+            </a:r>
+            <a:r>
+              <a:rPr lang="en-CA" dirty="0" err="1"/>
+              <a:t>transfert</a:t>
+            </a:r>
+            <a:r>
+              <a:rPr lang="en-CA" dirty="0"/>
+              <a:t> de </a:t>
+            </a:r>
+            <a:r>
+              <a:rPr lang="en-CA" dirty="0" err="1"/>
+              <a:t>l’information</a:t>
+            </a:r>
+            <a:r>
+              <a:rPr lang="en-CA" dirty="0"/>
+              <a:t> </a:t>
+            </a:r>
+            <a:r>
+              <a:rPr lang="en-CA" dirty="0" err="1"/>
+              <a:t>vers</a:t>
+            </a:r>
+            <a:r>
+              <a:rPr lang="en-CA" dirty="0"/>
+              <a:t> les </a:t>
+            </a:r>
+            <a:r>
+              <a:rPr lang="en-CA" dirty="0" err="1"/>
+              <a:t>ruches</a:t>
+            </a:r>
+            <a:r>
+              <a:rPr lang="en-CA" dirty="0"/>
+              <a:t> (UART </a:t>
+            </a:r>
+            <a:r>
+              <a:rPr lang="en-CA" dirty="0" err="1"/>
+              <a:t>vers</a:t>
+            </a:r>
+            <a:r>
+              <a:rPr lang="en-CA" dirty="0"/>
+              <a:t> sans-fil)</a:t>
+            </a:r>
+          </a:p>
+          <a:p>
+            <a:pPr lvl="1"/>
+            <a:r>
+              <a:rPr lang="en-CA" dirty="0"/>
+              <a:t>Coordination des communications </a:t>
+            </a:r>
+            <a:r>
+              <a:rPr lang="en-CA" dirty="0" err="1"/>
+              <a:t>vers</a:t>
+            </a:r>
+            <a:r>
+              <a:rPr lang="en-CA" dirty="0"/>
+              <a:t> </a:t>
+            </a:r>
+            <a:r>
+              <a:rPr lang="en-CA" dirty="0" err="1"/>
+              <a:t>plusieurs</a:t>
+            </a:r>
+            <a:r>
+              <a:rPr lang="en-CA" dirty="0"/>
+              <a:t> </a:t>
+            </a:r>
+            <a:r>
+              <a:rPr lang="en-CA" dirty="0" err="1"/>
+              <a:t>ruches</a:t>
+            </a:r>
+            <a:endParaRPr lang="en-CA" dirty="0"/>
+          </a:p>
+          <a:p>
+            <a:r>
+              <a:rPr lang="en-CA" u="sng" dirty="0"/>
+              <a:t>Ruche:</a:t>
+            </a:r>
+          </a:p>
+          <a:p>
+            <a:pPr lvl="1"/>
+            <a:r>
+              <a:rPr lang="en-CA" dirty="0"/>
+              <a:t>Assurer </a:t>
+            </a:r>
+            <a:r>
+              <a:rPr lang="en-CA" dirty="0" err="1"/>
+              <a:t>réponse</a:t>
+            </a:r>
+            <a:r>
+              <a:rPr lang="en-CA" dirty="0"/>
+              <a:t> à jour des </a:t>
+            </a:r>
+            <a:r>
+              <a:rPr lang="en-CA" dirty="0" err="1"/>
+              <a:t>capteurs</a:t>
+            </a:r>
+            <a:r>
+              <a:rPr lang="en-CA" dirty="0"/>
+              <a:t> et </a:t>
+            </a:r>
+            <a:r>
+              <a:rPr lang="en-CA" dirty="0" err="1"/>
+              <a:t>actionneurs</a:t>
+            </a:r>
+            <a:endParaRPr lang="en-CA" dirty="0"/>
+          </a:p>
+          <a:p>
+            <a:pPr lvl="1"/>
+            <a:r>
+              <a:rPr lang="en-CA" dirty="0"/>
+              <a:t>Confirmer </a:t>
+            </a:r>
+            <a:r>
+              <a:rPr lang="en-CA" dirty="0" err="1"/>
+              <a:t>l’éxécution</a:t>
+            </a:r>
+            <a:r>
+              <a:rPr lang="en-CA" dirty="0"/>
+              <a:t> des </a:t>
+            </a:r>
+            <a:r>
+              <a:rPr lang="en-CA" dirty="0" err="1"/>
+              <a:t>commandes</a:t>
+            </a:r>
+            <a:endParaRPr lang="en-CA" dirty="0"/>
+          </a:p>
+          <a:p>
+            <a:pPr lvl="1"/>
+            <a:endParaRPr lang="en-CA" dirty="0"/>
+          </a:p>
+        </p:txBody>
+      </p:sp>
+    </p:spTree>
+    <p:extLst>
+      <p:ext uri="{BB962C8B-B14F-4D97-AF65-F5344CB8AC3E}">
+        <p14:creationId xmlns:p14="http://schemas.microsoft.com/office/powerpoint/2010/main" val="1402609215"/>
+      </p:ext>
+    </p:extLst>
+  </p:cSld>
+  <p:clrMapOvr>
+    <a:masterClrMapping/>
+  </p:clrMapOvr>
+</p:sld>
+</file>
+
+<file path=ppt/slides/slide4.xml><?xml version="1.0" encoding="utf-8"?>
 <p:sld xmlns:a="http://schemas.openxmlformats.org/drawingml/2006/main" xmlns:r="http://schemas.openxmlformats.org/officeDocument/2006/relationships" xmlns:p="http://schemas.openxmlformats.org/presentationml/2006/main">
   <p:cSld>
     <p:spTree>
@@ -8289,259 +9709,7 @@
     </p:spTree>
     <p:extLst>
       <p:ext uri="{BB962C8B-B14F-4D97-AF65-F5344CB8AC3E}">
-        <p14:creationId xmlns:p14="http://schemas.microsoft.com/office/powerpoint/2010/main" val="720972098"/>
-      </p:ext>
-    </p:extLst>
-  </p:cSld>
-  <p:clrMapOvr>
-    <a:masterClrMapping/>
-  </p:clrMapOvr>
-</p:sld>
-</file>
-
-<file path=ppt/slides/slide3.xml><?xml version="1.0" encoding="utf-8"?>
-<p:sld xmlns:a="http://schemas.openxmlformats.org/drawingml/2006/main" xmlns:r="http://schemas.openxmlformats.org/officeDocument/2006/relationships" xmlns:p="http://schemas.openxmlformats.org/presentationml/2006/main">
-  <p:cSld>
-    <p:spTree>
-      <p:nvGrpSpPr>
-        <p:cNvPr id="1" name=""/>
-        <p:cNvGrpSpPr/>
-        <p:nvPr/>
-      </p:nvGrpSpPr>
-      <p:grpSpPr>
-        <a:xfrm>
-          <a:off x="0" y="0"/>
-          <a:ext cx="0" cy="0"/>
-          <a:chOff x="0" y="0"/>
-          <a:chExt cx="0" cy="0"/>
-        </a:xfrm>
-      </p:grpSpPr>
-      <p:sp>
-        <p:nvSpPr>
-          <p:cNvPr id="2" name="Title 1">
-            <a:extLst>
-              <a:ext uri="{FF2B5EF4-FFF2-40B4-BE49-F238E27FC236}">
-                <a16:creationId xmlns:a16="http://schemas.microsoft.com/office/drawing/2014/main" id="{E08F6E75-2A45-4CD7-A89B-35B31D4D478A}"/>
-              </a:ext>
-            </a:extLst>
-          </p:cNvPr>
-          <p:cNvSpPr>
-            <a:spLocks noGrp="1"/>
-          </p:cNvSpPr>
-          <p:nvPr>
-            <p:ph type="title"/>
-          </p:nvPr>
-        </p:nvSpPr>
-        <p:spPr/>
-        <p:txBody>
-          <a:bodyPr/>
-          <a:lstStyle/>
-          <a:p>
-            <a:r>
-              <a:rPr lang="en-CA" dirty="0" err="1"/>
-              <a:t>Antennes</a:t>
-            </a:r>
-            <a:r>
-              <a:rPr lang="en-CA" dirty="0"/>
-              <a:t> - </a:t>
-            </a:r>
-            <a:r>
-              <a:rPr lang="en-CA" dirty="0" err="1"/>
-              <a:t>Planaires</a:t>
-            </a:r>
-            <a:endParaRPr lang="en-CA" dirty="0"/>
-          </a:p>
-        </p:txBody>
-      </p:sp>
-      <p:sp>
-        <p:nvSpPr>
-          <p:cNvPr id="3" name="Content Placeholder 2">
-            <a:extLst>
-              <a:ext uri="{FF2B5EF4-FFF2-40B4-BE49-F238E27FC236}">
-                <a16:creationId xmlns:a16="http://schemas.microsoft.com/office/drawing/2014/main" id="{B415ED72-9909-4FA1-907A-DAF78FD34380}"/>
-              </a:ext>
-            </a:extLst>
-          </p:cNvPr>
-          <p:cNvSpPr>
-            <a:spLocks noGrp="1"/>
-          </p:cNvSpPr>
-          <p:nvPr>
-            <p:ph idx="1"/>
-          </p:nvPr>
-        </p:nvSpPr>
-        <p:spPr/>
-        <p:txBody>
-          <a:bodyPr/>
-          <a:lstStyle/>
-          <a:p>
-            <a:r>
-              <a:rPr lang="en-CA" dirty="0"/>
-              <a:t>APP 2:</a:t>
-            </a:r>
-          </a:p>
-          <a:p>
-            <a:pPr lvl="1"/>
-            <a:r>
-              <a:rPr lang="en-CA" dirty="0" err="1"/>
-              <a:t>Calculs</a:t>
-            </a:r>
-            <a:r>
-              <a:rPr lang="en-CA" dirty="0"/>
-              <a:t> des dimensions </a:t>
-            </a:r>
-            <a:r>
-              <a:rPr lang="en-CA" dirty="0" err="1"/>
-              <a:t>d’une</a:t>
-            </a:r>
-            <a:r>
-              <a:rPr lang="en-CA" dirty="0"/>
-              <a:t> </a:t>
-            </a:r>
-            <a:r>
-              <a:rPr lang="en-CA" dirty="0" err="1"/>
-              <a:t>antenne</a:t>
-            </a:r>
-            <a:r>
-              <a:rPr lang="en-CA" dirty="0"/>
-              <a:t> </a:t>
-            </a:r>
-            <a:r>
-              <a:rPr lang="en-CA" dirty="0" err="1"/>
-              <a:t>planaire</a:t>
-            </a:r>
-            <a:endParaRPr lang="en-CA" dirty="0"/>
-          </a:p>
-          <a:p>
-            <a:pPr lvl="1"/>
-            <a:r>
-              <a:rPr lang="en-CA" dirty="0"/>
-              <a:t>Utilisation </a:t>
-            </a:r>
-            <a:r>
-              <a:rPr lang="en-CA" dirty="0" err="1"/>
-              <a:t>d’ADS</a:t>
-            </a:r>
-            <a:endParaRPr lang="en-CA" dirty="0"/>
-          </a:p>
-          <a:p>
-            <a:r>
-              <a:rPr lang="en-CA" dirty="0"/>
-              <a:t>APP 3:</a:t>
-            </a:r>
-          </a:p>
-          <a:p>
-            <a:pPr lvl="1"/>
-            <a:r>
-              <a:rPr lang="en-CA" dirty="0" err="1"/>
-              <a:t>Lignes</a:t>
-            </a:r>
-            <a:r>
-              <a:rPr lang="en-CA" dirty="0"/>
-              <a:t> de transmission</a:t>
-            </a:r>
-          </a:p>
-          <a:p>
-            <a:pPr lvl="1"/>
-            <a:r>
-              <a:rPr lang="en-CA" dirty="0"/>
-              <a:t>Adaptation </a:t>
-            </a:r>
-            <a:r>
-              <a:rPr lang="en-CA" dirty="0" err="1"/>
-              <a:t>d’impédance</a:t>
-            </a:r>
-            <a:endParaRPr lang="en-CA" dirty="0"/>
-          </a:p>
-        </p:txBody>
-      </p:sp>
-    </p:spTree>
-    <p:extLst>
-      <p:ext uri="{BB962C8B-B14F-4D97-AF65-F5344CB8AC3E}">
-        <p14:creationId xmlns:p14="http://schemas.microsoft.com/office/powerpoint/2010/main" val="1190730998"/>
-      </p:ext>
-    </p:extLst>
-  </p:cSld>
-  <p:clrMapOvr>
-    <a:masterClrMapping/>
-  </p:clrMapOvr>
-</p:sld>
-</file>
-
-<file path=ppt/slides/slide4.xml><?xml version="1.0" encoding="utf-8"?>
-<p:sld xmlns:a="http://schemas.openxmlformats.org/drawingml/2006/main" xmlns:r="http://schemas.openxmlformats.org/officeDocument/2006/relationships" xmlns:p="http://schemas.openxmlformats.org/presentationml/2006/main">
-  <p:cSld>
-    <p:spTree>
-      <p:nvGrpSpPr>
-        <p:cNvPr id="1" name=""/>
-        <p:cNvGrpSpPr/>
-        <p:nvPr/>
-      </p:nvGrpSpPr>
-      <p:grpSpPr>
-        <a:xfrm>
-          <a:off x="0" y="0"/>
-          <a:ext cx="0" cy="0"/>
-          <a:chOff x="0" y="0"/>
-          <a:chExt cx="0" cy="0"/>
-        </a:xfrm>
-      </p:grpSpPr>
-      <p:sp>
-        <p:nvSpPr>
-          <p:cNvPr id="2" name="Title 1">
-            <a:extLst>
-              <a:ext uri="{FF2B5EF4-FFF2-40B4-BE49-F238E27FC236}">
-                <a16:creationId xmlns:a16="http://schemas.microsoft.com/office/drawing/2014/main" id="{532BB36A-66E0-4644-AB8F-8DCB79605DD1}"/>
-              </a:ext>
-            </a:extLst>
-          </p:cNvPr>
-          <p:cNvSpPr>
-            <a:spLocks noGrp="1"/>
-          </p:cNvSpPr>
-          <p:nvPr>
-            <p:ph type="title"/>
-          </p:nvPr>
-        </p:nvSpPr>
-        <p:spPr/>
-        <p:txBody>
-          <a:bodyPr/>
-          <a:lstStyle/>
-          <a:p>
-            <a:r>
-              <a:rPr lang="en-CA" dirty="0" err="1"/>
-              <a:t>Antenne</a:t>
-            </a:r>
-            <a:endParaRPr lang="en-CA" dirty="0"/>
-          </a:p>
-        </p:txBody>
-      </p:sp>
-      <p:sp>
-        <p:nvSpPr>
-          <p:cNvPr id="3" name="Content Placeholder 2">
-            <a:extLst>
-              <a:ext uri="{FF2B5EF4-FFF2-40B4-BE49-F238E27FC236}">
-                <a16:creationId xmlns:a16="http://schemas.microsoft.com/office/drawing/2014/main" id="{6E8CB243-474A-4A7D-87A0-18D4236EA148}"/>
-              </a:ext>
-            </a:extLst>
-          </p:cNvPr>
-          <p:cNvSpPr>
-            <a:spLocks noGrp="1"/>
-          </p:cNvSpPr>
-          <p:nvPr>
-            <p:ph idx="1"/>
-          </p:nvPr>
-        </p:nvSpPr>
-        <p:spPr/>
-        <p:txBody>
-          <a:bodyPr/>
-          <a:lstStyle/>
-          <a:p>
-            <a:endParaRPr lang="en-CA"/>
-          </a:p>
-        </p:txBody>
-      </p:sp>
-    </p:spTree>
-    <p:extLst>
-      <p:ext uri="{BB962C8B-B14F-4D97-AF65-F5344CB8AC3E}">
-        <p14:creationId xmlns:p14="http://schemas.microsoft.com/office/powerpoint/2010/main" val="1461233970"/>
+        <p14:creationId xmlns:p14="http://schemas.microsoft.com/office/powerpoint/2010/main" val="2543157408"/>
       </p:ext>
     </p:extLst>
   </p:cSld>
@@ -8573,7 +9741,7 @@
           <p:cNvPr id="2" name="Title 1">
             <a:extLst>
               <a:ext uri="{FF2B5EF4-FFF2-40B4-BE49-F238E27FC236}">
-                <a16:creationId xmlns:a16="http://schemas.microsoft.com/office/drawing/2014/main" id="{181B7A1F-D195-4CB6-AF4A-94DB2BC49CEB}"/>
+                <a16:creationId xmlns:a16="http://schemas.microsoft.com/office/drawing/2014/main" id="{E08F6E75-2A45-4CD7-A89B-35B31D4D478A}"/>
               </a:ext>
             </a:extLst>
           </p:cNvPr>
@@ -8591,12 +9759,17 @@
           <a:p>
             <a:r>
               <a:rPr lang="en-CA" dirty="0" err="1"/>
-              <a:t>Chaîne</a:t>
+              <a:t>Antennes</a:t>
             </a:r>
             <a:r>
               <a:rPr lang="en-CA" dirty="0"/>
-              <a:t> RF</a:t>
-            </a:r>
+              <a:t> - </a:t>
+            </a:r>
+            <a:r>
+              <a:rPr lang="en-CA" dirty="0" err="1"/>
+              <a:t>Planaires</a:t>
+            </a:r>
+            <a:endParaRPr lang="en-CA" dirty="0"/>
           </a:p>
         </p:txBody>
       </p:sp>
@@ -8605,7 +9778,7 @@
           <p:cNvPr id="3" name="Content Placeholder 2">
             <a:extLst>
               <a:ext uri="{FF2B5EF4-FFF2-40B4-BE49-F238E27FC236}">
-                <a16:creationId xmlns:a16="http://schemas.microsoft.com/office/drawing/2014/main" id="{86306AC8-2B44-4495-982C-29052A09B7D8}"/>
+                <a16:creationId xmlns:a16="http://schemas.microsoft.com/office/drawing/2014/main" id="{B415ED72-9909-4FA1-907A-DAF78FD34380}"/>
               </a:ext>
             </a:extLst>
           </p:cNvPr>
@@ -8621,14 +9794,90 @@
           <a:bodyPr/>
           <a:lstStyle/>
           <a:p>
-            <a:endParaRPr lang="en-CA"/>
+            <a:r>
+              <a:rPr lang="en-CA" dirty="0"/>
+              <a:t>APP 2:</a:t>
+            </a:r>
+          </a:p>
+          <a:p>
+            <a:pPr lvl="1"/>
+            <a:r>
+              <a:rPr lang="en-CA" dirty="0" err="1"/>
+              <a:t>Calculs</a:t>
+            </a:r>
+            <a:r>
+              <a:rPr lang="en-CA" dirty="0"/>
+              <a:t> des dimensions </a:t>
+            </a:r>
+            <a:r>
+              <a:rPr lang="en-CA" dirty="0" err="1"/>
+              <a:t>d’une</a:t>
+            </a:r>
+            <a:r>
+              <a:rPr lang="en-CA" dirty="0"/>
+              <a:t> </a:t>
+            </a:r>
+            <a:r>
+              <a:rPr lang="en-CA" dirty="0" err="1"/>
+              <a:t>antenne</a:t>
+            </a:r>
+            <a:r>
+              <a:rPr lang="en-CA" dirty="0"/>
+              <a:t> </a:t>
+            </a:r>
+            <a:r>
+              <a:rPr lang="en-CA" dirty="0" err="1"/>
+              <a:t>planaire</a:t>
+            </a:r>
+            <a:endParaRPr lang="en-CA" dirty="0"/>
+          </a:p>
+          <a:p>
+            <a:pPr lvl="1"/>
+            <a:r>
+              <a:rPr lang="en-CA" dirty="0"/>
+              <a:t>Utilisation </a:t>
+            </a:r>
+            <a:r>
+              <a:rPr lang="en-CA" dirty="0" err="1"/>
+              <a:t>d’ADS</a:t>
+            </a:r>
+            <a:endParaRPr lang="en-CA" dirty="0"/>
+          </a:p>
+          <a:p>
+            <a:r>
+              <a:rPr lang="en-CA" dirty="0"/>
+              <a:t>APP 3:</a:t>
+            </a:r>
+          </a:p>
+          <a:p>
+            <a:pPr lvl="1"/>
+            <a:r>
+              <a:rPr lang="en-CA" dirty="0" err="1"/>
+              <a:t>Lignes</a:t>
+            </a:r>
+            <a:r>
+              <a:rPr lang="en-CA" dirty="0"/>
+              <a:t> de transmission</a:t>
+            </a:r>
+          </a:p>
+          <a:p>
+            <a:pPr lvl="1"/>
+            <a:r>
+              <a:rPr lang="en-CA" dirty="0"/>
+              <a:t>Adaptation </a:t>
+            </a:r>
+            <a:r>
+              <a:rPr lang="en-CA" dirty="0" err="1"/>
+              <a:t>d’impédance</a:t>
+            </a:r>
+            <a:endParaRPr lang="en-CA" dirty="0"/>
           </a:p>
         </p:txBody>
       </p:sp>
     </p:spTree>
     <p:extLst>
       <p:ext uri="{BB962C8B-B14F-4D97-AF65-F5344CB8AC3E}">
-        <p14:creationId xmlns:p14="http://schemas.microsoft.com/office/powerpoint/2010/main" val="4155299707"/>
+        <p14:creationId xmlns:p14="http://schemas.microsoft.com/office/powerpoint/2010/main" val="1190730998"/>
       </p:ext>
     </p:extLst>
   </p:cSld>
@@ -8660,7 +9909,7 @@
           <p:cNvPr id="2" name="Title 1">
             <a:extLst>
               <a:ext uri="{FF2B5EF4-FFF2-40B4-BE49-F238E27FC236}">
-                <a16:creationId xmlns:a16="http://schemas.microsoft.com/office/drawing/2014/main" id="{CB092671-ACDE-4E64-B487-381F2D0C6C2D}"/>
+                <a16:creationId xmlns:a16="http://schemas.microsoft.com/office/drawing/2014/main" id="{532BB36A-66E0-4644-AB8F-8DCB79605DD1}"/>
               </a:ext>
             </a:extLst>
           </p:cNvPr>
@@ -8677,12 +9926,8 @@
           <a:lstStyle/>
           <a:p>
             <a:r>
-              <a:rPr lang="en-CA" dirty="0"/>
-              <a:t>Modem </a:t>
-            </a:r>
-            <a:r>
               <a:rPr lang="en-CA" dirty="0" err="1"/>
-              <a:t>Numérique</a:t>
+              <a:t>Antenne</a:t>
             </a:r>
             <a:endParaRPr lang="en-CA" dirty="0"/>
           </a:p>
@@ -8693,7 +9938,7 @@
           <p:cNvPr id="3" name="Content Placeholder 2">
             <a:extLst>
               <a:ext uri="{FF2B5EF4-FFF2-40B4-BE49-F238E27FC236}">
-                <a16:creationId xmlns:a16="http://schemas.microsoft.com/office/drawing/2014/main" id="{C98FDD01-A6F3-46B0-A7A5-740763964552}"/>
+                <a16:creationId xmlns:a16="http://schemas.microsoft.com/office/drawing/2014/main" id="{6E8CB243-474A-4A7D-87A0-18D4236EA148}"/>
               </a:ext>
             </a:extLst>
           </p:cNvPr>
@@ -8716,7 +9961,7 @@
     </p:spTree>
     <p:extLst>
       <p:ext uri="{BB962C8B-B14F-4D97-AF65-F5344CB8AC3E}">
-        <p14:creationId xmlns:p14="http://schemas.microsoft.com/office/powerpoint/2010/main" val="4294789758"/>
+        <p14:creationId xmlns:p14="http://schemas.microsoft.com/office/powerpoint/2010/main" val="1461233970"/>
       </p:ext>
     </p:extLst>
   </p:cSld>
@@ -8748,7 +9993,7 @@
           <p:cNvPr id="2" name="Title 1">
             <a:extLst>
               <a:ext uri="{FF2B5EF4-FFF2-40B4-BE49-F238E27FC236}">
-                <a16:creationId xmlns:a16="http://schemas.microsoft.com/office/drawing/2014/main" id="{4D96D023-FF4C-48F9-8D0D-C84356743869}"/>
+                <a16:creationId xmlns:a16="http://schemas.microsoft.com/office/drawing/2014/main" id="{181B7A1F-D195-4CB6-AF4A-94DB2BC49CEB}"/>
               </a:ext>
             </a:extLst>
           </p:cNvPr>
@@ -8766,194 +10011,44 @@
           <a:p>
             <a:r>
               <a:rPr lang="en-CA" dirty="0" err="1"/>
-              <a:t>Protocole</a:t>
-            </a:r>
-            <a:endParaRPr lang="en-CA" dirty="0"/>
-          </a:p>
-        </p:txBody>
-      </p:sp>
-      <p:sp>
-        <p:nvSpPr>
-          <p:cNvPr id="3" name="TextBox 2">
+              <a:t>Chaîne</a:t>
+            </a:r>
+            <a:r>
+              <a:rPr lang="en-CA" dirty="0"/>
+              <a:t> RF</a:t>
+            </a:r>
+          </a:p>
+        </p:txBody>
+      </p:sp>
+      <p:sp>
+        <p:nvSpPr>
+          <p:cNvPr id="3" name="Content Placeholder 2">
             <a:extLst>
               <a:ext uri="{FF2B5EF4-FFF2-40B4-BE49-F238E27FC236}">
-                <a16:creationId xmlns:a16="http://schemas.microsoft.com/office/drawing/2014/main" id="{42DA6C5E-FC75-4155-A6A5-19DC3943EF40}"/>
+                <a16:creationId xmlns:a16="http://schemas.microsoft.com/office/drawing/2014/main" id="{86306AC8-2B44-4495-982C-29052A09B7D8}"/>
               </a:ext>
             </a:extLst>
           </p:cNvPr>
-          <p:cNvSpPr txBox="1"/>
-          <p:nvPr/>
-        </p:nvSpPr>
-        <p:spPr>
-          <a:xfrm>
-            <a:off x="685800" y="1907931"/>
-            <a:ext cx="11506199" cy="461665"/>
-          </a:xfrm>
-          <a:prstGeom prst="rect">
-            <a:avLst/>
-          </a:prstGeom>
-          <a:noFill/>
-        </p:spPr>
-        <p:txBody>
-          <a:bodyPr wrap="square" rtlCol="0">
-            <a:spAutoFit/>
-          </a:bodyPr>
+          <p:cNvSpPr>
+            <a:spLocks noGrp="1"/>
+          </p:cNvSpPr>
+          <p:nvPr>
+            <p:ph idx="1"/>
+          </p:nvPr>
+        </p:nvSpPr>
+        <p:spPr/>
+        <p:txBody>
+          <a:bodyPr/>
           <a:lstStyle/>
           <a:p>
-            <a:r>
-              <a:rPr lang="en-CA" sz="2400" dirty="0" err="1"/>
-              <a:t>Défis</a:t>
-            </a:r>
-            <a:r>
-              <a:rPr lang="en-CA" sz="2400" dirty="0"/>
-              <a:t> à </a:t>
-            </a:r>
-            <a:r>
-              <a:rPr lang="en-CA" sz="2400" dirty="0" err="1"/>
-              <a:t>relever</a:t>
-            </a:r>
-            <a:r>
-              <a:rPr lang="en-CA" sz="2400" dirty="0"/>
-              <a:t>:</a:t>
-            </a:r>
-          </a:p>
-        </p:txBody>
-      </p:sp>
-      <p:sp>
-        <p:nvSpPr>
-          <p:cNvPr id="4" name="TextBox 3">
-            <a:extLst>
-              <a:ext uri="{FF2B5EF4-FFF2-40B4-BE49-F238E27FC236}">
-                <a16:creationId xmlns:a16="http://schemas.microsoft.com/office/drawing/2014/main" id="{5FEF8A14-9BCD-43CA-BA7F-8EB49C06208A}"/>
-              </a:ext>
-            </a:extLst>
-          </p:cNvPr>
-          <p:cNvSpPr txBox="1"/>
-          <p:nvPr/>
-        </p:nvSpPr>
-        <p:spPr>
-          <a:xfrm>
-            <a:off x="808892" y="2716823"/>
-            <a:ext cx="10612316" cy="1754326"/>
-          </a:xfrm>
-          <a:prstGeom prst="rect">
-            <a:avLst/>
-          </a:prstGeom>
-          <a:noFill/>
-        </p:spPr>
-        <p:txBody>
-          <a:bodyPr wrap="square" rtlCol="0">
-            <a:spAutoFit/>
-          </a:bodyPr>
-          <a:lstStyle/>
-          <a:p>
-            <a:pPr marL="285750" indent="-285750">
-              <a:buFont typeface="Arial" panose="020B0604020202020204" pitchFamily="34" charset="0"/>
-              <a:buChar char="•"/>
-            </a:pPr>
-            <a:r>
-              <a:rPr lang="en-CA" dirty="0"/>
-              <a:t>Distinction des </a:t>
-            </a:r>
-            <a:r>
-              <a:rPr lang="en-CA" dirty="0" err="1"/>
-              <a:t>signaux</a:t>
-            </a:r>
-            <a:r>
-              <a:rPr lang="en-CA" dirty="0"/>
-              <a:t> pour </a:t>
-            </a:r>
-            <a:r>
-              <a:rPr lang="en-CA" dirty="0" err="1"/>
-              <a:t>chaque</a:t>
-            </a:r>
-            <a:r>
-              <a:rPr lang="en-CA" dirty="0"/>
-              <a:t> </a:t>
-            </a:r>
-            <a:r>
-              <a:rPr lang="en-CA" dirty="0" err="1"/>
-              <a:t>ruche</a:t>
-            </a:r>
-            <a:endParaRPr lang="en-CA" dirty="0"/>
-          </a:p>
-          <a:p>
-            <a:pPr marL="285750" indent="-285750">
-              <a:buFont typeface="Arial" panose="020B0604020202020204" pitchFamily="34" charset="0"/>
-              <a:buChar char="•"/>
-            </a:pPr>
-            <a:endParaRPr lang="en-CA" dirty="0"/>
-          </a:p>
-          <a:p>
-            <a:pPr marL="285750" indent="-285750">
-              <a:buFont typeface="Arial" panose="020B0604020202020204" pitchFamily="34" charset="0"/>
-              <a:buChar char="•"/>
-            </a:pPr>
-            <a:r>
-              <a:rPr lang="en-CA" dirty="0"/>
-              <a:t>Reconnaissance des </a:t>
-            </a:r>
-            <a:r>
-              <a:rPr lang="en-CA" dirty="0" err="1"/>
-              <a:t>différentes</a:t>
-            </a:r>
-            <a:r>
-              <a:rPr lang="en-CA" dirty="0"/>
-              <a:t> </a:t>
-            </a:r>
-            <a:r>
-              <a:rPr lang="en-CA" dirty="0" err="1"/>
-              <a:t>commandes</a:t>
-            </a:r>
-            <a:endParaRPr lang="en-CA" dirty="0"/>
-          </a:p>
-          <a:p>
-            <a:pPr marL="285750" indent="-285750">
-              <a:buFont typeface="Arial" panose="020B0604020202020204" pitchFamily="34" charset="0"/>
-              <a:buChar char="•"/>
-            </a:pPr>
-            <a:endParaRPr lang="en-CA" dirty="0"/>
-          </a:p>
-          <a:p>
-            <a:pPr marL="285750" indent="-285750">
-              <a:buFont typeface="Arial" panose="020B0604020202020204" pitchFamily="34" charset="0"/>
-              <a:buChar char="•"/>
-            </a:pPr>
-            <a:r>
-              <a:rPr lang="en-CA" dirty="0" err="1"/>
-              <a:t>Vérification</a:t>
-            </a:r>
-            <a:r>
-              <a:rPr lang="en-CA" dirty="0"/>
-              <a:t> de </a:t>
-            </a:r>
-            <a:r>
-              <a:rPr lang="en-CA" dirty="0" err="1"/>
-              <a:t>l’état</a:t>
-            </a:r>
-            <a:r>
-              <a:rPr lang="en-CA" dirty="0"/>
-              <a:t> des </a:t>
-            </a:r>
-            <a:r>
-              <a:rPr lang="en-CA" dirty="0" err="1"/>
-              <a:t>ruches</a:t>
-            </a:r>
-            <a:endParaRPr lang="en-CA" dirty="0"/>
-          </a:p>
-          <a:p>
-            <a:pPr marL="285750" indent="-285750">
-              <a:buFont typeface="Arial" panose="020B0604020202020204" pitchFamily="34" charset="0"/>
-              <a:buChar char="•"/>
-            </a:pPr>
-            <a:endParaRPr lang="en-CA" dirty="0"/>
+            <a:endParaRPr lang="en-CA"/>
           </a:p>
         </p:txBody>
       </p:sp>
     </p:spTree>
     <p:extLst>
       <p:ext uri="{BB962C8B-B14F-4D97-AF65-F5344CB8AC3E}">
-        <p14:creationId xmlns:p14="http://schemas.microsoft.com/office/powerpoint/2010/main" val="1560542592"/>
+        <p14:creationId xmlns:p14="http://schemas.microsoft.com/office/powerpoint/2010/main" val="4155299707"/>
       </p:ext>
     </p:extLst>
   </p:cSld>
@@ -8985,7 +10080,7 @@
           <p:cNvPr id="2" name="Title 1">
             <a:extLst>
               <a:ext uri="{FF2B5EF4-FFF2-40B4-BE49-F238E27FC236}">
-                <a16:creationId xmlns:a16="http://schemas.microsoft.com/office/drawing/2014/main" id="{4D96D023-FF4C-48F9-8D0D-C84356743869}"/>
+                <a16:creationId xmlns:a16="http://schemas.microsoft.com/office/drawing/2014/main" id="{CB092671-ACDE-4E64-B487-381F2D0C6C2D}"/>
               </a:ext>
             </a:extLst>
           </p:cNvPr>
@@ -9002,8 +10097,12 @@
           <a:lstStyle/>
           <a:p>
             <a:r>
+              <a:rPr lang="en-CA" dirty="0"/>
+              <a:t>Modem </a:t>
+            </a:r>
+            <a:r>
               <a:rPr lang="en-CA" dirty="0" err="1"/>
-              <a:t>Protocole</a:t>
+              <a:t>Numérique</a:t>
             </a:r>
             <a:endParaRPr lang="en-CA" dirty="0"/>
           </a:p>
@@ -9011,293 +10110,33 @@
       </p:sp>
       <p:sp>
         <p:nvSpPr>
-          <p:cNvPr id="3" name="TextBox 2">
+          <p:cNvPr id="3" name="Content Placeholder 2">
             <a:extLst>
               <a:ext uri="{FF2B5EF4-FFF2-40B4-BE49-F238E27FC236}">
-                <a16:creationId xmlns:a16="http://schemas.microsoft.com/office/drawing/2014/main" id="{42DA6C5E-FC75-4155-A6A5-19DC3943EF40}"/>
+                <a16:creationId xmlns:a16="http://schemas.microsoft.com/office/drawing/2014/main" id="{C98FDD01-A6F3-46B0-A7A5-740763964552}"/>
               </a:ext>
             </a:extLst>
           </p:cNvPr>
-          <p:cNvSpPr txBox="1"/>
-          <p:nvPr/>
-        </p:nvSpPr>
-        <p:spPr>
-          <a:xfrm>
-            <a:off x="685800" y="1907931"/>
-            <a:ext cx="11506199" cy="461665"/>
-          </a:xfrm>
-          <a:prstGeom prst="rect">
-            <a:avLst/>
-          </a:prstGeom>
-          <a:noFill/>
-        </p:spPr>
-        <p:txBody>
-          <a:bodyPr wrap="square" rtlCol="0">
-            <a:spAutoFit/>
-          </a:bodyPr>
+          <p:cNvSpPr>
+            <a:spLocks noGrp="1"/>
+          </p:cNvSpPr>
+          <p:nvPr>
+            <p:ph idx="1"/>
+          </p:nvPr>
+        </p:nvSpPr>
+        <p:spPr/>
+        <p:txBody>
+          <a:bodyPr/>
           <a:lstStyle/>
           <a:p>
-            <a:r>
-              <a:rPr lang="en-CA" sz="2400" dirty="0"/>
-              <a:t>Solutions:</a:t>
-            </a:r>
-          </a:p>
-        </p:txBody>
-      </p:sp>
-      <p:sp>
-        <p:nvSpPr>
-          <p:cNvPr id="5" name="TextBox 4">
-            <a:extLst>
-              <a:ext uri="{FF2B5EF4-FFF2-40B4-BE49-F238E27FC236}">
-                <a16:creationId xmlns:a16="http://schemas.microsoft.com/office/drawing/2014/main" id="{0F05B460-CFDE-45AB-9244-C2381F57C111}"/>
-              </a:ext>
-            </a:extLst>
-          </p:cNvPr>
-          <p:cNvSpPr txBox="1"/>
-          <p:nvPr/>
-        </p:nvSpPr>
-        <p:spPr>
-          <a:xfrm>
-            <a:off x="808892" y="2716823"/>
-            <a:ext cx="10612316" cy="2585323"/>
-          </a:xfrm>
-          <a:prstGeom prst="rect">
-            <a:avLst/>
-          </a:prstGeom>
-          <a:noFill/>
-        </p:spPr>
-        <p:txBody>
-          <a:bodyPr wrap="square" rtlCol="0">
-            <a:spAutoFit/>
-          </a:bodyPr>
-          <a:lstStyle/>
-          <a:p>
-            <a:pPr marL="285750" indent="-285750">
-              <a:buFont typeface="Arial" panose="020B0604020202020204" pitchFamily="34" charset="0"/>
-              <a:buChar char="•"/>
-            </a:pPr>
-            <a:r>
-              <a:rPr lang="en-CA" dirty="0" err="1"/>
-              <a:t>Ajout</a:t>
-            </a:r>
-            <a:r>
-              <a:rPr lang="en-CA" dirty="0"/>
-              <a:t> d’un </a:t>
-            </a:r>
-            <a:r>
-              <a:rPr lang="en-CA" dirty="0" err="1"/>
-              <a:t>numéro</a:t>
-            </a:r>
-            <a:r>
-              <a:rPr lang="en-CA" dirty="0"/>
-              <a:t> </a:t>
-            </a:r>
-            <a:r>
-              <a:rPr lang="en-CA" dirty="0" err="1"/>
-              <a:t>d’identification</a:t>
-            </a:r>
-            <a:r>
-              <a:rPr lang="en-CA" dirty="0"/>
-              <a:t> pour </a:t>
-            </a:r>
-            <a:r>
-              <a:rPr lang="en-CA" dirty="0" err="1"/>
-              <a:t>chaque</a:t>
-            </a:r>
-            <a:r>
-              <a:rPr lang="en-CA" dirty="0"/>
-              <a:t> </a:t>
-            </a:r>
-            <a:r>
-              <a:rPr lang="en-CA" dirty="0" err="1"/>
-              <a:t>ruche</a:t>
-            </a:r>
-            <a:r>
-              <a:rPr lang="en-CA" dirty="0"/>
-              <a:t>. </a:t>
-            </a:r>
-            <a:r>
-              <a:rPr lang="en-CA" dirty="0" err="1"/>
-              <a:t>Chaque</a:t>
-            </a:r>
-            <a:r>
-              <a:rPr lang="en-CA" dirty="0"/>
-              <a:t> communication entre le </a:t>
-            </a:r>
-            <a:r>
-              <a:rPr lang="en-CA" dirty="0" err="1"/>
-              <a:t>serveur</a:t>
-            </a:r>
-            <a:r>
-              <a:rPr lang="en-CA" dirty="0"/>
-              <a:t> et </a:t>
-            </a:r>
-            <a:r>
-              <a:rPr lang="en-CA" dirty="0" err="1"/>
-              <a:t>une</a:t>
-            </a:r>
-            <a:r>
-              <a:rPr lang="en-CA" dirty="0"/>
-              <a:t> </a:t>
-            </a:r>
-            <a:r>
-              <a:rPr lang="en-CA" dirty="0" err="1"/>
-              <a:t>ruche</a:t>
-            </a:r>
-            <a:r>
-              <a:rPr lang="en-CA" dirty="0"/>
-              <a:t> </a:t>
-            </a:r>
-            <a:r>
-              <a:rPr lang="en-CA" dirty="0" err="1"/>
-              <a:t>contient</a:t>
-            </a:r>
-            <a:r>
-              <a:rPr lang="en-CA" dirty="0"/>
-              <a:t> le </a:t>
-            </a:r>
-            <a:r>
-              <a:rPr lang="en-CA" dirty="0" err="1"/>
-              <a:t>numéro</a:t>
-            </a:r>
-            <a:r>
-              <a:rPr lang="en-CA" dirty="0"/>
-              <a:t> pour </a:t>
-            </a:r>
-            <a:r>
-              <a:rPr lang="en-CA" dirty="0" err="1"/>
-              <a:t>différencier</a:t>
-            </a:r>
-            <a:r>
-              <a:rPr lang="en-CA" dirty="0"/>
-              <a:t>.</a:t>
-            </a:r>
-          </a:p>
-          <a:p>
-            <a:pPr marL="285750" indent="-285750">
-              <a:buFont typeface="Arial" panose="020B0604020202020204" pitchFamily="34" charset="0"/>
-              <a:buChar char="•"/>
-            </a:pPr>
-            <a:endParaRPr lang="en-CA" dirty="0"/>
-          </a:p>
-          <a:p>
-            <a:pPr marL="285750" indent="-285750">
-              <a:buFont typeface="Arial" panose="020B0604020202020204" pitchFamily="34" charset="0"/>
-              <a:buChar char="•"/>
-            </a:pPr>
-            <a:r>
-              <a:rPr lang="en-CA" dirty="0"/>
-              <a:t>Assignation d’un </a:t>
-            </a:r>
-            <a:r>
-              <a:rPr lang="en-CA" dirty="0" err="1"/>
-              <a:t>caractère</a:t>
-            </a:r>
-            <a:r>
-              <a:rPr lang="en-CA" dirty="0"/>
-              <a:t> pour </a:t>
-            </a:r>
-            <a:r>
-              <a:rPr lang="en-CA" dirty="0" err="1"/>
-              <a:t>chaque</a:t>
-            </a:r>
-            <a:r>
-              <a:rPr lang="en-CA" dirty="0"/>
-              <a:t> </a:t>
-            </a:r>
-            <a:r>
-              <a:rPr lang="en-CA" dirty="0" err="1"/>
-              <a:t>commande</a:t>
-            </a:r>
-            <a:r>
-              <a:rPr lang="en-CA" dirty="0"/>
-              <a:t>.</a:t>
-            </a:r>
-          </a:p>
-          <a:p>
-            <a:pPr marL="285750" indent="-285750">
-              <a:buFont typeface="Arial" panose="020B0604020202020204" pitchFamily="34" charset="0"/>
-              <a:buChar char="•"/>
-            </a:pPr>
-            <a:endParaRPr lang="en-CA" dirty="0"/>
-          </a:p>
-          <a:p>
-            <a:pPr marL="285750" indent="-285750">
-              <a:buFont typeface="Arial" panose="020B0604020202020204" pitchFamily="34" charset="0"/>
-              <a:buChar char="•"/>
-            </a:pPr>
-            <a:r>
-              <a:rPr lang="en-CA" dirty="0" err="1"/>
-              <a:t>Rétroaction</a:t>
-            </a:r>
-            <a:r>
-              <a:rPr lang="en-CA" dirty="0"/>
-              <a:t> des </a:t>
-            </a:r>
-            <a:r>
-              <a:rPr lang="en-CA" dirty="0" err="1"/>
-              <a:t>ruches</a:t>
-            </a:r>
-            <a:r>
-              <a:rPr lang="en-CA" dirty="0"/>
-              <a:t> </a:t>
-            </a:r>
-            <a:r>
-              <a:rPr lang="en-CA" dirty="0" err="1"/>
-              <a:t>lorsqu’une</a:t>
-            </a:r>
-            <a:r>
-              <a:rPr lang="en-CA" dirty="0"/>
-              <a:t> </a:t>
-            </a:r>
-            <a:r>
-              <a:rPr lang="en-CA" dirty="0" err="1"/>
-              <a:t>commande</a:t>
-            </a:r>
-            <a:r>
-              <a:rPr lang="en-CA" dirty="0"/>
-              <a:t> </a:t>
-            </a:r>
-            <a:r>
-              <a:rPr lang="en-CA" dirty="0" err="1"/>
-              <a:t>est</a:t>
-            </a:r>
-            <a:r>
-              <a:rPr lang="en-CA" dirty="0"/>
-              <a:t> </a:t>
-            </a:r>
-            <a:r>
-              <a:rPr lang="en-CA" dirty="0" err="1"/>
-              <a:t>envoyé</a:t>
-            </a:r>
-            <a:r>
-              <a:rPr lang="en-CA" dirty="0"/>
-              <a:t>.</a:t>
-            </a:r>
-          </a:p>
-          <a:p>
-            <a:pPr marL="285750" indent="-285750">
-              <a:buFont typeface="Arial" panose="020B0604020202020204" pitchFamily="34" charset="0"/>
-              <a:buChar char="•"/>
-            </a:pPr>
-            <a:endParaRPr lang="en-CA" dirty="0"/>
-          </a:p>
-          <a:p>
-            <a:endParaRPr lang="en-CA" dirty="0"/>
-          </a:p>
-          <a:p>
-            <a:pPr marL="285750" indent="-285750">
-              <a:buFont typeface="Arial" panose="020B0604020202020204" pitchFamily="34" charset="0"/>
-              <a:buChar char="•"/>
-            </a:pPr>
-            <a:endParaRPr lang="en-CA" dirty="0"/>
+            <a:endParaRPr lang="en-CA"/>
           </a:p>
         </p:txBody>
       </p:sp>
     </p:spTree>
     <p:extLst>
       <p:ext uri="{BB962C8B-B14F-4D97-AF65-F5344CB8AC3E}">
-        <p14:creationId xmlns:p14="http://schemas.microsoft.com/office/powerpoint/2010/main" val="1050450600"/>
+        <p14:creationId xmlns:p14="http://schemas.microsoft.com/office/powerpoint/2010/main" val="4294789758"/>
       </p:ext>
     </p:extLst>
   </p:cSld>
@@ -9329,7 +10168,7 @@
           <p:cNvPr id="2" name="Title 1">
             <a:extLst>
               <a:ext uri="{FF2B5EF4-FFF2-40B4-BE49-F238E27FC236}">
-                <a16:creationId xmlns:a16="http://schemas.microsoft.com/office/drawing/2014/main" id="{4D96D023-FF4C-48F9-8D0D-C84356743869}"/>
+                <a16:creationId xmlns:a16="http://schemas.microsoft.com/office/drawing/2014/main" id="{E08F6E75-2A45-4CD7-A89B-35B31D4D478A}"/>
               </a:ext>
             </a:extLst>
           </p:cNvPr>
@@ -9345,256 +10184,39 @@
           <a:bodyPr/>
           <a:lstStyle/>
           <a:p>
-            <a:r>
-              <a:rPr lang="en-CA" dirty="0" err="1"/>
-              <a:t>Protocole</a:t>
-            </a:r>
-            <a:endParaRPr lang="en-CA" dirty="0"/>
-          </a:p>
-        </p:txBody>
-      </p:sp>
-      <p:sp>
-        <p:nvSpPr>
-          <p:cNvPr id="3" name="TextBox 2">
+            <a:endParaRPr lang="en-CA"/>
+          </a:p>
+        </p:txBody>
+      </p:sp>
+      <p:sp>
+        <p:nvSpPr>
+          <p:cNvPr id="3" name="Content Placeholder 2">
             <a:extLst>
               <a:ext uri="{FF2B5EF4-FFF2-40B4-BE49-F238E27FC236}">
-                <a16:creationId xmlns:a16="http://schemas.microsoft.com/office/drawing/2014/main" id="{42DA6C5E-FC75-4155-A6A5-19DC3943EF40}"/>
+                <a16:creationId xmlns:a16="http://schemas.microsoft.com/office/drawing/2014/main" id="{B415ED72-9909-4FA1-907A-DAF78FD34380}"/>
               </a:ext>
             </a:extLst>
           </p:cNvPr>
-          <p:cNvSpPr txBox="1"/>
-          <p:nvPr/>
-        </p:nvSpPr>
-        <p:spPr>
-          <a:xfrm>
-            <a:off x="685800" y="1907931"/>
-            <a:ext cx="11506199" cy="461665"/>
-          </a:xfrm>
-          <a:prstGeom prst="rect">
-            <a:avLst/>
-          </a:prstGeom>
-          <a:noFill/>
-        </p:spPr>
-        <p:txBody>
-          <a:bodyPr wrap="square" rtlCol="0">
-            <a:spAutoFit/>
-          </a:bodyPr>
+          <p:cNvSpPr>
+            <a:spLocks noGrp="1"/>
+          </p:cNvSpPr>
+          <p:nvPr>
+            <p:ph idx="1"/>
+          </p:nvPr>
+        </p:nvSpPr>
+        <p:spPr/>
+        <p:txBody>
+          <a:bodyPr/>
           <a:lstStyle/>
           <a:p>
-            <a:r>
-              <a:rPr lang="en-CA" sz="2400" dirty="0" err="1"/>
-              <a:t>Implémentation</a:t>
-            </a:r>
-            <a:r>
-              <a:rPr lang="en-CA" sz="2400" dirty="0"/>
-              <a:t>:</a:t>
-            </a:r>
-          </a:p>
-        </p:txBody>
-      </p:sp>
-      <p:sp>
-        <p:nvSpPr>
-          <p:cNvPr id="5" name="TextBox 4">
-            <a:extLst>
-              <a:ext uri="{FF2B5EF4-FFF2-40B4-BE49-F238E27FC236}">
-                <a16:creationId xmlns:a16="http://schemas.microsoft.com/office/drawing/2014/main" id="{0F05B460-CFDE-45AB-9244-C2381F57C111}"/>
-              </a:ext>
-            </a:extLst>
-          </p:cNvPr>
-          <p:cNvSpPr txBox="1"/>
-          <p:nvPr/>
-        </p:nvSpPr>
-        <p:spPr>
-          <a:xfrm>
-            <a:off x="808892" y="2635496"/>
-            <a:ext cx="10612316" cy="3416320"/>
-          </a:xfrm>
-          <a:prstGeom prst="rect">
-            <a:avLst/>
-          </a:prstGeom>
-          <a:noFill/>
-        </p:spPr>
-        <p:txBody>
-          <a:bodyPr wrap="square" rtlCol="0">
-            <a:spAutoFit/>
-          </a:bodyPr>
-          <a:lstStyle/>
-          <a:p>
-            <a:pPr marL="285750" indent="-285750">
-              <a:buFont typeface="Arial" panose="020B0604020202020204" pitchFamily="34" charset="0"/>
-              <a:buChar char="•"/>
-            </a:pPr>
-            <a:r>
-              <a:rPr lang="en-CA" dirty="0"/>
-              <a:t>Communication </a:t>
-            </a:r>
-            <a:r>
-              <a:rPr lang="en-CA" dirty="0" err="1"/>
-              <a:t>Serveur</a:t>
-            </a:r>
-            <a:r>
-              <a:rPr lang="en-CA" dirty="0"/>
-              <a:t> -&gt; Ruche:</a:t>
-            </a:r>
-          </a:p>
-          <a:p>
-            <a:pPr marL="285750" indent="-285750">
-              <a:buFont typeface="Arial" panose="020B0604020202020204" pitchFamily="34" charset="0"/>
-              <a:buChar char="•"/>
-            </a:pPr>
-            <a:endParaRPr lang="en-CA" dirty="0"/>
-          </a:p>
-          <a:p>
-            <a:pPr marL="285750" indent="-285750">
-              <a:buFont typeface="Arial" panose="020B0604020202020204" pitchFamily="34" charset="0"/>
-              <a:buChar char="•"/>
-            </a:pPr>
-            <a:endParaRPr lang="en-CA" dirty="0"/>
-          </a:p>
-          <a:p>
-            <a:pPr marL="285750" indent="-285750">
-              <a:buFont typeface="Arial" panose="020B0604020202020204" pitchFamily="34" charset="0"/>
-              <a:buChar char="•"/>
-            </a:pPr>
-            <a:endParaRPr lang="en-CA" dirty="0"/>
-          </a:p>
-          <a:p>
-            <a:pPr marL="285750" indent="-285750">
-              <a:buFont typeface="Arial" panose="020B0604020202020204" pitchFamily="34" charset="0"/>
-              <a:buChar char="•"/>
-            </a:pPr>
-            <a:endParaRPr lang="en-CA" dirty="0"/>
-          </a:p>
-          <a:p>
-            <a:pPr marL="285750" indent="-285750">
-              <a:buFont typeface="Arial" panose="020B0604020202020204" pitchFamily="34" charset="0"/>
-              <a:buChar char="•"/>
-            </a:pPr>
-            <a:endParaRPr lang="en-CA" dirty="0"/>
-          </a:p>
-          <a:p>
-            <a:endParaRPr lang="en-CA" dirty="0"/>
-          </a:p>
-          <a:p>
-            <a:pPr marL="285750" indent="-285750">
-              <a:buFont typeface="Arial" panose="020B0604020202020204" pitchFamily="34" charset="0"/>
-              <a:buChar char="•"/>
-            </a:pPr>
-            <a:endParaRPr lang="en-CA" dirty="0"/>
-          </a:p>
-          <a:p>
-            <a:pPr marL="285750" indent="-285750">
-              <a:buFont typeface="Arial" panose="020B0604020202020204" pitchFamily="34" charset="0"/>
-              <a:buChar char="•"/>
-            </a:pPr>
-            <a:r>
-              <a:rPr lang="en-CA" dirty="0"/>
-              <a:t>Communication Ruche -&gt; </a:t>
-            </a:r>
-            <a:r>
-              <a:rPr lang="en-CA" dirty="0" err="1"/>
-              <a:t>Serveur</a:t>
-            </a:r>
-            <a:r>
-              <a:rPr lang="en-CA" dirty="0"/>
-              <a:t>:</a:t>
-            </a:r>
-          </a:p>
-          <a:p>
-            <a:pPr marL="285750" indent="-285750">
-              <a:buFont typeface="Arial" panose="020B0604020202020204" pitchFamily="34" charset="0"/>
-              <a:buChar char="•"/>
-            </a:pPr>
-            <a:endParaRPr lang="en-CA" dirty="0"/>
-          </a:p>
-          <a:p>
-            <a:endParaRPr lang="en-CA" dirty="0"/>
-          </a:p>
-          <a:p>
-            <a:pPr marL="285750" indent="-285750">
-              <a:buFont typeface="Arial" panose="020B0604020202020204" pitchFamily="34" charset="0"/>
-              <a:buChar char="•"/>
-            </a:pPr>
-            <a:endParaRPr lang="en-CA" dirty="0"/>
-          </a:p>
-        </p:txBody>
-      </p:sp>
-      <p:pic>
-        <p:nvPicPr>
-          <p:cNvPr id="9" name="Picture 8">
-            <a:extLst>
-              <a:ext uri="{FF2B5EF4-FFF2-40B4-BE49-F238E27FC236}">
-                <a16:creationId xmlns:a16="http://schemas.microsoft.com/office/drawing/2014/main" id="{1F7987B6-124D-4E7D-B1AE-AF7488C590D6}"/>
-              </a:ext>
-            </a:extLst>
-          </p:cNvPr>
-          <p:cNvPicPr>
-            <a:picLocks noChangeAspect="1"/>
-          </p:cNvPicPr>
-          <p:nvPr/>
-        </p:nvPicPr>
-        <p:blipFill>
-          <a:blip r:embed="rId2">
-            <a:extLst>
-              <a:ext uri="{28A0092B-C50C-407E-A947-70E740481C1C}">
-                <a14:useLocalDpi xmlns:a14="http://schemas.microsoft.com/office/drawing/2010/main" val="0"/>
-              </a:ext>
-            </a:extLst>
-          </a:blip>
-          <a:stretch>
-            <a:fillRect/>
-          </a:stretch>
-        </p:blipFill>
-        <p:spPr>
-          <a:xfrm>
-            <a:off x="742950" y="3037014"/>
-            <a:ext cx="10706100" cy="1562100"/>
-          </a:xfrm>
-          <a:prstGeom prst="rect">
-            <a:avLst/>
-          </a:prstGeom>
-        </p:spPr>
-      </p:pic>
-      <p:pic>
-        <p:nvPicPr>
-          <p:cNvPr id="11" name="Picture 10">
-            <a:extLst>
-              <a:ext uri="{FF2B5EF4-FFF2-40B4-BE49-F238E27FC236}">
-                <a16:creationId xmlns:a16="http://schemas.microsoft.com/office/drawing/2014/main" id="{637BCD14-BC2A-494D-A73F-A1F55D6C0721}"/>
-              </a:ext>
-            </a:extLst>
-          </p:cNvPr>
-          <p:cNvPicPr>
-            <a:picLocks noChangeAspect="1"/>
-          </p:cNvPicPr>
-          <p:nvPr/>
-        </p:nvPicPr>
-        <p:blipFill>
-          <a:blip r:embed="rId3">
-            <a:extLst>
-              <a:ext uri="{28A0092B-C50C-407E-A947-70E740481C1C}">
-                <a14:useLocalDpi xmlns:a14="http://schemas.microsoft.com/office/drawing/2010/main" val="0"/>
-              </a:ext>
-            </a:extLst>
-          </a:blip>
-          <a:stretch>
-            <a:fillRect/>
-          </a:stretch>
-        </p:blipFill>
-        <p:spPr>
-          <a:xfrm>
-            <a:off x="4552950" y="5194501"/>
-            <a:ext cx="3086100" cy="1562100"/>
-          </a:xfrm>
-          <a:prstGeom prst="rect">
-            <a:avLst/>
-          </a:prstGeom>
-        </p:spPr>
-      </p:pic>
+            <a:endParaRPr lang="en-CA"/>
+          </a:p>
+        </p:txBody>
+      </p:sp>
     </p:spTree>
     <p:extLst>
       <p:ext uri="{BB962C8B-B14F-4D97-AF65-F5344CB8AC3E}">
-        <p14:creationId xmlns:p14="http://schemas.microsoft.com/office/powerpoint/2010/main" val="59767548"/>
+        <p14:creationId xmlns:p14="http://schemas.microsoft.com/office/powerpoint/2010/main" val="816399630"/>
       </p:ext>
     </p:extLst>
   </p:cSld>

--- a/Présentation Finale – P3.pptx
+++ b/Présentation Finale – P3.pptx
@@ -9,15 +9,15 @@
     <p:sldId id="268" r:id="rId3"/>
     <p:sldId id="269" r:id="rId4"/>
     <p:sldId id="267" r:id="rId5"/>
-    <p:sldId id="266" r:id="rId6"/>
-    <p:sldId id="257" r:id="rId7"/>
-    <p:sldId id="258" r:id="rId8"/>
-    <p:sldId id="259" r:id="rId9"/>
-    <p:sldId id="261" r:id="rId10"/>
-    <p:sldId id="260" r:id="rId11"/>
-    <p:sldId id="263" r:id="rId12"/>
+    <p:sldId id="270" r:id="rId6"/>
+    <p:sldId id="266" r:id="rId7"/>
+    <p:sldId id="257" r:id="rId8"/>
+    <p:sldId id="258" r:id="rId9"/>
+    <p:sldId id="259" r:id="rId10"/>
+    <p:sldId id="261" r:id="rId11"/>
+    <p:sldId id="271" r:id="rId12"/>
     <p:sldId id="264" r:id="rId13"/>
-    <p:sldId id="265" r:id="rId14"/>
+    <p:sldId id="272" r:id="rId14"/>
   </p:sldIdLst>
   <p:sldSz cx="12192000" cy="6858000"/>
   <p:notesSz cx="6858000" cy="9144000"/>
@@ -7763,7 +7763,7 @@
           <p:cNvPr id="2" name="Title 1">
             <a:extLst>
               <a:ext uri="{FF2B5EF4-FFF2-40B4-BE49-F238E27FC236}">
-                <a16:creationId xmlns:a16="http://schemas.microsoft.com/office/drawing/2014/main" id="{4D96D023-FF4C-48F9-8D0D-C84356743869}"/>
+                <a16:creationId xmlns:a16="http://schemas.microsoft.com/office/drawing/2014/main" id="{E08F6E75-2A45-4CD7-A89B-35B31D4D478A}"/>
               </a:ext>
             </a:extLst>
           </p:cNvPr>
@@ -7783,90 +7783,40 @@
               <a:rPr lang="en-CA" dirty="0" err="1"/>
               <a:t>Protocole</a:t>
             </a:r>
+            <a:r>
+              <a:rPr lang="en-CA" dirty="0"/>
+              <a:t> - </a:t>
+            </a:r>
+            <a:r>
+              <a:rPr lang="en-CA" dirty="0" err="1"/>
+              <a:t>Défis</a:t>
+            </a:r>
             <a:endParaRPr lang="en-CA" dirty="0"/>
           </a:p>
         </p:txBody>
       </p:sp>
       <p:sp>
         <p:nvSpPr>
-          <p:cNvPr id="3" name="TextBox 2">
+          <p:cNvPr id="3" name="Content Placeholder 2">
             <a:extLst>
               <a:ext uri="{FF2B5EF4-FFF2-40B4-BE49-F238E27FC236}">
-                <a16:creationId xmlns:a16="http://schemas.microsoft.com/office/drawing/2014/main" id="{42DA6C5E-FC75-4155-A6A5-19DC3943EF40}"/>
+                <a16:creationId xmlns:a16="http://schemas.microsoft.com/office/drawing/2014/main" id="{B415ED72-9909-4FA1-907A-DAF78FD34380}"/>
               </a:ext>
             </a:extLst>
           </p:cNvPr>
-          <p:cNvSpPr txBox="1"/>
-          <p:nvPr/>
-        </p:nvSpPr>
-        <p:spPr>
-          <a:xfrm>
-            <a:off x="685800" y="1907931"/>
-            <a:ext cx="11506199" cy="461665"/>
-          </a:xfrm>
-          <a:prstGeom prst="rect">
-            <a:avLst/>
-          </a:prstGeom>
-          <a:noFill/>
-        </p:spPr>
-        <p:txBody>
-          <a:bodyPr wrap="square" rtlCol="0">
-            <a:spAutoFit/>
-          </a:bodyPr>
+          <p:cNvSpPr>
+            <a:spLocks noGrp="1"/>
+          </p:cNvSpPr>
+          <p:nvPr>
+            <p:ph idx="1"/>
+          </p:nvPr>
+        </p:nvSpPr>
+        <p:spPr/>
+        <p:txBody>
+          <a:bodyPr/>
           <a:lstStyle/>
           <a:p>
             <a:r>
-              <a:rPr lang="en-CA" sz="2400" dirty="0" err="1"/>
-              <a:t>Défis</a:t>
-            </a:r>
-            <a:r>
-              <a:rPr lang="en-CA" sz="2400" dirty="0"/>
-              <a:t> à </a:t>
-            </a:r>
-            <a:r>
-              <a:rPr lang="en-CA" sz="2400" dirty="0" err="1"/>
-              <a:t>relever</a:t>
-            </a:r>
-            <a:r>
-              <a:rPr lang="en-CA" sz="2400" dirty="0"/>
-              <a:t>:</a:t>
-            </a:r>
-          </a:p>
-        </p:txBody>
-      </p:sp>
-      <p:sp>
-        <p:nvSpPr>
-          <p:cNvPr id="4" name="TextBox 3">
-            <a:extLst>
-              <a:ext uri="{FF2B5EF4-FFF2-40B4-BE49-F238E27FC236}">
-                <a16:creationId xmlns:a16="http://schemas.microsoft.com/office/drawing/2014/main" id="{5FEF8A14-9BCD-43CA-BA7F-8EB49C06208A}"/>
-              </a:ext>
-            </a:extLst>
-          </p:cNvPr>
-          <p:cNvSpPr txBox="1"/>
-          <p:nvPr/>
-        </p:nvSpPr>
-        <p:spPr>
-          <a:xfrm>
-            <a:off x="808892" y="2716823"/>
-            <a:ext cx="10612316" cy="1754326"/>
-          </a:xfrm>
-          <a:prstGeom prst="rect">
-            <a:avLst/>
-          </a:prstGeom>
-          <a:noFill/>
-        </p:spPr>
-        <p:txBody>
-          <a:bodyPr wrap="square" rtlCol="0">
-            <a:spAutoFit/>
-          </a:bodyPr>
-          <a:lstStyle/>
-          <a:p>
-            <a:pPr marL="285750" indent="-285750">
-              <a:buFont typeface="Arial" panose="020B0604020202020204" pitchFamily="34" charset="0"/>
-              <a:buChar char="•"/>
-            </a:pPr>
-            <a:r>
               <a:rPr lang="en-CA" dirty="0"/>
               <a:t>Distinction des </a:t>
             </a:r>
@@ -7893,20 +7843,12 @@
             <a:endParaRPr lang="en-CA" dirty="0"/>
           </a:p>
           <a:p>
-            <a:pPr marL="285750" indent="-285750">
-              <a:buFont typeface="Arial" panose="020B0604020202020204" pitchFamily="34" charset="0"/>
-              <a:buChar char="•"/>
-            </a:pPr>
             <a:endParaRPr lang="en-CA" dirty="0"/>
           </a:p>
           <a:p>
-            <a:pPr marL="285750" indent="-285750">
-              <a:buFont typeface="Arial" panose="020B0604020202020204" pitchFamily="34" charset="0"/>
-              <a:buChar char="•"/>
-            </a:pPr>
-            <a:r>
-              <a:rPr lang="en-CA" dirty="0"/>
-              <a:t>Reconnaissance des </a:t>
+            <a:r>
+              <a:rPr lang="en-CA" dirty="0"/>
+              <a:t> Reconnaissance des </a:t>
             </a:r>
             <a:r>
               <a:rPr lang="en-CA" dirty="0" err="1"/>
@@ -7923,17 +7865,9 @@
             <a:endParaRPr lang="en-CA" dirty="0"/>
           </a:p>
           <a:p>
-            <a:pPr marL="285750" indent="-285750">
-              <a:buFont typeface="Arial" panose="020B0604020202020204" pitchFamily="34" charset="0"/>
-              <a:buChar char="•"/>
-            </a:pPr>
             <a:endParaRPr lang="en-CA" dirty="0"/>
           </a:p>
           <a:p>
-            <a:pPr marL="285750" indent="-285750">
-              <a:buFont typeface="Arial" panose="020B0604020202020204" pitchFamily="34" charset="0"/>
-              <a:buChar char="•"/>
-            </a:pPr>
             <a:r>
               <a:rPr lang="en-CA" dirty="0" err="1"/>
               <a:t>Vérification</a:t>
@@ -7957,10 +7891,6 @@
             <a:endParaRPr lang="en-CA" dirty="0"/>
           </a:p>
           <a:p>
-            <a:pPr marL="285750" indent="-285750">
-              <a:buFont typeface="Arial" panose="020B0604020202020204" pitchFamily="34" charset="0"/>
-              <a:buChar char="•"/>
-            </a:pPr>
             <a:endParaRPr lang="en-CA" dirty="0"/>
           </a:p>
         </p:txBody>
@@ -7968,7 +7898,7 @@
     </p:spTree>
     <p:extLst>
       <p:ext uri="{BB962C8B-B14F-4D97-AF65-F5344CB8AC3E}">
-        <p14:creationId xmlns:p14="http://schemas.microsoft.com/office/powerpoint/2010/main" val="1560542592"/>
+        <p14:creationId xmlns:p14="http://schemas.microsoft.com/office/powerpoint/2010/main" val="816399630"/>
       </p:ext>
     </p:extLst>
   </p:cSld>
@@ -8000,7 +7930,7 @@
           <p:cNvPr id="2" name="Title 1">
             <a:extLst>
               <a:ext uri="{FF2B5EF4-FFF2-40B4-BE49-F238E27FC236}">
-                <a16:creationId xmlns:a16="http://schemas.microsoft.com/office/drawing/2014/main" id="{4D96D023-FF4C-48F9-8D0D-C84356743869}"/>
+                <a16:creationId xmlns:a16="http://schemas.microsoft.com/office/drawing/2014/main" id="{E08F6E75-2A45-4CD7-A89B-35B31D4D478A}"/>
               </a:ext>
             </a:extLst>
           </p:cNvPr>
@@ -8020,78 +7950,35 @@
               <a:rPr lang="en-CA" dirty="0" err="1"/>
               <a:t>Protocole</a:t>
             </a:r>
-            <a:endParaRPr lang="en-CA" dirty="0"/>
-          </a:p>
-        </p:txBody>
-      </p:sp>
-      <p:sp>
-        <p:nvSpPr>
-          <p:cNvPr id="3" name="TextBox 2">
+            <a:r>
+              <a:rPr lang="en-CA" dirty="0"/>
+              <a:t> - Solutions</a:t>
+            </a:r>
+          </a:p>
+        </p:txBody>
+      </p:sp>
+      <p:sp>
+        <p:nvSpPr>
+          <p:cNvPr id="3" name="Content Placeholder 2">
             <a:extLst>
               <a:ext uri="{FF2B5EF4-FFF2-40B4-BE49-F238E27FC236}">
-                <a16:creationId xmlns:a16="http://schemas.microsoft.com/office/drawing/2014/main" id="{42DA6C5E-FC75-4155-A6A5-19DC3943EF40}"/>
+                <a16:creationId xmlns:a16="http://schemas.microsoft.com/office/drawing/2014/main" id="{B415ED72-9909-4FA1-907A-DAF78FD34380}"/>
               </a:ext>
             </a:extLst>
           </p:cNvPr>
-          <p:cNvSpPr txBox="1"/>
-          <p:nvPr/>
-        </p:nvSpPr>
-        <p:spPr>
-          <a:xfrm>
-            <a:off x="685800" y="1907931"/>
-            <a:ext cx="11506199" cy="461665"/>
-          </a:xfrm>
-          <a:prstGeom prst="rect">
-            <a:avLst/>
-          </a:prstGeom>
-          <a:noFill/>
-        </p:spPr>
-        <p:txBody>
-          <a:bodyPr wrap="square" rtlCol="0">
-            <a:spAutoFit/>
-          </a:bodyPr>
+          <p:cNvSpPr>
+            <a:spLocks noGrp="1"/>
+          </p:cNvSpPr>
+          <p:nvPr>
+            <p:ph idx="1"/>
+          </p:nvPr>
+        </p:nvSpPr>
+        <p:spPr/>
+        <p:txBody>
+          <a:bodyPr/>
           <a:lstStyle/>
           <a:p>
             <a:r>
-              <a:rPr lang="en-CA" sz="2400" dirty="0"/>
-              <a:t>Solutions:</a:t>
-            </a:r>
-          </a:p>
-        </p:txBody>
-      </p:sp>
-      <p:sp>
-        <p:nvSpPr>
-          <p:cNvPr id="5" name="TextBox 4">
-            <a:extLst>
-              <a:ext uri="{FF2B5EF4-FFF2-40B4-BE49-F238E27FC236}">
-                <a16:creationId xmlns:a16="http://schemas.microsoft.com/office/drawing/2014/main" id="{0F05B460-CFDE-45AB-9244-C2381F57C111}"/>
-              </a:ext>
-            </a:extLst>
-          </p:cNvPr>
-          <p:cNvSpPr txBox="1"/>
-          <p:nvPr/>
-        </p:nvSpPr>
-        <p:spPr>
-          <a:xfrm>
-            <a:off x="808892" y="2716823"/>
-            <a:ext cx="10612316" cy="2585323"/>
-          </a:xfrm>
-          <a:prstGeom prst="rect">
-            <a:avLst/>
-          </a:prstGeom>
-          <a:noFill/>
-        </p:spPr>
-        <p:txBody>
-          <a:bodyPr wrap="square" rtlCol="0">
-            <a:spAutoFit/>
-          </a:bodyPr>
-          <a:lstStyle/>
-          <a:p>
-            <a:pPr marL="285750" indent="-285750">
-              <a:buFont typeface="Arial" panose="020B0604020202020204" pitchFamily="34" charset="0"/>
-              <a:buChar char="•"/>
-            </a:pPr>
-            <a:r>
               <a:rPr lang="en-CA" dirty="0" err="1"/>
               <a:t>Ajout</a:t>
             </a:r>
@@ -8183,26 +8070,15 @@
               <a:rPr lang="en-CA" dirty="0" err="1"/>
               <a:t>différencier</a:t>
             </a:r>
-            <a:r>
-              <a:rPr lang="en-CA" dirty="0"/>
-              <a:t>.</a:t>
-            </a:r>
-          </a:p>
-          <a:p>
-            <a:pPr marL="285750" indent="-285750">
-              <a:buFont typeface="Arial" panose="020B0604020202020204" pitchFamily="34" charset="0"/>
-              <a:buChar char="•"/>
-            </a:pPr>
             <a:endParaRPr lang="en-CA" dirty="0"/>
           </a:p>
           <a:p>
-            <a:pPr marL="285750" indent="-285750">
-              <a:buFont typeface="Arial" panose="020B0604020202020204" pitchFamily="34" charset="0"/>
-              <a:buChar char="•"/>
-            </a:pPr>
-            <a:r>
-              <a:rPr lang="en-CA" dirty="0"/>
-              <a:t>Assignation d’un </a:t>
+            <a:endParaRPr lang="en-CA" dirty="0"/>
+          </a:p>
+          <a:p>
+            <a:r>
+              <a:rPr lang="en-CA" dirty="0"/>
+              <a:t> Assignation d’un </a:t>
             </a:r>
             <a:r>
               <a:rPr lang="en-CA" dirty="0" err="1"/>
@@ -8224,23 +8100,12 @@
               <a:rPr lang="en-CA" dirty="0" err="1"/>
               <a:t>commande</a:t>
             </a:r>
-            <a:r>
-              <a:rPr lang="en-CA" dirty="0"/>
-              <a:t>.</a:t>
-            </a:r>
-          </a:p>
-          <a:p>
-            <a:pPr marL="285750" indent="-285750">
-              <a:buFont typeface="Arial" panose="020B0604020202020204" pitchFamily="34" charset="0"/>
-              <a:buChar char="•"/>
-            </a:pPr>
             <a:endParaRPr lang="en-CA" dirty="0"/>
           </a:p>
           <a:p>
-            <a:pPr marL="285750" indent="-285750">
-              <a:buFont typeface="Arial" panose="020B0604020202020204" pitchFamily="34" charset="0"/>
-              <a:buChar char="•"/>
-            </a:pPr>
+            <a:endParaRPr lang="en-CA" dirty="0"/>
+          </a:p>
+          <a:p>
             <a:r>
               <a:rPr lang="en-CA" dirty="0" err="1"/>
               <a:t>Rétroaction</a:t>
@@ -8285,26 +8150,6 @@
               <a:rPr lang="en-CA" dirty="0" err="1"/>
               <a:t>envoyé</a:t>
             </a:r>
-            <a:r>
-              <a:rPr lang="en-CA" dirty="0"/>
-              <a:t>.</a:t>
-            </a:r>
-          </a:p>
-          <a:p>
-            <a:pPr marL="285750" indent="-285750">
-              <a:buFont typeface="Arial" panose="020B0604020202020204" pitchFamily="34" charset="0"/>
-              <a:buChar char="•"/>
-            </a:pPr>
-            <a:endParaRPr lang="en-CA" dirty="0"/>
-          </a:p>
-          <a:p>
-            <a:endParaRPr lang="en-CA" dirty="0"/>
-          </a:p>
-          <a:p>
-            <a:pPr marL="285750" indent="-285750">
-              <a:buFont typeface="Arial" panose="020B0604020202020204" pitchFamily="34" charset="0"/>
-              <a:buChar char="•"/>
-            </a:pPr>
             <a:endParaRPr lang="en-CA" dirty="0"/>
           </a:p>
         </p:txBody>
@@ -8312,7 +8157,7 @@
     </p:spTree>
     <p:extLst>
       <p:ext uri="{BB962C8B-B14F-4D97-AF65-F5344CB8AC3E}">
-        <p14:creationId xmlns:p14="http://schemas.microsoft.com/office/powerpoint/2010/main" val="1050450600"/>
+        <p14:creationId xmlns:p14="http://schemas.microsoft.com/office/powerpoint/2010/main" val="3295757666"/>
       </p:ext>
     </p:extLst>
   </p:cSld>
@@ -8364,172 +8209,14 @@
               <a:rPr lang="en-CA" dirty="0" err="1"/>
               <a:t>Protocole</a:t>
             </a:r>
-            <a:endParaRPr lang="en-CA" dirty="0"/>
-          </a:p>
-        </p:txBody>
-      </p:sp>
-      <p:sp>
-        <p:nvSpPr>
-          <p:cNvPr id="3" name="TextBox 2">
-            <a:extLst>
-              <a:ext uri="{FF2B5EF4-FFF2-40B4-BE49-F238E27FC236}">
-                <a16:creationId xmlns:a16="http://schemas.microsoft.com/office/drawing/2014/main" id="{42DA6C5E-FC75-4155-A6A5-19DC3943EF40}"/>
-              </a:ext>
-            </a:extLst>
-          </p:cNvPr>
-          <p:cNvSpPr txBox="1"/>
-          <p:nvPr/>
-        </p:nvSpPr>
-        <p:spPr>
-          <a:xfrm>
-            <a:off x="685800" y="1907931"/>
-            <a:ext cx="11506199" cy="461665"/>
-          </a:xfrm>
-          <a:prstGeom prst="rect">
-            <a:avLst/>
-          </a:prstGeom>
-          <a:noFill/>
-        </p:spPr>
-        <p:txBody>
-          <a:bodyPr wrap="square" rtlCol="0">
-            <a:spAutoFit/>
-          </a:bodyPr>
-          <a:lstStyle/>
-          <a:p>
-            <a:r>
-              <a:rPr lang="en-CA" sz="2400" dirty="0" err="1"/>
+            <a:r>
+              <a:rPr lang="en-CA" dirty="0"/>
+              <a:t> - </a:t>
+            </a:r>
+            <a:r>
+              <a:rPr lang="en-CA" dirty="0" err="1"/>
               <a:t>Implémentation</a:t>
             </a:r>
-            <a:r>
-              <a:rPr lang="en-CA" sz="2400" dirty="0"/>
-              <a:t>:</a:t>
-            </a:r>
-          </a:p>
-        </p:txBody>
-      </p:sp>
-      <p:sp>
-        <p:nvSpPr>
-          <p:cNvPr id="5" name="TextBox 4">
-            <a:extLst>
-              <a:ext uri="{FF2B5EF4-FFF2-40B4-BE49-F238E27FC236}">
-                <a16:creationId xmlns:a16="http://schemas.microsoft.com/office/drawing/2014/main" id="{0F05B460-CFDE-45AB-9244-C2381F57C111}"/>
-              </a:ext>
-            </a:extLst>
-          </p:cNvPr>
-          <p:cNvSpPr txBox="1"/>
-          <p:nvPr/>
-        </p:nvSpPr>
-        <p:spPr>
-          <a:xfrm>
-            <a:off x="808892" y="2635496"/>
-            <a:ext cx="10612316" cy="3416320"/>
-          </a:xfrm>
-          <a:prstGeom prst="rect">
-            <a:avLst/>
-          </a:prstGeom>
-          <a:noFill/>
-        </p:spPr>
-        <p:txBody>
-          <a:bodyPr wrap="square" rtlCol="0">
-            <a:spAutoFit/>
-          </a:bodyPr>
-          <a:lstStyle/>
-          <a:p>
-            <a:pPr marL="285750" indent="-285750">
-              <a:buFont typeface="Arial" panose="020B0604020202020204" pitchFamily="34" charset="0"/>
-              <a:buChar char="•"/>
-            </a:pPr>
-            <a:r>
-              <a:rPr lang="en-CA" dirty="0"/>
-              <a:t>Communication </a:t>
-            </a:r>
-            <a:r>
-              <a:rPr lang="en-CA" dirty="0" err="1"/>
-              <a:t>Serveur</a:t>
-            </a:r>
-            <a:r>
-              <a:rPr lang="en-CA" dirty="0"/>
-              <a:t> -&gt; Ruche:</a:t>
-            </a:r>
-          </a:p>
-          <a:p>
-            <a:pPr marL="285750" indent="-285750">
-              <a:buFont typeface="Arial" panose="020B0604020202020204" pitchFamily="34" charset="0"/>
-              <a:buChar char="•"/>
-            </a:pPr>
-            <a:endParaRPr lang="en-CA" dirty="0"/>
-          </a:p>
-          <a:p>
-            <a:pPr marL="285750" indent="-285750">
-              <a:buFont typeface="Arial" panose="020B0604020202020204" pitchFamily="34" charset="0"/>
-              <a:buChar char="•"/>
-            </a:pPr>
-            <a:endParaRPr lang="en-CA" dirty="0"/>
-          </a:p>
-          <a:p>
-            <a:pPr marL="285750" indent="-285750">
-              <a:buFont typeface="Arial" panose="020B0604020202020204" pitchFamily="34" charset="0"/>
-              <a:buChar char="•"/>
-            </a:pPr>
-            <a:endParaRPr lang="en-CA" dirty="0"/>
-          </a:p>
-          <a:p>
-            <a:pPr marL="285750" indent="-285750">
-              <a:buFont typeface="Arial" panose="020B0604020202020204" pitchFamily="34" charset="0"/>
-              <a:buChar char="•"/>
-            </a:pPr>
-            <a:endParaRPr lang="en-CA" dirty="0"/>
-          </a:p>
-          <a:p>
-            <a:pPr marL="285750" indent="-285750">
-              <a:buFont typeface="Arial" panose="020B0604020202020204" pitchFamily="34" charset="0"/>
-              <a:buChar char="•"/>
-            </a:pPr>
-            <a:endParaRPr lang="en-CA" dirty="0"/>
-          </a:p>
-          <a:p>
-            <a:endParaRPr lang="en-CA" dirty="0"/>
-          </a:p>
-          <a:p>
-            <a:pPr marL="285750" indent="-285750">
-              <a:buFont typeface="Arial" panose="020B0604020202020204" pitchFamily="34" charset="0"/>
-              <a:buChar char="•"/>
-            </a:pPr>
-            <a:endParaRPr lang="en-CA" dirty="0"/>
-          </a:p>
-          <a:p>
-            <a:pPr marL="285750" indent="-285750">
-              <a:buFont typeface="Arial" panose="020B0604020202020204" pitchFamily="34" charset="0"/>
-              <a:buChar char="•"/>
-            </a:pPr>
-            <a:r>
-              <a:rPr lang="en-CA" dirty="0"/>
-              <a:t>Communication Ruche -&gt; </a:t>
-            </a:r>
-            <a:r>
-              <a:rPr lang="en-CA" dirty="0" err="1"/>
-              <a:t>Serveur</a:t>
-            </a:r>
-            <a:r>
-              <a:rPr lang="en-CA" dirty="0"/>
-              <a:t>:</a:t>
-            </a:r>
-          </a:p>
-          <a:p>
-            <a:pPr marL="285750" indent="-285750">
-              <a:buFont typeface="Arial" panose="020B0604020202020204" pitchFamily="34" charset="0"/>
-              <a:buChar char="•"/>
-            </a:pPr>
-            <a:endParaRPr lang="en-CA" dirty="0"/>
-          </a:p>
-          <a:p>
-            <a:endParaRPr lang="en-CA" dirty="0"/>
-          </a:p>
-          <a:p>
-            <a:pPr marL="285750" indent="-285750">
-              <a:buFont typeface="Arial" panose="020B0604020202020204" pitchFamily="34" charset="0"/>
-              <a:buChar char="•"/>
-            </a:pPr>
             <a:endParaRPr lang="en-CA" dirty="0"/>
           </a:p>
         </p:txBody>
@@ -8562,7 +8249,7 @@
         </p:blipFill>
         <p:spPr>
           <a:xfrm>
-            <a:off x="742950" y="3037014"/>
+            <a:off x="868851" y="4953001"/>
             <a:ext cx="10706100" cy="1562100"/>
           </a:xfrm>
           <a:prstGeom prst="rect">
@@ -8598,7 +8285,7 @@
         </p:blipFill>
         <p:spPr>
           <a:xfrm>
-            <a:off x="4552950" y="5194501"/>
+            <a:off x="4678851" y="2637621"/>
             <a:ext cx="3086100" cy="1562100"/>
           </a:xfrm>
           <a:prstGeom prst="rect">
@@ -8606,6 +8293,92 @@
           </a:prstGeom>
         </p:spPr>
       </p:pic>
+      <p:sp>
+        <p:nvSpPr>
+          <p:cNvPr id="7" name="Content Placeholder 2">
+            <a:extLst>
+              <a:ext uri="{FF2B5EF4-FFF2-40B4-BE49-F238E27FC236}">
+                <a16:creationId xmlns:a16="http://schemas.microsoft.com/office/drawing/2014/main" id="{D0FB56EB-FCFA-416B-9DAC-D19F345A911E}"/>
+              </a:ext>
+            </a:extLst>
+          </p:cNvPr>
+          <p:cNvSpPr>
+            <a:spLocks noGrp="1"/>
+          </p:cNvSpPr>
+          <p:nvPr>
+            <p:ph idx="1"/>
+          </p:nvPr>
+        </p:nvSpPr>
+        <p:spPr>
+          <a:xfrm>
+            <a:off x="2589212" y="2133600"/>
+            <a:ext cx="8915400" cy="3777622"/>
+          </a:xfrm>
+        </p:spPr>
+        <p:txBody>
+          <a:bodyPr/>
+          <a:lstStyle/>
+          <a:p>
+            <a:r>
+              <a:rPr lang="en-CA" dirty="0"/>
+              <a:t>Communication </a:t>
+            </a:r>
+            <a:r>
+              <a:rPr lang="en-CA" dirty="0" err="1"/>
+              <a:t>Ordinateur</a:t>
+            </a:r>
+            <a:r>
+              <a:rPr lang="en-CA" dirty="0"/>
+              <a:t> -&gt; </a:t>
+            </a:r>
+            <a:r>
+              <a:rPr lang="en-CA" dirty="0" err="1"/>
+              <a:t>Serveur</a:t>
+            </a:r>
+            <a:r>
+              <a:rPr lang="en-CA" dirty="0"/>
+              <a:t> –&gt; Ruche:</a:t>
+            </a:r>
+          </a:p>
+          <a:p>
+            <a:endParaRPr lang="en-CA" dirty="0"/>
+          </a:p>
+          <a:p>
+            <a:endParaRPr lang="en-CA" dirty="0"/>
+          </a:p>
+          <a:p>
+            <a:endParaRPr lang="en-CA" dirty="0"/>
+          </a:p>
+          <a:p>
+            <a:endParaRPr lang="en-CA" dirty="0"/>
+          </a:p>
+          <a:p>
+            <a:endParaRPr lang="en-CA" dirty="0"/>
+          </a:p>
+          <a:p>
+            <a:r>
+              <a:rPr lang="en-CA" dirty="0"/>
+              <a:t>Communication Ruche -&gt; </a:t>
+            </a:r>
+            <a:r>
+              <a:rPr lang="en-CA" dirty="0" err="1"/>
+              <a:t>Serveur</a:t>
+            </a:r>
+            <a:r>
+              <a:rPr lang="en-CA" dirty="0"/>
+              <a:t> -&gt; </a:t>
+            </a:r>
+            <a:r>
+              <a:rPr lang="en-CA" dirty="0" err="1"/>
+              <a:t>Ordinateur</a:t>
+            </a:r>
+            <a:r>
+              <a:rPr lang="en-CA" dirty="0"/>
+              <a:t>:</a:t>
+            </a:r>
+          </a:p>
+        </p:txBody>
+      </p:sp>
     </p:spTree>
     <p:extLst>
       <p:ext uri="{BB962C8B-B14F-4D97-AF65-F5344CB8AC3E}">
@@ -8661,188 +8434,227 @@
               <a:rPr lang="en-CA" dirty="0" err="1"/>
               <a:t>Protocole</a:t>
             </a:r>
-            <a:endParaRPr lang="en-CA" dirty="0"/>
-          </a:p>
-        </p:txBody>
-      </p:sp>
-      <p:sp>
-        <p:nvSpPr>
-          <p:cNvPr id="3" name="TextBox 2">
+            <a:r>
+              <a:rPr lang="en-CA" dirty="0"/>
+              <a:t> - APP</a:t>
+            </a:r>
+          </a:p>
+        </p:txBody>
+      </p:sp>
+      <p:sp>
+        <p:nvSpPr>
+          <p:cNvPr id="7" name="Content Placeholder 2">
             <a:extLst>
               <a:ext uri="{FF2B5EF4-FFF2-40B4-BE49-F238E27FC236}">
-                <a16:creationId xmlns:a16="http://schemas.microsoft.com/office/drawing/2014/main" id="{42DA6C5E-FC75-4155-A6A5-19DC3943EF40}"/>
+                <a16:creationId xmlns:a16="http://schemas.microsoft.com/office/drawing/2014/main" id="{D0FB56EB-FCFA-416B-9DAC-D19F345A911E}"/>
               </a:ext>
             </a:extLst>
           </p:cNvPr>
-          <p:cNvSpPr txBox="1"/>
-          <p:nvPr/>
+          <p:cNvSpPr>
+            <a:spLocks noGrp="1"/>
+          </p:cNvSpPr>
+          <p:nvPr>
+            <p:ph idx="1"/>
+          </p:nvPr>
         </p:nvSpPr>
         <p:spPr>
           <a:xfrm>
-            <a:off x="685800" y="1907931"/>
-            <a:ext cx="11506199" cy="461665"/>
+            <a:off x="2589212" y="2133600"/>
+            <a:ext cx="8915400" cy="3777622"/>
           </a:xfrm>
-          <a:prstGeom prst="rect">
-            <a:avLst/>
-          </a:prstGeom>
-          <a:noFill/>
         </p:spPr>
         <p:txBody>
-          <a:bodyPr wrap="square" rtlCol="0">
-            <a:spAutoFit/>
-          </a:bodyPr>
+          <a:bodyPr/>
           <a:lstStyle/>
           <a:p>
             <a:r>
-              <a:rPr lang="en-CA" sz="2400" dirty="0" err="1"/>
-              <a:t>Implémentation</a:t>
-            </a:r>
-            <a:r>
-              <a:rPr lang="en-CA" sz="2400" dirty="0"/>
+              <a:rPr lang="en-CA" dirty="0"/>
+              <a:t>APP 6:</a:t>
+            </a:r>
+          </a:p>
+          <a:p>
+            <a:pPr lvl="1"/>
+            <a:r>
+              <a:rPr lang="en-CA" dirty="0" err="1"/>
+              <a:t>Ajout</a:t>
+            </a:r>
+            <a:r>
+              <a:rPr lang="en-CA" dirty="0"/>
+              <a:t> </a:t>
+            </a:r>
+            <a:r>
+              <a:rPr lang="en-CA" dirty="0" err="1"/>
+              <a:t>d’une</a:t>
+            </a:r>
+            <a:r>
+              <a:rPr lang="en-CA" dirty="0"/>
+              <a:t> </a:t>
+            </a:r>
+            <a:r>
+              <a:rPr lang="en-CA" dirty="0" err="1"/>
+              <a:t>entête</a:t>
+            </a:r>
+            <a:r>
+              <a:rPr lang="en-CA" dirty="0"/>
+              <a:t> et </a:t>
+            </a:r>
+            <a:r>
+              <a:rPr lang="en-CA" dirty="0" err="1"/>
+              <a:t>d’une</a:t>
+            </a:r>
+            <a:r>
+              <a:rPr lang="en-CA" dirty="0"/>
+              <a:t> queue aux </a:t>
+            </a:r>
+            <a:r>
+              <a:rPr lang="en-CA" dirty="0" err="1"/>
+              <a:t>paquets</a:t>
+            </a:r>
+            <a:r>
+              <a:rPr lang="en-CA" dirty="0"/>
+              <a:t> </a:t>
+            </a:r>
+            <a:r>
+              <a:rPr lang="en-CA" dirty="0" err="1"/>
+              <a:t>transmis</a:t>
+            </a:r>
+            <a:endParaRPr lang="en-CA" dirty="0"/>
+          </a:p>
+          <a:p>
+            <a:endParaRPr lang="en-CA" dirty="0"/>
+          </a:p>
+          <a:p>
+            <a:r>
+              <a:rPr lang="en-CA" dirty="0" err="1"/>
+              <a:t>Toutefois</a:t>
+            </a:r>
+            <a:r>
+              <a:rPr lang="en-CA" dirty="0"/>
+              <a:t>, le </a:t>
+            </a:r>
+            <a:r>
+              <a:rPr lang="en-CA" dirty="0" err="1"/>
+              <a:t>protocole</a:t>
+            </a:r>
+            <a:r>
+              <a:rPr lang="en-CA" dirty="0"/>
+              <a:t> a </a:t>
+            </a:r>
+            <a:r>
+              <a:rPr lang="en-CA" dirty="0" err="1"/>
+              <a:t>été</a:t>
+            </a:r>
+            <a:r>
+              <a:rPr lang="en-CA" dirty="0"/>
+              <a:t> </a:t>
+            </a:r>
+            <a:r>
+              <a:rPr lang="en-CA" dirty="0" err="1"/>
+              <a:t>implémenté</a:t>
+            </a:r>
+            <a:r>
+              <a:rPr lang="en-CA" dirty="0"/>
+              <a:t> </a:t>
+            </a:r>
+            <a:r>
+              <a:rPr lang="en-CA" dirty="0" err="1"/>
+              <a:t>avant</a:t>
+            </a:r>
+            <a:r>
+              <a:rPr lang="en-CA" dirty="0"/>
+              <a:t> de faire </a:t>
+            </a:r>
+            <a:r>
+              <a:rPr lang="en-CA" dirty="0" err="1"/>
+              <a:t>l’APP</a:t>
+            </a:r>
+            <a:r>
+              <a:rPr lang="en-CA" dirty="0"/>
+              <a:t> 6, </a:t>
+            </a:r>
+            <a:r>
+              <a:rPr lang="en-CA" dirty="0" err="1"/>
+              <a:t>donc</a:t>
+            </a:r>
+            <a:r>
+              <a:rPr lang="en-CA" dirty="0"/>
+              <a:t> </a:t>
+            </a:r>
+            <a:r>
+              <a:rPr lang="en-CA" dirty="0" err="1"/>
+              <a:t>certaines</a:t>
+            </a:r>
+            <a:r>
+              <a:rPr lang="en-CA" dirty="0"/>
+              <a:t> </a:t>
+            </a:r>
+            <a:r>
+              <a:rPr lang="en-CA" dirty="0" err="1"/>
+              <a:t>fonctionnalités</a:t>
+            </a:r>
+            <a:r>
+              <a:rPr lang="en-CA" dirty="0"/>
+              <a:t> </a:t>
+            </a:r>
+            <a:r>
+              <a:rPr lang="en-CA" dirty="0" err="1"/>
+              <a:t>auraient</a:t>
+            </a:r>
+            <a:r>
+              <a:rPr lang="en-CA" dirty="0"/>
+              <a:t> </a:t>
+            </a:r>
+            <a:r>
+              <a:rPr lang="en-CA" dirty="0" err="1"/>
+              <a:t>été</a:t>
+            </a:r>
+            <a:r>
+              <a:rPr lang="en-CA" dirty="0"/>
+              <a:t> </a:t>
+            </a:r>
+            <a:r>
+              <a:rPr lang="en-CA" dirty="0" err="1"/>
+              <a:t>différentes</a:t>
+            </a:r>
+            <a:r>
+              <a:rPr lang="en-CA" dirty="0"/>
+              <a:t> </a:t>
+            </a:r>
+            <a:r>
+              <a:rPr lang="en-CA" dirty="0" err="1"/>
+              <a:t>dont</a:t>
+            </a:r>
+            <a:r>
+              <a:rPr lang="en-CA" dirty="0"/>
               <a:t>:</a:t>
             </a:r>
           </a:p>
-        </p:txBody>
-      </p:sp>
-      <p:sp>
-        <p:nvSpPr>
-          <p:cNvPr id="5" name="TextBox 4">
-            <a:extLst>
-              <a:ext uri="{FF2B5EF4-FFF2-40B4-BE49-F238E27FC236}">
-                <a16:creationId xmlns:a16="http://schemas.microsoft.com/office/drawing/2014/main" id="{0F05B460-CFDE-45AB-9244-C2381F57C111}"/>
-              </a:ext>
-            </a:extLst>
-          </p:cNvPr>
-          <p:cNvSpPr txBox="1"/>
-          <p:nvPr/>
-        </p:nvSpPr>
-        <p:spPr>
-          <a:xfrm>
-            <a:off x="808892" y="2635496"/>
-            <a:ext cx="10612316" cy="3416320"/>
-          </a:xfrm>
-          <a:prstGeom prst="rect">
-            <a:avLst/>
-          </a:prstGeom>
-          <a:noFill/>
-        </p:spPr>
-        <p:txBody>
-          <a:bodyPr wrap="square" rtlCol="0">
-            <a:spAutoFit/>
-          </a:bodyPr>
-          <a:lstStyle/>
-          <a:p>
-            <a:pPr marL="285750" indent="-285750">
-              <a:buFont typeface="Arial" panose="020B0604020202020204" pitchFamily="34" charset="0"/>
-              <a:buChar char="•"/>
-            </a:pPr>
-            <a:r>
-              <a:rPr lang="en-CA" dirty="0"/>
-              <a:t>Communication </a:t>
-            </a:r>
-            <a:r>
-              <a:rPr lang="en-CA" dirty="0" err="1"/>
-              <a:t>Moniteur</a:t>
-            </a:r>
-            <a:r>
-              <a:rPr lang="en-CA" dirty="0"/>
-              <a:t> -&gt; </a:t>
-            </a:r>
-            <a:r>
-              <a:rPr lang="en-CA" dirty="0" err="1"/>
-              <a:t>Serveur</a:t>
-            </a:r>
-            <a:r>
-              <a:rPr lang="en-CA" dirty="0"/>
-              <a:t>:</a:t>
-            </a:r>
-          </a:p>
-          <a:p>
-            <a:pPr marL="285750" indent="-285750">
-              <a:buFont typeface="Arial" panose="020B0604020202020204" pitchFamily="34" charset="0"/>
-              <a:buChar char="•"/>
-            </a:pPr>
-            <a:endParaRPr lang="en-CA" dirty="0"/>
-          </a:p>
-          <a:p>
-            <a:pPr marL="285750" indent="-285750">
-              <a:buFont typeface="Arial" panose="020B0604020202020204" pitchFamily="34" charset="0"/>
-              <a:buChar char="•"/>
-            </a:pPr>
-            <a:endParaRPr lang="en-CA" dirty="0"/>
-          </a:p>
-          <a:p>
-            <a:pPr marL="285750" indent="-285750">
-              <a:buFont typeface="Arial" panose="020B0604020202020204" pitchFamily="34" charset="0"/>
-              <a:buChar char="•"/>
-            </a:pPr>
-            <a:endParaRPr lang="en-CA" dirty="0"/>
-          </a:p>
-          <a:p>
-            <a:pPr marL="285750" indent="-285750">
-              <a:buFont typeface="Arial" panose="020B0604020202020204" pitchFamily="34" charset="0"/>
-              <a:buChar char="•"/>
-            </a:pPr>
-            <a:endParaRPr lang="en-CA" dirty="0"/>
-          </a:p>
-          <a:p>
-            <a:pPr marL="285750" indent="-285750">
-              <a:buFont typeface="Arial" panose="020B0604020202020204" pitchFamily="34" charset="0"/>
-              <a:buChar char="•"/>
-            </a:pPr>
-            <a:endParaRPr lang="en-CA" dirty="0"/>
-          </a:p>
-          <a:p>
-            <a:endParaRPr lang="en-CA" dirty="0"/>
-          </a:p>
-          <a:p>
-            <a:pPr marL="285750" indent="-285750">
-              <a:buFont typeface="Arial" panose="020B0604020202020204" pitchFamily="34" charset="0"/>
-              <a:buChar char="•"/>
-            </a:pPr>
-            <a:endParaRPr lang="en-CA" dirty="0"/>
-          </a:p>
-          <a:p>
-            <a:pPr marL="285750" indent="-285750">
-              <a:buFont typeface="Arial" panose="020B0604020202020204" pitchFamily="34" charset="0"/>
-              <a:buChar char="•"/>
-            </a:pPr>
-            <a:r>
-              <a:rPr lang="en-CA" dirty="0"/>
-              <a:t>Communication </a:t>
-            </a:r>
-            <a:r>
-              <a:rPr lang="en-CA" dirty="0" err="1"/>
-              <a:t>Serveur</a:t>
-            </a:r>
-            <a:r>
-              <a:rPr lang="en-CA" dirty="0"/>
-              <a:t> -&gt; </a:t>
-            </a:r>
-            <a:r>
-              <a:rPr lang="en-CA" dirty="0" err="1"/>
-              <a:t>Moniteur</a:t>
-            </a:r>
-            <a:r>
-              <a:rPr lang="en-CA" dirty="0"/>
-              <a:t>:</a:t>
-            </a:r>
-          </a:p>
-          <a:p>
-            <a:pPr marL="285750" indent="-285750">
-              <a:buFont typeface="Arial" panose="020B0604020202020204" pitchFamily="34" charset="0"/>
-              <a:buChar char="•"/>
-            </a:pPr>
-            <a:endParaRPr lang="en-CA" dirty="0"/>
-          </a:p>
-          <a:p>
-            <a:endParaRPr lang="en-CA" dirty="0"/>
-          </a:p>
-          <a:p>
-            <a:pPr marL="285750" indent="-285750">
-              <a:buFont typeface="Arial" panose="020B0604020202020204" pitchFamily="34" charset="0"/>
-              <a:buChar char="•"/>
-            </a:pPr>
+          <a:p>
+            <a:pPr lvl="1"/>
+            <a:r>
+              <a:rPr lang="en-CA" dirty="0"/>
+              <a:t>Une </a:t>
+            </a:r>
+            <a:r>
+              <a:rPr lang="en-CA" dirty="0" err="1"/>
+              <a:t>meilleure</a:t>
+            </a:r>
+            <a:r>
+              <a:rPr lang="en-CA" dirty="0"/>
+              <a:t> implementation de la </a:t>
+            </a:r>
+            <a:r>
+              <a:rPr lang="en-CA" dirty="0" err="1"/>
+              <a:t>gestion</a:t>
+            </a:r>
+            <a:r>
+              <a:rPr lang="en-CA" dirty="0"/>
+              <a:t> </a:t>
+            </a:r>
+            <a:r>
+              <a:rPr lang="en-CA" dirty="0" err="1"/>
+              <a:t>d’erreur</a:t>
+            </a:r>
             <a:endParaRPr lang="en-CA" dirty="0"/>
           </a:p>
         </p:txBody>
@@ -8850,7 +8662,7 @@
     </p:spTree>
     <p:extLst>
       <p:ext uri="{BB962C8B-B14F-4D97-AF65-F5344CB8AC3E}">
-        <p14:creationId xmlns:p14="http://schemas.microsoft.com/office/powerpoint/2010/main" val="233472135"/>
+        <p14:creationId xmlns:p14="http://schemas.microsoft.com/office/powerpoint/2010/main" val="2088409317"/>
       </p:ext>
     </p:extLst>
   </p:cSld>
@@ -9239,6 +9051,247 @@
 </file>
 
 <file path=ppt/slides/slide4.xml><?xml version="1.0" encoding="utf-8"?>
+<p:sld xmlns:a="http://schemas.openxmlformats.org/drawingml/2006/main" xmlns:r="http://schemas.openxmlformats.org/officeDocument/2006/relationships" xmlns:p="http://schemas.openxmlformats.org/presentationml/2006/main">
+  <p:cSld>
+    <p:spTree>
+      <p:nvGrpSpPr>
+        <p:cNvPr id="1" name=""/>
+        <p:cNvGrpSpPr/>
+        <p:nvPr/>
+      </p:nvGrpSpPr>
+      <p:grpSpPr>
+        <a:xfrm>
+          <a:off x="0" y="0"/>
+          <a:ext cx="0" cy="0"/>
+          <a:chOff x="0" y="0"/>
+          <a:chExt cx="0" cy="0"/>
+        </a:xfrm>
+      </p:grpSpPr>
+      <p:sp>
+        <p:nvSpPr>
+          <p:cNvPr id="2" name="Title 1">
+            <a:extLst>
+              <a:ext uri="{FF2B5EF4-FFF2-40B4-BE49-F238E27FC236}">
+                <a16:creationId xmlns:a16="http://schemas.microsoft.com/office/drawing/2014/main" id="{532BB36A-66E0-4644-AB8F-8DCB79605DD1}"/>
+              </a:ext>
+            </a:extLst>
+          </p:cNvPr>
+          <p:cNvSpPr>
+            <a:spLocks noGrp="1"/>
+          </p:cNvSpPr>
+          <p:nvPr>
+            <p:ph type="title"/>
+          </p:nvPr>
+        </p:nvSpPr>
+        <p:spPr/>
+        <p:txBody>
+          <a:bodyPr/>
+          <a:lstStyle/>
+          <a:p>
+            <a:r>
+              <a:rPr lang="en-CA" dirty="0" err="1"/>
+              <a:t>Antennes</a:t>
+            </a:r>
+            <a:r>
+              <a:rPr lang="en-CA" dirty="0"/>
+              <a:t> – 3D</a:t>
+            </a:r>
+          </a:p>
+        </p:txBody>
+      </p:sp>
+      <p:sp>
+        <p:nvSpPr>
+          <p:cNvPr id="3" name="Content Placeholder 2">
+            <a:extLst>
+              <a:ext uri="{FF2B5EF4-FFF2-40B4-BE49-F238E27FC236}">
+                <a16:creationId xmlns:a16="http://schemas.microsoft.com/office/drawing/2014/main" id="{6E8CB243-474A-4A7D-87A0-18D4236EA148}"/>
+              </a:ext>
+            </a:extLst>
+          </p:cNvPr>
+          <p:cNvSpPr>
+            <a:spLocks noGrp="1"/>
+          </p:cNvSpPr>
+          <p:nvPr>
+            <p:ph idx="1"/>
+          </p:nvPr>
+        </p:nvSpPr>
+        <p:spPr>
+          <a:xfrm>
+            <a:off x="1466490" y="1468963"/>
+            <a:ext cx="8915400" cy="3777622"/>
+          </a:xfrm>
+        </p:spPr>
+        <p:txBody>
+          <a:bodyPr/>
+          <a:lstStyle/>
+          <a:p>
+            <a:r>
+              <a:rPr lang="en-CA" dirty="0" err="1"/>
+              <a:t>Trouver</a:t>
+            </a:r>
+            <a:r>
+              <a:rPr lang="en-CA" dirty="0"/>
+              <a:t> documentation </a:t>
+            </a:r>
+            <a:r>
+              <a:rPr lang="en-CA" dirty="0" err="1"/>
+              <a:t>confirmant</a:t>
+            </a:r>
+            <a:r>
+              <a:rPr lang="en-CA" dirty="0"/>
+              <a:t> le design</a:t>
+            </a:r>
+          </a:p>
+          <a:p>
+            <a:r>
+              <a:rPr lang="en-CA" dirty="0" err="1"/>
+              <a:t>Avoir</a:t>
+            </a:r>
+            <a:r>
+              <a:rPr lang="en-CA" dirty="0"/>
+              <a:t> </a:t>
+            </a:r>
+            <a:r>
+              <a:rPr lang="en-CA" dirty="0" err="1"/>
+              <a:t>une</a:t>
+            </a:r>
+            <a:r>
+              <a:rPr lang="en-CA" dirty="0"/>
+              <a:t> </a:t>
+            </a:r>
+            <a:r>
+              <a:rPr lang="en-CA" dirty="0" err="1"/>
+              <a:t>directivité</a:t>
+            </a:r>
+            <a:r>
+              <a:rPr lang="en-CA" dirty="0"/>
+              <a:t> (Ruche </a:t>
+            </a:r>
+            <a:r>
+              <a:rPr lang="en-CA" dirty="0" err="1"/>
+              <a:t>vers</a:t>
+            </a:r>
+            <a:r>
+              <a:rPr lang="en-CA" dirty="0"/>
+              <a:t> </a:t>
+            </a:r>
+            <a:r>
+              <a:rPr lang="en-CA" dirty="0" err="1"/>
+              <a:t>Serveur</a:t>
+            </a:r>
+            <a:r>
+              <a:rPr lang="en-CA" dirty="0"/>
+              <a:t>)</a:t>
+            </a:r>
+          </a:p>
+        </p:txBody>
+      </p:sp>
+      <p:sp>
+        <p:nvSpPr>
+          <p:cNvPr id="16" name="TextBox 15">
+            <a:extLst>
+              <a:ext uri="{FF2B5EF4-FFF2-40B4-BE49-F238E27FC236}">
+                <a16:creationId xmlns:a16="http://schemas.microsoft.com/office/drawing/2014/main" id="{40B4E6AA-80A5-43B7-8A3B-BC40BD2FD27C}"/>
+              </a:ext>
+            </a:extLst>
+          </p:cNvPr>
+          <p:cNvSpPr txBox="1"/>
+          <p:nvPr/>
+        </p:nvSpPr>
+        <p:spPr>
+          <a:xfrm>
+            <a:off x="9069228" y="2589266"/>
+            <a:ext cx="3122772" cy="923330"/>
+          </a:xfrm>
+          <a:prstGeom prst="rect">
+            <a:avLst/>
+          </a:prstGeom>
+          <a:noFill/>
+        </p:spPr>
+        <p:txBody>
+          <a:bodyPr wrap="square" rtlCol="0">
+            <a:spAutoFit/>
+          </a:bodyPr>
+          <a:lstStyle/>
+          <a:p>
+            <a:r>
+              <a:rPr lang="en-CA" dirty="0"/>
+              <a:t>Coefficient de </a:t>
+            </a:r>
+            <a:r>
+              <a:rPr lang="en-CA" dirty="0" err="1"/>
+              <a:t>réflexion</a:t>
+            </a:r>
+            <a:r>
+              <a:rPr lang="en-CA" dirty="0"/>
+              <a:t> la </a:t>
+            </a:r>
+            <a:r>
+              <a:rPr lang="en-CA" dirty="0" err="1"/>
+              <a:t>bande</a:t>
+            </a:r>
+            <a:r>
+              <a:rPr lang="en-CA" dirty="0"/>
+              <a:t> ISM:</a:t>
+            </a:r>
+          </a:p>
+          <a:p>
+            <a:r>
+              <a:rPr lang="en-CA" dirty="0"/>
+              <a:t>de -13,84dB à – 19,77dB</a:t>
+            </a:r>
+          </a:p>
+        </p:txBody>
+      </p:sp>
+      <p:pic>
+        <p:nvPicPr>
+          <p:cNvPr id="6" name="Picture 5">
+            <a:extLst>
+              <a:ext uri="{FF2B5EF4-FFF2-40B4-BE49-F238E27FC236}">
+                <a16:creationId xmlns:a16="http://schemas.microsoft.com/office/drawing/2014/main" id="{018CBFB6-5EAC-4BDF-8539-25333E89EBFA}"/>
+              </a:ext>
+            </a:extLst>
+          </p:cNvPr>
+          <p:cNvPicPr>
+            <a:picLocks noChangeAspect="1"/>
+          </p:cNvPicPr>
+          <p:nvPr/>
+        </p:nvPicPr>
+        <p:blipFill rotWithShape="1">
+          <a:blip r:embed="rId2">
+            <a:extLst>
+              <a:ext uri="{28A0092B-C50C-407E-A947-70E740481C1C}">
+                <a14:useLocalDpi xmlns:a14="http://schemas.microsoft.com/office/drawing/2010/main" val="0"/>
+              </a:ext>
+            </a:extLst>
+          </a:blip>
+          <a:srcRect b="48889"/>
+          <a:stretch/>
+        </p:blipFill>
+        <p:spPr>
+          <a:xfrm>
+            <a:off x="1153825" y="2321169"/>
+            <a:ext cx="7844534" cy="3505200"/>
+          </a:xfrm>
+          <a:prstGeom prst="rect">
+            <a:avLst/>
+          </a:prstGeom>
+        </p:spPr>
+      </p:pic>
+    </p:spTree>
+    <p:extLst>
+      <p:ext uri="{BB962C8B-B14F-4D97-AF65-F5344CB8AC3E}">
+        <p14:creationId xmlns:p14="http://schemas.microsoft.com/office/powerpoint/2010/main" val="2543157408"/>
+      </p:ext>
+    </p:extLst>
+  </p:cSld>
+  <p:clrMapOvr>
+    <a:masterClrMapping/>
+  </p:clrMapOvr>
+</p:sld>
+</file>
+
+<file path=ppt/slides/slide5.xml><?xml version="1.0" encoding="utf-8"?>
 <p:sld xmlns:a="http://schemas.openxmlformats.org/drawingml/2006/main" xmlns:r="http://schemas.openxmlformats.org/officeDocument/2006/relationships" xmlns:p="http://schemas.openxmlformats.org/presentationml/2006/main">
   <p:cSld>
     <p:spTree>
@@ -9709,175 +9762,7 @@
     </p:spTree>
     <p:extLst>
       <p:ext uri="{BB962C8B-B14F-4D97-AF65-F5344CB8AC3E}">
-        <p14:creationId xmlns:p14="http://schemas.microsoft.com/office/powerpoint/2010/main" val="2543157408"/>
-      </p:ext>
-    </p:extLst>
-  </p:cSld>
-  <p:clrMapOvr>
-    <a:masterClrMapping/>
-  </p:clrMapOvr>
-</p:sld>
-</file>
-
-<file path=ppt/slides/slide5.xml><?xml version="1.0" encoding="utf-8"?>
-<p:sld xmlns:a="http://schemas.openxmlformats.org/drawingml/2006/main" xmlns:r="http://schemas.openxmlformats.org/officeDocument/2006/relationships" xmlns:p="http://schemas.openxmlformats.org/presentationml/2006/main">
-  <p:cSld>
-    <p:spTree>
-      <p:nvGrpSpPr>
-        <p:cNvPr id="1" name=""/>
-        <p:cNvGrpSpPr/>
-        <p:nvPr/>
-      </p:nvGrpSpPr>
-      <p:grpSpPr>
-        <a:xfrm>
-          <a:off x="0" y="0"/>
-          <a:ext cx="0" cy="0"/>
-          <a:chOff x="0" y="0"/>
-          <a:chExt cx="0" cy="0"/>
-        </a:xfrm>
-      </p:grpSpPr>
-      <p:sp>
-        <p:nvSpPr>
-          <p:cNvPr id="2" name="Title 1">
-            <a:extLst>
-              <a:ext uri="{FF2B5EF4-FFF2-40B4-BE49-F238E27FC236}">
-                <a16:creationId xmlns:a16="http://schemas.microsoft.com/office/drawing/2014/main" id="{E08F6E75-2A45-4CD7-A89B-35B31D4D478A}"/>
-              </a:ext>
-            </a:extLst>
-          </p:cNvPr>
-          <p:cNvSpPr>
-            <a:spLocks noGrp="1"/>
-          </p:cNvSpPr>
-          <p:nvPr>
-            <p:ph type="title"/>
-          </p:nvPr>
-        </p:nvSpPr>
-        <p:spPr/>
-        <p:txBody>
-          <a:bodyPr/>
-          <a:lstStyle/>
-          <a:p>
-            <a:r>
-              <a:rPr lang="en-CA" dirty="0" err="1"/>
-              <a:t>Antennes</a:t>
-            </a:r>
-            <a:r>
-              <a:rPr lang="en-CA" dirty="0"/>
-              <a:t> - </a:t>
-            </a:r>
-            <a:r>
-              <a:rPr lang="en-CA" dirty="0" err="1"/>
-              <a:t>Planaires</a:t>
-            </a:r>
-            <a:endParaRPr lang="en-CA" dirty="0"/>
-          </a:p>
-        </p:txBody>
-      </p:sp>
-      <p:sp>
-        <p:nvSpPr>
-          <p:cNvPr id="3" name="Content Placeholder 2">
-            <a:extLst>
-              <a:ext uri="{FF2B5EF4-FFF2-40B4-BE49-F238E27FC236}">
-                <a16:creationId xmlns:a16="http://schemas.microsoft.com/office/drawing/2014/main" id="{B415ED72-9909-4FA1-907A-DAF78FD34380}"/>
-              </a:ext>
-            </a:extLst>
-          </p:cNvPr>
-          <p:cNvSpPr>
-            <a:spLocks noGrp="1"/>
-          </p:cNvSpPr>
-          <p:nvPr>
-            <p:ph idx="1"/>
-          </p:nvPr>
-        </p:nvSpPr>
-        <p:spPr/>
-        <p:txBody>
-          <a:bodyPr/>
-          <a:lstStyle/>
-          <a:p>
-            <a:r>
-              <a:rPr lang="en-CA" dirty="0"/>
-              <a:t>APP 2:</a:t>
-            </a:r>
-          </a:p>
-          <a:p>
-            <a:pPr lvl="1"/>
-            <a:r>
-              <a:rPr lang="en-CA" dirty="0" err="1"/>
-              <a:t>Calculs</a:t>
-            </a:r>
-            <a:r>
-              <a:rPr lang="en-CA" dirty="0"/>
-              <a:t> des dimensions </a:t>
-            </a:r>
-            <a:r>
-              <a:rPr lang="en-CA" dirty="0" err="1"/>
-              <a:t>d’une</a:t>
-            </a:r>
-            <a:r>
-              <a:rPr lang="en-CA" dirty="0"/>
-              <a:t> </a:t>
-            </a:r>
-            <a:r>
-              <a:rPr lang="en-CA" dirty="0" err="1"/>
-              <a:t>antenne</a:t>
-            </a:r>
-            <a:r>
-              <a:rPr lang="en-CA" dirty="0"/>
-              <a:t> </a:t>
-            </a:r>
-            <a:r>
-              <a:rPr lang="en-CA" dirty="0" err="1"/>
-              <a:t>planaire</a:t>
-            </a:r>
-            <a:endParaRPr lang="en-CA" dirty="0"/>
-          </a:p>
-          <a:p>
-            <a:pPr lvl="1"/>
-            <a:r>
-              <a:rPr lang="en-CA" dirty="0"/>
-              <a:t>Utilisation </a:t>
-            </a:r>
-            <a:r>
-              <a:rPr lang="en-CA" dirty="0" err="1"/>
-              <a:t>d’ADS</a:t>
-            </a:r>
-            <a:endParaRPr lang="en-CA" dirty="0"/>
-          </a:p>
-          <a:p>
-            <a:r>
-              <a:rPr lang="en-CA" dirty="0"/>
-              <a:t>APP 3:</a:t>
-            </a:r>
-          </a:p>
-          <a:p>
-            <a:pPr lvl="1"/>
-            <a:r>
-              <a:rPr lang="en-CA" dirty="0" err="1"/>
-              <a:t>Lignes</a:t>
-            </a:r>
-            <a:r>
-              <a:rPr lang="en-CA" dirty="0"/>
-              <a:t> de transmission</a:t>
-            </a:r>
-          </a:p>
-          <a:p>
-            <a:pPr lvl="1"/>
-            <a:r>
-              <a:rPr lang="en-CA" dirty="0"/>
-              <a:t>Adaptation </a:t>
-            </a:r>
-            <a:r>
-              <a:rPr lang="en-CA" dirty="0" err="1"/>
-              <a:t>d’impédance</a:t>
-            </a:r>
-            <a:endParaRPr lang="en-CA" dirty="0"/>
-          </a:p>
-        </p:txBody>
-      </p:sp>
-    </p:spTree>
-    <p:extLst>
-      <p:ext uri="{BB962C8B-B14F-4D97-AF65-F5344CB8AC3E}">
-        <p14:creationId xmlns:p14="http://schemas.microsoft.com/office/powerpoint/2010/main" val="1190730998"/>
+        <p14:creationId xmlns:p14="http://schemas.microsoft.com/office/powerpoint/2010/main" val="4228631150"/>
       </p:ext>
     </p:extLst>
   </p:cSld>
@@ -9909,7 +9794,7 @@
           <p:cNvPr id="2" name="Title 1">
             <a:extLst>
               <a:ext uri="{FF2B5EF4-FFF2-40B4-BE49-F238E27FC236}">
-                <a16:creationId xmlns:a16="http://schemas.microsoft.com/office/drawing/2014/main" id="{532BB36A-66E0-4644-AB8F-8DCB79605DD1}"/>
+                <a16:creationId xmlns:a16="http://schemas.microsoft.com/office/drawing/2014/main" id="{E08F6E75-2A45-4CD7-A89B-35B31D4D478A}"/>
               </a:ext>
             </a:extLst>
           </p:cNvPr>
@@ -9927,7 +9812,15 @@
           <a:p>
             <a:r>
               <a:rPr lang="en-CA" dirty="0" err="1"/>
-              <a:t>Antenne</a:t>
+              <a:t>Antennes</a:t>
+            </a:r>
+            <a:r>
+              <a:rPr lang="en-CA" dirty="0"/>
+              <a:t> - </a:t>
+            </a:r>
+            <a:r>
+              <a:rPr lang="en-CA" dirty="0" err="1"/>
+              <a:t>Planaires</a:t>
             </a:r>
             <a:endParaRPr lang="en-CA" dirty="0"/>
           </a:p>
@@ -9938,7 +9831,7 @@
           <p:cNvPr id="3" name="Content Placeholder 2">
             <a:extLst>
               <a:ext uri="{FF2B5EF4-FFF2-40B4-BE49-F238E27FC236}">
-                <a16:creationId xmlns:a16="http://schemas.microsoft.com/office/drawing/2014/main" id="{6E8CB243-474A-4A7D-87A0-18D4236EA148}"/>
+                <a16:creationId xmlns:a16="http://schemas.microsoft.com/office/drawing/2014/main" id="{B415ED72-9909-4FA1-907A-DAF78FD34380}"/>
               </a:ext>
             </a:extLst>
           </p:cNvPr>
@@ -9954,14 +9847,90 @@
           <a:bodyPr/>
           <a:lstStyle/>
           <a:p>
-            <a:endParaRPr lang="en-CA"/>
+            <a:r>
+              <a:rPr lang="en-CA" dirty="0"/>
+              <a:t>APP 2:</a:t>
+            </a:r>
+          </a:p>
+          <a:p>
+            <a:pPr lvl="1"/>
+            <a:r>
+              <a:rPr lang="en-CA" dirty="0" err="1"/>
+              <a:t>Calculs</a:t>
+            </a:r>
+            <a:r>
+              <a:rPr lang="en-CA" dirty="0"/>
+              <a:t> des dimensions </a:t>
+            </a:r>
+            <a:r>
+              <a:rPr lang="en-CA" dirty="0" err="1"/>
+              <a:t>d’une</a:t>
+            </a:r>
+            <a:r>
+              <a:rPr lang="en-CA" dirty="0"/>
+              <a:t> </a:t>
+            </a:r>
+            <a:r>
+              <a:rPr lang="en-CA" dirty="0" err="1"/>
+              <a:t>antenne</a:t>
+            </a:r>
+            <a:r>
+              <a:rPr lang="en-CA" dirty="0"/>
+              <a:t> </a:t>
+            </a:r>
+            <a:r>
+              <a:rPr lang="en-CA" dirty="0" err="1"/>
+              <a:t>planaire</a:t>
+            </a:r>
+            <a:endParaRPr lang="en-CA" dirty="0"/>
+          </a:p>
+          <a:p>
+            <a:pPr lvl="1"/>
+            <a:r>
+              <a:rPr lang="en-CA" dirty="0"/>
+              <a:t>Utilisation </a:t>
+            </a:r>
+            <a:r>
+              <a:rPr lang="en-CA" dirty="0" err="1"/>
+              <a:t>d’ADS</a:t>
+            </a:r>
+            <a:endParaRPr lang="en-CA" dirty="0"/>
+          </a:p>
+          <a:p>
+            <a:r>
+              <a:rPr lang="en-CA" dirty="0"/>
+              <a:t>APP 3:</a:t>
+            </a:r>
+          </a:p>
+          <a:p>
+            <a:pPr lvl="1"/>
+            <a:r>
+              <a:rPr lang="en-CA" dirty="0" err="1"/>
+              <a:t>Lignes</a:t>
+            </a:r>
+            <a:r>
+              <a:rPr lang="en-CA" dirty="0"/>
+              <a:t> de transmission</a:t>
+            </a:r>
+          </a:p>
+          <a:p>
+            <a:pPr lvl="1"/>
+            <a:r>
+              <a:rPr lang="en-CA" dirty="0"/>
+              <a:t>Adaptation </a:t>
+            </a:r>
+            <a:r>
+              <a:rPr lang="en-CA" dirty="0" err="1"/>
+              <a:t>d’impédance</a:t>
+            </a:r>
+            <a:endParaRPr lang="en-CA" dirty="0"/>
           </a:p>
         </p:txBody>
       </p:sp>
     </p:spTree>
     <p:extLst>
       <p:ext uri="{BB962C8B-B14F-4D97-AF65-F5344CB8AC3E}">
-        <p14:creationId xmlns:p14="http://schemas.microsoft.com/office/powerpoint/2010/main" val="1461233970"/>
+        <p14:creationId xmlns:p14="http://schemas.microsoft.com/office/powerpoint/2010/main" val="1190730998"/>
       </p:ext>
     </p:extLst>
   </p:cSld>
@@ -9993,7 +9962,7 @@
           <p:cNvPr id="2" name="Title 1">
             <a:extLst>
               <a:ext uri="{FF2B5EF4-FFF2-40B4-BE49-F238E27FC236}">
-                <a16:creationId xmlns:a16="http://schemas.microsoft.com/office/drawing/2014/main" id="{181B7A1F-D195-4CB6-AF4A-94DB2BC49CEB}"/>
+                <a16:creationId xmlns:a16="http://schemas.microsoft.com/office/drawing/2014/main" id="{532BB36A-66E0-4644-AB8F-8DCB79605DD1}"/>
               </a:ext>
             </a:extLst>
           </p:cNvPr>
@@ -10011,12 +9980,9 @@
           <a:p>
             <a:r>
               <a:rPr lang="en-CA" dirty="0" err="1"/>
-              <a:t>Chaîne</a:t>
-            </a:r>
-            <a:r>
-              <a:rPr lang="en-CA" dirty="0"/>
-              <a:t> RF</a:t>
-            </a:r>
+              <a:t>Antenne</a:t>
+            </a:r>
+            <a:endParaRPr lang="en-CA" dirty="0"/>
           </a:p>
         </p:txBody>
       </p:sp>
@@ -10025,7 +9991,7 @@
           <p:cNvPr id="3" name="Content Placeholder 2">
             <a:extLst>
               <a:ext uri="{FF2B5EF4-FFF2-40B4-BE49-F238E27FC236}">
-                <a16:creationId xmlns:a16="http://schemas.microsoft.com/office/drawing/2014/main" id="{86306AC8-2B44-4495-982C-29052A09B7D8}"/>
+                <a16:creationId xmlns:a16="http://schemas.microsoft.com/office/drawing/2014/main" id="{6E8CB243-474A-4A7D-87A0-18D4236EA148}"/>
               </a:ext>
             </a:extLst>
           </p:cNvPr>
@@ -10048,7 +10014,7 @@
     </p:spTree>
     <p:extLst>
       <p:ext uri="{BB962C8B-B14F-4D97-AF65-F5344CB8AC3E}">
-        <p14:creationId xmlns:p14="http://schemas.microsoft.com/office/powerpoint/2010/main" val="4155299707"/>
+        <p14:creationId xmlns:p14="http://schemas.microsoft.com/office/powerpoint/2010/main" val="1461233970"/>
       </p:ext>
     </p:extLst>
   </p:cSld>
@@ -10080,7 +10046,7 @@
           <p:cNvPr id="2" name="Title 1">
             <a:extLst>
               <a:ext uri="{FF2B5EF4-FFF2-40B4-BE49-F238E27FC236}">
-                <a16:creationId xmlns:a16="http://schemas.microsoft.com/office/drawing/2014/main" id="{CB092671-ACDE-4E64-B487-381F2D0C6C2D}"/>
+                <a16:creationId xmlns:a16="http://schemas.microsoft.com/office/drawing/2014/main" id="{181B7A1F-D195-4CB6-AF4A-94DB2BC49CEB}"/>
               </a:ext>
             </a:extLst>
           </p:cNvPr>
@@ -10097,14 +10063,13 @@
           <a:lstStyle/>
           <a:p>
             <a:r>
-              <a:rPr lang="en-CA" dirty="0"/>
-              <a:t>Modem </a:t>
-            </a:r>
-            <a:r>
-              <a:rPr lang="en-CA" dirty="0" err="1"/>
-              <a:t>Numérique</a:t>
-            </a:r>
-            <a:endParaRPr lang="en-CA" dirty="0"/>
+              <a:rPr lang="en-CA" dirty="0" err="1"/>
+              <a:t>Chaîne</a:t>
+            </a:r>
+            <a:r>
+              <a:rPr lang="en-CA" dirty="0"/>
+              <a:t> RF</a:t>
+            </a:r>
           </a:p>
         </p:txBody>
       </p:sp>
@@ -10113,7 +10078,7 @@
           <p:cNvPr id="3" name="Content Placeholder 2">
             <a:extLst>
               <a:ext uri="{FF2B5EF4-FFF2-40B4-BE49-F238E27FC236}">
-                <a16:creationId xmlns:a16="http://schemas.microsoft.com/office/drawing/2014/main" id="{C98FDD01-A6F3-46B0-A7A5-740763964552}"/>
+                <a16:creationId xmlns:a16="http://schemas.microsoft.com/office/drawing/2014/main" id="{86306AC8-2B44-4495-982C-29052A09B7D8}"/>
               </a:ext>
             </a:extLst>
           </p:cNvPr>
@@ -10136,7 +10101,7 @@
     </p:spTree>
     <p:extLst>
       <p:ext uri="{BB962C8B-B14F-4D97-AF65-F5344CB8AC3E}">
-        <p14:creationId xmlns:p14="http://schemas.microsoft.com/office/powerpoint/2010/main" val="4294789758"/>
+        <p14:creationId xmlns:p14="http://schemas.microsoft.com/office/powerpoint/2010/main" val="4155299707"/>
       </p:ext>
     </p:extLst>
   </p:cSld>
@@ -10168,7 +10133,7 @@
           <p:cNvPr id="2" name="Title 1">
             <a:extLst>
               <a:ext uri="{FF2B5EF4-FFF2-40B4-BE49-F238E27FC236}">
-                <a16:creationId xmlns:a16="http://schemas.microsoft.com/office/drawing/2014/main" id="{E08F6E75-2A45-4CD7-A89B-35B31D4D478A}"/>
+                <a16:creationId xmlns:a16="http://schemas.microsoft.com/office/drawing/2014/main" id="{CB092671-ACDE-4E64-B487-381F2D0C6C2D}"/>
               </a:ext>
             </a:extLst>
           </p:cNvPr>
@@ -10184,7 +10149,15 @@
           <a:bodyPr/>
           <a:lstStyle/>
           <a:p>
-            <a:endParaRPr lang="en-CA"/>
+            <a:r>
+              <a:rPr lang="en-CA" dirty="0"/>
+              <a:t>Modem </a:t>
+            </a:r>
+            <a:r>
+              <a:rPr lang="en-CA" dirty="0" err="1"/>
+              <a:t>Numérique</a:t>
+            </a:r>
+            <a:endParaRPr lang="en-CA" dirty="0"/>
           </a:p>
         </p:txBody>
       </p:sp>
@@ -10193,7 +10166,7 @@
           <p:cNvPr id="3" name="Content Placeholder 2">
             <a:extLst>
               <a:ext uri="{FF2B5EF4-FFF2-40B4-BE49-F238E27FC236}">
-                <a16:creationId xmlns:a16="http://schemas.microsoft.com/office/drawing/2014/main" id="{B415ED72-9909-4FA1-907A-DAF78FD34380}"/>
+                <a16:creationId xmlns:a16="http://schemas.microsoft.com/office/drawing/2014/main" id="{C98FDD01-A6F3-46B0-A7A5-740763964552}"/>
               </a:ext>
             </a:extLst>
           </p:cNvPr>
@@ -10216,7 +10189,7 @@
     </p:spTree>
     <p:extLst>
       <p:ext uri="{BB962C8B-B14F-4D97-AF65-F5344CB8AC3E}">
-        <p14:creationId xmlns:p14="http://schemas.microsoft.com/office/powerpoint/2010/main" val="816399630"/>
+        <p14:creationId xmlns:p14="http://schemas.microsoft.com/office/powerpoint/2010/main" val="4294789758"/>
       </p:ext>
     </p:extLst>
   </p:cSld>

--- a/Présentation Finale – P3.pptx
+++ b/Présentation Finale – P3.pptx
@@ -11,27 +11,26 @@
     <p:sldId id="267" r:id="rId5"/>
     <p:sldId id="270" r:id="rId6"/>
     <p:sldId id="266" r:id="rId7"/>
-    <p:sldId id="257" r:id="rId8"/>
-    <p:sldId id="274" r:id="rId9"/>
-    <p:sldId id="275" r:id="rId10"/>
-    <p:sldId id="276" r:id="rId11"/>
-    <p:sldId id="277" r:id="rId12"/>
-    <p:sldId id="278" r:id="rId13"/>
-    <p:sldId id="279" r:id="rId14"/>
-    <p:sldId id="280" r:id="rId15"/>
-    <p:sldId id="281" r:id="rId16"/>
-    <p:sldId id="282" r:id="rId17"/>
-    <p:sldId id="283" r:id="rId18"/>
-    <p:sldId id="284" r:id="rId19"/>
-    <p:sldId id="285" r:id="rId20"/>
-    <p:sldId id="286" r:id="rId21"/>
-    <p:sldId id="287" r:id="rId22"/>
-    <p:sldId id="288" r:id="rId23"/>
-    <p:sldId id="289" r:id="rId24"/>
-    <p:sldId id="261" r:id="rId25"/>
-    <p:sldId id="271" r:id="rId26"/>
-    <p:sldId id="264" r:id="rId27"/>
-    <p:sldId id="272" r:id="rId28"/>
+    <p:sldId id="274" r:id="rId8"/>
+    <p:sldId id="275" r:id="rId9"/>
+    <p:sldId id="276" r:id="rId10"/>
+    <p:sldId id="277" r:id="rId11"/>
+    <p:sldId id="278" r:id="rId12"/>
+    <p:sldId id="279" r:id="rId13"/>
+    <p:sldId id="280" r:id="rId14"/>
+    <p:sldId id="281" r:id="rId15"/>
+    <p:sldId id="282" r:id="rId16"/>
+    <p:sldId id="283" r:id="rId17"/>
+    <p:sldId id="284" r:id="rId18"/>
+    <p:sldId id="285" r:id="rId19"/>
+    <p:sldId id="286" r:id="rId20"/>
+    <p:sldId id="287" r:id="rId21"/>
+    <p:sldId id="288" r:id="rId22"/>
+    <p:sldId id="289" r:id="rId23"/>
+    <p:sldId id="261" r:id="rId24"/>
+    <p:sldId id="271" r:id="rId25"/>
+    <p:sldId id="264" r:id="rId26"/>
+    <p:sldId id="272" r:id="rId27"/>
   </p:sldIdLst>
   <p:sldSz cx="12192000" cy="6858000"/>
   <p:notesSz cx="6858000" cy="9144000"/>
@@ -326,7 +325,7 @@
           <a:p>
             <a:fld id="{EAE94B64-FE95-4932-92D6-ED0579209990}" type="datetimeFigureOut">
               <a:rPr lang="en-CA" smtClean="0"/>
-              <a:t>04/12/2018</a:t>
+              <a:t>2018-12-04</a:t>
             </a:fld>
             <a:endParaRPr lang="en-CA"/>
           </a:p>
@@ -455,7 +454,7 @@
           <a:p>
             <a:fld id="{2849D840-EB1A-4BD0-9BBF-65787F9A4F51}" type="slidenum">
               <a:rPr lang="en-CA" smtClean="0"/>
-              <a:t>‹N°›</a:t>
+              <a:t>‹#›</a:t>
             </a:fld>
             <a:endParaRPr lang="en-CA"/>
           </a:p>
@@ -664,7 +663,7 @@
           <a:p>
             <a:fld id="{EAE94B64-FE95-4932-92D6-ED0579209990}" type="datetimeFigureOut">
               <a:rPr lang="en-CA" smtClean="0"/>
-              <a:t>04/12/2018</a:t>
+              <a:t>2018-12-04</a:t>
             </a:fld>
             <a:endParaRPr lang="en-CA"/>
           </a:p>
@@ -793,7 +792,7 @@
           <a:p>
             <a:fld id="{2849D840-EB1A-4BD0-9BBF-65787F9A4F51}" type="slidenum">
               <a:rPr lang="en-CA" smtClean="0"/>
-              <a:t>‹N°›</a:t>
+              <a:t>‹#›</a:t>
             </a:fld>
             <a:endParaRPr lang="en-CA"/>
           </a:p>
@@ -1065,7 +1064,7 @@
           <a:p>
             <a:fld id="{EAE94B64-FE95-4932-92D6-ED0579209990}" type="datetimeFigureOut">
               <a:rPr lang="en-CA" smtClean="0"/>
-              <a:t>04/12/2018</a:t>
+              <a:t>2018-12-04</a:t>
             </a:fld>
             <a:endParaRPr lang="en-CA"/>
           </a:p>
@@ -1194,7 +1193,7 @@
           <a:p>
             <a:fld id="{2849D840-EB1A-4BD0-9BBF-65787F9A4F51}" type="slidenum">
               <a:rPr lang="en-CA" smtClean="0"/>
-              <a:t>‹N°›</a:t>
+              <a:t>‹#›</a:t>
             </a:fld>
             <a:endParaRPr lang="en-CA"/>
           </a:p>
@@ -1401,7 +1400,7 @@
           <a:p>
             <a:fld id="{EAE94B64-FE95-4932-92D6-ED0579209990}" type="datetimeFigureOut">
               <a:rPr lang="en-CA" smtClean="0"/>
-              <a:t>04/12/2018</a:t>
+              <a:t>2018-12-04</a:t>
             </a:fld>
             <a:endParaRPr lang="en-CA"/>
           </a:p>
@@ -1530,7 +1529,7 @@
           <a:p>
             <a:fld id="{2849D840-EB1A-4BD0-9BBF-65787F9A4F51}" type="slidenum">
               <a:rPr lang="en-CA" smtClean="0"/>
-              <a:t>‹N°›</a:t>
+              <a:t>‹#›</a:t>
             </a:fld>
             <a:endParaRPr lang="en-CA"/>
           </a:p>
@@ -1721,7 +1720,7 @@
           <a:p>
             <a:fld id="{EAE94B64-FE95-4932-92D6-ED0579209990}" type="datetimeFigureOut">
               <a:rPr lang="en-CA" smtClean="0"/>
-              <a:t>04/12/2018</a:t>
+              <a:t>2018-12-04</a:t>
             </a:fld>
             <a:endParaRPr lang="en-CA"/>
           </a:p>
@@ -1850,7 +1849,7 @@
           <a:p>
             <a:fld id="{2849D840-EB1A-4BD0-9BBF-65787F9A4F51}" type="slidenum">
               <a:rPr lang="en-CA" smtClean="0"/>
-              <a:t>‹N°›</a:t>
+              <a:t>‹#›</a:t>
             </a:fld>
             <a:endParaRPr lang="en-CA"/>
           </a:p>
@@ -2117,7 +2116,7 @@
           <a:p>
             <a:fld id="{EAE94B64-FE95-4932-92D6-ED0579209990}" type="datetimeFigureOut">
               <a:rPr lang="en-CA" smtClean="0"/>
-              <a:t>04/12/2018</a:t>
+              <a:t>2018-12-04</a:t>
             </a:fld>
             <a:endParaRPr lang="en-CA"/>
           </a:p>
@@ -2246,7 +2245,7 @@
           <a:p>
             <a:fld id="{2849D840-EB1A-4BD0-9BBF-65787F9A4F51}" type="slidenum">
               <a:rPr lang="en-CA" smtClean="0"/>
-              <a:t>‹N°›</a:t>
+              <a:t>‹#›</a:t>
             </a:fld>
             <a:endParaRPr lang="en-CA"/>
           </a:p>
@@ -2374,7 +2373,7 @@
           <a:p>
             <a:fld id="{EAE94B64-FE95-4932-92D6-ED0579209990}" type="datetimeFigureOut">
               <a:rPr lang="en-CA" smtClean="0"/>
-              <a:t>04/12/2018</a:t>
+              <a:t>2018-12-04</a:t>
             </a:fld>
             <a:endParaRPr lang="en-CA"/>
           </a:p>
@@ -2498,7 +2497,7 @@
           <a:p>
             <a:fld id="{2849D840-EB1A-4BD0-9BBF-65787F9A4F51}" type="slidenum">
               <a:rPr lang="en-CA" smtClean="0"/>
-              <a:t>‹N°›</a:t>
+              <a:t>‹#›</a:t>
             </a:fld>
             <a:endParaRPr lang="en-CA"/>
           </a:p>
@@ -2636,7 +2635,7 @@
           <a:p>
             <a:fld id="{EAE94B64-FE95-4932-92D6-ED0579209990}" type="datetimeFigureOut">
               <a:rPr lang="en-CA" smtClean="0"/>
-              <a:t>04/12/2018</a:t>
+              <a:t>2018-12-04</a:t>
             </a:fld>
             <a:endParaRPr lang="en-CA"/>
           </a:p>
@@ -2760,7 +2759,7 @@
           <a:p>
             <a:fld id="{2849D840-EB1A-4BD0-9BBF-65787F9A4F51}" type="slidenum">
               <a:rPr lang="en-CA" smtClean="0"/>
-              <a:t>‹N°›</a:t>
+              <a:t>‹#›</a:t>
             </a:fld>
             <a:endParaRPr lang="en-CA"/>
           </a:p>
@@ -2898,7 +2897,7 @@
           <a:p>
             <a:fld id="{EAE94B64-FE95-4932-92D6-ED0579209990}" type="datetimeFigureOut">
               <a:rPr lang="en-CA" smtClean="0"/>
-              <a:t>04/12/2018</a:t>
+              <a:t>2018-12-04</a:t>
             </a:fld>
             <a:endParaRPr lang="en-CA"/>
           </a:p>
@@ -3022,7 +3021,7 @@
           <a:p>
             <a:fld id="{2849D840-EB1A-4BD0-9BBF-65787F9A4F51}" type="slidenum">
               <a:rPr lang="en-CA" smtClean="0"/>
-              <a:t>‹N°›</a:t>
+              <a:t>‹#›</a:t>
             </a:fld>
             <a:endParaRPr lang="en-CA"/>
           </a:p>
@@ -3227,7 +3226,7 @@
           <a:p>
             <a:fld id="{EAE94B64-FE95-4932-92D6-ED0579209990}" type="datetimeFigureOut">
               <a:rPr lang="en-CA" smtClean="0"/>
-              <a:t>04/12/2018</a:t>
+              <a:t>2018-12-04</a:t>
             </a:fld>
             <a:endParaRPr lang="en-CA"/>
           </a:p>
@@ -3356,7 +3355,7 @@
           <a:p>
             <a:fld id="{2849D840-EB1A-4BD0-9BBF-65787F9A4F51}" type="slidenum">
               <a:rPr lang="en-CA" smtClean="0"/>
-              <a:t>‹N°›</a:t>
+              <a:t>‹#›</a:t>
             </a:fld>
             <a:endParaRPr lang="en-CA"/>
           </a:p>
@@ -3550,7 +3549,7 @@
           <a:p>
             <a:fld id="{EAE94B64-FE95-4932-92D6-ED0579209990}" type="datetimeFigureOut">
               <a:rPr lang="en-CA" smtClean="0"/>
-              <a:t>04/12/2018</a:t>
+              <a:t>2018-12-04</a:t>
             </a:fld>
             <a:endParaRPr lang="en-CA"/>
           </a:p>
@@ -3679,7 +3678,7 @@
           <a:p>
             <a:fld id="{2849D840-EB1A-4BD0-9BBF-65787F9A4F51}" type="slidenum">
               <a:rPr lang="en-CA" smtClean="0"/>
-              <a:t>‹N°›</a:t>
+              <a:t>‹#›</a:t>
             </a:fld>
             <a:endParaRPr lang="en-CA"/>
           </a:p>
@@ -4012,7 +4011,7 @@
           <a:p>
             <a:fld id="{EAE94B64-FE95-4932-92D6-ED0579209990}" type="datetimeFigureOut">
               <a:rPr lang="en-CA" smtClean="0"/>
-              <a:t>04/12/2018</a:t>
+              <a:t>2018-12-04</a:t>
             </a:fld>
             <a:endParaRPr lang="en-CA"/>
           </a:p>
@@ -4141,7 +4140,7 @@
           <a:p>
             <a:fld id="{2849D840-EB1A-4BD0-9BBF-65787F9A4F51}" type="slidenum">
               <a:rPr lang="en-CA" smtClean="0"/>
-              <a:t>‹N°›</a:t>
+              <a:t>‹#›</a:t>
             </a:fld>
             <a:endParaRPr lang="en-CA"/>
           </a:p>
@@ -4222,7 +4221,7 @@
           <a:p>
             <a:fld id="{EAE94B64-FE95-4932-92D6-ED0579209990}" type="datetimeFigureOut">
               <a:rPr lang="en-CA" smtClean="0"/>
-              <a:t>04/12/2018</a:t>
+              <a:t>2018-12-04</a:t>
             </a:fld>
             <a:endParaRPr lang="en-CA"/>
           </a:p>
@@ -4346,7 +4345,7 @@
           <a:p>
             <a:fld id="{2849D840-EB1A-4BD0-9BBF-65787F9A4F51}" type="slidenum">
               <a:rPr lang="en-CA" smtClean="0"/>
-              <a:t>‹N°›</a:t>
+              <a:t>‹#›</a:t>
             </a:fld>
             <a:endParaRPr lang="en-CA"/>
           </a:p>
@@ -4399,7 +4398,7 @@
           <a:p>
             <a:fld id="{EAE94B64-FE95-4932-92D6-ED0579209990}" type="datetimeFigureOut">
               <a:rPr lang="en-CA" smtClean="0"/>
-              <a:t>04/12/2018</a:t>
+              <a:t>2018-12-04</a:t>
             </a:fld>
             <a:endParaRPr lang="en-CA"/>
           </a:p>
@@ -4523,7 +4522,7 @@
           <a:p>
             <a:fld id="{2849D840-EB1A-4BD0-9BBF-65787F9A4F51}" type="slidenum">
               <a:rPr lang="en-CA" smtClean="0"/>
-              <a:t>‹N°›</a:t>
+              <a:t>‹#›</a:t>
             </a:fld>
             <a:endParaRPr lang="en-CA"/>
           </a:p>
@@ -4732,7 +4731,7 @@
           <a:p>
             <a:fld id="{EAE94B64-FE95-4932-92D6-ED0579209990}" type="datetimeFigureOut">
               <a:rPr lang="en-CA" smtClean="0"/>
-              <a:t>04/12/2018</a:t>
+              <a:t>2018-12-04</a:t>
             </a:fld>
             <a:endParaRPr lang="en-CA"/>
           </a:p>
@@ -4856,7 +4855,7 @@
           <a:p>
             <a:fld id="{2849D840-EB1A-4BD0-9BBF-65787F9A4F51}" type="slidenum">
               <a:rPr lang="en-CA" smtClean="0"/>
-              <a:t>‹N°›</a:t>
+              <a:t>‹#›</a:t>
             </a:fld>
             <a:endParaRPr lang="en-CA"/>
           </a:p>
@@ -5082,7 +5081,7 @@
           <a:p>
             <a:fld id="{EAE94B64-FE95-4932-92D6-ED0579209990}" type="datetimeFigureOut">
               <a:rPr lang="en-CA" smtClean="0"/>
-              <a:t>04/12/2018</a:t>
+              <a:t>2018-12-04</a:t>
             </a:fld>
             <a:endParaRPr lang="en-CA"/>
           </a:p>
@@ -5211,7 +5210,7 @@
           <a:p>
             <a:fld id="{2849D840-EB1A-4BD0-9BBF-65787F9A4F51}" type="slidenum">
               <a:rPr lang="en-CA" smtClean="0"/>
-              <a:t>‹N°›</a:t>
+              <a:t>‹#›</a:t>
             </a:fld>
             <a:endParaRPr lang="en-CA"/>
           </a:p>
@@ -7136,7 +7135,7 @@
           <a:p>
             <a:fld id="{EAE94B64-FE95-4932-92D6-ED0579209990}" type="datetimeFigureOut">
               <a:rPr lang="en-CA" smtClean="0"/>
-              <a:t>04/12/2018</a:t>
+              <a:t>2018-12-04</a:t>
             </a:fld>
             <a:endParaRPr lang="en-CA"/>
           </a:p>
@@ -7212,7 +7211,7 @@
           <a:p>
             <a:fld id="{2849D840-EB1A-4BD0-9BBF-65787F9A4F51}" type="slidenum">
               <a:rPr lang="en-CA" smtClean="0"/>
-              <a:t>‹N°›</a:t>
+              <a:t>‹#›</a:t>
             </a:fld>
             <a:endParaRPr lang="en-CA"/>
           </a:p>
@@ -7664,7 +7663,7 @@
           <p:cNvPr id="2" name="Title 1">
             <a:extLst>
               <a:ext uri="{FF2B5EF4-FFF2-40B4-BE49-F238E27FC236}">
-                <a16:creationId xmlns:a16="http://schemas.microsoft.com/office/drawing/2014/main" xmlns="" id="{8C797F2A-A4F0-438B-8733-4F6DF8FDDDF5}"/>
+                <a16:creationId xmlns:a16="http://schemas.microsoft.com/office/drawing/2014/main" id="{8C797F2A-A4F0-438B-8733-4F6DF8FDDDF5}"/>
               </a:ext>
             </a:extLst>
           </p:cNvPr>
@@ -7696,7 +7695,7 @@
           <p:cNvPr id="3" name="Subtitle 2">
             <a:extLst>
               <a:ext uri="{FF2B5EF4-FFF2-40B4-BE49-F238E27FC236}">
-                <a16:creationId xmlns:a16="http://schemas.microsoft.com/office/drawing/2014/main" xmlns="" id="{D1DB742C-8A68-4BD1-B704-DFB121D8BCAD}"/>
+                <a16:creationId xmlns:a16="http://schemas.microsoft.com/office/drawing/2014/main" id="{D1DB742C-8A68-4BD1-B704-DFB121D8BCAD}"/>
               </a:ext>
             </a:extLst>
           </p:cNvPr>
@@ -7784,7 +7783,7 @@
           <p:cNvPr id="2" name="Title 1">
             <a:extLst>
               <a:ext uri="{FF2B5EF4-FFF2-40B4-BE49-F238E27FC236}">
-                <a16:creationId xmlns:a16="http://schemas.microsoft.com/office/drawing/2014/main" xmlns="" id="{CB092671-ACDE-4E64-B487-381F2D0C6C2D}"/>
+                <a16:creationId xmlns:a16="http://schemas.microsoft.com/office/drawing/2014/main" id="{CB092671-ACDE-4E64-B487-381F2D0C6C2D}"/>
               </a:ext>
             </a:extLst>
           </p:cNvPr>
@@ -7801,10 +7800,14 @@
           <a:lstStyle/>
           <a:p>
             <a:r>
-              <a:rPr lang="fr-CA" dirty="0" smtClean="0"/>
-              <a:t>Modem Numérique</a:t>
-            </a:r>
-            <a:endParaRPr lang="fr-CA" dirty="0"/>
+              <a:rPr lang="en-CA" dirty="0"/>
+              <a:t>Modem </a:t>
+            </a:r>
+            <a:r>
+              <a:rPr lang="en-CA" dirty="0" err="1"/>
+              <a:t>Numérique</a:t>
+            </a:r>
+            <a:endParaRPr lang="en-CA" dirty="0"/>
           </a:p>
         </p:txBody>
       </p:sp>
@@ -7813,7 +7816,7 @@
           <p:cNvPr id="3" name="Content Placeholder 2">
             <a:extLst>
               <a:ext uri="{FF2B5EF4-FFF2-40B4-BE49-F238E27FC236}">
-                <a16:creationId xmlns:a16="http://schemas.microsoft.com/office/drawing/2014/main" xmlns="" id="{C98FDD01-A6F3-46B0-A7A5-740763964552}"/>
+                <a16:creationId xmlns:a16="http://schemas.microsoft.com/office/drawing/2014/main" id="{C98FDD01-A6F3-46B0-A7A5-740763964552}"/>
               </a:ext>
             </a:extLst>
           </p:cNvPr>
@@ -7826,165 +7829,6 @@
         </p:nvSpPr>
         <p:spPr>
           <a:xfrm>
-            <a:off x="2517494" y="2369596"/>
-            <a:ext cx="8915400" cy="3777622"/>
-          </a:xfrm>
-        </p:spPr>
-        <p:txBody>
-          <a:bodyPr/>
-          <a:lstStyle/>
-          <a:p>
-            <a:r>
-              <a:rPr lang="fr-CA" dirty="0" smtClean="0"/>
-              <a:t>Mauvais signal souvent causé par des délais</a:t>
-            </a:r>
-          </a:p>
-          <a:p>
-            <a:r>
-              <a:rPr lang="fr-CA" dirty="0" smtClean="0"/>
-              <a:t>Utilisation de la librairie </a:t>
-            </a:r>
-            <a:r>
-              <a:rPr lang="fr-CA" dirty="0"/>
-              <a:t>DSP </a:t>
-            </a:r>
-            <a:r>
-              <a:rPr lang="fr-CA" dirty="0" err="1"/>
-              <a:t>Builder</a:t>
-            </a:r>
-            <a:r>
-              <a:rPr lang="fr-CA" dirty="0"/>
-              <a:t> Standard </a:t>
-            </a:r>
-            <a:r>
-              <a:rPr lang="fr-CA" dirty="0" err="1" smtClean="0"/>
-              <a:t>Blockset</a:t>
-            </a:r>
-            <a:r>
-              <a:rPr lang="fr-CA" dirty="0" smtClean="0"/>
-              <a:t> uniquement</a:t>
-            </a:r>
-            <a:endParaRPr lang="fr-CA" dirty="0"/>
-          </a:p>
-        </p:txBody>
-      </p:sp>
-      <p:sp>
-        <p:nvSpPr>
-          <p:cNvPr id="6" name="TextBox 2">
-            <a:extLst>
-              <a:ext uri="{FF2B5EF4-FFF2-40B4-BE49-F238E27FC236}">
-                <a16:creationId xmlns:a16="http://schemas.microsoft.com/office/drawing/2014/main" xmlns="" id="{42DA6C5E-FC75-4155-A6A5-19DC3943EF40}"/>
-              </a:ext>
-            </a:extLst>
-          </p:cNvPr>
-          <p:cNvSpPr txBox="1"/>
-          <p:nvPr/>
-        </p:nvSpPr>
-        <p:spPr>
-          <a:xfrm>
-            <a:off x="685800" y="1907931"/>
-            <a:ext cx="11506199" cy="461665"/>
-          </a:xfrm>
-          <a:prstGeom prst="rect">
-            <a:avLst/>
-          </a:prstGeom>
-          <a:noFill/>
-        </p:spPr>
-        <p:txBody>
-          <a:bodyPr wrap="square" rtlCol="0">
-            <a:spAutoFit/>
-          </a:bodyPr>
-          <a:lstStyle/>
-          <a:p>
-            <a:r>
-              <a:rPr lang="fr-CA" sz="2400" dirty="0" smtClean="0"/>
-              <a:t>Difficultés rencontrées:</a:t>
-            </a:r>
-            <a:endParaRPr lang="fr-CA" sz="2400" dirty="0"/>
-          </a:p>
-        </p:txBody>
-      </p:sp>
-    </p:spTree>
-    <p:extLst>
-      <p:ext uri="{BB962C8B-B14F-4D97-AF65-F5344CB8AC3E}">
-        <p14:creationId xmlns:p14="http://schemas.microsoft.com/office/powerpoint/2010/main" val="3869928017"/>
-      </p:ext>
-    </p:extLst>
-  </p:cSld>
-  <p:clrMapOvr>
-    <a:masterClrMapping/>
-  </p:clrMapOvr>
-</p:sld>
-</file>
-
-<file path=ppt/slides/slide11.xml><?xml version="1.0" encoding="utf-8"?>
-<p:sld xmlns:a="http://schemas.openxmlformats.org/drawingml/2006/main" xmlns:r="http://schemas.openxmlformats.org/officeDocument/2006/relationships" xmlns:p="http://schemas.openxmlformats.org/presentationml/2006/main">
-  <p:cSld>
-    <p:spTree>
-      <p:nvGrpSpPr>
-        <p:cNvPr id="1" name=""/>
-        <p:cNvGrpSpPr/>
-        <p:nvPr/>
-      </p:nvGrpSpPr>
-      <p:grpSpPr>
-        <a:xfrm>
-          <a:off x="0" y="0"/>
-          <a:ext cx="0" cy="0"/>
-          <a:chOff x="0" y="0"/>
-          <a:chExt cx="0" cy="0"/>
-        </a:xfrm>
-      </p:grpSpPr>
-      <p:sp>
-        <p:nvSpPr>
-          <p:cNvPr id="2" name="Title 1">
-            <a:extLst>
-              <a:ext uri="{FF2B5EF4-FFF2-40B4-BE49-F238E27FC236}">
-                <a16:creationId xmlns:a16="http://schemas.microsoft.com/office/drawing/2014/main" xmlns="" id="{CB092671-ACDE-4E64-B487-381F2D0C6C2D}"/>
-              </a:ext>
-            </a:extLst>
-          </p:cNvPr>
-          <p:cNvSpPr>
-            <a:spLocks noGrp="1"/>
-          </p:cNvSpPr>
-          <p:nvPr>
-            <p:ph type="title"/>
-          </p:nvPr>
-        </p:nvSpPr>
-        <p:spPr/>
-        <p:txBody>
-          <a:bodyPr/>
-          <a:lstStyle/>
-          <a:p>
-            <a:r>
-              <a:rPr lang="en-CA" dirty="0"/>
-              <a:t>Modem </a:t>
-            </a:r>
-            <a:r>
-              <a:rPr lang="en-CA" dirty="0" err="1"/>
-              <a:t>Numérique</a:t>
-            </a:r>
-            <a:endParaRPr lang="en-CA" dirty="0"/>
-          </a:p>
-        </p:txBody>
-      </p:sp>
-      <p:sp>
-        <p:nvSpPr>
-          <p:cNvPr id="3" name="Content Placeholder 2">
-            <a:extLst>
-              <a:ext uri="{FF2B5EF4-FFF2-40B4-BE49-F238E27FC236}">
-                <a16:creationId xmlns:a16="http://schemas.microsoft.com/office/drawing/2014/main" xmlns="" id="{C98FDD01-A6F3-46B0-A7A5-740763964552}"/>
-              </a:ext>
-            </a:extLst>
-          </p:cNvPr>
-          <p:cNvSpPr>
-            <a:spLocks noGrp="1"/>
-          </p:cNvSpPr>
-          <p:nvPr>
-            <p:ph idx="1"/>
-          </p:nvPr>
-        </p:nvSpPr>
-        <p:spPr>
-          <a:xfrm>
             <a:off x="2303811" y="1904999"/>
             <a:ext cx="8915400" cy="4940194"/>
           </a:xfrm>
@@ -7996,165 +7840,72 @@
           <a:lstStyle/>
           <a:p>
             <a:r>
-              <a:rPr lang="fr-CA" dirty="0" smtClean="0"/>
-              <a:t>250kHz est la fréquence de transmission des </a:t>
-            </a:r>
-            <a:r>
-              <a:rPr lang="fr-CA" dirty="0" smtClean="0"/>
-              <a:t>bits</a:t>
-            </a:r>
-            <a:br>
-              <a:rPr lang="fr-CA" dirty="0" smtClean="0"/>
-            </a:br>
-            <a:r>
-              <a:rPr lang="fr-CA" dirty="0" smtClean="0"/>
-              <a:t/>
-            </a:r>
-            <a:br>
-              <a:rPr lang="fr-CA" dirty="0" smtClean="0"/>
-            </a:br>
-            <a:r>
-              <a:rPr lang="fr-CA" dirty="0" smtClean="0"/>
-              <a:t/>
-            </a:r>
-            <a:br>
-              <a:rPr lang="fr-CA" dirty="0" smtClean="0"/>
-            </a:br>
-            <a:endParaRPr lang="fr-CA" dirty="0" smtClean="0"/>
-          </a:p>
-          <a:p>
-            <a:r>
-              <a:rPr lang="fr-CA" dirty="0" smtClean="0"/>
-              <a:t>250kHz </a:t>
-            </a:r>
-            <a:r>
-              <a:rPr lang="fr-CA" dirty="0" smtClean="0"/>
-              <a:t>÷ 4-bits = 62,5kHz  soit </a:t>
-            </a:r>
-            <a:r>
               <a:rPr lang="fr-CA" dirty="0"/>
-              <a:t>un pulse </a:t>
-            </a:r>
-            <a:r>
-              <a:rPr lang="fr-CA" dirty="0" smtClean="0"/>
-              <a:t>par symbole</a:t>
-            </a:r>
-            <a:r>
-              <a:rPr lang="fr-CA" dirty="0"/>
-              <a:t/>
+              <a:t>250kHz est la fréquence de transmission des bits</a:t>
             </a:r>
             <a:br>
               <a:rPr lang="fr-CA" dirty="0"/>
             </a:br>
-            <a:r>
-              <a:rPr lang="fr-CA" dirty="0" smtClean="0"/>
-              <a:t>100MHz </a:t>
-            </a:r>
-            <a:r>
+            <a:br>
               <a:rPr lang="fr-CA" dirty="0"/>
-              <a:t>÷</a:t>
-            </a:r>
-            <a:r>
-              <a:rPr lang="fr-CA" dirty="0" smtClean="0"/>
-              <a:t> 62,5kHz = </a:t>
-            </a:r>
-            <a:r>
+            </a:br>
+            <a:br>
               <a:rPr lang="fr-CA" dirty="0"/>
-              <a:t>1600 </a:t>
-            </a:r>
-            <a:r>
-              <a:rPr lang="fr-CA" dirty="0" smtClean="0"/>
-              <a:t> </a:t>
-            </a:r>
-            <a:r>
-              <a:rPr lang="fr-CA" dirty="0"/>
-              <a:t>donc </a:t>
-            </a:r>
-            <a:r>
-              <a:rPr lang="fr-CA" dirty="0" smtClean="0"/>
-              <a:t>modulo de </a:t>
-            </a:r>
-            <a:r>
-              <a:rPr lang="fr-CA" dirty="0" smtClean="0"/>
-              <a:t>1600</a:t>
-            </a:r>
-            <a:br>
-              <a:rPr lang="fr-CA" dirty="0" smtClean="0"/>
-            </a:br>
-            <a:r>
-              <a:rPr lang="fr-CA" dirty="0" smtClean="0"/>
-              <a:t/>
-            </a:r>
-            <a:br>
-              <a:rPr lang="fr-CA" dirty="0" smtClean="0"/>
             </a:br>
             <a:endParaRPr lang="fr-CA" dirty="0"/>
           </a:p>
           <a:p>
             <a:r>
               <a:rPr lang="fr-CA" dirty="0"/>
-              <a:t>62,5kHz x</a:t>
-            </a:r>
-            <a:r>
-              <a:rPr lang="fr-CA" dirty="0" smtClean="0"/>
-              <a:t> 32-bits </a:t>
-            </a:r>
-            <a:r>
+              <a:t>250kHz ÷ 4-bits = 62,5kHz  soit un pulse par symbole</a:t>
+            </a:r>
+            <a:br>
               <a:rPr lang="fr-CA" dirty="0"/>
-              <a:t>= 2MHz soit un </a:t>
-            </a:r>
-            <a:r>
-              <a:rPr lang="fr-CA" dirty="0" smtClean="0"/>
-              <a:t>pulse par 32-chips</a:t>
+            </a:br>
+            <a:r>
+              <a:rPr lang="fr-CA" dirty="0"/>
+              <a:t>100MHz ÷ 62,5kHz = 1600  donc modulo de 1600</a:t>
             </a:r>
             <a:br>
-              <a:rPr lang="fr-CA" dirty="0" smtClean="0"/>
+              <a:rPr lang="fr-CA" dirty="0"/>
             </a:br>
-            <a:r>
-              <a:rPr lang="fr-CA" dirty="0" smtClean="0"/>
-              <a:t>Modulo </a:t>
-            </a:r>
-            <a:r>
-              <a:rPr lang="fr-CA" dirty="0" smtClean="0"/>
-              <a:t>50</a:t>
-            </a:r>
             <a:br>
-              <a:rPr lang="fr-CA" dirty="0" smtClean="0"/>
+              <a:rPr lang="fr-CA" dirty="0"/>
             </a:br>
-            <a:r>
-              <a:rPr lang="fr-CA" dirty="0" smtClean="0"/>
-              <a:t/>
+            <a:endParaRPr lang="fr-CA" dirty="0"/>
+          </a:p>
+          <a:p>
+            <a:r>
+              <a:rPr lang="fr-CA" dirty="0"/>
+              <a:t>62,5kHz x 32-bits = 2MHz soit un pulse par 32-chips</a:t>
             </a:r>
             <a:br>
-              <a:rPr lang="fr-CA" dirty="0" smtClean="0"/>
+              <a:rPr lang="fr-CA" dirty="0"/>
             </a:br>
-            <a:endParaRPr lang="fr-CA" dirty="0" smtClean="0"/>
-          </a:p>
-          <a:p>
-            <a:r>
-              <a:rPr lang="fr-CA" dirty="0" smtClean="0"/>
-              <a:t>2MHz </a:t>
-            </a:r>
             <a:r>
               <a:rPr lang="fr-CA" dirty="0"/>
-              <a:t>÷</a:t>
-            </a:r>
-            <a:r>
-              <a:rPr lang="fr-CA" dirty="0" smtClean="0"/>
-              <a:t> 2 rails = 1MHz par rail, chips divisé en 2 rails</a:t>
+              <a:t>Modulo 50</a:t>
             </a:r>
             <a:br>
-              <a:rPr lang="fr-CA" dirty="0" smtClean="0"/>
+              <a:rPr lang="fr-CA" dirty="0"/>
             </a:br>
-            <a:r>
-              <a:rPr lang="fr-CA" dirty="0" smtClean="0"/>
-              <a:t>Modulo </a:t>
-            </a:r>
-            <a:r>
-              <a:rPr lang="fr-CA" dirty="0" smtClean="0"/>
-              <a:t>100</a:t>
-            </a:r>
-            <a:endParaRPr lang="fr-CA" dirty="0" smtClean="0"/>
+            <a:br>
+              <a:rPr lang="fr-CA" dirty="0"/>
+            </a:br>
+            <a:endParaRPr lang="fr-CA" dirty="0"/>
+          </a:p>
+          <a:p>
+            <a:r>
+              <a:rPr lang="fr-CA" dirty="0"/>
+              <a:t>2MHz ÷ 2 rails = 1MHz par rail, chips divisé en 2 rails</a:t>
+            </a:r>
+            <a:br>
+              <a:rPr lang="fr-CA" dirty="0"/>
+            </a:br>
+            <a:r>
+              <a:rPr lang="fr-CA" dirty="0"/>
+              <a:t>Modulo 100</a:t>
+            </a:r>
           </a:p>
           <a:p>
             <a:endParaRPr lang="fr-CA" dirty="0"/>
@@ -8199,7 +7950,7 @@
           <p:cNvPr id="6" name="TextBox 2">
             <a:extLst>
               <a:ext uri="{FF2B5EF4-FFF2-40B4-BE49-F238E27FC236}">
-                <a16:creationId xmlns:a16="http://schemas.microsoft.com/office/drawing/2014/main" xmlns="" id="{42DA6C5E-FC75-4155-A6A5-19DC3943EF40}"/>
+                <a16:creationId xmlns:a16="http://schemas.microsoft.com/office/drawing/2014/main" id="{42DA6C5E-FC75-4155-A6A5-19DC3943EF40}"/>
               </a:ext>
             </a:extLst>
           </p:cNvPr>
@@ -8223,22 +7974,21 @@
           <a:lstStyle/>
           <a:p>
             <a:r>
-              <a:rPr lang="en-CA" sz="2400" dirty="0" err="1" smtClean="0"/>
+              <a:rPr lang="en-CA" sz="2400" dirty="0" err="1"/>
               <a:t>Calculs</a:t>
             </a:r>
             <a:r>
-              <a:rPr lang="en-CA" sz="2400" dirty="0" smtClean="0"/>
+              <a:rPr lang="en-CA" sz="2400" dirty="0"/>
               <a:t> des </a:t>
             </a:r>
             <a:r>
-              <a:rPr lang="en-CA" sz="2400" dirty="0" err="1" smtClean="0"/>
+              <a:rPr lang="en-CA" sz="2400" dirty="0" err="1"/>
               <a:t>horloges</a:t>
             </a:r>
             <a:r>
-              <a:rPr lang="en-CA" sz="2400" dirty="0" smtClean="0"/>
+              <a:rPr lang="en-CA" sz="2400" dirty="0"/>
               <a:t>:</a:t>
             </a:r>
-            <a:endParaRPr lang="en-CA" sz="2400" dirty="0"/>
           </a:p>
         </p:txBody>
       </p:sp>
@@ -8255,7 +8005,7 @@
 </p:sld>
 </file>
 
-<file path=ppt/slides/slide12.xml><?xml version="1.0" encoding="utf-8"?>
+<file path=ppt/slides/slide11.xml><?xml version="1.0" encoding="utf-8"?>
 <p:sld xmlns:a="http://schemas.openxmlformats.org/drawingml/2006/main" xmlns:r="http://schemas.openxmlformats.org/officeDocument/2006/relationships" xmlns:p="http://schemas.openxmlformats.org/presentationml/2006/main">
   <p:cSld>
     <p:spTree>
@@ -8277,7 +8027,7 @@
           <p:cNvPr id="2" name="Title 1">
             <a:extLst>
               <a:ext uri="{FF2B5EF4-FFF2-40B4-BE49-F238E27FC236}">
-                <a16:creationId xmlns:a16="http://schemas.microsoft.com/office/drawing/2014/main" xmlns="" id="{CB092671-ACDE-4E64-B487-381F2D0C6C2D}"/>
+                <a16:creationId xmlns:a16="http://schemas.microsoft.com/office/drawing/2014/main" id="{CB092671-ACDE-4E64-B487-381F2D0C6C2D}"/>
               </a:ext>
             </a:extLst>
           </p:cNvPr>
@@ -8312,7 +8062,7 @@
               <p:cNvPr id="3" name="Content Placeholder 2">
                 <a:extLst>
                   <a:ext uri="{FF2B5EF4-FFF2-40B4-BE49-F238E27FC236}">
-                    <a16:creationId xmlns:a16="http://schemas.microsoft.com/office/drawing/2014/main" xmlns="" id="{C98FDD01-A6F3-46B0-A7A5-740763964552}"/>
+                    <a16:creationId xmlns:a16="http://schemas.microsoft.com/office/drawing/2014/main" id="{C98FDD01-A6F3-46B0-A7A5-740763964552}"/>
                   </a:ext>
                 </a:extLst>
               </p:cNvPr>
@@ -8826,7 +8576,7 @@
           <p:cNvPr id="6" name="TextBox 2">
             <a:extLst>
               <a:ext uri="{FF2B5EF4-FFF2-40B4-BE49-F238E27FC236}">
-                <a16:creationId xmlns:a16="http://schemas.microsoft.com/office/drawing/2014/main" xmlns="" id="{42DA6C5E-FC75-4155-A6A5-19DC3943EF40}"/>
+                <a16:creationId xmlns:a16="http://schemas.microsoft.com/office/drawing/2014/main" id="{42DA6C5E-FC75-4155-A6A5-19DC3943EF40}"/>
               </a:ext>
             </a:extLst>
           </p:cNvPr>
@@ -8850,14 +8600,13 @@
           <a:lstStyle/>
           <a:p>
             <a:r>
-              <a:rPr lang="en-CA" sz="2400" dirty="0" err="1" smtClean="0"/>
+              <a:rPr lang="en-CA" sz="2400" dirty="0" err="1"/>
               <a:t>Calculs</a:t>
             </a:r>
             <a:r>
-              <a:rPr lang="en-CA" sz="2400" dirty="0" smtClean="0"/>
+              <a:rPr lang="en-CA" sz="2400" dirty="0"/>
               <a:t> des sinus:</a:t>
             </a:r>
-            <a:endParaRPr lang="en-CA" sz="2400" dirty="0"/>
           </a:p>
         </p:txBody>
       </p:sp>
@@ -8934,7 +8683,7 @@
 </p:sld>
 </file>
 
-<file path=ppt/slides/slide13.xml><?xml version="1.0" encoding="utf-8"?>
+<file path=ppt/slides/slide12.xml><?xml version="1.0" encoding="utf-8"?>
 <p:sld xmlns:a="http://schemas.openxmlformats.org/drawingml/2006/main" xmlns:r="http://schemas.openxmlformats.org/officeDocument/2006/relationships" xmlns:p="http://schemas.openxmlformats.org/presentationml/2006/main">
   <p:cSld>
     <p:spTree>
@@ -8956,7 +8705,7 @@
           <p:cNvPr id="2" name="Title 1">
             <a:extLst>
               <a:ext uri="{FF2B5EF4-FFF2-40B4-BE49-F238E27FC236}">
-                <a16:creationId xmlns:a16="http://schemas.microsoft.com/office/drawing/2014/main" xmlns="" id="{CB092671-ACDE-4E64-B487-381F2D0C6C2D}"/>
+                <a16:creationId xmlns:a16="http://schemas.microsoft.com/office/drawing/2014/main" id="{CB092671-ACDE-4E64-B487-381F2D0C6C2D}"/>
               </a:ext>
             </a:extLst>
           </p:cNvPr>
@@ -8984,14 +8733,14 @@
           </a:p>
         </p:txBody>
       </p:sp>
-      <mc:AlternateContent xmlns:mc="http://schemas.openxmlformats.org/markup-compatibility/2006">
-        <mc:Choice xmlns:a14="http://schemas.microsoft.com/office/drawing/2010/main" Requires="a14">
+      <mc:AlternateContent xmlns:mc="http://schemas.openxmlformats.org/markup-compatibility/2006" xmlns:a14="http://schemas.microsoft.com/office/drawing/2010/main">
+        <mc:Choice Requires="a14">
           <p:sp>
             <p:nvSpPr>
               <p:cNvPr id="3" name="Content Placeholder 2">
                 <a:extLst>
                   <a:ext uri="{FF2B5EF4-FFF2-40B4-BE49-F238E27FC236}">
-                    <a16:creationId xmlns:a16="http://schemas.microsoft.com/office/drawing/2014/main" xmlns="" id="{C98FDD01-A6F3-46B0-A7A5-740763964552}"/>
+                    <a16:creationId xmlns:a16="http://schemas.microsoft.com/office/drawing/2014/main" id="{C98FDD01-A6F3-46B0-A7A5-740763964552}"/>
                   </a:ext>
                 </a:extLst>
               </p:cNvPr>
@@ -9016,16 +8765,12 @@
               <a:p>
                 <a:r>
                   <a:rPr lang="fr-CA" dirty="0"/>
-                  <a:t>1MHz ÷ 2 = 500kHz, car un demi-sinus vaut maintenant </a:t>
-                </a:r>
-                <a:r>
-                  <a:rPr lang="fr-CA" dirty="0" smtClean="0"/>
-                  <a:t>1-bit</a:t>
+                  <a:t>1MHz ÷ 2 = 500kHz, car un demi-sinus vaut maintenant 1-bit</a:t>
                 </a:r>
                 <a:br>
-                  <a:rPr lang="fr-CA" dirty="0" smtClean="0"/>
+                  <a:rPr lang="fr-CA" dirty="0"/>
                 </a:br>
-                <a:endParaRPr lang="en-CA" i="1" dirty="0" smtClean="0">
+                <a:endParaRPr lang="en-CA" i="1" dirty="0">
                   <a:latin typeface="Cambria Math" panose="02040503050406030204" pitchFamily="18" charset="0"/>
                 </a:endParaRPr>
               </a:p>
@@ -9041,7 +8786,7 @@
                   </m:oMath>
                 </a14:m>
                 <a:r>
-                  <a:rPr lang="fr-CA" dirty="0" smtClean="0"/>
+                  <a:rPr lang="fr-CA" dirty="0"/>
                   <a:t> de </a:t>
                 </a:r>
                 <a14:m>
@@ -9055,16 +8800,8 @@
                   </m:oMath>
                 </a14:m>
                 <a:r>
-                  <a:rPr lang="fr-CA" dirty="0" smtClean="0"/>
-                  <a:t> </a:t>
-                </a:r>
-                <a:r>
                   <a:rPr lang="fr-CA" dirty="0"/>
-                  <a:t>=  </a:t>
-                </a:r>
-                <a:r>
-                  <a:rPr lang="fr-CA" dirty="0" smtClean="0"/>
-                  <a:t>10,7MHz et </a:t>
+                  <a:t> =  10,7MHz et </a:t>
                 </a:r>
                 <a14:m>
                   <m:oMath xmlns:m="http://schemas.openxmlformats.org/officeDocument/2006/math">
@@ -9102,11 +8839,11 @@
                   </m:oMath>
                 </a14:m>
                 <a:r>
-                  <a:rPr lang="fr-CA" dirty="0" smtClean="0"/>
+                  <a:rPr lang="fr-CA" dirty="0"/>
                   <a:t>= 100MHz</a:t>
                 </a:r>
                 <a:br>
-                  <a:rPr lang="fr-CA" dirty="0" smtClean="0"/>
+                  <a:rPr lang="fr-CA" dirty="0"/>
                 </a:br>
                 <a14:m>
                   <m:oMath xmlns:m="http://schemas.openxmlformats.org/officeDocument/2006/math">
@@ -9143,11 +8880,7 @@
                 </a14:m>
                 <a:r>
                   <a:rPr lang="fr-CA" dirty="0"/>
-                  <a:t>= </a:t>
-                </a:r>
-                <a:r>
-                  <a:rPr lang="fr-CA" dirty="0" smtClean="0"/>
-                  <a:t>0,782390810576588	</a:t>
+                  <a:t>= 0,782390810576588	</a:t>
                 </a:r>
                 <a14:m>
                   <m:oMath xmlns:m="http://schemas.openxmlformats.org/officeDocument/2006/math">
@@ -9184,14 +8917,10 @@
                 </a14:m>
                 <a:r>
                   <a:rPr lang="fr-CA" dirty="0"/>
-                  <a:t>= </a:t>
-                </a:r>
-                <a:r>
-                  <a:rPr lang="fr-CA" dirty="0" smtClean="0"/>
-                  <a:t>0,224270760949381</a:t>
+                  <a:t>= 0,224270760949381</a:t>
                 </a:r>
                 <a:br>
-                  <a:rPr lang="fr-CA" dirty="0" smtClean="0"/>
+                  <a:rPr lang="fr-CA" dirty="0"/>
                 </a:br>
                 <a14:m>
                   <m:oMath xmlns:m="http://schemas.openxmlformats.org/officeDocument/2006/math">
@@ -9223,16 +8952,8 @@
                   </m:oMath>
                 </a14:m>
                 <a:r>
-                  <a:rPr lang="fr-CA" dirty="0" smtClean="0"/>
-                  <a:t> </a:t>
-                </a:r>
-                <a:r>
                   <a:rPr lang="fr-CA" dirty="0"/>
-                  <a:t>= </a:t>
-                </a:r>
-                <a:r>
-                  <a:rPr lang="fr-CA" dirty="0" smtClean="0"/>
-                  <a:t>1,564781621153176</a:t>
+                  <a:t> = 1,564781621153176</a:t>
                 </a:r>
               </a:p>
               <a:p>
@@ -9262,15 +8983,7 @@
                 </a14:m>
                 <a:r>
                   <a:rPr lang="fr-CA" dirty="0"/>
-                  <a:t> =  </a:t>
-                </a:r>
-                <a:r>
-                  <a:rPr lang="fr-CA" dirty="0" smtClean="0"/>
-                  <a:t>500kHz </a:t>
-                </a:r>
-                <a:r>
-                  <a:rPr lang="fr-CA" dirty="0"/>
-                  <a:t>et </a:t>
+                  <a:t> =  500kHz et </a:t>
                 </a:r>
                 <a14:m>
                   <m:oMath xmlns:m="http://schemas.openxmlformats.org/officeDocument/2006/math">
@@ -9349,15 +9062,7 @@
                 </a14:m>
                 <a:r>
                   <a:rPr lang="fr-CA" dirty="0"/>
-                  <a:t>= </a:t>
-                </a:r>
-                <a:r>
-                  <a:rPr lang="fr-CA" dirty="0" smtClean="0"/>
-                  <a:t>0,999506560365732</a:t>
-                </a:r>
-                <a:r>
-                  <a:rPr lang="fr-CA" dirty="0"/>
-                  <a:t>	</a:t>
+                  <a:t>= 0,999506560365732	</a:t>
                 </a:r>
                 <a14:m>
                   <m:oMath xmlns:m="http://schemas.openxmlformats.org/officeDocument/2006/math">
@@ -9394,15 +9099,7 @@
                 </a14:m>
                 <a:r>
                   <a:rPr lang="fr-CA" dirty="0"/>
-                  <a:t>= </a:t>
-                </a:r>
-                <a:r>
-                  <a:rPr lang="fr-CA" dirty="0" smtClean="0"/>
-                  <a:t>0,998026728428272</a:t>
-                </a:r>
-                <a:r>
-                  <a:rPr lang="fr-CA" dirty="0"/>
-                  <a:t/>
+                  <a:t>= 0,998026728428272</a:t>
                 </a:r>
                 <a:br>
                   <a:rPr lang="fr-CA" dirty="0"/>
@@ -9438,11 +9135,7 @@
                 </a14:m>
                 <a:r>
                   <a:rPr lang="fr-CA" dirty="0"/>
-                  <a:t> = </a:t>
-                </a:r>
-                <a:r>
-                  <a:rPr lang="fr-CA" dirty="0" smtClean="0"/>
-                  <a:t>1,999013120731463</a:t>
+                  <a:t> = 1,999013120731463</a:t>
                 </a:r>
               </a:p>
               <a:p>
@@ -9457,12 +9150,8 @@
                   </m:oMath>
                 </a14:m>
                 <a:r>
-                  <a:rPr lang="fr-CA" dirty="0" smtClean="0"/>
-                  <a:t> </a:t>
-                </a:r>
-                <a:r>
                   <a:rPr lang="fr-CA" dirty="0"/>
-                  <a:t>de </a:t>
+                  <a:t> de </a:t>
                 </a:r>
                 <a14:m>
                   <m:oMath xmlns:m="http://schemas.openxmlformats.org/officeDocument/2006/math">
@@ -9476,15 +9165,7 @@
                 </a14:m>
                 <a:r>
                   <a:rPr lang="fr-CA" dirty="0"/>
-                  <a:t> =  </a:t>
-                </a:r>
-                <a:r>
-                  <a:rPr lang="fr-CA" dirty="0" smtClean="0"/>
-                  <a:t>10,7MHz </a:t>
-                </a:r>
-                <a:r>
-                  <a:rPr lang="fr-CA" dirty="0"/>
-                  <a:t>et </a:t>
+                  <a:t> =  10,7MHz et </a:t>
                 </a:r>
                 <a14:m>
                   <m:oMath xmlns:m="http://schemas.openxmlformats.org/officeDocument/2006/math">
@@ -9602,12 +9283,8 @@
                   <a:rPr lang="fr-CA" dirty="0"/>
                   <a:t>= 0.974526872786577</a:t>
                 </a:r>
-                <a:r>
-                  <a:rPr lang="fr-CA" dirty="0" smtClean="0"/>
-                  <a:t/>
-                </a:r>
                 <a:br>
-                  <a:rPr lang="fr-CA" dirty="0" smtClean="0"/>
+                  <a:rPr lang="fr-CA" dirty="0"/>
                 </a:br>
                 <a14:m>
                   <m:oMath xmlns:m="http://schemas.openxmlformats.org/officeDocument/2006/math">
@@ -9640,13 +9317,9 @@
                 </a14:m>
                 <a:r>
                   <a:rPr lang="fr-CA" dirty="0"/>
-                  <a:t> = </a:t>
+                  <a:t> = 1.564781621153176</a:t>
                 </a:r>
-                <a:r>
-                  <a:rPr lang="fr-CA" dirty="0" smtClean="0"/>
-                  <a:t>1.564781621153176</a:t>
-                </a:r>
-                <a:endParaRPr lang="fr-CA" b="0" i="1" dirty="0" smtClean="0">
+                <a:endParaRPr lang="fr-CA" b="0" i="1" dirty="0">
                   <a:latin typeface="Cambria Math" panose="02040503050406030204" pitchFamily="18" charset="0"/>
                 </a:endParaRPr>
               </a:p>
@@ -9662,12 +9335,8 @@
                   </m:oMath>
                 </a14:m>
                 <a:r>
-                  <a:rPr lang="fr-CA" dirty="0" smtClean="0"/>
-                  <a:t> </a:t>
-                </a:r>
-                <a:r>
                   <a:rPr lang="fr-CA" dirty="0"/>
-                  <a:t>de </a:t>
+                  <a:t> de </a:t>
                 </a:r>
                 <a14:m>
                   <m:oMath xmlns:m="http://schemas.openxmlformats.org/officeDocument/2006/math">
@@ -9835,12 +9504,11 @@
                   <a:rPr lang="fr-CA" dirty="0"/>
                   <a:t> = 1.999013120731463</a:t>
                 </a:r>
-                <a:endParaRPr lang="fr-CA" dirty="0" smtClean="0"/>
               </a:p>
             </p:txBody>
           </p:sp>
         </mc:Choice>
-        <mc:Fallback>
+        <mc:Fallback xmlns="">
           <p:sp>
             <p:nvSpPr>
               <p:cNvPr id="3" name="Content Placeholder 2">
@@ -9889,7 +9557,7 @@
           <p:cNvPr id="5" name="TextBox 2">
             <a:extLst>
               <a:ext uri="{FF2B5EF4-FFF2-40B4-BE49-F238E27FC236}">
-                <a16:creationId xmlns:a16="http://schemas.microsoft.com/office/drawing/2014/main" xmlns="" id="{42DA6C5E-FC75-4155-A6A5-19DC3943EF40}"/>
+                <a16:creationId xmlns:a16="http://schemas.microsoft.com/office/drawing/2014/main" id="{42DA6C5E-FC75-4155-A6A5-19DC3943EF40}"/>
               </a:ext>
             </a:extLst>
           </p:cNvPr>
@@ -9913,14 +9581,13 @@
           <a:lstStyle/>
           <a:p>
             <a:r>
-              <a:rPr lang="en-CA" sz="2400" dirty="0" err="1" smtClean="0"/>
+              <a:rPr lang="en-CA" sz="2400" dirty="0" err="1"/>
               <a:t>Calculs</a:t>
             </a:r>
             <a:r>
-              <a:rPr lang="en-CA" sz="2400" dirty="0" smtClean="0"/>
+              <a:rPr lang="en-CA" sz="2400" dirty="0"/>
               <a:t> des sinus:</a:t>
             </a:r>
-            <a:endParaRPr lang="en-CA" sz="2400" dirty="0"/>
           </a:p>
         </p:txBody>
       </p:sp>
@@ -9937,7 +9604,7 @@
 </p:sld>
 </file>
 
-<file path=ppt/slides/slide14.xml><?xml version="1.0" encoding="utf-8"?>
+<file path=ppt/slides/slide13.xml><?xml version="1.0" encoding="utf-8"?>
 <p:sld xmlns:a="http://schemas.openxmlformats.org/drawingml/2006/main" xmlns:r="http://schemas.openxmlformats.org/officeDocument/2006/relationships" xmlns:p="http://schemas.openxmlformats.org/presentationml/2006/main">
   <p:cSld>
     <p:spTree>
@@ -9959,7 +9626,7 @@
           <p:cNvPr id="2" name="Title 1">
             <a:extLst>
               <a:ext uri="{FF2B5EF4-FFF2-40B4-BE49-F238E27FC236}">
-                <a16:creationId xmlns:a16="http://schemas.microsoft.com/office/drawing/2014/main" xmlns="" id="{CB092671-ACDE-4E64-B487-381F2D0C6C2D}"/>
+                <a16:creationId xmlns:a16="http://schemas.microsoft.com/office/drawing/2014/main" id="{CB092671-ACDE-4E64-B487-381F2D0C6C2D}"/>
               </a:ext>
             </a:extLst>
           </p:cNvPr>
@@ -10021,7 +9688,7 @@
           <p:cNvPr id="7" name="TextBox 2">
             <a:extLst>
               <a:ext uri="{FF2B5EF4-FFF2-40B4-BE49-F238E27FC236}">
-                <a16:creationId xmlns:a16="http://schemas.microsoft.com/office/drawing/2014/main" xmlns="" id="{42DA6C5E-FC75-4155-A6A5-19DC3943EF40}"/>
+                <a16:creationId xmlns:a16="http://schemas.microsoft.com/office/drawing/2014/main" id="{42DA6C5E-FC75-4155-A6A5-19DC3943EF40}"/>
               </a:ext>
             </a:extLst>
           </p:cNvPr>
@@ -10045,14 +9712,13 @@
           <a:lstStyle/>
           <a:p>
             <a:r>
-              <a:rPr lang="en-CA" sz="2400" dirty="0" err="1" smtClean="0"/>
+              <a:rPr lang="en-CA" sz="2400" dirty="0" err="1"/>
               <a:t>Calculs</a:t>
             </a:r>
             <a:r>
-              <a:rPr lang="en-CA" sz="2400" dirty="0" smtClean="0"/>
+              <a:rPr lang="en-CA" sz="2400" dirty="0"/>
               <a:t> des sinus:</a:t>
             </a:r>
-            <a:endParaRPr lang="en-CA" sz="2400" dirty="0"/>
           </a:p>
         </p:txBody>
       </p:sp>
@@ -10069,7 +9735,7 @@
 </p:sld>
 </file>
 
-<file path=ppt/slides/slide15.xml><?xml version="1.0" encoding="utf-8"?>
+<file path=ppt/slides/slide14.xml><?xml version="1.0" encoding="utf-8"?>
 <p:sld xmlns:a="http://schemas.openxmlformats.org/drawingml/2006/main" xmlns:r="http://schemas.openxmlformats.org/officeDocument/2006/relationships" xmlns:p="http://schemas.openxmlformats.org/presentationml/2006/main">
   <p:cSld>
     <p:spTree>
@@ -10091,7 +9757,7 @@
           <p:cNvPr id="2" name="Title 1">
             <a:extLst>
               <a:ext uri="{FF2B5EF4-FFF2-40B4-BE49-F238E27FC236}">
-                <a16:creationId xmlns:a16="http://schemas.microsoft.com/office/drawing/2014/main" xmlns="" id="{CB092671-ACDE-4E64-B487-381F2D0C6C2D}"/>
+                <a16:creationId xmlns:a16="http://schemas.microsoft.com/office/drawing/2014/main" id="{CB092671-ACDE-4E64-B487-381F2D0C6C2D}"/>
               </a:ext>
             </a:extLst>
           </p:cNvPr>
@@ -10119,14 +9785,14 @@
           </a:p>
         </p:txBody>
       </p:sp>
-      <mc:AlternateContent xmlns:mc="http://schemas.openxmlformats.org/markup-compatibility/2006">
-        <mc:Choice xmlns:a14="http://schemas.microsoft.com/office/drawing/2010/main" Requires="a14">
+      <mc:AlternateContent xmlns:mc="http://schemas.openxmlformats.org/markup-compatibility/2006" xmlns:a14="http://schemas.microsoft.com/office/drawing/2010/main">
+        <mc:Choice Requires="a14">
           <p:sp>
             <p:nvSpPr>
               <p:cNvPr id="3" name="Content Placeholder 2">
                 <a:extLst>
                   <a:ext uri="{FF2B5EF4-FFF2-40B4-BE49-F238E27FC236}">
-                    <a16:creationId xmlns:a16="http://schemas.microsoft.com/office/drawing/2014/main" xmlns="" id="{C98FDD01-A6F3-46B0-A7A5-740763964552}"/>
+                    <a16:creationId xmlns:a16="http://schemas.microsoft.com/office/drawing/2014/main" id="{C98FDD01-A6F3-46B0-A7A5-740763964552}"/>
                   </a:ext>
                 </a:extLst>
               </p:cNvPr>
@@ -10150,47 +9816,27 @@
               <a:lstStyle/>
               <a:p>
                 <a:r>
-                  <a:rPr lang="fr-CA" dirty="0" smtClean="0"/>
-                  <a:t>Forme du transmetteur O-QPSK vu dans l’APP </a:t>
-                </a:r>
-                <a:r>
-                  <a:rPr lang="fr-CA" dirty="0" smtClean="0"/>
-                  <a:t>5</a:t>
+                  <a:rPr lang="fr-CA" dirty="0"/>
+                  <a:t>Forme du transmetteur O-QPSK vu dans l’APP 5</a:t>
                 </a:r>
                 <a:br>
-                  <a:rPr lang="fr-CA" dirty="0" smtClean="0"/>
+                  <a:rPr lang="fr-CA" dirty="0"/>
                 </a:br>
-                <a:endParaRPr lang="fr-CA" dirty="0" smtClean="0"/>
+                <a:endParaRPr lang="fr-CA" dirty="0"/>
               </a:p>
               <a:p>
                 <a:r>
-                  <a:rPr lang="fr-CA" dirty="0" smtClean="0"/>
-                  <a:t>Fréquence des demi-sinus </a:t>
-                </a:r>
-                <a:r>
                   <a:rPr lang="fr-CA" dirty="0"/>
-                  <a:t>1MHz </a:t>
-                </a:r>
-                <a:r>
-                  <a:rPr lang="fr-CA" dirty="0" smtClean="0"/>
-                  <a:t>÷ 2 </a:t>
-                </a:r>
-                <a:r>
-                  <a:rPr lang="fr-CA" dirty="0"/>
-                  <a:t>= </a:t>
-                </a:r>
-                <a:r>
-                  <a:rPr lang="fr-CA" dirty="0" smtClean="0"/>
-                  <a:t>500kHz</a:t>
+                  <a:t>Fréquence des demi-sinus 1MHz ÷ 2 = 500kHz</a:t>
                 </a:r>
                 <a:br>
-                  <a:rPr lang="fr-CA" dirty="0" smtClean="0"/>
+                  <a:rPr lang="fr-CA" dirty="0"/>
                 </a:br>
-                <a:endParaRPr lang="fr-CA" dirty="0" smtClean="0"/>
+                <a:endParaRPr lang="fr-CA" dirty="0"/>
               </a:p>
               <a:p>
                 <a:r>
-                  <a:rPr lang="fr-CA" dirty="0" smtClean="0"/>
+                  <a:rPr lang="fr-CA" dirty="0"/>
                   <a:t>Ajout d’un délais de </a:t>
                 </a:r>
                 <a14:m>
@@ -10242,17 +9888,17 @@
                   </m:oMath>
                 </a14:m>
                 <a:r>
-                  <a:rPr lang="fr-CA" b="0" dirty="0" smtClean="0"/>
+                  <a:rPr lang="fr-CA" b="0" dirty="0"/>
                   <a:t> sur le rail Q</a:t>
                 </a:r>
               </a:p>
               <a:p>
-                <a:endParaRPr lang="fr-CA" dirty="0" smtClean="0"/>
+                <a:endParaRPr lang="fr-CA" dirty="0"/>
               </a:p>
             </p:txBody>
           </p:sp>
         </mc:Choice>
-        <mc:Fallback>
+        <mc:Fallback xmlns="">
           <p:sp>
             <p:nvSpPr>
               <p:cNvPr id="3" name="Content Placeholder 2">
@@ -10301,7 +9947,7 @@
           <p:cNvPr id="6" name="TextBox 2">
             <a:extLst>
               <a:ext uri="{FF2B5EF4-FFF2-40B4-BE49-F238E27FC236}">
-                <a16:creationId xmlns:a16="http://schemas.microsoft.com/office/drawing/2014/main" xmlns="" id="{42DA6C5E-FC75-4155-A6A5-19DC3943EF40}"/>
+                <a16:creationId xmlns:a16="http://schemas.microsoft.com/office/drawing/2014/main" id="{42DA6C5E-FC75-4155-A6A5-19DC3943EF40}"/>
               </a:ext>
             </a:extLst>
           </p:cNvPr>
@@ -10325,10 +9971,9 @@
           <a:lstStyle/>
           <a:p>
             <a:r>
-              <a:rPr lang="en-CA" sz="2400" dirty="0" smtClean="0"/>
+              <a:rPr lang="en-CA" sz="2400" dirty="0"/>
               <a:t>Liens entre les APP et la solution:</a:t>
             </a:r>
-            <a:endParaRPr lang="en-CA" sz="2400" dirty="0"/>
           </a:p>
         </p:txBody>
       </p:sp>
@@ -10345,7 +9990,7 @@
 </p:sld>
 </file>
 
-<file path=ppt/slides/slide16.xml><?xml version="1.0" encoding="utf-8"?>
+<file path=ppt/slides/slide15.xml><?xml version="1.0" encoding="utf-8"?>
 <p:sld xmlns:a="http://schemas.openxmlformats.org/drawingml/2006/main" xmlns:r="http://schemas.openxmlformats.org/officeDocument/2006/relationships" xmlns:p="http://schemas.openxmlformats.org/presentationml/2006/main">
   <p:cSld>
     <p:spTree>
@@ -10397,7 +10042,7 @@
           <p:cNvPr id="7" name="Title 1">
             <a:extLst>
               <a:ext uri="{FF2B5EF4-FFF2-40B4-BE49-F238E27FC236}">
-                <a16:creationId xmlns:a16="http://schemas.microsoft.com/office/drawing/2014/main" xmlns="" id="{CB092671-ACDE-4E64-B487-381F2D0C6C2D}"/>
+                <a16:creationId xmlns:a16="http://schemas.microsoft.com/office/drawing/2014/main" id="{CB092671-ACDE-4E64-B487-381F2D0C6C2D}"/>
               </a:ext>
             </a:extLst>
           </p:cNvPr>
@@ -10496,7 +10141,7 @@
           </a:lstStyle>
           <a:p>
             <a:r>
-              <a:rPr lang="en-CA" smtClean="0"/>
+              <a:rPr lang="en-CA"/>
               <a:t>Modem Numérique</a:t>
             </a:r>
             <a:endParaRPr lang="en-CA" dirty="0"/>
@@ -10508,7 +10153,7 @@
           <p:cNvPr id="8" name="TextBox 2">
             <a:extLst>
               <a:ext uri="{FF2B5EF4-FFF2-40B4-BE49-F238E27FC236}">
-                <a16:creationId xmlns:a16="http://schemas.microsoft.com/office/drawing/2014/main" xmlns="" id="{42DA6C5E-FC75-4155-A6A5-19DC3943EF40}"/>
+                <a16:creationId xmlns:a16="http://schemas.microsoft.com/office/drawing/2014/main" id="{42DA6C5E-FC75-4155-A6A5-19DC3943EF40}"/>
               </a:ext>
             </a:extLst>
           </p:cNvPr>
@@ -10532,18 +10177,17 @@
           <a:lstStyle/>
           <a:p>
             <a:r>
-              <a:rPr lang="en-CA" sz="2400" dirty="0" smtClean="0"/>
+              <a:rPr lang="en-CA" sz="2400" dirty="0"/>
               <a:t>Transformation de la </a:t>
             </a:r>
             <a:r>
-              <a:rPr lang="en-CA" sz="2400" dirty="0" err="1" smtClean="0"/>
+              <a:rPr lang="en-CA" sz="2400" dirty="0" err="1"/>
               <a:t>trame</a:t>
             </a:r>
             <a:r>
-              <a:rPr lang="en-CA" sz="2400" dirty="0" smtClean="0"/>
+              <a:rPr lang="en-CA" sz="2400" dirty="0"/>
               <a:t>:</a:t>
             </a:r>
-            <a:endParaRPr lang="en-CA" sz="2400" dirty="0"/>
           </a:p>
         </p:txBody>
       </p:sp>
@@ -10551,6 +10195,170 @@
     <p:extLst>
       <p:ext uri="{BB962C8B-B14F-4D97-AF65-F5344CB8AC3E}">
         <p14:creationId xmlns:p14="http://schemas.microsoft.com/office/powerpoint/2010/main" val="1529928112"/>
+      </p:ext>
+    </p:extLst>
+  </p:cSld>
+  <p:clrMapOvr>
+    <a:masterClrMapping/>
+  </p:clrMapOvr>
+</p:sld>
+</file>
+
+<file path=ppt/slides/slide16.xml><?xml version="1.0" encoding="utf-8"?>
+<p:sld xmlns:a="http://schemas.openxmlformats.org/drawingml/2006/main" xmlns:r="http://schemas.openxmlformats.org/officeDocument/2006/relationships" xmlns:p="http://schemas.openxmlformats.org/presentationml/2006/main">
+  <p:cSld>
+    <p:spTree>
+      <p:nvGrpSpPr>
+        <p:cNvPr id="1" name=""/>
+        <p:cNvGrpSpPr/>
+        <p:nvPr/>
+      </p:nvGrpSpPr>
+      <p:grpSpPr>
+        <a:xfrm>
+          <a:off x="0" y="0"/>
+          <a:ext cx="0" cy="0"/>
+          <a:chOff x="0" y="0"/>
+          <a:chExt cx="0" cy="0"/>
+        </a:xfrm>
+      </p:grpSpPr>
+      <p:sp>
+        <p:nvSpPr>
+          <p:cNvPr id="2" name="Title 1">
+            <a:extLst>
+              <a:ext uri="{FF2B5EF4-FFF2-40B4-BE49-F238E27FC236}">
+                <a16:creationId xmlns:a16="http://schemas.microsoft.com/office/drawing/2014/main" id="{CB092671-ACDE-4E64-B487-381F2D0C6C2D}"/>
+              </a:ext>
+            </a:extLst>
+          </p:cNvPr>
+          <p:cNvSpPr>
+            <a:spLocks noGrp="1"/>
+          </p:cNvSpPr>
+          <p:nvPr>
+            <p:ph type="title"/>
+          </p:nvPr>
+        </p:nvSpPr>
+        <p:spPr/>
+        <p:txBody>
+          <a:bodyPr/>
+          <a:lstStyle/>
+          <a:p>
+            <a:r>
+              <a:rPr lang="en-CA" dirty="0"/>
+              <a:t>Modem </a:t>
+            </a:r>
+            <a:r>
+              <a:rPr lang="en-CA" dirty="0" err="1"/>
+              <a:t>Numérique</a:t>
+            </a:r>
+            <a:endParaRPr lang="en-CA" dirty="0"/>
+          </a:p>
+        </p:txBody>
+      </p:sp>
+      <p:sp>
+        <p:nvSpPr>
+          <p:cNvPr id="3" name="Content Placeholder 2">
+            <a:extLst>
+              <a:ext uri="{FF2B5EF4-FFF2-40B4-BE49-F238E27FC236}">
+                <a16:creationId xmlns:a16="http://schemas.microsoft.com/office/drawing/2014/main" id="{C98FDD01-A6F3-46B0-A7A5-740763964552}"/>
+              </a:ext>
+            </a:extLst>
+          </p:cNvPr>
+          <p:cNvSpPr>
+            <a:spLocks noGrp="1"/>
+          </p:cNvSpPr>
+          <p:nvPr>
+            <p:ph idx="1"/>
+          </p:nvPr>
+        </p:nvSpPr>
+        <p:spPr>
+          <a:xfrm>
+            <a:off x="2589212" y="2369596"/>
+            <a:ext cx="8915400" cy="3777622"/>
+          </a:xfrm>
+        </p:spPr>
+        <p:txBody>
+          <a:bodyPr>
+            <a:normAutofit/>
+          </a:bodyPr>
+          <a:lstStyle/>
+          <a:p>
+            <a:r>
+              <a:rPr lang="fr-CA" dirty="0"/>
+              <a:t>Registre à décalage </a:t>
+            </a:r>
+            <a:br>
+              <a:rPr lang="fr-CA" dirty="0"/>
+            </a:br>
+            <a:endParaRPr lang="fr-CA" dirty="0"/>
+          </a:p>
+          <a:p>
+            <a:r>
+              <a:rPr lang="fr-CA" dirty="0"/>
+              <a:t>Multiplication des bits par leur valeur respectives</a:t>
+            </a:r>
+            <a:br>
+              <a:rPr lang="fr-CA" dirty="0"/>
+            </a:br>
+            <a:endParaRPr lang="fr-CA" dirty="0"/>
+          </a:p>
+          <a:p>
+            <a:r>
+              <a:rPr lang="fr-CA" dirty="0"/>
+              <a:t>Somme de ces résultats donnant une valeur de symbole</a:t>
+            </a:r>
+          </a:p>
+          <a:p>
+            <a:endParaRPr lang="fr-CA" dirty="0"/>
+          </a:p>
+        </p:txBody>
+      </p:sp>
+      <p:sp>
+        <p:nvSpPr>
+          <p:cNvPr id="6" name="TextBox 2">
+            <a:extLst>
+              <a:ext uri="{FF2B5EF4-FFF2-40B4-BE49-F238E27FC236}">
+                <a16:creationId xmlns:a16="http://schemas.microsoft.com/office/drawing/2014/main" id="{42DA6C5E-FC75-4155-A6A5-19DC3943EF40}"/>
+              </a:ext>
+            </a:extLst>
+          </p:cNvPr>
+          <p:cNvSpPr txBox="1"/>
+          <p:nvPr/>
+        </p:nvSpPr>
+        <p:spPr>
+          <a:xfrm>
+            <a:off x="685800" y="1907931"/>
+            <a:ext cx="11506199" cy="461665"/>
+          </a:xfrm>
+          <a:prstGeom prst="rect">
+            <a:avLst/>
+          </a:prstGeom>
+          <a:noFill/>
+        </p:spPr>
+        <p:txBody>
+          <a:bodyPr wrap="square" rtlCol="0">
+            <a:spAutoFit/>
+          </a:bodyPr>
+          <a:lstStyle/>
+          <a:p>
+            <a:r>
+              <a:rPr lang="en-CA" sz="2400" dirty="0"/>
+              <a:t>Transformation de la </a:t>
+            </a:r>
+            <a:r>
+              <a:rPr lang="en-CA" sz="2400" dirty="0" err="1"/>
+              <a:t>trame</a:t>
+            </a:r>
+            <a:r>
+              <a:rPr lang="en-CA" sz="2400" dirty="0"/>
+              <a:t>:</a:t>
+            </a:r>
+          </a:p>
+        </p:txBody>
+      </p:sp>
+    </p:spTree>
+    <p:extLst>
+      <p:ext uri="{BB962C8B-B14F-4D97-AF65-F5344CB8AC3E}">
+        <p14:creationId xmlns:p14="http://schemas.microsoft.com/office/powerpoint/2010/main" val="3477050307"/>
       </p:ext>
     </p:extLst>
   </p:cSld>
@@ -10582,7 +10390,7 @@
           <p:cNvPr id="2" name="Title 1">
             <a:extLst>
               <a:ext uri="{FF2B5EF4-FFF2-40B4-BE49-F238E27FC236}">
-                <a16:creationId xmlns:a16="http://schemas.microsoft.com/office/drawing/2014/main" xmlns="" id="{CB092671-ACDE-4E64-B487-381F2D0C6C2D}"/>
+                <a16:creationId xmlns:a16="http://schemas.microsoft.com/office/drawing/2014/main" id="{CB092671-ACDE-4E64-B487-381F2D0C6C2D}"/>
               </a:ext>
             </a:extLst>
           </p:cNvPr>
@@ -10593,179 +10401,6 @@
             <p:ph type="title"/>
           </p:nvPr>
         </p:nvSpPr>
-        <p:spPr/>
-        <p:txBody>
-          <a:bodyPr/>
-          <a:lstStyle/>
-          <a:p>
-            <a:r>
-              <a:rPr lang="en-CA" dirty="0"/>
-              <a:t>Modem </a:t>
-            </a:r>
-            <a:r>
-              <a:rPr lang="en-CA" dirty="0" err="1"/>
-              <a:t>Numérique</a:t>
-            </a:r>
-            <a:endParaRPr lang="en-CA" dirty="0"/>
-          </a:p>
-        </p:txBody>
-      </p:sp>
-      <p:sp>
-        <p:nvSpPr>
-          <p:cNvPr id="3" name="Content Placeholder 2">
-            <a:extLst>
-              <a:ext uri="{FF2B5EF4-FFF2-40B4-BE49-F238E27FC236}">
-                <a16:creationId xmlns:a16="http://schemas.microsoft.com/office/drawing/2014/main" xmlns="" id="{C98FDD01-A6F3-46B0-A7A5-740763964552}"/>
-              </a:ext>
-            </a:extLst>
-          </p:cNvPr>
-          <p:cNvSpPr>
-            <a:spLocks noGrp="1"/>
-          </p:cNvSpPr>
-          <p:nvPr>
-            <p:ph idx="1"/>
-          </p:nvPr>
-        </p:nvSpPr>
-        <p:spPr>
-          <a:xfrm>
-            <a:off x="2589212" y="2369596"/>
-            <a:ext cx="8915400" cy="3777622"/>
-          </a:xfrm>
-        </p:spPr>
-        <p:txBody>
-          <a:bodyPr>
-            <a:normAutofit/>
-          </a:bodyPr>
-          <a:lstStyle/>
-          <a:p>
-            <a:r>
-              <a:rPr lang="fr-CA" dirty="0" smtClean="0"/>
-              <a:t>Registre à décalage </a:t>
-            </a:r>
-            <a:r>
-              <a:rPr lang="fr-CA" dirty="0" smtClean="0"/>
-              <a:t/>
-            </a:r>
-            <a:br>
-              <a:rPr lang="fr-CA" dirty="0" smtClean="0"/>
-            </a:br>
-            <a:endParaRPr lang="fr-CA" dirty="0" smtClean="0"/>
-          </a:p>
-          <a:p>
-            <a:r>
-              <a:rPr lang="fr-CA" dirty="0" smtClean="0"/>
-              <a:t>Multiplication des bits par leur valeur </a:t>
-            </a:r>
-            <a:r>
-              <a:rPr lang="fr-CA" dirty="0" smtClean="0"/>
-              <a:t>respectives</a:t>
-            </a:r>
-            <a:br>
-              <a:rPr lang="fr-CA" dirty="0" smtClean="0"/>
-            </a:br>
-            <a:endParaRPr lang="fr-CA" dirty="0" smtClean="0"/>
-          </a:p>
-          <a:p>
-            <a:r>
-              <a:rPr lang="fr-CA" dirty="0" smtClean="0"/>
-              <a:t>Somme de ces résultats donnant une valeur de symbole</a:t>
-            </a:r>
-          </a:p>
-          <a:p>
-            <a:endParaRPr lang="fr-CA" dirty="0" smtClean="0"/>
-          </a:p>
-        </p:txBody>
-      </p:sp>
-      <p:sp>
-        <p:nvSpPr>
-          <p:cNvPr id="6" name="TextBox 2">
-            <a:extLst>
-              <a:ext uri="{FF2B5EF4-FFF2-40B4-BE49-F238E27FC236}">
-                <a16:creationId xmlns:a16="http://schemas.microsoft.com/office/drawing/2014/main" xmlns="" id="{42DA6C5E-FC75-4155-A6A5-19DC3943EF40}"/>
-              </a:ext>
-            </a:extLst>
-          </p:cNvPr>
-          <p:cNvSpPr txBox="1"/>
-          <p:nvPr/>
-        </p:nvSpPr>
-        <p:spPr>
-          <a:xfrm>
-            <a:off x="685800" y="1907931"/>
-            <a:ext cx="11506199" cy="461665"/>
-          </a:xfrm>
-          <a:prstGeom prst="rect">
-            <a:avLst/>
-          </a:prstGeom>
-          <a:noFill/>
-        </p:spPr>
-        <p:txBody>
-          <a:bodyPr wrap="square" rtlCol="0">
-            <a:spAutoFit/>
-          </a:bodyPr>
-          <a:lstStyle/>
-          <a:p>
-            <a:r>
-              <a:rPr lang="en-CA" sz="2400" dirty="0" smtClean="0"/>
-              <a:t>Transformation de la </a:t>
-            </a:r>
-            <a:r>
-              <a:rPr lang="en-CA" sz="2400" dirty="0" err="1" smtClean="0"/>
-              <a:t>trame</a:t>
-            </a:r>
-            <a:r>
-              <a:rPr lang="en-CA" sz="2400" dirty="0" smtClean="0"/>
-              <a:t>:</a:t>
-            </a:r>
-            <a:endParaRPr lang="en-CA" sz="2400" dirty="0"/>
-          </a:p>
-        </p:txBody>
-      </p:sp>
-    </p:spTree>
-    <p:extLst>
-      <p:ext uri="{BB962C8B-B14F-4D97-AF65-F5344CB8AC3E}">
-        <p14:creationId xmlns:p14="http://schemas.microsoft.com/office/powerpoint/2010/main" val="3477050307"/>
-      </p:ext>
-    </p:extLst>
-  </p:cSld>
-  <p:clrMapOvr>
-    <a:masterClrMapping/>
-  </p:clrMapOvr>
-</p:sld>
-</file>
-
-<file path=ppt/slides/slide18.xml><?xml version="1.0" encoding="utf-8"?>
-<p:sld xmlns:a="http://schemas.openxmlformats.org/drawingml/2006/main" xmlns:r="http://schemas.openxmlformats.org/officeDocument/2006/relationships" xmlns:p="http://schemas.openxmlformats.org/presentationml/2006/main">
-  <p:cSld>
-    <p:spTree>
-      <p:nvGrpSpPr>
-        <p:cNvPr id="1" name=""/>
-        <p:cNvGrpSpPr/>
-        <p:nvPr/>
-      </p:nvGrpSpPr>
-      <p:grpSpPr>
-        <a:xfrm>
-          <a:off x="0" y="0"/>
-          <a:ext cx="0" cy="0"/>
-          <a:chOff x="0" y="0"/>
-          <a:chExt cx="0" cy="0"/>
-        </a:xfrm>
-      </p:grpSpPr>
-      <p:sp>
-        <p:nvSpPr>
-          <p:cNvPr id="2" name="Title 1">
-            <a:extLst>
-              <a:ext uri="{FF2B5EF4-FFF2-40B4-BE49-F238E27FC236}">
-                <a16:creationId xmlns:a16="http://schemas.microsoft.com/office/drawing/2014/main" xmlns="" id="{CB092671-ACDE-4E64-B487-381F2D0C6C2D}"/>
-              </a:ext>
-            </a:extLst>
-          </p:cNvPr>
-          <p:cNvSpPr>
-            <a:spLocks noGrp="1"/>
-          </p:cNvSpPr>
-          <p:nvPr>
-            <p:ph type="title"/>
-          </p:nvPr>
-        </p:nvSpPr>
         <p:spPr>
           <a:xfrm>
             <a:off x="2644202" y="82196"/>
@@ -10793,7 +10428,7 @@
           <p:cNvPr id="6" name="TextBox 2">
             <a:extLst>
               <a:ext uri="{FF2B5EF4-FFF2-40B4-BE49-F238E27FC236}">
-                <a16:creationId xmlns:a16="http://schemas.microsoft.com/office/drawing/2014/main" xmlns="" id="{42DA6C5E-FC75-4155-A6A5-19DC3943EF40}"/>
+                <a16:creationId xmlns:a16="http://schemas.microsoft.com/office/drawing/2014/main" id="{42DA6C5E-FC75-4155-A6A5-19DC3943EF40}"/>
               </a:ext>
             </a:extLst>
           </p:cNvPr>
@@ -10817,18 +10452,17 @@
           <a:lstStyle/>
           <a:p>
             <a:r>
-              <a:rPr lang="en-CA" sz="2400" dirty="0" smtClean="0"/>
+              <a:rPr lang="en-CA" sz="2400" dirty="0"/>
               <a:t>Transformation de la </a:t>
             </a:r>
             <a:r>
-              <a:rPr lang="en-CA" sz="2400" dirty="0" err="1" smtClean="0"/>
+              <a:rPr lang="en-CA" sz="2400" dirty="0" err="1"/>
               <a:t>trame</a:t>
             </a:r>
             <a:r>
-              <a:rPr lang="en-CA" sz="2400" dirty="0" smtClean="0"/>
+              <a:rPr lang="en-CA" sz="2400" dirty="0"/>
               <a:t>: Bit to symbol</a:t>
             </a:r>
-            <a:endParaRPr lang="en-CA" sz="2400" dirty="0"/>
           </a:p>
         </p:txBody>
       </p:sp>
@@ -10904,7 +10538,7 @@
 </p:sld>
 </file>
 
-<file path=ppt/slides/slide19.xml><?xml version="1.0" encoding="utf-8"?>
+<file path=ppt/slides/slide18.xml><?xml version="1.0" encoding="utf-8"?>
 <p:sld xmlns:a="http://schemas.openxmlformats.org/drawingml/2006/main" xmlns:r="http://schemas.openxmlformats.org/officeDocument/2006/relationships" xmlns:p="http://schemas.openxmlformats.org/presentationml/2006/main">
   <p:cSld>
     <p:spTree>
@@ -10926,7 +10560,7 @@
           <p:cNvPr id="2" name="Title 1">
             <a:extLst>
               <a:ext uri="{FF2B5EF4-FFF2-40B4-BE49-F238E27FC236}">
-                <a16:creationId xmlns:a16="http://schemas.microsoft.com/office/drawing/2014/main" xmlns="" id="{CB092671-ACDE-4E64-B487-381F2D0C6C2D}"/>
+                <a16:creationId xmlns:a16="http://schemas.microsoft.com/office/drawing/2014/main" id="{CB092671-ACDE-4E64-B487-381F2D0C6C2D}"/>
               </a:ext>
             </a:extLst>
           </p:cNvPr>
@@ -10964,7 +10598,7 @@
           <p:cNvPr id="6" name="TextBox 2">
             <a:extLst>
               <a:ext uri="{FF2B5EF4-FFF2-40B4-BE49-F238E27FC236}">
-                <a16:creationId xmlns:a16="http://schemas.microsoft.com/office/drawing/2014/main" xmlns="" id="{42DA6C5E-FC75-4155-A6A5-19DC3943EF40}"/>
+                <a16:creationId xmlns:a16="http://schemas.microsoft.com/office/drawing/2014/main" id="{42DA6C5E-FC75-4155-A6A5-19DC3943EF40}"/>
               </a:ext>
             </a:extLst>
           </p:cNvPr>
@@ -10988,18 +10622,17 @@
           <a:lstStyle/>
           <a:p>
             <a:r>
-              <a:rPr lang="en-CA" sz="2400" dirty="0" smtClean="0"/>
+              <a:rPr lang="en-CA" sz="2400" dirty="0"/>
               <a:t>Transformation de la </a:t>
             </a:r>
             <a:r>
-              <a:rPr lang="en-CA" sz="2400" dirty="0" err="1" smtClean="0"/>
+              <a:rPr lang="en-CA" sz="2400" dirty="0" err="1"/>
               <a:t>trame</a:t>
             </a:r>
             <a:r>
-              <a:rPr lang="en-CA" sz="2400" dirty="0" smtClean="0"/>
+              <a:rPr lang="en-CA" sz="2400" dirty="0"/>
               <a:t>: Symbol to chip</a:t>
             </a:r>
-            <a:endParaRPr lang="en-CA" sz="2400" dirty="0"/>
           </a:p>
         </p:txBody>
       </p:sp>
@@ -11068,7 +10701,7 @@
           <p:cNvPr id="8" name="Content Placeholder 2">
             <a:extLst>
               <a:ext uri="{FF2B5EF4-FFF2-40B4-BE49-F238E27FC236}">
-                <a16:creationId xmlns:a16="http://schemas.microsoft.com/office/drawing/2014/main" xmlns="" id="{C98FDD01-A6F3-46B0-A7A5-740763964552}"/>
+                <a16:creationId xmlns:a16="http://schemas.microsoft.com/office/drawing/2014/main" id="{C98FDD01-A6F3-46B0-A7A5-740763964552}"/>
               </a:ext>
             </a:extLst>
           </p:cNvPr>
@@ -11092,10 +10725,9 @@
           <a:lstStyle/>
           <a:p>
             <a:r>
-              <a:rPr lang="fr-CA" dirty="0" smtClean="0"/>
+              <a:rPr lang="fr-CA" dirty="0"/>
               <a:t>Choix du chip via un multiplexeur et un symbole</a:t>
             </a:r>
-            <a:endParaRPr lang="fr-CA" dirty="0" smtClean="0"/>
           </a:p>
         </p:txBody>
       </p:sp>
@@ -11112,7 +10744,7 @@
 </p:sld>
 </file>
 
-<file path=ppt/slides/slide2.xml><?xml version="1.0" encoding="utf-8"?>
+<file path=ppt/slides/slide19.xml><?xml version="1.0" encoding="utf-8"?>
 <p:sld xmlns:a="http://schemas.openxmlformats.org/drawingml/2006/main" xmlns:r="http://schemas.openxmlformats.org/officeDocument/2006/relationships" xmlns:p="http://schemas.openxmlformats.org/presentationml/2006/main">
   <p:cSld>
     <p:spTree>
@@ -11134,7 +10766,7 @@
           <p:cNvPr id="2" name="Title 1">
             <a:extLst>
               <a:ext uri="{FF2B5EF4-FFF2-40B4-BE49-F238E27FC236}">
-                <a16:creationId xmlns:a16="http://schemas.microsoft.com/office/drawing/2014/main" xmlns="" id="{532BB36A-66E0-4644-AB8F-8DCB79605DD1}"/>
+                <a16:creationId xmlns:a16="http://schemas.microsoft.com/office/drawing/2014/main" id="{CB092671-ACDE-4E64-B487-381F2D0C6C2D}"/>
               </a:ext>
             </a:extLst>
           </p:cNvPr>
@@ -11145,104 +10777,6 @@
             <p:ph type="title"/>
           </p:nvPr>
         </p:nvSpPr>
-        <p:spPr/>
-        <p:txBody>
-          <a:bodyPr/>
-          <a:lstStyle/>
-          <a:p>
-            <a:r>
-              <a:rPr lang="en-CA" dirty="0"/>
-              <a:t>Architecture </a:t>
-            </a:r>
-            <a:r>
-              <a:rPr lang="en-CA" dirty="0" err="1"/>
-              <a:t>Globale</a:t>
-            </a:r>
-            <a:endParaRPr lang="en-CA" dirty="0"/>
-          </a:p>
-        </p:txBody>
-      </p:sp>
-      <p:pic>
-        <p:nvPicPr>
-          <p:cNvPr id="5" name="Content Placeholder 4">
-            <a:extLst>
-              <a:ext uri="{FF2B5EF4-FFF2-40B4-BE49-F238E27FC236}">
-                <a16:creationId xmlns:a16="http://schemas.microsoft.com/office/drawing/2014/main" xmlns="" id="{660134EC-F451-4D02-B3E6-A1B9A23CE0AA}"/>
-              </a:ext>
-            </a:extLst>
-          </p:cNvPr>
-          <p:cNvPicPr>
-            <a:picLocks noGrp="1" noChangeAspect="1"/>
-          </p:cNvPicPr>
-          <p:nvPr>
-            <p:ph idx="1"/>
-          </p:nvPr>
-        </p:nvPicPr>
-        <p:blipFill>
-          <a:blip r:embed="rId2">
-            <a:extLst>
-              <a:ext uri="{28A0092B-C50C-407E-A947-70E740481C1C}">
-                <a14:useLocalDpi xmlns:a14="http://schemas.microsoft.com/office/drawing/2010/main" val="0"/>
-              </a:ext>
-            </a:extLst>
-          </a:blip>
-          <a:stretch>
-            <a:fillRect/>
-          </a:stretch>
-        </p:blipFill>
-        <p:spPr>
-          <a:xfrm>
-            <a:off x="365943" y="2714625"/>
-            <a:ext cx="11138670" cy="2180895"/>
-          </a:xfrm>
-        </p:spPr>
-      </p:pic>
-    </p:spTree>
-    <p:extLst>
-      <p:ext uri="{BB962C8B-B14F-4D97-AF65-F5344CB8AC3E}">
-        <p14:creationId xmlns:p14="http://schemas.microsoft.com/office/powerpoint/2010/main" val="1477707369"/>
-      </p:ext>
-    </p:extLst>
-  </p:cSld>
-  <p:clrMapOvr>
-    <a:masterClrMapping/>
-  </p:clrMapOvr>
-</p:sld>
-</file>
-
-<file path=ppt/slides/slide20.xml><?xml version="1.0" encoding="utf-8"?>
-<p:sld xmlns:a="http://schemas.openxmlformats.org/drawingml/2006/main" xmlns:r="http://schemas.openxmlformats.org/officeDocument/2006/relationships" xmlns:p="http://schemas.openxmlformats.org/presentationml/2006/main">
-  <p:cSld>
-    <p:spTree>
-      <p:nvGrpSpPr>
-        <p:cNvPr id="1" name=""/>
-        <p:cNvGrpSpPr/>
-        <p:nvPr/>
-      </p:nvGrpSpPr>
-      <p:grpSpPr>
-        <a:xfrm>
-          <a:off x="0" y="0"/>
-          <a:ext cx="0" cy="0"/>
-          <a:chOff x="0" y="0"/>
-          <a:chExt cx="0" cy="0"/>
-        </a:xfrm>
-      </p:grpSpPr>
-      <p:sp>
-        <p:nvSpPr>
-          <p:cNvPr id="2" name="Title 1">
-            <a:extLst>
-              <a:ext uri="{FF2B5EF4-FFF2-40B4-BE49-F238E27FC236}">
-                <a16:creationId xmlns:a16="http://schemas.microsoft.com/office/drawing/2014/main" xmlns="" id="{CB092671-ACDE-4E64-B487-381F2D0C6C2D}"/>
-              </a:ext>
-            </a:extLst>
-          </p:cNvPr>
-          <p:cNvSpPr>
-            <a:spLocks noGrp="1"/>
-          </p:cNvSpPr>
-          <p:nvPr>
-            <p:ph type="title"/>
-          </p:nvPr>
-        </p:nvSpPr>
         <p:spPr>
           <a:xfrm>
             <a:off x="2644202" y="82196"/>
@@ -11270,7 +10804,7 @@
           <p:cNvPr id="6" name="TextBox 2">
             <a:extLst>
               <a:ext uri="{FF2B5EF4-FFF2-40B4-BE49-F238E27FC236}">
-                <a16:creationId xmlns:a16="http://schemas.microsoft.com/office/drawing/2014/main" xmlns="" id="{42DA6C5E-FC75-4155-A6A5-19DC3943EF40}"/>
+                <a16:creationId xmlns:a16="http://schemas.microsoft.com/office/drawing/2014/main" id="{42DA6C5E-FC75-4155-A6A5-19DC3943EF40}"/>
               </a:ext>
             </a:extLst>
           </p:cNvPr>
@@ -11294,18 +10828,17 @@
           <a:lstStyle/>
           <a:p>
             <a:r>
-              <a:rPr lang="en-CA" sz="2400" dirty="0" smtClean="0"/>
+              <a:rPr lang="en-CA" sz="2400" dirty="0"/>
               <a:t>Transformation de la </a:t>
             </a:r>
             <a:r>
-              <a:rPr lang="en-CA" sz="2400" dirty="0" err="1" smtClean="0"/>
+              <a:rPr lang="en-CA" sz="2400" dirty="0" err="1"/>
               <a:t>trame</a:t>
             </a:r>
             <a:r>
-              <a:rPr lang="en-CA" sz="2400" dirty="0" smtClean="0"/>
+              <a:rPr lang="en-CA" sz="2400" dirty="0"/>
               <a:t>: Chip to I/Q</a:t>
             </a:r>
-            <a:endParaRPr lang="en-CA" sz="2400" dirty="0"/>
           </a:p>
         </p:txBody>
       </p:sp>
@@ -11369,14 +10902,14 @@
           </a:prstGeom>
         </p:spPr>
       </p:pic>
-      <mc:AlternateContent xmlns:mc="http://schemas.openxmlformats.org/markup-compatibility/2006">
-        <mc:Choice xmlns:a14="http://schemas.microsoft.com/office/drawing/2010/main" Requires="a14">
+      <mc:AlternateContent xmlns:mc="http://schemas.openxmlformats.org/markup-compatibility/2006" xmlns:a14="http://schemas.microsoft.com/office/drawing/2010/main">
+        <mc:Choice Requires="a14">
           <p:sp>
             <p:nvSpPr>
               <p:cNvPr id="8" name="Content Placeholder 2">
                 <a:extLst>
                   <a:ext uri="{FF2B5EF4-FFF2-40B4-BE49-F238E27FC236}">
-                    <a16:creationId xmlns:a16="http://schemas.microsoft.com/office/drawing/2014/main" xmlns="" id="{C98FDD01-A6F3-46B0-A7A5-740763964552}"/>
+                    <a16:creationId xmlns:a16="http://schemas.microsoft.com/office/drawing/2014/main" id="{C98FDD01-A6F3-46B0-A7A5-740763964552}"/>
                   </a:ext>
                 </a:extLst>
               </p:cNvPr>
@@ -11400,7 +10933,7 @@
               <a:lstStyle/>
               <a:p>
                 <a:r>
-                  <a:rPr lang="fr-CA" dirty="0" smtClean="0"/>
+                  <a:rPr lang="fr-CA" dirty="0"/>
                   <a:t>Séparation des bits sur la rail I et la rail Q</a:t>
                 </a:r>
               </a:p>
@@ -11465,15 +10998,14 @@
                   </m:oMath>
                 </a14:m>
                 <a:r>
-                  <a:rPr lang="fr-CA" dirty="0" smtClean="0"/>
+                  <a:rPr lang="fr-CA" dirty="0"/>
                   <a:t> = 50 délais</a:t>
                 </a:r>
-                <a:endParaRPr lang="fr-CA" dirty="0" smtClean="0"/>
               </a:p>
             </p:txBody>
           </p:sp>
         </mc:Choice>
-        <mc:Fallback>
+        <mc:Fallback xmlns="">
           <p:sp>
             <p:nvSpPr>
               <p:cNvPr id="8" name="Content Placeholder 2">
@@ -11530,7 +11062,7 @@
 </p:sld>
 </file>
 
-<file path=ppt/slides/slide21.xml><?xml version="1.0" encoding="utf-8"?>
+<file path=ppt/slides/slide2.xml><?xml version="1.0" encoding="utf-8"?>
 <p:sld xmlns:a="http://schemas.openxmlformats.org/drawingml/2006/main" xmlns:r="http://schemas.openxmlformats.org/officeDocument/2006/relationships" xmlns:p="http://schemas.openxmlformats.org/presentationml/2006/main">
   <p:cSld>
     <p:spTree>
@@ -11552,7 +11084,7 @@
           <p:cNvPr id="2" name="Title 1">
             <a:extLst>
               <a:ext uri="{FF2B5EF4-FFF2-40B4-BE49-F238E27FC236}">
-                <a16:creationId xmlns:a16="http://schemas.microsoft.com/office/drawing/2014/main" xmlns="" id="{CB092671-ACDE-4E64-B487-381F2D0C6C2D}"/>
+                <a16:creationId xmlns:a16="http://schemas.microsoft.com/office/drawing/2014/main" id="{532BB36A-66E0-4644-AB8F-8DCB79605DD1}"/>
               </a:ext>
             </a:extLst>
           </p:cNvPr>
@@ -11563,6 +11095,104 @@
             <p:ph type="title"/>
           </p:nvPr>
         </p:nvSpPr>
+        <p:spPr/>
+        <p:txBody>
+          <a:bodyPr/>
+          <a:lstStyle/>
+          <a:p>
+            <a:r>
+              <a:rPr lang="en-CA" dirty="0"/>
+              <a:t>Architecture </a:t>
+            </a:r>
+            <a:r>
+              <a:rPr lang="en-CA" dirty="0" err="1"/>
+              <a:t>Globale</a:t>
+            </a:r>
+            <a:endParaRPr lang="en-CA" dirty="0"/>
+          </a:p>
+        </p:txBody>
+      </p:sp>
+      <p:pic>
+        <p:nvPicPr>
+          <p:cNvPr id="5" name="Content Placeholder 4">
+            <a:extLst>
+              <a:ext uri="{FF2B5EF4-FFF2-40B4-BE49-F238E27FC236}">
+                <a16:creationId xmlns:a16="http://schemas.microsoft.com/office/drawing/2014/main" id="{660134EC-F451-4D02-B3E6-A1B9A23CE0AA}"/>
+              </a:ext>
+            </a:extLst>
+          </p:cNvPr>
+          <p:cNvPicPr>
+            <a:picLocks noGrp="1" noChangeAspect="1"/>
+          </p:cNvPicPr>
+          <p:nvPr>
+            <p:ph idx="1"/>
+          </p:nvPr>
+        </p:nvPicPr>
+        <p:blipFill>
+          <a:blip r:embed="rId2">
+            <a:extLst>
+              <a:ext uri="{28A0092B-C50C-407E-A947-70E740481C1C}">
+                <a14:useLocalDpi xmlns:a14="http://schemas.microsoft.com/office/drawing/2010/main" val="0"/>
+              </a:ext>
+            </a:extLst>
+          </a:blip>
+          <a:stretch>
+            <a:fillRect/>
+          </a:stretch>
+        </p:blipFill>
+        <p:spPr>
+          <a:xfrm>
+            <a:off x="365943" y="2714625"/>
+            <a:ext cx="11138670" cy="2180895"/>
+          </a:xfrm>
+        </p:spPr>
+      </p:pic>
+    </p:spTree>
+    <p:extLst>
+      <p:ext uri="{BB962C8B-B14F-4D97-AF65-F5344CB8AC3E}">
+        <p14:creationId xmlns:p14="http://schemas.microsoft.com/office/powerpoint/2010/main" val="1477707369"/>
+      </p:ext>
+    </p:extLst>
+  </p:cSld>
+  <p:clrMapOvr>
+    <a:masterClrMapping/>
+  </p:clrMapOvr>
+</p:sld>
+</file>
+
+<file path=ppt/slides/slide20.xml><?xml version="1.0" encoding="utf-8"?>
+<p:sld xmlns:a="http://schemas.openxmlformats.org/drawingml/2006/main" xmlns:r="http://schemas.openxmlformats.org/officeDocument/2006/relationships" xmlns:p="http://schemas.openxmlformats.org/presentationml/2006/main">
+  <p:cSld>
+    <p:spTree>
+      <p:nvGrpSpPr>
+        <p:cNvPr id="1" name=""/>
+        <p:cNvGrpSpPr/>
+        <p:nvPr/>
+      </p:nvGrpSpPr>
+      <p:grpSpPr>
+        <a:xfrm>
+          <a:off x="0" y="0"/>
+          <a:ext cx="0" cy="0"/>
+          <a:chOff x="0" y="0"/>
+          <a:chExt cx="0" cy="0"/>
+        </a:xfrm>
+      </p:grpSpPr>
+      <p:sp>
+        <p:nvSpPr>
+          <p:cNvPr id="2" name="Title 1">
+            <a:extLst>
+              <a:ext uri="{FF2B5EF4-FFF2-40B4-BE49-F238E27FC236}">
+                <a16:creationId xmlns:a16="http://schemas.microsoft.com/office/drawing/2014/main" id="{CB092671-ACDE-4E64-B487-381F2D0C6C2D}"/>
+              </a:ext>
+            </a:extLst>
+          </p:cNvPr>
+          <p:cNvSpPr>
+            <a:spLocks noGrp="1"/>
+          </p:cNvSpPr>
+          <p:nvPr>
+            <p:ph type="title"/>
+          </p:nvPr>
+        </p:nvSpPr>
         <p:spPr>
           <a:xfrm>
             <a:off x="2644202" y="82196"/>
@@ -11590,7 +11220,7 @@
           <p:cNvPr id="6" name="TextBox 2">
             <a:extLst>
               <a:ext uri="{FF2B5EF4-FFF2-40B4-BE49-F238E27FC236}">
-                <a16:creationId xmlns:a16="http://schemas.microsoft.com/office/drawing/2014/main" xmlns="" id="{42DA6C5E-FC75-4155-A6A5-19DC3943EF40}"/>
+                <a16:creationId xmlns:a16="http://schemas.microsoft.com/office/drawing/2014/main" id="{42DA6C5E-FC75-4155-A6A5-19DC3943EF40}"/>
               </a:ext>
             </a:extLst>
           </p:cNvPr>
@@ -11614,10 +11244,9 @@
           <a:lstStyle/>
           <a:p>
             <a:r>
-              <a:rPr lang="en-CA" sz="2400" dirty="0" smtClean="0"/>
+              <a:rPr lang="en-CA" sz="2400" dirty="0"/>
               <a:t>Modulation O-QPSK rail I:</a:t>
             </a:r>
-            <a:endParaRPr lang="en-CA" sz="2400" dirty="0"/>
           </a:p>
         </p:txBody>
       </p:sp>
@@ -11664,7 +11293,7 @@
 </p:sld>
 </file>
 
-<file path=ppt/slides/slide22.xml><?xml version="1.0" encoding="utf-8"?>
+<file path=ppt/slides/slide21.xml><?xml version="1.0" encoding="utf-8"?>
 <p:sld xmlns:a="http://schemas.openxmlformats.org/drawingml/2006/main" xmlns:r="http://schemas.openxmlformats.org/officeDocument/2006/relationships" xmlns:p="http://schemas.openxmlformats.org/presentationml/2006/main">
   <p:cSld>
     <p:spTree>
@@ -11686,7 +11315,7 @@
           <p:cNvPr id="2" name="Title 1">
             <a:extLst>
               <a:ext uri="{FF2B5EF4-FFF2-40B4-BE49-F238E27FC236}">
-                <a16:creationId xmlns:a16="http://schemas.microsoft.com/office/drawing/2014/main" xmlns="" id="{CB092671-ACDE-4E64-B487-381F2D0C6C2D}"/>
+                <a16:creationId xmlns:a16="http://schemas.microsoft.com/office/drawing/2014/main" id="{CB092671-ACDE-4E64-B487-381F2D0C6C2D}"/>
               </a:ext>
             </a:extLst>
           </p:cNvPr>
@@ -11724,7 +11353,7 @@
           <p:cNvPr id="6" name="TextBox 2">
             <a:extLst>
               <a:ext uri="{FF2B5EF4-FFF2-40B4-BE49-F238E27FC236}">
-                <a16:creationId xmlns:a16="http://schemas.microsoft.com/office/drawing/2014/main" xmlns="" id="{42DA6C5E-FC75-4155-A6A5-19DC3943EF40}"/>
+                <a16:creationId xmlns:a16="http://schemas.microsoft.com/office/drawing/2014/main" id="{42DA6C5E-FC75-4155-A6A5-19DC3943EF40}"/>
               </a:ext>
             </a:extLst>
           </p:cNvPr>
@@ -11748,10 +11377,9 @@
           <a:lstStyle/>
           <a:p>
             <a:r>
-              <a:rPr lang="en-CA" sz="2400" dirty="0" smtClean="0"/>
+              <a:rPr lang="en-CA" sz="2400" dirty="0"/>
               <a:t>Modulation O-QPSK rail Q:</a:t>
             </a:r>
-            <a:endParaRPr lang="en-CA" sz="2400" dirty="0"/>
           </a:p>
         </p:txBody>
       </p:sp>
@@ -11798,7 +11426,7 @@
 </p:sld>
 </file>
 
-<file path=ppt/slides/slide23.xml><?xml version="1.0" encoding="utf-8"?>
+<file path=ppt/slides/slide22.xml><?xml version="1.0" encoding="utf-8"?>
 <p:sld xmlns:a="http://schemas.openxmlformats.org/drawingml/2006/main" xmlns:r="http://schemas.openxmlformats.org/officeDocument/2006/relationships" xmlns:p="http://schemas.openxmlformats.org/presentationml/2006/main">
   <p:cSld>
     <p:spTree>
@@ -11820,7 +11448,7 @@
           <p:cNvPr id="2" name="Title 1">
             <a:extLst>
               <a:ext uri="{FF2B5EF4-FFF2-40B4-BE49-F238E27FC236}">
-                <a16:creationId xmlns:a16="http://schemas.microsoft.com/office/drawing/2014/main" xmlns="" id="{CB092671-ACDE-4E64-B487-381F2D0C6C2D}"/>
+                <a16:creationId xmlns:a16="http://schemas.microsoft.com/office/drawing/2014/main" id="{CB092671-ACDE-4E64-B487-381F2D0C6C2D}"/>
               </a:ext>
             </a:extLst>
           </p:cNvPr>
@@ -11858,7 +11486,7 @@
           <p:cNvPr id="6" name="TextBox 2">
             <a:extLst>
               <a:ext uri="{FF2B5EF4-FFF2-40B4-BE49-F238E27FC236}">
-                <a16:creationId xmlns:a16="http://schemas.microsoft.com/office/drawing/2014/main" xmlns="" id="{42DA6C5E-FC75-4155-A6A5-19DC3943EF40}"/>
+                <a16:creationId xmlns:a16="http://schemas.microsoft.com/office/drawing/2014/main" id="{42DA6C5E-FC75-4155-A6A5-19DC3943EF40}"/>
               </a:ext>
             </a:extLst>
           </p:cNvPr>
@@ -11882,10 +11510,9 @@
           <a:lstStyle/>
           <a:p>
             <a:r>
-              <a:rPr lang="en-CA" sz="2400" dirty="0" smtClean="0"/>
+              <a:rPr lang="en-CA" sz="2400" dirty="0"/>
               <a:t>Modulation O-QPSK:</a:t>
             </a:r>
-            <a:endParaRPr lang="en-CA" sz="2400" dirty="0"/>
           </a:p>
         </p:txBody>
       </p:sp>
@@ -11924,7 +11551,7 @@
           <p:cNvPr id="7" name="Content Placeholder 2">
             <a:extLst>
               <a:ext uri="{FF2B5EF4-FFF2-40B4-BE49-F238E27FC236}">
-                <a16:creationId xmlns:a16="http://schemas.microsoft.com/office/drawing/2014/main" xmlns="" id="{C98FDD01-A6F3-46B0-A7A5-740763964552}"/>
+                <a16:creationId xmlns:a16="http://schemas.microsoft.com/office/drawing/2014/main" id="{C98FDD01-A6F3-46B0-A7A5-740763964552}"/>
               </a:ext>
             </a:extLst>
           </p:cNvPr>
@@ -11948,102 +11575,74 @@
           <a:lstStyle/>
           <a:p>
             <a:r>
-              <a:rPr lang="fr-CA" dirty="0" smtClean="0"/>
+              <a:rPr lang="fr-CA" dirty="0"/>
               <a:t>I formé</a:t>
             </a:r>
             <a:br>
-              <a:rPr lang="fr-CA" dirty="0" smtClean="0"/>
+              <a:rPr lang="fr-CA" dirty="0"/>
             </a:br>
-            <a:r>
-              <a:rPr lang="fr-CA" dirty="0" smtClean="0"/>
-              <a:t/>
-            </a:r>
             <a:br>
-              <a:rPr lang="fr-CA" dirty="0" smtClean="0"/>
+              <a:rPr lang="fr-CA" dirty="0"/>
             </a:br>
-            <a:r>
-              <a:rPr lang="fr-CA" dirty="0" smtClean="0"/>
-              <a:t/>
-            </a:r>
             <a:br>
-              <a:rPr lang="fr-CA" dirty="0" smtClean="0"/>
+              <a:rPr lang="fr-CA" dirty="0"/>
             </a:br>
-            <a:endParaRPr lang="fr-CA" dirty="0" smtClean="0"/>
-          </a:p>
-          <a:p>
-            <a:r>
-              <a:rPr lang="fr-CA" dirty="0" smtClean="0"/>
+            <a:endParaRPr lang="fr-CA" dirty="0"/>
+          </a:p>
+          <a:p>
+            <a:r>
+              <a:rPr lang="fr-CA" dirty="0"/>
               <a:t>Q formé</a:t>
             </a:r>
             <a:br>
-              <a:rPr lang="fr-CA" dirty="0" smtClean="0"/>
+              <a:rPr lang="fr-CA" dirty="0"/>
             </a:br>
-            <a:r>
-              <a:rPr lang="fr-CA" dirty="0" smtClean="0"/>
-              <a:t/>
-            </a:r>
             <a:br>
-              <a:rPr lang="fr-CA" dirty="0" smtClean="0"/>
+              <a:rPr lang="fr-CA" dirty="0"/>
             </a:br>
-            <a:r>
-              <a:rPr lang="fr-CA" dirty="0" smtClean="0"/>
-              <a:t/>
-            </a:r>
             <a:br>
-              <a:rPr lang="fr-CA" dirty="0" smtClean="0"/>
+              <a:rPr lang="fr-CA" dirty="0"/>
             </a:br>
-            <a:endParaRPr lang="fr-CA" dirty="0" smtClean="0"/>
-          </a:p>
-          <a:p>
-            <a:r>
-              <a:rPr lang="fr-CA" dirty="0" smtClean="0"/>
+            <a:endParaRPr lang="fr-CA" dirty="0"/>
+          </a:p>
+          <a:p>
+            <a:r>
+              <a:rPr lang="fr-CA" dirty="0"/>
               <a:t>I modulé</a:t>
             </a:r>
             <a:br>
-              <a:rPr lang="fr-CA" dirty="0" smtClean="0"/>
+              <a:rPr lang="fr-CA" dirty="0"/>
             </a:br>
-            <a:r>
-              <a:rPr lang="fr-CA" dirty="0" smtClean="0"/>
-              <a:t/>
-            </a:r>
             <a:br>
-              <a:rPr lang="fr-CA" dirty="0" smtClean="0"/>
+              <a:rPr lang="fr-CA" dirty="0"/>
             </a:br>
-            <a:endParaRPr lang="fr-CA" dirty="0" smtClean="0"/>
-          </a:p>
-          <a:p>
-            <a:r>
-              <a:rPr lang="en-CA" dirty="0" smtClean="0"/>
+            <a:endParaRPr lang="fr-CA" dirty="0"/>
+          </a:p>
+          <a:p>
+            <a:r>
+              <a:rPr lang="en-CA" dirty="0"/>
               <a:t>Q module</a:t>
             </a:r>
             <a:br>
-              <a:rPr lang="en-CA" dirty="0" smtClean="0"/>
+              <a:rPr lang="en-CA" dirty="0"/>
             </a:br>
-            <a:r>
-              <a:rPr lang="en-CA" dirty="0" smtClean="0"/>
-              <a:t/>
-            </a:r>
             <a:br>
-              <a:rPr lang="en-CA" dirty="0" smtClean="0"/>
+              <a:rPr lang="en-CA" dirty="0"/>
             </a:br>
-            <a:r>
-              <a:rPr lang="en-CA" dirty="0" smtClean="0"/>
-              <a:t/>
-            </a:r>
             <a:br>
-              <a:rPr lang="en-CA" dirty="0" smtClean="0"/>
+              <a:rPr lang="en-CA" dirty="0"/>
             </a:br>
-            <a:endParaRPr lang="en-CA" dirty="0" smtClean="0"/>
-          </a:p>
-          <a:p>
-            <a:r>
-              <a:rPr lang="en-CA" dirty="0" smtClean="0"/>
+            <a:endParaRPr lang="en-CA" dirty="0"/>
+          </a:p>
+          <a:p>
+            <a:r>
+              <a:rPr lang="en-CA" dirty="0"/>
               <a:t>I + Q</a:t>
             </a:r>
-            <a:endParaRPr lang="fr-CA" dirty="0" smtClean="0"/>
-          </a:p>
-          <a:p>
-            <a:endParaRPr lang="fr-CA" dirty="0" smtClean="0"/>
+            <a:endParaRPr lang="fr-CA" dirty="0"/>
+          </a:p>
+          <a:p>
+            <a:endParaRPr lang="fr-CA" dirty="0"/>
           </a:p>
         </p:txBody>
       </p:sp>
@@ -12051,6 +11650,173 @@
     <p:extLst>
       <p:ext uri="{BB962C8B-B14F-4D97-AF65-F5344CB8AC3E}">
         <p14:creationId xmlns:p14="http://schemas.microsoft.com/office/powerpoint/2010/main" val="2033071032"/>
+      </p:ext>
+    </p:extLst>
+  </p:cSld>
+  <p:clrMapOvr>
+    <a:masterClrMapping/>
+  </p:clrMapOvr>
+</p:sld>
+</file>
+
+<file path=ppt/slides/slide23.xml><?xml version="1.0" encoding="utf-8"?>
+<p:sld xmlns:a="http://schemas.openxmlformats.org/drawingml/2006/main" xmlns:r="http://schemas.openxmlformats.org/officeDocument/2006/relationships" xmlns:p="http://schemas.openxmlformats.org/presentationml/2006/main">
+  <p:cSld>
+    <p:spTree>
+      <p:nvGrpSpPr>
+        <p:cNvPr id="1" name=""/>
+        <p:cNvGrpSpPr/>
+        <p:nvPr/>
+      </p:nvGrpSpPr>
+      <p:grpSpPr>
+        <a:xfrm>
+          <a:off x="0" y="0"/>
+          <a:ext cx="0" cy="0"/>
+          <a:chOff x="0" y="0"/>
+          <a:chExt cx="0" cy="0"/>
+        </a:xfrm>
+      </p:grpSpPr>
+      <p:sp>
+        <p:nvSpPr>
+          <p:cNvPr id="2" name="Title 1">
+            <a:extLst>
+              <a:ext uri="{FF2B5EF4-FFF2-40B4-BE49-F238E27FC236}">
+                <a16:creationId xmlns:a16="http://schemas.microsoft.com/office/drawing/2014/main" id="{E08F6E75-2A45-4CD7-A89B-35B31D4D478A}"/>
+              </a:ext>
+            </a:extLst>
+          </p:cNvPr>
+          <p:cNvSpPr>
+            <a:spLocks noGrp="1"/>
+          </p:cNvSpPr>
+          <p:nvPr>
+            <p:ph type="title"/>
+          </p:nvPr>
+        </p:nvSpPr>
+        <p:spPr/>
+        <p:txBody>
+          <a:bodyPr/>
+          <a:lstStyle/>
+          <a:p>
+            <a:r>
+              <a:rPr lang="en-CA" dirty="0" err="1"/>
+              <a:t>Protocole</a:t>
+            </a:r>
+            <a:r>
+              <a:rPr lang="en-CA" dirty="0"/>
+              <a:t> - </a:t>
+            </a:r>
+            <a:r>
+              <a:rPr lang="en-CA" dirty="0" err="1"/>
+              <a:t>Défis</a:t>
+            </a:r>
+            <a:endParaRPr lang="en-CA" dirty="0"/>
+          </a:p>
+        </p:txBody>
+      </p:sp>
+      <p:sp>
+        <p:nvSpPr>
+          <p:cNvPr id="3" name="Content Placeholder 2">
+            <a:extLst>
+              <a:ext uri="{FF2B5EF4-FFF2-40B4-BE49-F238E27FC236}">
+                <a16:creationId xmlns:a16="http://schemas.microsoft.com/office/drawing/2014/main" id="{B415ED72-9909-4FA1-907A-DAF78FD34380}"/>
+              </a:ext>
+            </a:extLst>
+          </p:cNvPr>
+          <p:cNvSpPr>
+            <a:spLocks noGrp="1"/>
+          </p:cNvSpPr>
+          <p:nvPr>
+            <p:ph idx="1"/>
+          </p:nvPr>
+        </p:nvSpPr>
+        <p:spPr/>
+        <p:txBody>
+          <a:bodyPr/>
+          <a:lstStyle/>
+          <a:p>
+            <a:r>
+              <a:rPr lang="en-CA" dirty="0"/>
+              <a:t>Distinction des </a:t>
+            </a:r>
+            <a:r>
+              <a:rPr lang="en-CA" dirty="0" err="1"/>
+              <a:t>signaux</a:t>
+            </a:r>
+            <a:r>
+              <a:rPr lang="en-CA" dirty="0"/>
+              <a:t> pour </a:t>
+            </a:r>
+            <a:r>
+              <a:rPr lang="en-CA" dirty="0" err="1"/>
+              <a:t>chaque</a:t>
+            </a:r>
+            <a:r>
+              <a:rPr lang="en-CA" dirty="0"/>
+              <a:t> </a:t>
+            </a:r>
+            <a:r>
+              <a:rPr lang="en-CA" dirty="0" err="1"/>
+              <a:t>ruche</a:t>
+            </a:r>
+            <a:endParaRPr lang="en-CA" dirty="0"/>
+          </a:p>
+          <a:p>
+            <a:endParaRPr lang="en-CA" dirty="0"/>
+          </a:p>
+          <a:p>
+            <a:r>
+              <a:rPr lang="en-CA" dirty="0"/>
+              <a:t> Reconnaissance des </a:t>
+            </a:r>
+            <a:r>
+              <a:rPr lang="en-CA" dirty="0" err="1"/>
+              <a:t>différentes</a:t>
+            </a:r>
+            <a:r>
+              <a:rPr lang="en-CA" dirty="0"/>
+              <a:t> </a:t>
+            </a:r>
+            <a:r>
+              <a:rPr lang="en-CA" dirty="0" err="1"/>
+              <a:t>commandes</a:t>
+            </a:r>
+            <a:endParaRPr lang="en-CA" dirty="0"/>
+          </a:p>
+          <a:p>
+            <a:endParaRPr lang="en-CA" dirty="0"/>
+          </a:p>
+          <a:p>
+            <a:r>
+              <a:rPr lang="en-CA" dirty="0" err="1"/>
+              <a:t>Vérification</a:t>
+            </a:r>
+            <a:r>
+              <a:rPr lang="en-CA" dirty="0"/>
+              <a:t> de </a:t>
+            </a:r>
+            <a:r>
+              <a:rPr lang="en-CA" dirty="0" err="1"/>
+              <a:t>l’état</a:t>
+            </a:r>
+            <a:r>
+              <a:rPr lang="en-CA" dirty="0"/>
+              <a:t> des </a:t>
+            </a:r>
+            <a:r>
+              <a:rPr lang="en-CA" dirty="0" err="1"/>
+              <a:t>ruches</a:t>
+            </a:r>
+            <a:endParaRPr lang="en-CA" dirty="0"/>
+          </a:p>
+          <a:p>
+            <a:endParaRPr lang="en-CA" dirty="0"/>
+          </a:p>
+        </p:txBody>
+      </p:sp>
+    </p:spTree>
+    <p:extLst>
+      <p:ext uri="{BB962C8B-B14F-4D97-AF65-F5344CB8AC3E}">
+        <p14:creationId xmlns:p14="http://schemas.microsoft.com/office/powerpoint/2010/main" val="816399630"/>
       </p:ext>
     </p:extLst>
   </p:cSld>
@@ -12082,7 +11848,7 @@
           <p:cNvPr id="2" name="Title 1">
             <a:extLst>
               <a:ext uri="{FF2B5EF4-FFF2-40B4-BE49-F238E27FC236}">
-                <a16:creationId xmlns:a16="http://schemas.microsoft.com/office/drawing/2014/main" xmlns="" id="{E08F6E75-2A45-4CD7-A89B-35B31D4D478A}"/>
+                <a16:creationId xmlns:a16="http://schemas.microsoft.com/office/drawing/2014/main" id="{E08F6E75-2A45-4CD7-A89B-35B31D4D478A}"/>
               </a:ext>
             </a:extLst>
           </p:cNvPr>
@@ -12104,13 +11870,8 @@
             </a:r>
             <a:r>
               <a:rPr lang="en-CA" dirty="0"/>
-              <a:t> - </a:t>
-            </a:r>
-            <a:r>
-              <a:rPr lang="en-CA" dirty="0" err="1"/>
-              <a:t>Défis</a:t>
-            </a:r>
-            <a:endParaRPr lang="en-CA" dirty="0"/>
+              <a:t> - Solutions</a:t>
+            </a:r>
           </a:p>
         </p:txBody>
       </p:sp>
@@ -12119,7 +11880,7 @@
           <p:cNvPr id="3" name="Content Placeholder 2">
             <a:extLst>
               <a:ext uri="{FF2B5EF4-FFF2-40B4-BE49-F238E27FC236}">
-                <a16:creationId xmlns:a16="http://schemas.microsoft.com/office/drawing/2014/main" xmlns="" id="{B415ED72-9909-4FA1-907A-DAF78FD34380}"/>
+                <a16:creationId xmlns:a16="http://schemas.microsoft.com/office/drawing/2014/main" id="{B415ED72-9909-4FA1-907A-DAF78FD34380}"/>
               </a:ext>
             </a:extLst>
           </p:cNvPr>
@@ -12136,12 +11897,24 @@
           <a:lstStyle/>
           <a:p>
             <a:r>
+              <a:rPr lang="en-CA" dirty="0" err="1"/>
+              <a:t>Ajout</a:t>
+            </a:r>
+            <a:r>
               <a:rPr lang="en-CA" dirty="0"/>
-              <a:t>Distinction des </a:t>
+              <a:t> d’un </a:t>
             </a:r>
             <a:r>
               <a:rPr lang="en-CA" dirty="0" err="1"/>
-              <a:t>signaux</a:t>
+              <a:t>numéro</a:t>
+            </a:r>
+            <a:r>
+              <a:rPr lang="en-CA" dirty="0"/>
+              <a:t> </a:t>
+            </a:r>
+            <a:r>
+              <a:rPr lang="en-CA" dirty="0" err="1"/>
+              <a:t>d’identification</a:t>
             </a:r>
             <a:r>
               <a:rPr lang="en-CA" dirty="0"/>
@@ -12159,19 +11932,29 @@
               <a:rPr lang="en-CA" dirty="0" err="1"/>
               <a:t>ruche</a:t>
             </a:r>
-            <a:endParaRPr lang="en-CA" dirty="0"/>
-          </a:p>
-          <a:p>
-            <a:endParaRPr lang="en-CA" dirty="0"/>
-          </a:p>
-          <a:p>
             <a:r>
               <a:rPr lang="en-CA" dirty="0"/>
-              <a:t> Reconnaissance des </a:t>
+              <a:t>. </a:t>
             </a:r>
             <a:r>
               <a:rPr lang="en-CA" dirty="0" err="1"/>
-              <a:t>différentes</a:t>
+              <a:t>Chaque</a:t>
+            </a:r>
+            <a:r>
+              <a:rPr lang="en-CA" dirty="0"/>
+              <a:t> communication entre le </a:t>
+            </a:r>
+            <a:r>
+              <a:rPr lang="en-CA" dirty="0" err="1"/>
+              <a:t>serveur</a:t>
+            </a:r>
+            <a:r>
+              <a:rPr lang="en-CA" dirty="0"/>
+              <a:t> et </a:t>
+            </a:r>
+            <a:r>
+              <a:rPr lang="en-CA" dirty="0" err="1"/>
+              <a:t>une</a:t>
             </a:r>
             <a:r>
               <a:rPr lang="en-CA" dirty="0"/>
@@ -12179,7 +11962,31 @@
             </a:r>
             <a:r>
               <a:rPr lang="en-CA" dirty="0" err="1"/>
-              <a:t>commandes</a:t>
+              <a:t>ruche</a:t>
+            </a:r>
+            <a:r>
+              <a:rPr lang="en-CA" dirty="0"/>
+              <a:t> </a:t>
+            </a:r>
+            <a:r>
+              <a:rPr lang="en-CA" dirty="0" err="1"/>
+              <a:t>contient</a:t>
+            </a:r>
+            <a:r>
+              <a:rPr lang="en-CA" dirty="0"/>
+              <a:t> le </a:t>
+            </a:r>
+            <a:r>
+              <a:rPr lang="en-CA" dirty="0" err="1"/>
+              <a:t>numéro</a:t>
+            </a:r>
+            <a:r>
+              <a:rPr lang="en-CA" dirty="0"/>
+              <a:t> pour </a:t>
+            </a:r>
+            <a:r>
+              <a:rPr lang="en-CA" dirty="0" err="1"/>
+              <a:t>différencier</a:t>
             </a:r>
             <a:endParaRPr lang="en-CA" dirty="0"/>
           </a:p>
@@ -12188,16 +11995,38 @@
           </a:p>
           <a:p>
             <a:r>
+              <a:rPr lang="en-CA" dirty="0"/>
+              <a:t> Assignation d’un </a:t>
+            </a:r>
+            <a:r>
               <a:rPr lang="en-CA" dirty="0" err="1"/>
-              <a:t>Vérification</a:t>
+              <a:t>caractère</a:t>
             </a:r>
             <a:r>
               <a:rPr lang="en-CA" dirty="0"/>
-              <a:t> de </a:t>
+              <a:t> pour </a:t>
             </a:r>
             <a:r>
               <a:rPr lang="en-CA" dirty="0" err="1"/>
-              <a:t>l’état</a:t>
+              <a:t>chaque</a:t>
+            </a:r>
+            <a:r>
+              <a:rPr lang="en-CA" dirty="0"/>
+              <a:t> </a:t>
+            </a:r>
+            <a:r>
+              <a:rPr lang="en-CA" dirty="0" err="1"/>
+              <a:t>commande</a:t>
+            </a:r>
+            <a:endParaRPr lang="en-CA" dirty="0"/>
+          </a:p>
+          <a:p>
+            <a:endParaRPr lang="en-CA" dirty="0"/>
+          </a:p>
+          <a:p>
+            <a:r>
+              <a:rPr lang="en-CA" dirty="0" err="1"/>
+              <a:t>Rétroaction</a:t>
             </a:r>
             <a:r>
               <a:rPr lang="en-CA" dirty="0"/>
@@ -12207,9 +12036,38 @@
               <a:rPr lang="en-CA" dirty="0" err="1"/>
               <a:t>ruches</a:t>
             </a:r>
-            <a:endParaRPr lang="en-CA" dirty="0"/>
-          </a:p>
-          <a:p>
+            <a:r>
+              <a:rPr lang="en-CA" dirty="0"/>
+              <a:t> </a:t>
+            </a:r>
+            <a:r>
+              <a:rPr lang="en-CA" dirty="0" err="1"/>
+              <a:t>lorsqu’une</a:t>
+            </a:r>
+            <a:r>
+              <a:rPr lang="en-CA" dirty="0"/>
+              <a:t> </a:t>
+            </a:r>
+            <a:r>
+              <a:rPr lang="en-CA" dirty="0" err="1"/>
+              <a:t>commande</a:t>
+            </a:r>
+            <a:r>
+              <a:rPr lang="en-CA" dirty="0"/>
+              <a:t> </a:t>
+            </a:r>
+            <a:r>
+              <a:rPr lang="en-CA" dirty="0" err="1"/>
+              <a:t>est</a:t>
+            </a:r>
+            <a:r>
+              <a:rPr lang="en-CA" dirty="0"/>
+              <a:t> </a:t>
+            </a:r>
+            <a:r>
+              <a:rPr lang="en-CA" dirty="0" err="1"/>
+              <a:t>envoyé</a:t>
+            </a:r>
             <a:endParaRPr lang="en-CA" dirty="0"/>
           </a:p>
         </p:txBody>
@@ -12217,7 +12075,7 @@
     </p:spTree>
     <p:extLst>
       <p:ext uri="{BB962C8B-B14F-4D97-AF65-F5344CB8AC3E}">
-        <p14:creationId xmlns:p14="http://schemas.microsoft.com/office/powerpoint/2010/main" val="816399630"/>
+        <p14:creationId xmlns:p14="http://schemas.microsoft.com/office/powerpoint/2010/main" val="3295757666"/>
       </p:ext>
     </p:extLst>
   </p:cSld>
@@ -12249,7 +12107,7 @@
           <p:cNvPr id="2" name="Title 1">
             <a:extLst>
               <a:ext uri="{FF2B5EF4-FFF2-40B4-BE49-F238E27FC236}">
-                <a16:creationId xmlns:a16="http://schemas.microsoft.com/office/drawing/2014/main" xmlns="" id="{E08F6E75-2A45-4CD7-A89B-35B31D4D478A}"/>
+                <a16:creationId xmlns:a16="http://schemas.microsoft.com/office/drawing/2014/main" id="{4D96D023-FF4C-48F9-8D0D-C84356743869}"/>
               </a:ext>
             </a:extLst>
           </p:cNvPr>
@@ -12271,265 +12129,6 @@
             </a:r>
             <a:r>
               <a:rPr lang="en-CA" dirty="0"/>
-              <a:t> - Solutions</a:t>
-            </a:r>
-          </a:p>
-        </p:txBody>
-      </p:sp>
-      <p:sp>
-        <p:nvSpPr>
-          <p:cNvPr id="3" name="Content Placeholder 2">
-            <a:extLst>
-              <a:ext uri="{FF2B5EF4-FFF2-40B4-BE49-F238E27FC236}">
-                <a16:creationId xmlns:a16="http://schemas.microsoft.com/office/drawing/2014/main" xmlns="" id="{B415ED72-9909-4FA1-907A-DAF78FD34380}"/>
-              </a:ext>
-            </a:extLst>
-          </p:cNvPr>
-          <p:cNvSpPr>
-            <a:spLocks noGrp="1"/>
-          </p:cNvSpPr>
-          <p:nvPr>
-            <p:ph idx="1"/>
-          </p:nvPr>
-        </p:nvSpPr>
-        <p:spPr/>
-        <p:txBody>
-          <a:bodyPr/>
-          <a:lstStyle/>
-          <a:p>
-            <a:r>
-              <a:rPr lang="en-CA" dirty="0" err="1"/>
-              <a:t>Ajout</a:t>
-            </a:r>
-            <a:r>
-              <a:rPr lang="en-CA" dirty="0"/>
-              <a:t> d’un </a:t>
-            </a:r>
-            <a:r>
-              <a:rPr lang="en-CA" dirty="0" err="1"/>
-              <a:t>numéro</a:t>
-            </a:r>
-            <a:r>
-              <a:rPr lang="en-CA" dirty="0"/>
-              <a:t> </a:t>
-            </a:r>
-            <a:r>
-              <a:rPr lang="en-CA" dirty="0" err="1"/>
-              <a:t>d’identification</a:t>
-            </a:r>
-            <a:r>
-              <a:rPr lang="en-CA" dirty="0"/>
-              <a:t> pour </a:t>
-            </a:r>
-            <a:r>
-              <a:rPr lang="en-CA" dirty="0" err="1"/>
-              <a:t>chaque</a:t>
-            </a:r>
-            <a:r>
-              <a:rPr lang="en-CA" dirty="0"/>
-              <a:t> </a:t>
-            </a:r>
-            <a:r>
-              <a:rPr lang="en-CA" dirty="0" err="1"/>
-              <a:t>ruche</a:t>
-            </a:r>
-            <a:r>
-              <a:rPr lang="en-CA" dirty="0"/>
-              <a:t>. </a:t>
-            </a:r>
-            <a:r>
-              <a:rPr lang="en-CA" dirty="0" err="1"/>
-              <a:t>Chaque</a:t>
-            </a:r>
-            <a:r>
-              <a:rPr lang="en-CA" dirty="0"/>
-              <a:t> communication entre le </a:t>
-            </a:r>
-            <a:r>
-              <a:rPr lang="en-CA" dirty="0" err="1"/>
-              <a:t>serveur</a:t>
-            </a:r>
-            <a:r>
-              <a:rPr lang="en-CA" dirty="0"/>
-              <a:t> et </a:t>
-            </a:r>
-            <a:r>
-              <a:rPr lang="en-CA" dirty="0" err="1"/>
-              <a:t>une</a:t>
-            </a:r>
-            <a:r>
-              <a:rPr lang="en-CA" dirty="0"/>
-              <a:t> </a:t>
-            </a:r>
-            <a:r>
-              <a:rPr lang="en-CA" dirty="0" err="1"/>
-              <a:t>ruche</a:t>
-            </a:r>
-            <a:r>
-              <a:rPr lang="en-CA" dirty="0"/>
-              <a:t> </a:t>
-            </a:r>
-            <a:r>
-              <a:rPr lang="en-CA" dirty="0" err="1"/>
-              <a:t>contient</a:t>
-            </a:r>
-            <a:r>
-              <a:rPr lang="en-CA" dirty="0"/>
-              <a:t> le </a:t>
-            </a:r>
-            <a:r>
-              <a:rPr lang="en-CA" dirty="0" err="1"/>
-              <a:t>numéro</a:t>
-            </a:r>
-            <a:r>
-              <a:rPr lang="en-CA" dirty="0"/>
-              <a:t> pour </a:t>
-            </a:r>
-            <a:r>
-              <a:rPr lang="en-CA" dirty="0" err="1"/>
-              <a:t>différencier</a:t>
-            </a:r>
-            <a:endParaRPr lang="en-CA" dirty="0"/>
-          </a:p>
-          <a:p>
-            <a:endParaRPr lang="en-CA" dirty="0"/>
-          </a:p>
-          <a:p>
-            <a:r>
-              <a:rPr lang="en-CA" dirty="0"/>
-              <a:t> Assignation d’un </a:t>
-            </a:r>
-            <a:r>
-              <a:rPr lang="en-CA" dirty="0" err="1"/>
-              <a:t>caractère</a:t>
-            </a:r>
-            <a:r>
-              <a:rPr lang="en-CA" dirty="0"/>
-              <a:t> pour </a:t>
-            </a:r>
-            <a:r>
-              <a:rPr lang="en-CA" dirty="0" err="1"/>
-              <a:t>chaque</a:t>
-            </a:r>
-            <a:r>
-              <a:rPr lang="en-CA" dirty="0"/>
-              <a:t> </a:t>
-            </a:r>
-            <a:r>
-              <a:rPr lang="en-CA" dirty="0" err="1"/>
-              <a:t>commande</a:t>
-            </a:r>
-            <a:endParaRPr lang="en-CA" dirty="0"/>
-          </a:p>
-          <a:p>
-            <a:endParaRPr lang="en-CA" dirty="0"/>
-          </a:p>
-          <a:p>
-            <a:r>
-              <a:rPr lang="en-CA" dirty="0" err="1"/>
-              <a:t>Rétroaction</a:t>
-            </a:r>
-            <a:r>
-              <a:rPr lang="en-CA" dirty="0"/>
-              <a:t> des </a:t>
-            </a:r>
-            <a:r>
-              <a:rPr lang="en-CA" dirty="0" err="1"/>
-              <a:t>ruches</a:t>
-            </a:r>
-            <a:r>
-              <a:rPr lang="en-CA" dirty="0"/>
-              <a:t> </a:t>
-            </a:r>
-            <a:r>
-              <a:rPr lang="en-CA" dirty="0" err="1"/>
-              <a:t>lorsqu’une</a:t>
-            </a:r>
-            <a:r>
-              <a:rPr lang="en-CA" dirty="0"/>
-              <a:t> </a:t>
-            </a:r>
-            <a:r>
-              <a:rPr lang="en-CA" dirty="0" err="1"/>
-              <a:t>commande</a:t>
-            </a:r>
-            <a:r>
-              <a:rPr lang="en-CA" dirty="0"/>
-              <a:t> </a:t>
-            </a:r>
-            <a:r>
-              <a:rPr lang="en-CA" dirty="0" err="1"/>
-              <a:t>est</a:t>
-            </a:r>
-            <a:r>
-              <a:rPr lang="en-CA" dirty="0"/>
-              <a:t> </a:t>
-            </a:r>
-            <a:r>
-              <a:rPr lang="en-CA" dirty="0" err="1"/>
-              <a:t>envoyé</a:t>
-            </a:r>
-            <a:endParaRPr lang="en-CA" dirty="0"/>
-          </a:p>
-        </p:txBody>
-      </p:sp>
-    </p:spTree>
-    <p:extLst>
-      <p:ext uri="{BB962C8B-B14F-4D97-AF65-F5344CB8AC3E}">
-        <p14:creationId xmlns:p14="http://schemas.microsoft.com/office/powerpoint/2010/main" val="3295757666"/>
-      </p:ext>
-    </p:extLst>
-  </p:cSld>
-  <p:clrMapOvr>
-    <a:masterClrMapping/>
-  </p:clrMapOvr>
-</p:sld>
-</file>
-
-<file path=ppt/slides/slide26.xml><?xml version="1.0" encoding="utf-8"?>
-<p:sld xmlns:a="http://schemas.openxmlformats.org/drawingml/2006/main" xmlns:r="http://schemas.openxmlformats.org/officeDocument/2006/relationships" xmlns:p="http://schemas.openxmlformats.org/presentationml/2006/main">
-  <p:cSld>
-    <p:spTree>
-      <p:nvGrpSpPr>
-        <p:cNvPr id="1" name=""/>
-        <p:cNvGrpSpPr/>
-        <p:nvPr/>
-      </p:nvGrpSpPr>
-      <p:grpSpPr>
-        <a:xfrm>
-          <a:off x="0" y="0"/>
-          <a:ext cx="0" cy="0"/>
-          <a:chOff x="0" y="0"/>
-          <a:chExt cx="0" cy="0"/>
-        </a:xfrm>
-      </p:grpSpPr>
-      <p:sp>
-        <p:nvSpPr>
-          <p:cNvPr id="2" name="Title 1">
-            <a:extLst>
-              <a:ext uri="{FF2B5EF4-FFF2-40B4-BE49-F238E27FC236}">
-                <a16:creationId xmlns:a16="http://schemas.microsoft.com/office/drawing/2014/main" xmlns="" id="{4D96D023-FF4C-48F9-8D0D-C84356743869}"/>
-              </a:ext>
-            </a:extLst>
-          </p:cNvPr>
-          <p:cNvSpPr>
-            <a:spLocks noGrp="1"/>
-          </p:cNvSpPr>
-          <p:nvPr>
-            <p:ph type="title"/>
-          </p:nvPr>
-        </p:nvSpPr>
-        <p:spPr/>
-        <p:txBody>
-          <a:bodyPr/>
-          <a:lstStyle/>
-          <a:p>
-            <a:r>
-              <a:rPr lang="en-CA" dirty="0" err="1"/>
-              <a:t>Protocole</a:t>
-            </a:r>
-            <a:r>
-              <a:rPr lang="en-CA" dirty="0"/>
               <a:t> - </a:t>
             </a:r>
             <a:r>
@@ -12545,7 +12144,7 @@
           <p:cNvPr id="9" name="Picture 8">
             <a:extLst>
               <a:ext uri="{FF2B5EF4-FFF2-40B4-BE49-F238E27FC236}">
-                <a16:creationId xmlns:a16="http://schemas.microsoft.com/office/drawing/2014/main" xmlns="" id="{1F7987B6-124D-4E7D-B1AE-AF7488C590D6}"/>
+                <a16:creationId xmlns:a16="http://schemas.microsoft.com/office/drawing/2014/main" id="{1F7987B6-124D-4E7D-B1AE-AF7488C590D6}"/>
               </a:ext>
             </a:extLst>
           </p:cNvPr>
@@ -12581,7 +12180,7 @@
           <p:cNvPr id="11" name="Picture 10">
             <a:extLst>
               <a:ext uri="{FF2B5EF4-FFF2-40B4-BE49-F238E27FC236}">
-                <a16:creationId xmlns:a16="http://schemas.microsoft.com/office/drawing/2014/main" xmlns="" id="{637BCD14-BC2A-494D-A73F-A1F55D6C0721}"/>
+                <a16:creationId xmlns:a16="http://schemas.microsoft.com/office/drawing/2014/main" id="{637BCD14-BC2A-494D-A73F-A1F55D6C0721}"/>
               </a:ext>
             </a:extLst>
           </p:cNvPr>
@@ -12617,7 +12216,7 @@
           <p:cNvPr id="7" name="Content Placeholder 2">
             <a:extLst>
               <a:ext uri="{FF2B5EF4-FFF2-40B4-BE49-F238E27FC236}">
-                <a16:creationId xmlns:a16="http://schemas.microsoft.com/office/drawing/2014/main" xmlns="" id="{D0FB56EB-FCFA-416B-9DAC-D19F345A911E}"/>
+                <a16:creationId xmlns:a16="http://schemas.microsoft.com/office/drawing/2014/main" id="{D0FB56EB-FCFA-416B-9DAC-D19F345A911E}"/>
               </a:ext>
             </a:extLst>
           </p:cNvPr>
@@ -12711,7 +12310,7 @@
 </p:sld>
 </file>
 
-<file path=ppt/slides/slide27.xml><?xml version="1.0" encoding="utf-8"?>
+<file path=ppt/slides/slide26.xml><?xml version="1.0" encoding="utf-8"?>
 <p:sld xmlns:a="http://schemas.openxmlformats.org/drawingml/2006/main" xmlns:r="http://schemas.openxmlformats.org/officeDocument/2006/relationships" xmlns:p="http://schemas.openxmlformats.org/presentationml/2006/main">
   <p:cSld>
     <p:spTree>
@@ -12733,7 +12332,7 @@
           <p:cNvPr id="2" name="Title 1">
             <a:extLst>
               <a:ext uri="{FF2B5EF4-FFF2-40B4-BE49-F238E27FC236}">
-                <a16:creationId xmlns:a16="http://schemas.microsoft.com/office/drawing/2014/main" xmlns="" id="{4D96D023-FF4C-48F9-8D0D-C84356743869}"/>
+                <a16:creationId xmlns:a16="http://schemas.microsoft.com/office/drawing/2014/main" id="{4D96D023-FF4C-48F9-8D0D-C84356743869}"/>
               </a:ext>
             </a:extLst>
           </p:cNvPr>
@@ -12765,7 +12364,7 @@
           <p:cNvPr id="7" name="Content Placeholder 2">
             <a:extLst>
               <a:ext uri="{FF2B5EF4-FFF2-40B4-BE49-F238E27FC236}">
-                <a16:creationId xmlns:a16="http://schemas.microsoft.com/office/drawing/2014/main" xmlns="" id="{D0FB56EB-FCFA-416B-9DAC-D19F345A911E}"/>
+                <a16:creationId xmlns:a16="http://schemas.microsoft.com/office/drawing/2014/main" id="{D0FB56EB-FCFA-416B-9DAC-D19F345A911E}"/>
               </a:ext>
             </a:extLst>
           </p:cNvPr>
@@ -13013,7 +12612,7 @@
           <p:cNvPr id="2" name="Title 1">
             <a:extLst>
               <a:ext uri="{FF2B5EF4-FFF2-40B4-BE49-F238E27FC236}">
-                <a16:creationId xmlns:a16="http://schemas.microsoft.com/office/drawing/2014/main" xmlns="" id="{532BB36A-66E0-4644-AB8F-8DCB79605DD1}"/>
+                <a16:creationId xmlns:a16="http://schemas.microsoft.com/office/drawing/2014/main" id="{532BB36A-66E0-4644-AB8F-8DCB79605DD1}"/>
               </a:ext>
             </a:extLst>
           </p:cNvPr>
@@ -13054,7 +12653,7 @@
           <p:cNvPr id="4" name="Content Placeholder 3">
             <a:extLst>
               <a:ext uri="{FF2B5EF4-FFF2-40B4-BE49-F238E27FC236}">
-                <a16:creationId xmlns:a16="http://schemas.microsoft.com/office/drawing/2014/main" xmlns="" id="{561C8BA9-4D5B-4077-A438-4CBFA09C3FD0}"/>
+                <a16:creationId xmlns:a16="http://schemas.microsoft.com/office/drawing/2014/main" id="{561C8BA9-4D5B-4077-A438-4CBFA09C3FD0}"/>
               </a:ext>
             </a:extLst>
           </p:cNvPr>
@@ -13293,7 +12892,7 @@
           <p:cNvPr id="2" name="Title 1">
             <a:extLst>
               <a:ext uri="{FF2B5EF4-FFF2-40B4-BE49-F238E27FC236}">
-                <a16:creationId xmlns:a16="http://schemas.microsoft.com/office/drawing/2014/main" xmlns="" id="{532BB36A-66E0-4644-AB8F-8DCB79605DD1}"/>
+                <a16:creationId xmlns:a16="http://schemas.microsoft.com/office/drawing/2014/main" id="{532BB36A-66E0-4644-AB8F-8DCB79605DD1}"/>
               </a:ext>
             </a:extLst>
           </p:cNvPr>
@@ -13325,7 +12924,7 @@
           <p:cNvPr id="3" name="Content Placeholder 2">
             <a:extLst>
               <a:ext uri="{FF2B5EF4-FFF2-40B4-BE49-F238E27FC236}">
-                <a16:creationId xmlns:a16="http://schemas.microsoft.com/office/drawing/2014/main" xmlns="" id="{6E8CB243-474A-4A7D-87A0-18D4236EA148}"/>
+                <a16:creationId xmlns:a16="http://schemas.microsoft.com/office/drawing/2014/main" id="{6E8CB243-474A-4A7D-87A0-18D4236EA148}"/>
               </a:ext>
             </a:extLst>
           </p:cNvPr>
@@ -13412,7 +13011,7 @@
           <p:cNvPr id="16" name="TextBox 15">
             <a:extLst>
               <a:ext uri="{FF2B5EF4-FFF2-40B4-BE49-F238E27FC236}">
-                <a16:creationId xmlns:a16="http://schemas.microsoft.com/office/drawing/2014/main" xmlns="" id="{40B4E6AA-80A5-43B7-8A3B-BC40BD2FD27C}"/>
+                <a16:creationId xmlns:a16="http://schemas.microsoft.com/office/drawing/2014/main" id="{40B4E6AA-80A5-43B7-8A3B-BC40BD2FD27C}"/>
               </a:ext>
             </a:extLst>
           </p:cNvPr>
@@ -13445,6 +13044,14 @@
             </a:r>
             <a:r>
               <a:rPr lang="en-CA" dirty="0"/>
+              <a:t> </a:t>
+            </a:r>
+            <a:r>
+              <a:rPr lang="en-CA" dirty="0" err="1"/>
+              <a:t>dans</a:t>
+            </a:r>
+            <a:r>
+              <a:rPr lang="en-CA" dirty="0"/>
               <a:t> la </a:t>
             </a:r>
             <a:r>
@@ -13469,7 +13076,7 @@
           <p:cNvPr id="6" name="Picture 5">
             <a:extLst>
               <a:ext uri="{FF2B5EF4-FFF2-40B4-BE49-F238E27FC236}">
-                <a16:creationId xmlns:a16="http://schemas.microsoft.com/office/drawing/2014/main" xmlns="" id="{018CBFB6-5EAC-4BDF-8539-25333E89EBFA}"/>
+                <a16:creationId xmlns:a16="http://schemas.microsoft.com/office/drawing/2014/main" id="{018CBFB6-5EAC-4BDF-8539-25333E89EBFA}"/>
               </a:ext>
             </a:extLst>
           </p:cNvPr>
@@ -13534,7 +13141,7 @@
           <p:cNvPr id="2" name="Title 1">
             <a:extLst>
               <a:ext uri="{FF2B5EF4-FFF2-40B4-BE49-F238E27FC236}">
-                <a16:creationId xmlns:a16="http://schemas.microsoft.com/office/drawing/2014/main" xmlns="" id="{532BB36A-66E0-4644-AB8F-8DCB79605DD1}"/>
+                <a16:creationId xmlns:a16="http://schemas.microsoft.com/office/drawing/2014/main" id="{532BB36A-66E0-4644-AB8F-8DCB79605DD1}"/>
               </a:ext>
             </a:extLst>
           </p:cNvPr>
@@ -13571,7 +13178,7 @@
           <p:cNvPr id="3" name="Content Placeholder 2">
             <a:extLst>
               <a:ext uri="{FF2B5EF4-FFF2-40B4-BE49-F238E27FC236}">
-                <a16:creationId xmlns:a16="http://schemas.microsoft.com/office/drawing/2014/main" xmlns="" id="{6E8CB243-474A-4A7D-87A0-18D4236EA148}"/>
+                <a16:creationId xmlns:a16="http://schemas.microsoft.com/office/drawing/2014/main" id="{6E8CB243-474A-4A7D-87A0-18D4236EA148}"/>
               </a:ext>
             </a:extLst>
           </p:cNvPr>
@@ -13639,7 +13246,7 @@
           <p:cNvPr id="5" name="Picture 4">
             <a:extLst>
               <a:ext uri="{FF2B5EF4-FFF2-40B4-BE49-F238E27FC236}">
-                <a16:creationId xmlns:a16="http://schemas.microsoft.com/office/drawing/2014/main" xmlns="" id="{CE2C18C1-C5D7-480C-8F79-59D00B690E1B}"/>
+                <a16:creationId xmlns:a16="http://schemas.microsoft.com/office/drawing/2014/main" id="{CE2C18C1-C5D7-480C-8F79-59D00B690E1B}"/>
               </a:ext>
             </a:extLst>
           </p:cNvPr>
@@ -13675,7 +13282,7 @@
           <p:cNvPr id="7" name="Picture 6">
             <a:extLst>
               <a:ext uri="{FF2B5EF4-FFF2-40B4-BE49-F238E27FC236}">
-                <a16:creationId xmlns:a16="http://schemas.microsoft.com/office/drawing/2014/main" xmlns="" id="{22A885DE-18E1-40B6-BA7F-A023E434788C}"/>
+                <a16:creationId xmlns:a16="http://schemas.microsoft.com/office/drawing/2014/main" id="{22A885DE-18E1-40B6-BA7F-A023E434788C}"/>
               </a:ext>
             </a:extLst>
           </p:cNvPr>
@@ -13711,7 +13318,7 @@
           <p:cNvPr id="9" name="Picture 8">
             <a:extLst>
               <a:ext uri="{FF2B5EF4-FFF2-40B4-BE49-F238E27FC236}">
-                <a16:creationId xmlns:a16="http://schemas.microsoft.com/office/drawing/2014/main" xmlns="" id="{BC1B2C59-35C7-462B-A7C7-D1097122CBF2}"/>
+                <a16:creationId xmlns:a16="http://schemas.microsoft.com/office/drawing/2014/main" id="{BC1B2C59-35C7-462B-A7C7-D1097122CBF2}"/>
               </a:ext>
             </a:extLst>
           </p:cNvPr>
@@ -13747,7 +13354,7 @@
           <p:cNvPr id="11" name="Picture 10">
             <a:extLst>
               <a:ext uri="{FF2B5EF4-FFF2-40B4-BE49-F238E27FC236}">
-                <a16:creationId xmlns:a16="http://schemas.microsoft.com/office/drawing/2014/main" xmlns="" id="{17F26499-29A0-4245-B39C-683E323178C3}"/>
+                <a16:creationId xmlns:a16="http://schemas.microsoft.com/office/drawing/2014/main" id="{17F26499-29A0-4245-B39C-683E323178C3}"/>
               </a:ext>
             </a:extLst>
           </p:cNvPr>
@@ -13783,7 +13390,7 @@
           <p:cNvPr id="13" name="Picture 12">
             <a:extLst>
               <a:ext uri="{FF2B5EF4-FFF2-40B4-BE49-F238E27FC236}">
-                <a16:creationId xmlns:a16="http://schemas.microsoft.com/office/drawing/2014/main" xmlns="" id="{37B1D7C9-CE29-4665-B674-E6CC08883D25}"/>
+                <a16:creationId xmlns:a16="http://schemas.microsoft.com/office/drawing/2014/main" id="{37B1D7C9-CE29-4665-B674-E6CC08883D25}"/>
               </a:ext>
             </a:extLst>
           </p:cNvPr>
@@ -13819,7 +13426,7 @@
           <p:cNvPr id="15" name="Picture 14">
             <a:extLst>
               <a:ext uri="{FF2B5EF4-FFF2-40B4-BE49-F238E27FC236}">
-                <a16:creationId xmlns:a16="http://schemas.microsoft.com/office/drawing/2014/main" xmlns="" id="{DCE4A6C5-AE44-4CE6-9BB0-4BF14EC14772}"/>
+                <a16:creationId xmlns:a16="http://schemas.microsoft.com/office/drawing/2014/main" id="{DCE4A6C5-AE44-4CE6-9BB0-4BF14EC14772}"/>
               </a:ext>
             </a:extLst>
           </p:cNvPr>
@@ -13855,7 +13462,7 @@
           <p:cNvPr id="16" name="TextBox 15">
             <a:extLst>
               <a:ext uri="{FF2B5EF4-FFF2-40B4-BE49-F238E27FC236}">
-                <a16:creationId xmlns:a16="http://schemas.microsoft.com/office/drawing/2014/main" xmlns="" id="{40B4E6AA-80A5-43B7-8A3B-BC40BD2FD27C}"/>
+                <a16:creationId xmlns:a16="http://schemas.microsoft.com/office/drawing/2014/main" id="{40B4E6AA-80A5-43B7-8A3B-BC40BD2FD27C}"/>
               </a:ext>
             </a:extLst>
           </p:cNvPr>
@@ -13880,7 +13487,15 @@
           <a:p>
             <a:r>
               <a:rPr lang="en-CA" dirty="0"/>
-              <a:t>Gain </a:t>
+              <a:t>Coefficient de </a:t>
+            </a:r>
+            <a:r>
+              <a:rPr lang="en-CA" dirty="0" err="1"/>
+              <a:t>réflexion</a:t>
+            </a:r>
+            <a:r>
+              <a:rPr lang="en-CA" dirty="0"/>
+              <a:t> </a:t>
             </a:r>
             <a:r>
               <a:rPr lang="en-CA" dirty="0" err="1"/>
@@ -13896,15 +13511,7 @@
             </a:r>
             <a:r>
               <a:rPr lang="en-CA" dirty="0"/>
-              <a:t> </a:t>
-            </a:r>
-            <a:r>
-              <a:rPr lang="en-CA" dirty="0" err="1"/>
-              <a:t>passante</a:t>
-            </a:r>
-            <a:r>
-              <a:rPr lang="en-CA" dirty="0"/>
-              <a:t>:</a:t>
+              <a:t> ISM:</a:t>
             </a:r>
           </a:p>
           <a:p>
@@ -13920,7 +13527,7 @@
           <p:cNvPr id="17" name="TextBox 16">
             <a:extLst>
               <a:ext uri="{FF2B5EF4-FFF2-40B4-BE49-F238E27FC236}">
-                <a16:creationId xmlns:a16="http://schemas.microsoft.com/office/drawing/2014/main" xmlns="" id="{06B0E7E5-E4D4-4B77-AF54-E25BB74A7393}"/>
+                <a16:creationId xmlns:a16="http://schemas.microsoft.com/office/drawing/2014/main" id="{06B0E7E5-E4D4-4B77-AF54-E25BB74A7393}"/>
               </a:ext>
             </a:extLst>
           </p:cNvPr>
@@ -13929,7 +13536,7 @@
         </p:nvSpPr>
         <p:spPr>
           <a:xfrm>
-            <a:off x="9498438" y="5100057"/>
+            <a:off x="9489646" y="5100057"/>
             <a:ext cx="2802783" cy="923330"/>
           </a:xfrm>
           <a:prstGeom prst="rect">
@@ -13945,7 +13552,15 @@
           <a:p>
             <a:r>
               <a:rPr lang="en-CA" dirty="0"/>
-              <a:t>Gain </a:t>
+              <a:t>Coefficient de </a:t>
+            </a:r>
+            <a:r>
+              <a:rPr lang="en-CA" dirty="0" err="1"/>
+              <a:t>réflexion</a:t>
+            </a:r>
+            <a:r>
+              <a:rPr lang="en-CA" dirty="0"/>
+              <a:t> </a:t>
             </a:r>
             <a:r>
               <a:rPr lang="en-CA" dirty="0" err="1"/>
@@ -13961,15 +13576,7 @@
             </a:r>
             <a:r>
               <a:rPr lang="en-CA" dirty="0"/>
-              <a:t> </a:t>
-            </a:r>
-            <a:r>
-              <a:rPr lang="en-CA" dirty="0" err="1"/>
-              <a:t>passante</a:t>
-            </a:r>
-            <a:r>
-              <a:rPr lang="en-CA" dirty="0"/>
-              <a:t>:</a:t>
+              <a:t> ISM:</a:t>
             </a:r>
           </a:p>
           <a:p>
@@ -14015,7 +13622,7 @@
           <p:cNvPr id="2" name="Title 1">
             <a:extLst>
               <a:ext uri="{FF2B5EF4-FFF2-40B4-BE49-F238E27FC236}">
-                <a16:creationId xmlns:a16="http://schemas.microsoft.com/office/drawing/2014/main" xmlns="" id="{E08F6E75-2A45-4CD7-A89B-35B31D4D478A}"/>
+                <a16:creationId xmlns:a16="http://schemas.microsoft.com/office/drawing/2014/main" id="{E08F6E75-2A45-4CD7-A89B-35B31D4D478A}"/>
               </a:ext>
             </a:extLst>
           </p:cNvPr>
@@ -14037,13 +13644,8 @@
             </a:r>
             <a:r>
               <a:rPr lang="en-CA" dirty="0"/>
-              <a:t> - </a:t>
-            </a:r>
-            <a:r>
-              <a:rPr lang="en-CA" dirty="0" err="1"/>
-              <a:t>Planaires</a:t>
-            </a:r>
-            <a:endParaRPr lang="en-CA" dirty="0"/>
+              <a:t> - APPs</a:t>
+            </a:r>
           </a:p>
         </p:txBody>
       </p:sp>
@@ -14052,7 +13654,7 @@
           <p:cNvPr id="3" name="Content Placeholder 2">
             <a:extLst>
               <a:ext uri="{FF2B5EF4-FFF2-40B4-BE49-F238E27FC236}">
-                <a16:creationId xmlns:a16="http://schemas.microsoft.com/office/drawing/2014/main" xmlns="" id="{B415ED72-9909-4FA1-907A-DAF78FD34380}"/>
+                <a16:creationId xmlns:a16="http://schemas.microsoft.com/office/drawing/2014/main" id="{B415ED72-9909-4FA1-907A-DAF78FD34380}"/>
               </a:ext>
             </a:extLst>
           </p:cNvPr>
@@ -14183,7 +13785,7 @@
           <p:cNvPr id="2" name="Title 1">
             <a:extLst>
               <a:ext uri="{FF2B5EF4-FFF2-40B4-BE49-F238E27FC236}">
-                <a16:creationId xmlns:a16="http://schemas.microsoft.com/office/drawing/2014/main" xmlns="" id="{532BB36A-66E0-4644-AB8F-8DCB79605DD1}"/>
+                <a16:creationId xmlns:a16="http://schemas.microsoft.com/office/drawing/2014/main" id="{181B7A1F-D195-4CB6-AF4A-94DB2BC49CEB}"/>
               </a:ext>
             </a:extLst>
           </p:cNvPr>
@@ -14201,9 +13803,12 @@
           <a:p>
             <a:r>
               <a:rPr lang="en-CA" dirty="0" err="1"/>
-              <a:t>Antenne</a:t>
-            </a:r>
-            <a:endParaRPr lang="en-CA" dirty="0"/>
+              <a:t>Chaîne</a:t>
+            </a:r>
+            <a:r>
+              <a:rPr lang="en-CA" dirty="0"/>
+              <a:t> RF</a:t>
+            </a:r>
           </a:p>
         </p:txBody>
       </p:sp>
@@ -14212,7 +13817,7 @@
           <p:cNvPr id="3" name="Content Placeholder 2">
             <a:extLst>
               <a:ext uri="{FF2B5EF4-FFF2-40B4-BE49-F238E27FC236}">
-                <a16:creationId xmlns:a16="http://schemas.microsoft.com/office/drawing/2014/main" xmlns="" id="{6E8CB243-474A-4A7D-87A0-18D4236EA148}"/>
+                <a16:creationId xmlns:a16="http://schemas.microsoft.com/office/drawing/2014/main" id="{86306AC8-2B44-4495-982C-29052A09B7D8}"/>
               </a:ext>
             </a:extLst>
           </p:cNvPr>
@@ -14223,19 +13828,86 @@
             <p:ph idx="1"/>
           </p:nvPr>
         </p:nvSpPr>
-        <p:spPr/>
+        <p:spPr>
+          <a:xfrm>
+            <a:off x="2589212" y="2133600"/>
+            <a:ext cx="8915400" cy="3777622"/>
+          </a:xfrm>
+        </p:spPr>
         <p:txBody>
           <a:bodyPr/>
           <a:lstStyle/>
           <a:p>
-            <a:endParaRPr lang="en-CA"/>
+            <a:r>
+              <a:rPr lang="fr-CA" dirty="0"/>
+              <a:t>Défis</a:t>
+            </a:r>
+          </a:p>
+          <a:p>
+            <a:pPr lvl="1"/>
+            <a:r>
+              <a:rPr lang="fr-CA" dirty="0"/>
+              <a:t>Apprentissage des composantes		(APP2)</a:t>
+            </a:r>
+          </a:p>
+          <a:p>
+            <a:pPr lvl="1"/>
+            <a:r>
+              <a:rPr lang="fr-CA" dirty="0"/>
+              <a:t>Choix des composantes				(APP3)</a:t>
+            </a:r>
+          </a:p>
+          <a:p>
+            <a:pPr lvl="1"/>
+            <a:r>
+              <a:rPr lang="fr-CA" dirty="0"/>
+              <a:t>Choix du design d’implémentation	(APP3)</a:t>
+            </a:r>
+          </a:p>
+          <a:p>
+            <a:pPr lvl="1"/>
+            <a:r>
+              <a:rPr lang="fr-CA" dirty="0"/>
+              <a:t>Validation du système				(APP3)</a:t>
+            </a:r>
+          </a:p>
+          <a:p>
+            <a:r>
+              <a:rPr lang="fr-CA" dirty="0"/>
+              <a:t>Solutions</a:t>
+            </a:r>
+          </a:p>
+          <a:p>
+            <a:pPr lvl="1"/>
+            <a:r>
+              <a:rPr lang="fr-CA" dirty="0"/>
+              <a:t>Essais en laboratoire</a:t>
+            </a:r>
+          </a:p>
+          <a:p>
+            <a:pPr lvl="1"/>
+            <a:r>
+              <a:rPr lang="fr-CA" dirty="0"/>
+              <a:t>Caractérisation physique des composantes</a:t>
+            </a:r>
+          </a:p>
+          <a:p>
+            <a:pPr lvl="1"/>
+            <a:r>
+              <a:rPr lang="fr-CA" dirty="0"/>
+              <a:t>Chaîne de type hétérodyne double-conversion</a:t>
+            </a:r>
+          </a:p>
+          <a:p>
+            <a:pPr lvl="1"/>
+            <a:endParaRPr lang="fr-CA" dirty="0"/>
           </a:p>
         </p:txBody>
       </p:sp>
     </p:spTree>
     <p:extLst>
       <p:ext uri="{BB962C8B-B14F-4D97-AF65-F5344CB8AC3E}">
-        <p14:creationId xmlns:p14="http://schemas.microsoft.com/office/powerpoint/2010/main" val="1461233970"/>
+        <p14:creationId xmlns:p14="http://schemas.microsoft.com/office/powerpoint/2010/main" val="24966649"/>
       </p:ext>
     </p:extLst>
   </p:cSld>
@@ -14267,7 +13939,7 @@
           <p:cNvPr id="2" name="Title 1">
             <a:extLst>
               <a:ext uri="{FF2B5EF4-FFF2-40B4-BE49-F238E27FC236}">
-                <a16:creationId xmlns:a16="http://schemas.microsoft.com/office/drawing/2014/main" xmlns="" id="{181B7A1F-D195-4CB6-AF4A-94DB2BC49CEB}"/>
+                <a16:creationId xmlns:a16="http://schemas.microsoft.com/office/drawing/2014/main" id="{181B7A1F-D195-4CB6-AF4A-94DB2BC49CEB}"/>
               </a:ext>
             </a:extLst>
           </p:cNvPr>
@@ -14299,7 +13971,7 @@
           <p:cNvPr id="3" name="Content Placeholder 2">
             <a:extLst>
               <a:ext uri="{FF2B5EF4-FFF2-40B4-BE49-F238E27FC236}">
-                <a16:creationId xmlns:a16="http://schemas.microsoft.com/office/drawing/2014/main" xmlns="" id="{86306AC8-2B44-4495-982C-29052A09B7D8}"/>
+                <a16:creationId xmlns:a16="http://schemas.microsoft.com/office/drawing/2014/main" id="{86306AC8-2B44-4495-982C-29052A09B7D8}"/>
               </a:ext>
             </a:extLst>
           </p:cNvPr>
@@ -14312,160 +13984,6 @@
         </p:nvSpPr>
         <p:spPr>
           <a:xfrm>
-            <a:off x="2589212" y="2133600"/>
-            <a:ext cx="8915400" cy="3777622"/>
-          </a:xfrm>
-        </p:spPr>
-        <p:txBody>
-          <a:bodyPr/>
-          <a:lstStyle/>
-          <a:p>
-            <a:r>
-              <a:rPr lang="fr-CA" dirty="0"/>
-              <a:t>Défis</a:t>
-            </a:r>
-          </a:p>
-          <a:p>
-            <a:pPr lvl="1"/>
-            <a:r>
-              <a:rPr lang="fr-CA" dirty="0"/>
-              <a:t>Apprentissage des composantes		(APP2)</a:t>
-            </a:r>
-          </a:p>
-          <a:p>
-            <a:pPr lvl="1"/>
-            <a:r>
-              <a:rPr lang="fr-CA" dirty="0"/>
-              <a:t>Choix des composantes				(APP3)</a:t>
-            </a:r>
-          </a:p>
-          <a:p>
-            <a:pPr lvl="1"/>
-            <a:r>
-              <a:rPr lang="fr-CA" dirty="0"/>
-              <a:t>Choix du design d’implémentation	(APP3)</a:t>
-            </a:r>
-          </a:p>
-          <a:p>
-            <a:pPr lvl="1"/>
-            <a:r>
-              <a:rPr lang="fr-CA" dirty="0"/>
-              <a:t>Validation du système				(APP3)</a:t>
-            </a:r>
-          </a:p>
-          <a:p>
-            <a:r>
-              <a:rPr lang="fr-CA" dirty="0"/>
-              <a:t>Solutions</a:t>
-            </a:r>
-          </a:p>
-          <a:p>
-            <a:pPr lvl="1"/>
-            <a:r>
-              <a:rPr lang="fr-CA" dirty="0"/>
-              <a:t>Essais en laboratoire</a:t>
-            </a:r>
-          </a:p>
-          <a:p>
-            <a:pPr lvl="1"/>
-            <a:r>
-              <a:rPr lang="fr-CA" dirty="0"/>
-              <a:t>Caractérisation physique des composantes</a:t>
-            </a:r>
-          </a:p>
-          <a:p>
-            <a:pPr lvl="1"/>
-            <a:r>
-              <a:rPr lang="fr-CA" dirty="0"/>
-              <a:t>Chaîne de type hétérodyne double-conversion</a:t>
-            </a:r>
-          </a:p>
-          <a:p>
-            <a:pPr lvl="1"/>
-            <a:endParaRPr lang="fr-CA" dirty="0"/>
-          </a:p>
-        </p:txBody>
-      </p:sp>
-    </p:spTree>
-    <p:extLst>
-      <p:ext uri="{BB962C8B-B14F-4D97-AF65-F5344CB8AC3E}">
-        <p14:creationId xmlns:p14="http://schemas.microsoft.com/office/powerpoint/2010/main" val="24966649"/>
-      </p:ext>
-    </p:extLst>
-  </p:cSld>
-  <p:clrMapOvr>
-    <a:masterClrMapping/>
-  </p:clrMapOvr>
-</p:sld>
-</file>
-
-<file path=ppt/slides/slide9.xml><?xml version="1.0" encoding="utf-8"?>
-<p:sld xmlns:a="http://schemas.openxmlformats.org/drawingml/2006/main" xmlns:r="http://schemas.openxmlformats.org/officeDocument/2006/relationships" xmlns:p="http://schemas.openxmlformats.org/presentationml/2006/main">
-  <p:cSld>
-    <p:spTree>
-      <p:nvGrpSpPr>
-        <p:cNvPr id="1" name=""/>
-        <p:cNvGrpSpPr/>
-        <p:nvPr/>
-      </p:nvGrpSpPr>
-      <p:grpSpPr>
-        <a:xfrm>
-          <a:off x="0" y="0"/>
-          <a:ext cx="0" cy="0"/>
-          <a:chOff x="0" y="0"/>
-          <a:chExt cx="0" cy="0"/>
-        </a:xfrm>
-      </p:grpSpPr>
-      <p:sp>
-        <p:nvSpPr>
-          <p:cNvPr id="2" name="Title 1">
-            <a:extLst>
-              <a:ext uri="{FF2B5EF4-FFF2-40B4-BE49-F238E27FC236}">
-                <a16:creationId xmlns:a16="http://schemas.microsoft.com/office/drawing/2014/main" xmlns="" id="{181B7A1F-D195-4CB6-AF4A-94DB2BC49CEB}"/>
-              </a:ext>
-            </a:extLst>
-          </p:cNvPr>
-          <p:cNvSpPr>
-            <a:spLocks noGrp="1"/>
-          </p:cNvSpPr>
-          <p:nvPr>
-            <p:ph type="title"/>
-          </p:nvPr>
-        </p:nvSpPr>
-        <p:spPr/>
-        <p:txBody>
-          <a:bodyPr/>
-          <a:lstStyle/>
-          <a:p>
-            <a:r>
-              <a:rPr lang="en-CA" dirty="0" err="1"/>
-              <a:t>Chaîne</a:t>
-            </a:r>
-            <a:r>
-              <a:rPr lang="en-CA" dirty="0"/>
-              <a:t> RF</a:t>
-            </a:r>
-          </a:p>
-        </p:txBody>
-      </p:sp>
-      <p:sp>
-        <p:nvSpPr>
-          <p:cNvPr id="3" name="Content Placeholder 2">
-            <a:extLst>
-              <a:ext uri="{FF2B5EF4-FFF2-40B4-BE49-F238E27FC236}">
-                <a16:creationId xmlns:a16="http://schemas.microsoft.com/office/drawing/2014/main" xmlns="" id="{86306AC8-2B44-4495-982C-29052A09B7D8}"/>
-              </a:ext>
-            </a:extLst>
-          </p:cNvPr>
-          <p:cNvSpPr>
-            <a:spLocks noGrp="1"/>
-          </p:cNvSpPr>
-          <p:nvPr>
-            <p:ph idx="1"/>
-          </p:nvPr>
-        </p:nvSpPr>
-        <p:spPr>
-          <a:xfrm>
             <a:off x="2589212" y="1491028"/>
             <a:ext cx="8915400" cy="3777622"/>
           </a:xfrm>
@@ -14517,7 +14035,7 @@
           <p:cNvPr id="8" name="Picture 7">
             <a:extLst>
               <a:ext uri="{FF2B5EF4-FFF2-40B4-BE49-F238E27FC236}">
-                <a16:creationId xmlns:a16="http://schemas.microsoft.com/office/drawing/2014/main" xmlns="" id="{BC047C8A-4BFF-4952-B8C0-73AFE8337212}"/>
+                <a16:creationId xmlns:a16="http://schemas.microsoft.com/office/drawing/2014/main" id="{BC047C8A-4BFF-4952-B8C0-73AFE8337212}"/>
               </a:ext>
             </a:extLst>
           </p:cNvPr>
@@ -14553,7 +14071,7 @@
           <p:cNvPr id="10" name="Picture 9">
             <a:extLst>
               <a:ext uri="{FF2B5EF4-FFF2-40B4-BE49-F238E27FC236}">
-                <a16:creationId xmlns:a16="http://schemas.microsoft.com/office/drawing/2014/main" xmlns="" id="{57E8B973-15D0-4CEB-A8BD-3C3DF5F551CD}"/>
+                <a16:creationId xmlns:a16="http://schemas.microsoft.com/office/drawing/2014/main" id="{57E8B973-15D0-4CEB-A8BD-3C3DF5F551CD}"/>
               </a:ext>
             </a:extLst>
           </p:cNvPr>
@@ -14588,6 +14106,154 @@
     <p:extLst>
       <p:ext uri="{BB962C8B-B14F-4D97-AF65-F5344CB8AC3E}">
         <p14:creationId xmlns:p14="http://schemas.microsoft.com/office/powerpoint/2010/main" val="898126270"/>
+      </p:ext>
+    </p:extLst>
+  </p:cSld>
+  <p:clrMapOvr>
+    <a:masterClrMapping/>
+  </p:clrMapOvr>
+</p:sld>
+</file>
+
+<file path=ppt/slides/slide9.xml><?xml version="1.0" encoding="utf-8"?>
+<p:sld xmlns:a="http://schemas.openxmlformats.org/drawingml/2006/main" xmlns:r="http://schemas.openxmlformats.org/officeDocument/2006/relationships" xmlns:p="http://schemas.openxmlformats.org/presentationml/2006/main">
+  <p:cSld>
+    <p:spTree>
+      <p:nvGrpSpPr>
+        <p:cNvPr id="1" name=""/>
+        <p:cNvGrpSpPr/>
+        <p:nvPr/>
+      </p:nvGrpSpPr>
+      <p:grpSpPr>
+        <a:xfrm>
+          <a:off x="0" y="0"/>
+          <a:ext cx="0" cy="0"/>
+          <a:chOff x="0" y="0"/>
+          <a:chExt cx="0" cy="0"/>
+        </a:xfrm>
+      </p:grpSpPr>
+      <p:sp>
+        <p:nvSpPr>
+          <p:cNvPr id="2" name="Title 1">
+            <a:extLst>
+              <a:ext uri="{FF2B5EF4-FFF2-40B4-BE49-F238E27FC236}">
+                <a16:creationId xmlns:a16="http://schemas.microsoft.com/office/drawing/2014/main" id="{CB092671-ACDE-4E64-B487-381F2D0C6C2D}"/>
+              </a:ext>
+            </a:extLst>
+          </p:cNvPr>
+          <p:cNvSpPr>
+            <a:spLocks noGrp="1"/>
+          </p:cNvSpPr>
+          <p:nvPr>
+            <p:ph type="title"/>
+          </p:nvPr>
+        </p:nvSpPr>
+        <p:spPr/>
+        <p:txBody>
+          <a:bodyPr/>
+          <a:lstStyle/>
+          <a:p>
+            <a:r>
+              <a:rPr lang="fr-CA" dirty="0"/>
+              <a:t>Modem Numérique</a:t>
+            </a:r>
+          </a:p>
+        </p:txBody>
+      </p:sp>
+      <p:sp>
+        <p:nvSpPr>
+          <p:cNvPr id="3" name="Content Placeholder 2">
+            <a:extLst>
+              <a:ext uri="{FF2B5EF4-FFF2-40B4-BE49-F238E27FC236}">
+                <a16:creationId xmlns:a16="http://schemas.microsoft.com/office/drawing/2014/main" id="{C98FDD01-A6F3-46B0-A7A5-740763964552}"/>
+              </a:ext>
+            </a:extLst>
+          </p:cNvPr>
+          <p:cNvSpPr>
+            <a:spLocks noGrp="1"/>
+          </p:cNvSpPr>
+          <p:nvPr>
+            <p:ph idx="1"/>
+          </p:nvPr>
+        </p:nvSpPr>
+        <p:spPr>
+          <a:xfrm>
+            <a:off x="2517494" y="2369596"/>
+            <a:ext cx="8915400" cy="3777622"/>
+          </a:xfrm>
+        </p:spPr>
+        <p:txBody>
+          <a:bodyPr/>
+          <a:lstStyle/>
+          <a:p>
+            <a:r>
+              <a:rPr lang="fr-CA" dirty="0"/>
+              <a:t>Mauvais signal souvent causé par des délais</a:t>
+            </a:r>
+          </a:p>
+          <a:p>
+            <a:r>
+              <a:rPr lang="fr-CA" dirty="0"/>
+              <a:t>Utilisation de la librairie DSP </a:t>
+            </a:r>
+            <a:r>
+              <a:rPr lang="fr-CA" dirty="0" err="1"/>
+              <a:t>Builder</a:t>
+            </a:r>
+            <a:r>
+              <a:rPr lang="fr-CA" dirty="0"/>
+              <a:t> Standard </a:t>
+            </a:r>
+            <a:r>
+              <a:rPr lang="fr-CA" dirty="0" err="1"/>
+              <a:t>Blockset</a:t>
+            </a:r>
+            <a:r>
+              <a:rPr lang="fr-CA" dirty="0"/>
+              <a:t> uniquement</a:t>
+            </a:r>
+          </a:p>
+        </p:txBody>
+      </p:sp>
+      <p:sp>
+        <p:nvSpPr>
+          <p:cNvPr id="6" name="TextBox 2">
+            <a:extLst>
+              <a:ext uri="{FF2B5EF4-FFF2-40B4-BE49-F238E27FC236}">
+                <a16:creationId xmlns:a16="http://schemas.microsoft.com/office/drawing/2014/main" id="{42DA6C5E-FC75-4155-A6A5-19DC3943EF40}"/>
+              </a:ext>
+            </a:extLst>
+          </p:cNvPr>
+          <p:cNvSpPr txBox="1"/>
+          <p:nvPr/>
+        </p:nvSpPr>
+        <p:spPr>
+          <a:xfrm>
+            <a:off x="685800" y="1907931"/>
+            <a:ext cx="11506199" cy="461665"/>
+          </a:xfrm>
+          <a:prstGeom prst="rect">
+            <a:avLst/>
+          </a:prstGeom>
+          <a:noFill/>
+        </p:spPr>
+        <p:txBody>
+          <a:bodyPr wrap="square" rtlCol="0">
+            <a:spAutoFit/>
+          </a:bodyPr>
+          <a:lstStyle/>
+          <a:p>
+            <a:r>
+              <a:rPr lang="fr-CA" sz="2400" dirty="0"/>
+              <a:t>Difficultés rencontrées:</a:t>
+            </a:r>
+          </a:p>
+        </p:txBody>
+      </p:sp>
+    </p:spTree>
+    <p:extLst>
+      <p:ext uri="{BB962C8B-B14F-4D97-AF65-F5344CB8AC3E}">
+        <p14:creationId xmlns:p14="http://schemas.microsoft.com/office/powerpoint/2010/main" val="3869928017"/>
       </p:ext>
     </p:extLst>
   </p:cSld>
